--- a/cpuhutes.pptx
+++ b/cpuhutes.pptx
@@ -271,7 +271,7 @@
           <a:p>
             <a:fld id="{3DEB2466-714C-403F-984D-B889E18744B3}" type="datetimeFigureOut">
               <a:rPr lang="hu-HU" smtClean="0"/>
-              <a:t>2022. 09. 13.</a:t>
+              <a:t>2022.09.14.</a:t>
             </a:fld>
             <a:endParaRPr lang="hu-HU"/>
           </a:p>
@@ -471,7 +471,7 @@
           <a:p>
             <a:fld id="{3DEB2466-714C-403F-984D-B889E18744B3}" type="datetimeFigureOut">
               <a:rPr lang="hu-HU" smtClean="0"/>
-              <a:t>2022. 09. 13.</a:t>
+              <a:t>2022.09.14.</a:t>
             </a:fld>
             <a:endParaRPr lang="hu-HU"/>
           </a:p>
@@ -681,7 +681,7 @@
           <a:p>
             <a:fld id="{3DEB2466-714C-403F-984D-B889E18744B3}" type="datetimeFigureOut">
               <a:rPr lang="hu-HU" smtClean="0"/>
-              <a:t>2022. 09. 13.</a:t>
+              <a:t>2022.09.14.</a:t>
             </a:fld>
             <a:endParaRPr lang="hu-HU"/>
           </a:p>
@@ -881,7 +881,7 @@
           <a:p>
             <a:fld id="{3DEB2466-714C-403F-984D-B889E18744B3}" type="datetimeFigureOut">
               <a:rPr lang="hu-HU" smtClean="0"/>
-              <a:t>2022. 09. 13.</a:t>
+              <a:t>2022.09.14.</a:t>
             </a:fld>
             <a:endParaRPr lang="hu-HU"/>
           </a:p>
@@ -1157,7 +1157,7 @@
           <a:p>
             <a:fld id="{3DEB2466-714C-403F-984D-B889E18744B3}" type="datetimeFigureOut">
               <a:rPr lang="hu-HU" smtClean="0"/>
-              <a:t>2022. 09. 13.</a:t>
+              <a:t>2022.09.14.</a:t>
             </a:fld>
             <a:endParaRPr lang="hu-HU"/>
           </a:p>
@@ -1425,7 +1425,7 @@
           <a:p>
             <a:fld id="{3DEB2466-714C-403F-984D-B889E18744B3}" type="datetimeFigureOut">
               <a:rPr lang="hu-HU" smtClean="0"/>
-              <a:t>2022. 09. 13.</a:t>
+              <a:t>2022.09.14.</a:t>
             </a:fld>
             <a:endParaRPr lang="hu-HU"/>
           </a:p>
@@ -1840,7 +1840,7 @@
           <a:p>
             <a:fld id="{3DEB2466-714C-403F-984D-B889E18744B3}" type="datetimeFigureOut">
               <a:rPr lang="hu-HU" smtClean="0"/>
-              <a:t>2022. 09. 13.</a:t>
+              <a:t>2022.09.14.</a:t>
             </a:fld>
             <a:endParaRPr lang="hu-HU"/>
           </a:p>
@@ -1982,7 +1982,7 @@
           <a:p>
             <a:fld id="{3DEB2466-714C-403F-984D-B889E18744B3}" type="datetimeFigureOut">
               <a:rPr lang="hu-HU" smtClean="0"/>
-              <a:t>2022. 09. 13.</a:t>
+              <a:t>2022.09.14.</a:t>
             </a:fld>
             <a:endParaRPr lang="hu-HU"/>
           </a:p>
@@ -2095,7 +2095,7 @@
           <a:p>
             <a:fld id="{3DEB2466-714C-403F-984D-B889E18744B3}" type="datetimeFigureOut">
               <a:rPr lang="hu-HU" smtClean="0"/>
-              <a:t>2022. 09. 13.</a:t>
+              <a:t>2022.09.14.</a:t>
             </a:fld>
             <a:endParaRPr lang="hu-HU"/>
           </a:p>
@@ -2408,7 +2408,7 @@
           <a:p>
             <a:fld id="{3DEB2466-714C-403F-984D-B889E18744B3}" type="datetimeFigureOut">
               <a:rPr lang="hu-HU" smtClean="0"/>
-              <a:t>2022. 09. 13.</a:t>
+              <a:t>2022.09.14.</a:t>
             </a:fld>
             <a:endParaRPr lang="hu-HU"/>
           </a:p>
@@ -2697,7 +2697,7 @@
           <a:p>
             <a:fld id="{3DEB2466-714C-403F-984D-B889E18744B3}" type="datetimeFigureOut">
               <a:rPr lang="hu-HU" smtClean="0"/>
-              <a:t>2022. 09. 13.</a:t>
+              <a:t>2022.09.14.</a:t>
             </a:fld>
             <a:endParaRPr lang="hu-HU"/>
           </a:p>
@@ -2940,7 +2940,7 @@
           <a:p>
             <a:fld id="{3DEB2466-714C-403F-984D-B889E18744B3}" type="datetimeFigureOut">
               <a:rPr lang="hu-HU" smtClean="0"/>
-              <a:t>2022. 09. 13.</a:t>
+              <a:t>2022.09.14.</a:t>
             </a:fld>
             <a:endParaRPr lang="hu-HU"/>
           </a:p>
@@ -3574,6 +3574,32 @@
             </a:endParaRPr>
           </a:p>
           <a:p>
+            <a:r>
+              <a:rPr lang="hu-HU" sz="3200" dirty="0" smtClean="0">
+                <a:latin typeface="Bahnschrift Light Condensed" panose="020B0502040204020203" pitchFamily="34" charset="0"/>
+                <a:hlinkClick r:id="rId4"/>
+              </a:rPr>
+              <a:t>[Kép] https</a:t>
+            </a:r>
+            <a:r>
+              <a:rPr lang="hu-HU" sz="3200" dirty="0">
+                <a:latin typeface="Bahnschrift Light Condensed" panose="020B0502040204020203" pitchFamily="34" charset="0"/>
+                <a:hlinkClick r:id="rId4"/>
+              </a:rPr>
+              <a:t>://</a:t>
+            </a:r>
+            <a:r>
+              <a:rPr lang="hu-HU" sz="3200" dirty="0" smtClean="0">
+                <a:latin typeface="Bahnschrift Light Condensed" panose="020B0502040204020203" pitchFamily="34" charset="0"/>
+                <a:hlinkClick r:id="rId4"/>
+              </a:rPr>
+              <a:t>upload.wikimedia.org/wikipedia/commons/f/f2/CPU-cooler-10_hg.jpg</a:t>
+            </a:r>
+            <a:endParaRPr lang="hu-HU" sz="3200" dirty="0" smtClean="0">
+              <a:latin typeface="Bahnschrift Light Condensed" panose="020B0502040204020203" pitchFamily="34" charset="0"/>
+            </a:endParaRPr>
+          </a:p>
+          <a:p>
             <a:endParaRPr lang="hu-HU" sz="3200" dirty="0">
               <a:latin typeface="Bahnschrift Light Condensed" panose="020B0502040204020203" pitchFamily="34" charset="0"/>
             </a:endParaRPr>
@@ -3644,7 +3670,12 @@
             <p:ph idx="1"/>
           </p:nvPr>
         </p:nvSpPr>
-        <p:spPr/>
+        <p:spPr>
+          <a:xfrm>
+            <a:off x="838200" y="1508125"/>
+            <a:ext cx="10515600" cy="4351338"/>
+          </a:xfrm>
+        </p:spPr>
         <p:txBody>
           <a:bodyPr/>
           <a:lstStyle/>
@@ -3743,44 +3774,311 @@
             <p:ph idx="1"/>
           </p:nvPr>
         </p:nvSpPr>
-        <p:spPr/>
-        <p:txBody>
-          <a:bodyPr/>
-          <a:lstStyle/>
-          <a:p>
-            <a:pPr marL="0" indent="0">
-              <a:buNone/>
-            </a:pPr>
+        <p:spPr>
+          <a:xfrm>
+            <a:off x="838200" y="1508125"/>
+            <a:ext cx="10515600" cy="4351338"/>
+          </a:xfrm>
+        </p:spPr>
+        <p:txBody>
+          <a:bodyPr/>
+          <a:lstStyle/>
+          <a:p>
+            <a:r>
+              <a:rPr lang="hu-HU" dirty="0" smtClean="0">
+                <a:latin typeface="Bahnschrift Light Condensed" panose="020B0502040204020203" pitchFamily="34" charset="0"/>
+              </a:rPr>
+              <a:t>Léghűtés: A processzorra egy hűtőbordát szerelnek, és rá egy </a:t>
+            </a:r>
+            <a:r>
+              <a:rPr lang="hu-HU" dirty="0" err="1" smtClean="0">
+                <a:latin typeface="Bahnschrift Light Condensed" panose="020B0502040204020203" pitchFamily="34" charset="0"/>
+              </a:rPr>
+              <a:t>ventillátort</a:t>
+            </a:r>
+            <a:r>
+              <a:rPr lang="hu-HU" dirty="0" smtClean="0">
+                <a:latin typeface="Bahnschrift Light Condensed" panose="020B0502040204020203" pitchFamily="34" charset="0"/>
+              </a:rPr>
+              <a:t>, hogy hűtse a hűtőbordát.</a:t>
+            </a:r>
+            <a:endParaRPr lang="hu-HU" dirty="0">
+              <a:latin typeface="Bahnschrift Light Condensed" panose="020B0502040204020203" pitchFamily="34" charset="0"/>
+            </a:endParaRPr>
+          </a:p>
+          <a:p>
+            <a:r>
+              <a:rPr lang="hu-HU" dirty="0" smtClean="0">
+                <a:latin typeface="Bahnschrift Light Condensed" panose="020B0502040204020203" pitchFamily="34" charset="0"/>
+              </a:rPr>
+              <a:t>Vízhűtés: Csövekben hűtőfolyadékot cirkulálnak, így magasabb hűtéshatékonyságo</a:t>
+            </a:r>
+            <a:r>
+              <a:rPr lang="hu-HU" dirty="0" smtClean="0">
+                <a:latin typeface="Bahnschrift Light Condensed" panose="020B0502040204020203" pitchFamily="34" charset="0"/>
+              </a:rPr>
+              <a:t>t ér el.</a:t>
+            </a:r>
+            <a:endParaRPr lang="hu-HU" dirty="0">
+              <a:latin typeface="Bahnschrift Light Condensed" panose="020B0502040204020203" pitchFamily="34" charset="0"/>
+            </a:endParaRPr>
+          </a:p>
+          <a:p>
             <a:r>
               <a:rPr lang="hu-HU" dirty="0">
                 <a:latin typeface="Bahnschrift Light Condensed" panose="020B0502040204020203" pitchFamily="34" charset="0"/>
               </a:rPr>
-              <a:t>- Legközismertebb technológiák</a:t>
-            </a:r>
-          </a:p>
-          <a:p>
-            <a:r>
-              <a:rPr lang="hu-HU" dirty="0">
+              <a:t>Passzív</a:t>
+            </a:r>
+            <a:r>
+              <a:rPr lang="hu-HU" dirty="0" smtClean="0">
                 <a:latin typeface="Bahnschrift Light Condensed" panose="020B0502040204020203" pitchFamily="34" charset="0"/>
               </a:rPr>
-              <a:t>Léghűtés:</a:t>
-            </a:r>
-          </a:p>
-          <a:p>
-            <a:r>
-              <a:rPr lang="hu-HU" dirty="0">
+              <a:t>: A processzorra egy hűtőbordát szerelnek, de nem illesztenek rá egy </a:t>
+            </a:r>
+            <a:r>
+              <a:rPr lang="hu-HU" dirty="0" err="1" smtClean="0">
                 <a:latin typeface="Bahnschrift Light Condensed" panose="020B0502040204020203" pitchFamily="34" charset="0"/>
               </a:rPr>
-              <a:t>Vízhűtés:</a:t>
-            </a:r>
-          </a:p>
-          <a:p>
-            <a:r>
-              <a:rPr lang="hu-HU" dirty="0">
+              <a:t>ventillátort</a:t>
+            </a:r>
+            <a:r>
+              <a:rPr lang="hu-HU" dirty="0" smtClean="0">
                 <a:latin typeface="Bahnschrift Light Condensed" panose="020B0502040204020203" pitchFamily="34" charset="0"/>
               </a:rPr>
-              <a:t>Passzív:</a:t>
-            </a:r>
+              <a:t>.</a:t>
+            </a:r>
+            <a:endParaRPr lang="hu-HU" dirty="0">
+              <a:latin typeface="Bahnschrift Light Condensed" panose="020B0502040204020203" pitchFamily="34" charset="0"/>
+            </a:endParaRPr>
+          </a:p>
+        </p:txBody>
+      </p:sp>
+      <p:pic>
+        <p:nvPicPr>
+          <p:cNvPr id="1028" name="Picture 4" descr="File:CPU-cooler-10 hg.jpg - Wikimedia Commons"/>
+          <p:cNvPicPr>
+            <a:picLocks noChangeAspect="1" noChangeArrowheads="1"/>
+          </p:cNvPicPr>
+          <p:nvPr/>
+        </p:nvPicPr>
+        <p:blipFill>
+          <a:blip r:embed="rId2" cstate="print">
+            <a:extLst>
+              <a:ext uri="{28A0092B-C50C-407E-A947-70E740481C1C}">
+                <a14:useLocalDpi xmlns:a14="http://schemas.microsoft.com/office/drawing/2010/main" val="0"/>
+              </a:ext>
+            </a:extLst>
+          </a:blip>
+          <a:srcRect/>
+          <a:stretch>
+            <a:fillRect/>
+          </a:stretch>
+        </p:blipFill>
+        <p:spPr bwMode="auto">
+          <a:xfrm>
+            <a:off x="2693305" y="3810000"/>
+            <a:ext cx="2526385" cy="2298700"/>
+          </a:xfrm>
+          <a:prstGeom prst="rect">
+            <a:avLst/>
+          </a:prstGeom>
+          <a:noFill/>
+          <a:extLst>
+            <a:ext uri="{909E8E84-426E-40DD-AFC4-6F175D3DCCD1}">
+              <a14:hiddenFill xmlns:a14="http://schemas.microsoft.com/office/drawing/2010/main">
+                <a:solidFill>
+                  <a:srgbClr val="FFFFFF"/>
+                </a:solidFill>
+              </a14:hiddenFill>
+            </a:ext>
+          </a:extLst>
+        </p:spPr>
+      </p:pic>
+      <p:sp>
+        <p:nvSpPr>
+          <p:cNvPr id="4" name="Szövegdoboz 3"/>
+          <p:cNvSpPr txBox="1"/>
+          <p:nvPr/>
+        </p:nvSpPr>
+        <p:spPr>
+          <a:xfrm>
+            <a:off x="2693301" y="6104732"/>
+            <a:ext cx="2526385" cy="477054"/>
+          </a:xfrm>
+          <a:prstGeom prst="rect">
+            <a:avLst/>
+          </a:prstGeom>
+          <a:noFill/>
+        </p:spPr>
+        <p:txBody>
+          <a:bodyPr wrap="square" rtlCol="0">
+            <a:spAutoFit/>
+          </a:bodyPr>
+          <a:lstStyle/>
+          <a:p>
+            <a:pPr algn="ctr"/>
+            <a:r>
+              <a:rPr lang="hu-HU" sz="2500" dirty="0" smtClean="0">
+                <a:latin typeface="Bahnschrift Light Condensed" panose="020B0502040204020203" pitchFamily="34" charset="0"/>
+              </a:rPr>
+              <a:t>Léghűtéses CPU hűtő</a:t>
+            </a:r>
+            <a:endParaRPr lang="hu-HU" sz="2500" dirty="0">
+              <a:latin typeface="Bahnschrift Light Condensed" panose="020B0502040204020203" pitchFamily="34" charset="0"/>
+            </a:endParaRPr>
+          </a:p>
+        </p:txBody>
+      </p:sp>
+      <p:pic>
+        <p:nvPicPr>
+          <p:cNvPr id="1030" name="Picture 6" descr="File:Processor-water cooling unit.jpg"/>
+          <p:cNvPicPr>
+            <a:picLocks noChangeAspect="1" noChangeArrowheads="1"/>
+          </p:cNvPicPr>
+          <p:nvPr/>
+        </p:nvPicPr>
+        <p:blipFill>
+          <a:blip r:embed="rId3">
+            <a:extLst>
+              <a:ext uri="{28A0092B-C50C-407E-A947-70E740481C1C}">
+                <a14:useLocalDpi xmlns:a14="http://schemas.microsoft.com/office/drawing/2010/main" val="0"/>
+              </a:ext>
+            </a:extLst>
+          </a:blip>
+          <a:srcRect/>
+          <a:stretch>
+            <a:fillRect/>
+          </a:stretch>
+        </p:blipFill>
+        <p:spPr bwMode="auto">
+          <a:xfrm>
+            <a:off x="5700810" y="3989838"/>
+            <a:ext cx="2819859" cy="2114894"/>
+          </a:xfrm>
+          <a:prstGeom prst="rect">
+            <a:avLst/>
+          </a:prstGeom>
+          <a:noFill/>
+          <a:extLst>
+            <a:ext uri="{909E8E84-426E-40DD-AFC4-6F175D3DCCD1}">
+              <a14:hiddenFill xmlns:a14="http://schemas.microsoft.com/office/drawing/2010/main">
+                <a:solidFill>
+                  <a:srgbClr val="FFFFFF"/>
+                </a:solidFill>
+              </a14:hiddenFill>
+            </a:ext>
+          </a:extLst>
+        </p:spPr>
+      </p:pic>
+      <p:sp>
+        <p:nvSpPr>
+          <p:cNvPr id="5" name="Szövegdoboz 4"/>
+          <p:cNvSpPr txBox="1"/>
+          <p:nvPr/>
+        </p:nvSpPr>
+        <p:spPr>
+          <a:xfrm>
+            <a:off x="5700810" y="6104732"/>
+            <a:ext cx="2819859" cy="477054"/>
+          </a:xfrm>
+          <a:prstGeom prst="rect">
+            <a:avLst/>
+          </a:prstGeom>
+          <a:noFill/>
+        </p:spPr>
+        <p:txBody>
+          <a:bodyPr wrap="square" rtlCol="0">
+            <a:spAutoFit/>
+          </a:bodyPr>
+          <a:lstStyle/>
+          <a:p>
+            <a:pPr algn="ctr"/>
+            <a:r>
+              <a:rPr lang="hu-HU" sz="2500" dirty="0" smtClean="0">
+                <a:latin typeface="Bahnschrift Light Condensed" panose="020B0502040204020203" pitchFamily="34" charset="0"/>
+              </a:rPr>
+              <a:t>Vízhűtéses CPU hűtő</a:t>
+            </a:r>
+            <a:endParaRPr lang="hu-HU" sz="2500" dirty="0">
+              <a:latin typeface="Bahnschrift Light Condensed" panose="020B0502040204020203" pitchFamily="34" charset="0"/>
+            </a:endParaRPr>
+          </a:p>
+        </p:txBody>
+      </p:sp>
+      <p:pic>
+        <p:nvPicPr>
+          <p:cNvPr id="1032" name="Picture 8" descr="File:Copper heat sink with pipes.jpg - Wikimedia Commons"/>
+          <p:cNvPicPr>
+            <a:picLocks noChangeAspect="1" noChangeArrowheads="1"/>
+          </p:cNvPicPr>
+          <p:nvPr/>
+        </p:nvPicPr>
+        <p:blipFill>
+          <a:blip r:embed="rId4" cstate="print">
+            <a:extLst>
+              <a:ext uri="{28A0092B-C50C-407E-A947-70E740481C1C}">
+                <a14:useLocalDpi xmlns:a14="http://schemas.microsoft.com/office/drawing/2010/main" val="0"/>
+              </a:ext>
+            </a:extLst>
+          </a:blip>
+          <a:srcRect/>
+          <a:stretch>
+            <a:fillRect/>
+          </a:stretch>
+        </p:blipFill>
+        <p:spPr bwMode="auto">
+          <a:xfrm>
+            <a:off x="9001793" y="3989838"/>
+            <a:ext cx="2935061" cy="2114894"/>
+          </a:xfrm>
+          <a:prstGeom prst="rect">
+            <a:avLst/>
+          </a:prstGeom>
+          <a:noFill/>
+          <a:extLst>
+            <a:ext uri="{909E8E84-426E-40DD-AFC4-6F175D3DCCD1}">
+              <a14:hiddenFill xmlns:a14="http://schemas.microsoft.com/office/drawing/2010/main">
+                <a:solidFill>
+                  <a:srgbClr val="FFFFFF"/>
+                </a:solidFill>
+              </a14:hiddenFill>
+            </a:ext>
+          </a:extLst>
+        </p:spPr>
+      </p:pic>
+      <p:sp>
+        <p:nvSpPr>
+          <p:cNvPr id="6" name="Szövegdoboz 5"/>
+          <p:cNvSpPr txBox="1"/>
+          <p:nvPr/>
+        </p:nvSpPr>
+        <p:spPr>
+          <a:xfrm>
+            <a:off x="9001789" y="6100764"/>
+            <a:ext cx="2935061" cy="477054"/>
+          </a:xfrm>
+          <a:prstGeom prst="rect">
+            <a:avLst/>
+          </a:prstGeom>
+          <a:noFill/>
+        </p:spPr>
+        <p:txBody>
+          <a:bodyPr wrap="square" rtlCol="0">
+            <a:spAutoFit/>
+          </a:bodyPr>
+          <a:lstStyle/>
+          <a:p>
+            <a:pPr algn="ctr"/>
+            <a:r>
+              <a:rPr lang="hu-HU" sz="2500" dirty="0" smtClean="0">
+                <a:latin typeface="Bahnschrift Light Condensed" panose="020B0502040204020203" pitchFamily="34" charset="0"/>
+              </a:rPr>
+              <a:t>Passzív CPU hűtő</a:t>
+            </a:r>
+            <a:endParaRPr lang="hu-HU" sz="2500" dirty="0">
+              <a:latin typeface="Bahnschrift Light Condensed" panose="020B0502040204020203" pitchFamily="34" charset="0"/>
+            </a:endParaRPr>
           </a:p>
         </p:txBody>
       </p:sp>
@@ -3829,7 +4127,15 @@
           <a:bodyPr/>
           <a:lstStyle/>
           <a:p>
-            <a:endParaRPr lang="hu-HU"/>
+            <a:r>
+              <a:rPr lang="hu-HU" dirty="0" smtClean="0">
+                <a:latin typeface="Bahnschrift Light Condensed" panose="020B0502040204020203" pitchFamily="34" charset="0"/>
+              </a:rPr>
+              <a:t>Léghűtés előnyei és hátrányai</a:t>
+            </a:r>
+            <a:endParaRPr lang="hu-HU" dirty="0">
+              <a:latin typeface="Bahnschrift Light Condensed" panose="020B0502040204020203" pitchFamily="34" charset="0"/>
+            </a:endParaRPr>
           </a:p>
         </p:txBody>
       </p:sp>
@@ -3848,7 +4154,7 @@
           <a:bodyPr/>
           <a:lstStyle/>
           <a:p>
-            <a:endParaRPr lang="hu-HU"/>
+            <a:endParaRPr lang="hu-HU" dirty="0"/>
           </a:p>
         </p:txBody>
       </p:sp>

--- a/cpuhutes.pptx
+++ b/cpuhutes.pptx
@@ -271,7 +271,7 @@
           <a:p>
             <a:fld id="{3DEB2466-714C-403F-984D-B889E18744B3}" type="datetimeFigureOut">
               <a:rPr lang="hu-HU" smtClean="0"/>
-              <a:t>2022.09.14.</a:t>
+              <a:t>2022.09.15.</a:t>
             </a:fld>
             <a:endParaRPr lang="hu-HU"/>
           </a:p>
@@ -471,7 +471,7 @@
           <a:p>
             <a:fld id="{3DEB2466-714C-403F-984D-B889E18744B3}" type="datetimeFigureOut">
               <a:rPr lang="hu-HU" smtClean="0"/>
-              <a:t>2022.09.14.</a:t>
+              <a:t>2022.09.15.</a:t>
             </a:fld>
             <a:endParaRPr lang="hu-HU"/>
           </a:p>
@@ -681,7 +681,7 @@
           <a:p>
             <a:fld id="{3DEB2466-714C-403F-984D-B889E18744B3}" type="datetimeFigureOut">
               <a:rPr lang="hu-HU" smtClean="0"/>
-              <a:t>2022.09.14.</a:t>
+              <a:t>2022.09.15.</a:t>
             </a:fld>
             <a:endParaRPr lang="hu-HU"/>
           </a:p>
@@ -881,7 +881,7 @@
           <a:p>
             <a:fld id="{3DEB2466-714C-403F-984D-B889E18744B3}" type="datetimeFigureOut">
               <a:rPr lang="hu-HU" smtClean="0"/>
-              <a:t>2022.09.14.</a:t>
+              <a:t>2022.09.15.</a:t>
             </a:fld>
             <a:endParaRPr lang="hu-HU"/>
           </a:p>
@@ -1157,7 +1157,7 @@
           <a:p>
             <a:fld id="{3DEB2466-714C-403F-984D-B889E18744B3}" type="datetimeFigureOut">
               <a:rPr lang="hu-HU" smtClean="0"/>
-              <a:t>2022.09.14.</a:t>
+              <a:t>2022.09.15.</a:t>
             </a:fld>
             <a:endParaRPr lang="hu-HU"/>
           </a:p>
@@ -1425,7 +1425,7 @@
           <a:p>
             <a:fld id="{3DEB2466-714C-403F-984D-B889E18744B3}" type="datetimeFigureOut">
               <a:rPr lang="hu-HU" smtClean="0"/>
-              <a:t>2022.09.14.</a:t>
+              <a:t>2022.09.15.</a:t>
             </a:fld>
             <a:endParaRPr lang="hu-HU"/>
           </a:p>
@@ -1840,7 +1840,7 @@
           <a:p>
             <a:fld id="{3DEB2466-714C-403F-984D-B889E18744B3}" type="datetimeFigureOut">
               <a:rPr lang="hu-HU" smtClean="0"/>
-              <a:t>2022.09.14.</a:t>
+              <a:t>2022.09.15.</a:t>
             </a:fld>
             <a:endParaRPr lang="hu-HU"/>
           </a:p>
@@ -1982,7 +1982,7 @@
           <a:p>
             <a:fld id="{3DEB2466-714C-403F-984D-B889E18744B3}" type="datetimeFigureOut">
               <a:rPr lang="hu-HU" smtClean="0"/>
-              <a:t>2022.09.14.</a:t>
+              <a:t>2022.09.15.</a:t>
             </a:fld>
             <a:endParaRPr lang="hu-HU"/>
           </a:p>
@@ -2095,7 +2095,7 @@
           <a:p>
             <a:fld id="{3DEB2466-714C-403F-984D-B889E18744B3}" type="datetimeFigureOut">
               <a:rPr lang="hu-HU" smtClean="0"/>
-              <a:t>2022.09.14.</a:t>
+              <a:t>2022.09.15.</a:t>
             </a:fld>
             <a:endParaRPr lang="hu-HU"/>
           </a:p>
@@ -2408,7 +2408,7 @@
           <a:p>
             <a:fld id="{3DEB2466-714C-403F-984D-B889E18744B3}" type="datetimeFigureOut">
               <a:rPr lang="hu-HU" smtClean="0"/>
-              <a:t>2022.09.14.</a:t>
+              <a:t>2022.09.15.</a:t>
             </a:fld>
             <a:endParaRPr lang="hu-HU"/>
           </a:p>
@@ -2697,7 +2697,7 @@
           <a:p>
             <a:fld id="{3DEB2466-714C-403F-984D-B889E18744B3}" type="datetimeFigureOut">
               <a:rPr lang="hu-HU" smtClean="0"/>
-              <a:t>2022.09.14.</a:t>
+              <a:t>2022.09.15.</a:t>
             </a:fld>
             <a:endParaRPr lang="hu-HU"/>
           </a:p>
@@ -2940,7 +2940,7 @@
           <a:p>
             <a:fld id="{3DEB2466-714C-403F-984D-B889E18744B3}" type="datetimeFigureOut">
               <a:rPr lang="hu-HU" smtClean="0"/>
-              <a:t>2022.09.14.</a:t>
+              <a:t>2022.09.15.</a:t>
             </a:fld>
             <a:endParaRPr lang="hu-HU"/>
           </a:p>
@@ -3567,40 +3567,78 @@
                 <a:latin typeface="Bahnschrift Light Condensed" panose="020B0502040204020203" pitchFamily="34" charset="0"/>
                 <a:hlinkClick r:id="rId3"/>
               </a:rPr>
-              <a:t>https://hu.wikipedia.org/wiki/Central_processing_unit#A_processzor_h%C5%B1t%C3%A9se</a:t>
-            </a:r>
-            <a:endParaRPr lang="hu-HU" sz="3200" dirty="0">
+              <a:t>https://</a:t>
+            </a:r>
+            <a:r>
+              <a:rPr lang="hu-HU" sz="3200" dirty="0" smtClean="0">
+                <a:latin typeface="Bahnschrift Light Condensed" panose="020B0502040204020203" pitchFamily="34" charset="0"/>
+                <a:hlinkClick r:id="rId3"/>
+              </a:rPr>
+              <a:t>hu.wikipedia.org/wiki/Central_processing_unit#A_processzor_h%C5%B1t%C3%A9se</a:t>
+            </a:r>
+            <a:endParaRPr lang="hu-HU" sz="3200" dirty="0" smtClean="0">
               <a:latin typeface="Bahnschrift Light Condensed" panose="020B0502040204020203" pitchFamily="34" charset="0"/>
             </a:endParaRPr>
           </a:p>
           <a:p>
+            <a:r>
+              <a:rPr lang="hu-HU" sz="3200" dirty="0">
+                <a:latin typeface="Bahnschrift Light Condensed" panose="020B0502040204020203" pitchFamily="34" charset="0"/>
+                <a:hlinkClick r:id="rId4"/>
+              </a:rPr>
+              <a:t>https://</a:t>
+            </a:r>
             <a:r>
               <a:rPr lang="hu-HU" sz="3200" dirty="0" smtClean="0">
                 <a:latin typeface="Bahnschrift Light Condensed" panose="020B0502040204020203" pitchFamily="34" charset="0"/>
                 <a:hlinkClick r:id="rId4"/>
               </a:rPr>
-              <a:t>[Kép] https</a:t>
-            </a:r>
-            <a:r>
-              <a:rPr lang="hu-HU" sz="3200" dirty="0">
-                <a:latin typeface="Bahnschrift Light Condensed" panose="020B0502040204020203" pitchFamily="34" charset="0"/>
-                <a:hlinkClick r:id="rId4"/>
-              </a:rPr>
-              <a:t>://</a:t>
-            </a:r>
-            <a:r>
-              <a:rPr lang="hu-HU" sz="3200" dirty="0" smtClean="0">
-                <a:latin typeface="Bahnschrift Light Condensed" panose="020B0502040204020203" pitchFamily="34" charset="0"/>
-                <a:hlinkClick r:id="rId4"/>
-              </a:rPr>
-              <a:t>upload.wikimedia.org/wikipedia/commons/f/f2/CPU-cooler-10_hg.jpg</a:t>
+              <a:t>www.intel.com/content/www/us/en/gaming/resources/cpu-cooler-liquid-cooling-vs-air-cooling.html</a:t>
             </a:r>
             <a:endParaRPr lang="hu-HU" sz="3200" dirty="0" smtClean="0">
               <a:latin typeface="Bahnschrift Light Condensed" panose="020B0502040204020203" pitchFamily="34" charset="0"/>
             </a:endParaRPr>
           </a:p>
           <a:p>
-            <a:endParaRPr lang="hu-HU" sz="3200" dirty="0">
+            <a:r>
+              <a:rPr lang="hu-HU" sz="3200" dirty="0">
+                <a:latin typeface="Bahnschrift Light Condensed" panose="020B0502040204020203" pitchFamily="34" charset="0"/>
+                <a:hlinkClick r:id="rId5"/>
+              </a:rPr>
+              <a:t>https://</a:t>
+            </a:r>
+            <a:r>
+              <a:rPr lang="hu-HU" sz="3200" dirty="0" smtClean="0">
+                <a:latin typeface="Bahnschrift Light Condensed" panose="020B0502040204020203" pitchFamily="34" charset="0"/>
+                <a:hlinkClick r:id="rId5"/>
+              </a:rPr>
+              <a:t>en.wikipedia.org/wiki/Dynamic_frequency_scaling</a:t>
+            </a:r>
+            <a:endParaRPr lang="hu-HU" sz="3200" dirty="0" smtClean="0">
+              <a:latin typeface="Bahnschrift Light Condensed" panose="020B0502040204020203" pitchFamily="34" charset="0"/>
+            </a:endParaRPr>
+          </a:p>
+          <a:p>
+            <a:r>
+              <a:rPr lang="hu-HU" sz="3200" dirty="0">
+                <a:latin typeface="Bahnschrift Light Condensed" panose="020B0502040204020203" pitchFamily="34" charset="0"/>
+                <a:hlinkClick r:id="rId6"/>
+              </a:rPr>
+              <a:t>https://</a:t>
+            </a:r>
+            <a:r>
+              <a:rPr lang="hu-HU" sz="3200" dirty="0" smtClean="0">
+                <a:latin typeface="Bahnschrift Light Condensed" panose="020B0502040204020203" pitchFamily="34" charset="0"/>
+                <a:hlinkClick r:id="rId6"/>
+              </a:rPr>
+              <a:t>en.wikipedia.org/wiki/Power_management</a:t>
+            </a:r>
+            <a:endParaRPr lang="hu-HU" sz="3200" dirty="0" smtClean="0">
+              <a:latin typeface="Bahnschrift Light Condensed" panose="020B0502040204020203" pitchFamily="34" charset="0"/>
+            </a:endParaRPr>
+          </a:p>
+          <a:p>
+            <a:endParaRPr lang="hu-HU" sz="3200" dirty="0" smtClean="0">
               <a:latin typeface="Bahnschrift Light Condensed" panose="020B0502040204020203" pitchFamily="34" charset="0"/>
             </a:endParaRPr>
           </a:p>
@@ -3616,6 +3654,13 @@
   <p:clrMapOvr>
     <a:masterClrMapping/>
   </p:clrMapOvr>
+  <p:timing>
+    <p:tnLst>
+      <p:par>
+        <p:cTn id="1" dur="indefinite" restart="never" nodeType="tmRoot"/>
+      </p:par>
+    </p:tnLst>
+  </p:timing>
 </p:sld>
 </file>
 
@@ -3720,6 +3765,345 @@
   <p:clrMapOvr>
     <a:masterClrMapping/>
   </p:clrMapOvr>
+  <p:timing>
+    <p:tnLst>
+      <p:par>
+        <p:cTn id="1" dur="indefinite" restart="never" nodeType="tmRoot">
+          <p:childTnLst>
+            <p:seq concurrent="1" nextAc="seek">
+              <p:cTn id="2" dur="indefinite" nodeType="mainSeq">
+                <p:childTnLst>
+                  <p:par>
+                    <p:cTn id="3" fill="hold">
+                      <p:stCondLst>
+                        <p:cond delay="indefinite"/>
+                      </p:stCondLst>
+                      <p:childTnLst>
+                        <p:par>
+                          <p:cTn id="4" fill="hold">
+                            <p:stCondLst>
+                              <p:cond delay="0"/>
+                            </p:stCondLst>
+                            <p:childTnLst>
+                              <p:par>
+                                <p:cTn id="5" presetID="2" presetClass="entr" presetSubtype="8" fill="hold" nodeType="clickEffect">
+                                  <p:stCondLst>
+                                    <p:cond delay="0"/>
+                                  </p:stCondLst>
+                                  <p:childTnLst>
+                                    <p:set>
+                                      <p:cBhvr>
+                                        <p:cTn id="6" dur="1" fill="hold">
+                                          <p:stCondLst>
+                                            <p:cond delay="0"/>
+                                          </p:stCondLst>
+                                        </p:cTn>
+                                        <p:tgtEl>
+                                          <p:spTgt spid="3">
+                                            <p:txEl>
+                                              <p:pRg st="0" end="0"/>
+                                            </p:txEl>
+                                          </p:spTgt>
+                                        </p:tgtEl>
+                                        <p:attrNameLst>
+                                          <p:attrName>style.visibility</p:attrName>
+                                        </p:attrNameLst>
+                                      </p:cBhvr>
+                                      <p:to>
+                                        <p:strVal val="visible"/>
+                                      </p:to>
+                                    </p:set>
+                                    <p:anim calcmode="lin" valueType="num">
+                                      <p:cBhvr additive="base">
+                                        <p:cTn id="7" dur="500" fill="hold"/>
+                                        <p:tgtEl>
+                                          <p:spTgt spid="3">
+                                            <p:txEl>
+                                              <p:pRg st="0" end="0"/>
+                                            </p:txEl>
+                                          </p:spTgt>
+                                        </p:tgtEl>
+                                        <p:attrNameLst>
+                                          <p:attrName>ppt_x</p:attrName>
+                                        </p:attrNameLst>
+                                      </p:cBhvr>
+                                      <p:tavLst>
+                                        <p:tav tm="0">
+                                          <p:val>
+                                            <p:strVal val="0-#ppt_w/2"/>
+                                          </p:val>
+                                        </p:tav>
+                                        <p:tav tm="100000">
+                                          <p:val>
+                                            <p:strVal val="#ppt_x"/>
+                                          </p:val>
+                                        </p:tav>
+                                      </p:tavLst>
+                                    </p:anim>
+                                    <p:anim calcmode="lin" valueType="num">
+                                      <p:cBhvr additive="base">
+                                        <p:cTn id="8" dur="500" fill="hold"/>
+                                        <p:tgtEl>
+                                          <p:spTgt spid="3">
+                                            <p:txEl>
+                                              <p:pRg st="0" end="0"/>
+                                            </p:txEl>
+                                          </p:spTgt>
+                                        </p:tgtEl>
+                                        <p:attrNameLst>
+                                          <p:attrName>ppt_y</p:attrName>
+                                        </p:attrNameLst>
+                                      </p:cBhvr>
+                                      <p:tavLst>
+                                        <p:tav tm="0">
+                                          <p:val>
+                                            <p:strVal val="#ppt_y"/>
+                                          </p:val>
+                                        </p:tav>
+                                        <p:tav tm="100000">
+                                          <p:val>
+                                            <p:strVal val="#ppt_y"/>
+                                          </p:val>
+                                        </p:tav>
+                                      </p:tavLst>
+                                    </p:anim>
+                                  </p:childTnLst>
+                                </p:cTn>
+                              </p:par>
+                            </p:childTnLst>
+                          </p:cTn>
+                        </p:par>
+                      </p:childTnLst>
+                    </p:cTn>
+                  </p:par>
+                  <p:par>
+                    <p:cTn id="9" fill="hold">
+                      <p:stCondLst>
+                        <p:cond delay="indefinite"/>
+                      </p:stCondLst>
+                      <p:childTnLst>
+                        <p:par>
+                          <p:cTn id="10" fill="hold">
+                            <p:stCondLst>
+                              <p:cond delay="0"/>
+                            </p:stCondLst>
+                            <p:childTnLst>
+                              <p:par>
+                                <p:cTn id="11" presetID="2" presetClass="entr" presetSubtype="8" fill="hold" nodeType="clickEffect">
+                                  <p:stCondLst>
+                                    <p:cond delay="0"/>
+                                  </p:stCondLst>
+                                  <p:childTnLst>
+                                    <p:set>
+                                      <p:cBhvr>
+                                        <p:cTn id="12" dur="1" fill="hold">
+                                          <p:stCondLst>
+                                            <p:cond delay="0"/>
+                                          </p:stCondLst>
+                                        </p:cTn>
+                                        <p:tgtEl>
+                                          <p:spTgt spid="3">
+                                            <p:txEl>
+                                              <p:pRg st="1" end="1"/>
+                                            </p:txEl>
+                                          </p:spTgt>
+                                        </p:tgtEl>
+                                        <p:attrNameLst>
+                                          <p:attrName>style.visibility</p:attrName>
+                                        </p:attrNameLst>
+                                      </p:cBhvr>
+                                      <p:to>
+                                        <p:strVal val="visible"/>
+                                      </p:to>
+                                    </p:set>
+                                    <p:anim calcmode="lin" valueType="num">
+                                      <p:cBhvr additive="base">
+                                        <p:cTn id="13" dur="500" fill="hold"/>
+                                        <p:tgtEl>
+                                          <p:spTgt spid="3">
+                                            <p:txEl>
+                                              <p:pRg st="1" end="1"/>
+                                            </p:txEl>
+                                          </p:spTgt>
+                                        </p:tgtEl>
+                                        <p:attrNameLst>
+                                          <p:attrName>ppt_x</p:attrName>
+                                        </p:attrNameLst>
+                                      </p:cBhvr>
+                                      <p:tavLst>
+                                        <p:tav tm="0">
+                                          <p:val>
+                                            <p:strVal val="0-#ppt_w/2"/>
+                                          </p:val>
+                                        </p:tav>
+                                        <p:tav tm="100000">
+                                          <p:val>
+                                            <p:strVal val="#ppt_x"/>
+                                          </p:val>
+                                        </p:tav>
+                                      </p:tavLst>
+                                    </p:anim>
+                                    <p:anim calcmode="lin" valueType="num">
+                                      <p:cBhvr additive="base">
+                                        <p:cTn id="14" dur="500" fill="hold"/>
+                                        <p:tgtEl>
+                                          <p:spTgt spid="3">
+                                            <p:txEl>
+                                              <p:pRg st="1" end="1"/>
+                                            </p:txEl>
+                                          </p:spTgt>
+                                        </p:tgtEl>
+                                        <p:attrNameLst>
+                                          <p:attrName>ppt_y</p:attrName>
+                                        </p:attrNameLst>
+                                      </p:cBhvr>
+                                      <p:tavLst>
+                                        <p:tav tm="0">
+                                          <p:val>
+                                            <p:strVal val="#ppt_y"/>
+                                          </p:val>
+                                        </p:tav>
+                                        <p:tav tm="100000">
+                                          <p:val>
+                                            <p:strVal val="#ppt_y"/>
+                                          </p:val>
+                                        </p:tav>
+                                      </p:tavLst>
+                                    </p:anim>
+                                  </p:childTnLst>
+                                </p:cTn>
+                              </p:par>
+                            </p:childTnLst>
+                          </p:cTn>
+                        </p:par>
+                      </p:childTnLst>
+                    </p:cTn>
+                  </p:par>
+                  <p:par>
+                    <p:cTn id="15" fill="hold">
+                      <p:stCondLst>
+                        <p:cond delay="indefinite"/>
+                      </p:stCondLst>
+                      <p:childTnLst>
+                        <p:par>
+                          <p:cTn id="16" fill="hold">
+                            <p:stCondLst>
+                              <p:cond delay="0"/>
+                            </p:stCondLst>
+                            <p:childTnLst>
+                              <p:par>
+                                <p:cTn id="17" presetID="2" presetClass="entr" presetSubtype="8" fill="hold" nodeType="clickEffect">
+                                  <p:stCondLst>
+                                    <p:cond delay="0"/>
+                                  </p:stCondLst>
+                                  <p:childTnLst>
+                                    <p:set>
+                                      <p:cBhvr>
+                                        <p:cTn id="18" dur="1" fill="hold">
+                                          <p:stCondLst>
+                                            <p:cond delay="0"/>
+                                          </p:stCondLst>
+                                        </p:cTn>
+                                        <p:tgtEl>
+                                          <p:spTgt spid="3">
+                                            <p:txEl>
+                                              <p:pRg st="2" end="2"/>
+                                            </p:txEl>
+                                          </p:spTgt>
+                                        </p:tgtEl>
+                                        <p:attrNameLst>
+                                          <p:attrName>style.visibility</p:attrName>
+                                        </p:attrNameLst>
+                                      </p:cBhvr>
+                                      <p:to>
+                                        <p:strVal val="visible"/>
+                                      </p:to>
+                                    </p:set>
+                                    <p:anim calcmode="lin" valueType="num">
+                                      <p:cBhvr additive="base">
+                                        <p:cTn id="19" dur="500" fill="hold"/>
+                                        <p:tgtEl>
+                                          <p:spTgt spid="3">
+                                            <p:txEl>
+                                              <p:pRg st="2" end="2"/>
+                                            </p:txEl>
+                                          </p:spTgt>
+                                        </p:tgtEl>
+                                        <p:attrNameLst>
+                                          <p:attrName>ppt_x</p:attrName>
+                                        </p:attrNameLst>
+                                      </p:cBhvr>
+                                      <p:tavLst>
+                                        <p:tav tm="0">
+                                          <p:val>
+                                            <p:strVal val="0-#ppt_w/2"/>
+                                          </p:val>
+                                        </p:tav>
+                                        <p:tav tm="100000">
+                                          <p:val>
+                                            <p:strVal val="#ppt_x"/>
+                                          </p:val>
+                                        </p:tav>
+                                      </p:tavLst>
+                                    </p:anim>
+                                    <p:anim calcmode="lin" valueType="num">
+                                      <p:cBhvr additive="base">
+                                        <p:cTn id="20" dur="500" fill="hold"/>
+                                        <p:tgtEl>
+                                          <p:spTgt spid="3">
+                                            <p:txEl>
+                                              <p:pRg st="2" end="2"/>
+                                            </p:txEl>
+                                          </p:spTgt>
+                                        </p:tgtEl>
+                                        <p:attrNameLst>
+                                          <p:attrName>ppt_y</p:attrName>
+                                        </p:attrNameLst>
+                                      </p:cBhvr>
+                                      <p:tavLst>
+                                        <p:tav tm="0">
+                                          <p:val>
+                                            <p:strVal val="#ppt_y"/>
+                                          </p:val>
+                                        </p:tav>
+                                        <p:tav tm="100000">
+                                          <p:val>
+                                            <p:strVal val="#ppt_y"/>
+                                          </p:val>
+                                        </p:tav>
+                                      </p:tavLst>
+                                    </p:anim>
+                                  </p:childTnLst>
+                                </p:cTn>
+                              </p:par>
+                            </p:childTnLst>
+                          </p:cTn>
+                        </p:par>
+                      </p:childTnLst>
+                    </p:cTn>
+                  </p:par>
+                </p:childTnLst>
+              </p:cTn>
+              <p:prevCondLst>
+                <p:cond evt="onPrev" delay="0">
+                  <p:tgtEl>
+                    <p:sldTgt/>
+                  </p:tgtEl>
+                </p:cond>
+              </p:prevCondLst>
+              <p:nextCondLst>
+                <p:cond evt="onNext" delay="0">
+                  <p:tgtEl>
+                    <p:sldTgt/>
+                  </p:tgtEl>
+                </p:cond>
+              </p:nextCondLst>
+            </p:seq>
+          </p:childTnLst>
+        </p:cTn>
+      </p:par>
+    </p:tnLst>
+  </p:timing>
 </p:sld>
 </file>
 
@@ -3811,13 +4195,7 @@
               <a:rPr lang="hu-HU" dirty="0" smtClean="0">
                 <a:latin typeface="Bahnschrift Light Condensed" panose="020B0502040204020203" pitchFamily="34" charset="0"/>
               </a:rPr>
-              <a:t>Vízhűtés: Csövekben hűtőfolyadékot cirkulálnak, így magasabb hűtéshatékonyságo</a:t>
-            </a:r>
-            <a:r>
-              <a:rPr lang="hu-HU" dirty="0" smtClean="0">
-                <a:latin typeface="Bahnschrift Light Condensed" panose="020B0502040204020203" pitchFamily="34" charset="0"/>
-              </a:rPr>
-              <a:t>t ér el.</a:t>
+              <a:t>Vízhűtés: Csövekben hűtőfolyadékot cirkulálnak, így magasabb hűtéshatékonyságot ér el.</a:t>
             </a:r>
             <a:endParaRPr lang="hu-HU" dirty="0">
               <a:latin typeface="Bahnschrift Light Condensed" panose="020B0502040204020203" pitchFamily="34" charset="0"/>
@@ -4092,6 +4470,13 @@
   <p:clrMapOvr>
     <a:masterClrMapping/>
   </p:clrMapOvr>
+  <p:timing>
+    <p:tnLst>
+      <p:par>
+        <p:cTn id="1" dur="indefinite" restart="never" nodeType="tmRoot"/>
+      </p:par>
+    </p:tnLst>
+  </p:timing>
 </p:sld>
 </file>
 
@@ -4154,7 +4539,112 @@
           <a:bodyPr/>
           <a:lstStyle/>
           <a:p>
-            <a:endParaRPr lang="hu-HU" dirty="0"/>
+            <a:r>
+              <a:rPr lang="hu-HU" dirty="0" smtClean="0">
+                <a:latin typeface="Bahnschrift SemiLight Condensed" panose="020B0502040204020203" pitchFamily="34" charset="0"/>
+              </a:rPr>
+              <a:t>Előnyök:</a:t>
+            </a:r>
+          </a:p>
+          <a:p>
+            <a:pPr>
+              <a:buFontTx/>
+              <a:buChar char="-"/>
+            </a:pPr>
+            <a:r>
+              <a:rPr lang="hu-HU" dirty="0" smtClean="0">
+                <a:latin typeface="Bahnschrift SemiLight Condensed" panose="020B0502040204020203" pitchFamily="34" charset="0"/>
+              </a:rPr>
+              <a:t>Olcsóbb</a:t>
+            </a:r>
+          </a:p>
+          <a:p>
+            <a:pPr>
+              <a:buFontTx/>
+              <a:buChar char="-"/>
+            </a:pPr>
+            <a:r>
+              <a:rPr lang="hu-HU" dirty="0" smtClean="0">
+                <a:latin typeface="Bahnschrift SemiLight Condensed" panose="020B0502040204020203" pitchFamily="34" charset="0"/>
+              </a:rPr>
+              <a:t>Ritkább meghibásodás</a:t>
+            </a:r>
+          </a:p>
+          <a:p>
+            <a:pPr>
+              <a:buFontTx/>
+              <a:buChar char="-"/>
+            </a:pPr>
+            <a:r>
+              <a:rPr lang="hu-HU" dirty="0" smtClean="0">
+                <a:latin typeface="Bahnschrift SemiLight Condensed" panose="020B0502040204020203" pitchFamily="34" charset="0"/>
+              </a:rPr>
+              <a:t>Könnyebb installáció</a:t>
+            </a:r>
+          </a:p>
+          <a:p>
+            <a:endParaRPr lang="hu-HU" dirty="0" smtClean="0">
+              <a:latin typeface="Bahnschrift SemiLight Condensed" panose="020B0502040204020203" pitchFamily="34" charset="0"/>
+            </a:endParaRPr>
+          </a:p>
+          <a:p>
+            <a:r>
+              <a:rPr lang="hu-HU" dirty="0" smtClean="0">
+                <a:latin typeface="Bahnschrift SemiLight Condensed" panose="020B0502040204020203" pitchFamily="34" charset="0"/>
+              </a:rPr>
+              <a:t>Hátrányok:</a:t>
+            </a:r>
+          </a:p>
+          <a:p>
+            <a:pPr>
+              <a:buFontTx/>
+              <a:buChar char="-"/>
+            </a:pPr>
+            <a:r>
+              <a:rPr lang="hu-HU" dirty="0" smtClean="0">
+                <a:latin typeface="Bahnschrift SemiLight Condensed" panose="020B0502040204020203" pitchFamily="34" charset="0"/>
+              </a:rPr>
+              <a:t>Alacsonyabb hatásfok</a:t>
+            </a:r>
+          </a:p>
+          <a:p>
+            <a:pPr>
+              <a:buFontTx/>
+              <a:buChar char="-"/>
+            </a:pPr>
+            <a:r>
+              <a:rPr lang="hu-HU" dirty="0" smtClean="0">
+                <a:latin typeface="Bahnschrift SemiLight Condensed" panose="020B0502040204020203" pitchFamily="34" charset="0"/>
+              </a:rPr>
+              <a:t>Hangosabb</a:t>
+            </a:r>
+          </a:p>
+          <a:p>
+            <a:pPr>
+              <a:buFontTx/>
+              <a:buChar char="-"/>
+            </a:pPr>
+            <a:endParaRPr lang="hu-HU" dirty="0" smtClean="0">
+              <a:latin typeface="Bahnschrift SemiLight Condensed" panose="020B0502040204020203" pitchFamily="34" charset="0"/>
+            </a:endParaRPr>
+          </a:p>
+          <a:p>
+            <a:pPr>
+              <a:buFontTx/>
+              <a:buChar char="-"/>
+            </a:pPr>
+            <a:endParaRPr lang="hu-HU" dirty="0" smtClean="0">
+              <a:latin typeface="Bahnschrift SemiLight Condensed" panose="020B0502040204020203" pitchFamily="34" charset="0"/>
+            </a:endParaRPr>
+          </a:p>
+          <a:p>
+            <a:pPr>
+              <a:buFontTx/>
+              <a:buChar char="-"/>
+            </a:pPr>
+            <a:endParaRPr lang="hu-HU" dirty="0" smtClean="0">
+              <a:latin typeface="Bahnschrift SemiLight Condensed" panose="020B0502040204020203" pitchFamily="34" charset="0"/>
+            </a:endParaRPr>
           </a:p>
         </p:txBody>
       </p:sp>
@@ -4168,6 +4658,13 @@
   <p:clrMapOvr>
     <a:masterClrMapping/>
   </p:clrMapOvr>
+  <p:timing>
+    <p:tnLst>
+      <p:par>
+        <p:cTn id="1" dur="indefinite" restart="never" nodeType="tmRoot"/>
+      </p:par>
+    </p:tnLst>
+  </p:timing>
 </p:sld>
 </file>
 
@@ -4203,7 +4700,15 @@
           <a:bodyPr/>
           <a:lstStyle/>
           <a:p>
-            <a:endParaRPr lang="hu-HU"/>
+            <a:r>
+              <a:rPr lang="hu-HU" dirty="0" smtClean="0">
+                <a:latin typeface="Bahnschrift Light Condensed" panose="020B0502040204020203" pitchFamily="34" charset="0"/>
+              </a:rPr>
+              <a:t>Vízhűtés előnyei és hátrányai</a:t>
+            </a:r>
+            <a:endParaRPr lang="hu-HU" dirty="0">
+              <a:latin typeface="Bahnschrift Light Condensed" panose="020B0502040204020203" pitchFamily="34" charset="0"/>
+            </a:endParaRPr>
           </a:p>
         </p:txBody>
       </p:sp>
@@ -4222,7 +4727,92 @@
           <a:bodyPr/>
           <a:lstStyle/>
           <a:p>
-            <a:endParaRPr lang="hu-HU"/>
+            <a:r>
+              <a:rPr lang="hu-HU" dirty="0" smtClean="0">
+                <a:latin typeface="Bahnschrift Light Condensed" panose="020B0502040204020203" pitchFamily="34" charset="0"/>
+              </a:rPr>
+              <a:t>Előnyök:</a:t>
+            </a:r>
+          </a:p>
+          <a:p>
+            <a:pPr>
+              <a:buFontTx/>
+              <a:buChar char="-"/>
+            </a:pPr>
+            <a:r>
+              <a:rPr lang="hu-HU" dirty="0" smtClean="0">
+                <a:latin typeface="Bahnschrift Light Condensed" panose="020B0502040204020203" pitchFamily="34" charset="0"/>
+              </a:rPr>
+              <a:t>Magasabb hatásfok</a:t>
+            </a:r>
+          </a:p>
+          <a:p>
+            <a:pPr>
+              <a:buFontTx/>
+              <a:buChar char="-"/>
+            </a:pPr>
+            <a:r>
+              <a:rPr lang="hu-HU" dirty="0" smtClean="0">
+                <a:latin typeface="Bahnschrift Light Condensed" panose="020B0502040204020203" pitchFamily="34" charset="0"/>
+              </a:rPr>
+              <a:t>Kisebb méret</a:t>
+            </a:r>
+          </a:p>
+          <a:p>
+            <a:pPr>
+              <a:buFontTx/>
+              <a:buChar char="-"/>
+            </a:pPr>
+            <a:r>
+              <a:rPr lang="hu-HU" dirty="0" smtClean="0">
+                <a:latin typeface="Bahnschrift Light Condensed" panose="020B0502040204020203" pitchFamily="34" charset="0"/>
+              </a:rPr>
+              <a:t>Csöndesebb</a:t>
+            </a:r>
+          </a:p>
+          <a:p>
+            <a:r>
+              <a:rPr lang="hu-HU" dirty="0" smtClean="0">
+                <a:latin typeface="Bahnschrift Light Condensed" panose="020B0502040204020203" pitchFamily="34" charset="0"/>
+              </a:rPr>
+              <a:t>Hátrányok:</a:t>
+            </a:r>
+          </a:p>
+          <a:p>
+            <a:pPr>
+              <a:buFontTx/>
+              <a:buChar char="-"/>
+            </a:pPr>
+            <a:r>
+              <a:rPr lang="hu-HU" dirty="0" smtClean="0">
+                <a:latin typeface="Bahnschrift Light Condensed" panose="020B0502040204020203" pitchFamily="34" charset="0"/>
+              </a:rPr>
+              <a:t>Komplexebb installáció</a:t>
+            </a:r>
+          </a:p>
+          <a:p>
+            <a:pPr>
+              <a:buFontTx/>
+              <a:buChar char="-"/>
+            </a:pPr>
+            <a:r>
+              <a:rPr lang="hu-HU" dirty="0" smtClean="0">
+                <a:latin typeface="Bahnschrift Light Condensed" panose="020B0502040204020203" pitchFamily="34" charset="0"/>
+              </a:rPr>
+              <a:t>Alacsonyabb megbízhatóság</a:t>
+            </a:r>
+          </a:p>
+          <a:p>
+            <a:pPr>
+              <a:buFontTx/>
+              <a:buChar char="-"/>
+            </a:pPr>
+            <a:r>
+              <a:rPr lang="hu-HU" dirty="0" smtClean="0">
+                <a:latin typeface="Bahnschrift Light Condensed" panose="020B0502040204020203" pitchFamily="34" charset="0"/>
+              </a:rPr>
+              <a:t>Drágább</a:t>
+            </a:r>
           </a:p>
         </p:txBody>
       </p:sp>
@@ -4236,6 +4826,13 @@
   <p:clrMapOvr>
     <a:masterClrMapping/>
   </p:clrMapOvr>
+  <p:timing>
+    <p:tnLst>
+      <p:par>
+        <p:cTn id="1" dur="indefinite" restart="never" nodeType="tmRoot"/>
+      </p:par>
+    </p:tnLst>
+  </p:timing>
 </p:sld>
 </file>
 
@@ -4271,7 +4868,15 @@
           <a:bodyPr/>
           <a:lstStyle/>
           <a:p>
-            <a:endParaRPr lang="hu-HU"/>
+            <a:r>
+              <a:rPr lang="hu-HU" dirty="0" smtClean="0">
+                <a:latin typeface="Bahnschrift Light Condensed" panose="020B0502040204020203" pitchFamily="34" charset="0"/>
+              </a:rPr>
+              <a:t>Passzív hűtés előnyei és hátrányai</a:t>
+            </a:r>
+            <a:endParaRPr lang="hu-HU" dirty="0">
+              <a:latin typeface="Bahnschrift Light Condensed" panose="020B0502040204020203" pitchFamily="34" charset="0"/>
+            </a:endParaRPr>
           </a:p>
         </p:txBody>
       </p:sp>
@@ -4290,7 +4895,68 @@
           <a:bodyPr/>
           <a:lstStyle/>
           <a:p>
-            <a:endParaRPr lang="hu-HU"/>
+            <a:r>
+              <a:rPr lang="hu-HU" dirty="0" smtClean="0">
+                <a:latin typeface="Bahnschrift Light Condensed" panose="020B0502040204020203" pitchFamily="34" charset="0"/>
+              </a:rPr>
+              <a:t>Előnyök:</a:t>
+            </a:r>
+          </a:p>
+          <a:p>
+            <a:pPr>
+              <a:buFontTx/>
+              <a:buChar char="-"/>
+            </a:pPr>
+            <a:r>
+              <a:rPr lang="hu-HU" dirty="0" smtClean="0">
+                <a:latin typeface="Bahnschrift Light Condensed" panose="020B0502040204020203" pitchFamily="34" charset="0"/>
+              </a:rPr>
+              <a:t>Legcsöndesebb</a:t>
+            </a:r>
+          </a:p>
+          <a:p>
+            <a:pPr>
+              <a:buFontTx/>
+              <a:buChar char="-"/>
+            </a:pPr>
+            <a:r>
+              <a:rPr lang="hu-HU" dirty="0" smtClean="0">
+                <a:latin typeface="Bahnschrift Light Condensed" panose="020B0502040204020203" pitchFamily="34" charset="0"/>
+              </a:rPr>
+              <a:t>Alacsony áramfogyasztás</a:t>
+            </a:r>
+          </a:p>
+          <a:p>
+            <a:r>
+              <a:rPr lang="hu-HU" dirty="0" smtClean="0">
+                <a:latin typeface="Bahnschrift Light Condensed" panose="020B0502040204020203" pitchFamily="34" charset="0"/>
+              </a:rPr>
+              <a:t>Hátrányok:</a:t>
+            </a:r>
+          </a:p>
+          <a:p>
+            <a:pPr>
+              <a:buFontTx/>
+              <a:buChar char="-"/>
+            </a:pPr>
+            <a:r>
+              <a:rPr lang="hu-HU" dirty="0" smtClean="0">
+                <a:latin typeface="Bahnschrift Light Condensed" panose="020B0502040204020203" pitchFamily="34" charset="0"/>
+              </a:rPr>
+              <a:t>Legalacsonyabb hatásfok</a:t>
+            </a:r>
+          </a:p>
+          <a:p>
+            <a:pPr>
+              <a:buFontTx/>
+              <a:buChar char="-"/>
+            </a:pPr>
+            <a:r>
+              <a:rPr lang="hu-HU" dirty="0" smtClean="0">
+                <a:latin typeface="Bahnschrift Light Condensed" panose="020B0502040204020203" pitchFamily="34" charset="0"/>
+              </a:rPr>
+              <a:t>Több tisztítást igényel</a:t>
+            </a:r>
           </a:p>
         </p:txBody>
       </p:sp>
@@ -4304,6 +4970,13 @@
   <p:clrMapOvr>
     <a:masterClrMapping/>
   </p:clrMapOvr>
+  <p:timing>
+    <p:tnLst>
+      <p:par>
+        <p:cTn id="1" dur="indefinite" restart="never" nodeType="tmRoot"/>
+      </p:par>
+    </p:tnLst>
+  </p:timing>
 </p:sld>
 </file>
 
@@ -4339,7 +5012,15 @@
           <a:bodyPr/>
           <a:lstStyle/>
           <a:p>
-            <a:endParaRPr lang="hu-HU"/>
+            <a:r>
+              <a:rPr lang="hu-HU" dirty="0" err="1" smtClean="0">
+                <a:latin typeface="Bahnschrift Light Condensed" panose="020B0502040204020203" pitchFamily="34" charset="0"/>
+              </a:rPr>
+              <a:t>Soft-cooling</a:t>
+            </a:r>
+            <a:endParaRPr lang="hu-HU" dirty="0">
+              <a:latin typeface="Bahnschrift Light Condensed" panose="020B0502040204020203" pitchFamily="34" charset="0"/>
+            </a:endParaRPr>
           </a:p>
         </p:txBody>
       </p:sp>
@@ -4358,7 +5039,29 @@
           <a:bodyPr/>
           <a:lstStyle/>
           <a:p>
-            <a:endParaRPr lang="hu-HU"/>
+            <a:r>
+              <a:rPr lang="hu-HU" dirty="0" smtClean="0">
+                <a:latin typeface="Bahnschrift Light Condensed" panose="020B0502040204020203" pitchFamily="34" charset="0"/>
+              </a:rPr>
+              <a:t>A CPU automatikusan csökkenti a teljesítményét, ha egy beállított hőfokon túlmegy.</a:t>
+            </a:r>
+          </a:p>
+          <a:p>
+            <a:r>
+              <a:rPr lang="hu-HU" dirty="0" smtClean="0">
+                <a:latin typeface="Bahnschrift Light Condensed" panose="020B0502040204020203" pitchFamily="34" charset="0"/>
+              </a:rPr>
+              <a:t>Ez hosszabbítja a CPU élettartamát, és kevesebb áramot </a:t>
+            </a:r>
+            <a:r>
+              <a:rPr lang="hu-HU" smtClean="0">
+                <a:latin typeface="Bahnschrift Light Condensed" panose="020B0502040204020203" pitchFamily="34" charset="0"/>
+              </a:rPr>
+              <a:t>is fogyaszt.</a:t>
+            </a:r>
+            <a:endParaRPr lang="hu-HU" dirty="0">
+              <a:latin typeface="Bahnschrift Light Condensed" panose="020B0502040204020203" pitchFamily="34" charset="0"/>
+            </a:endParaRPr>
           </a:p>
         </p:txBody>
       </p:sp>
@@ -4372,6 +5075,13 @@
   <p:clrMapOvr>
     <a:masterClrMapping/>
   </p:clrMapOvr>
+  <p:timing>
+    <p:tnLst>
+      <p:par>
+        <p:cTn id="1" dur="indefinite" restart="never" nodeType="tmRoot"/>
+      </p:par>
+    </p:tnLst>
+  </p:timing>
 </p:sld>
 </file>
 

--- a/cpuhutes.pptx
+++ b/cpuhutes.pptx
@@ -13,9 +13,10 @@
     <p:sldId id="261" r:id="rId7"/>
     <p:sldId id="262" r:id="rId8"/>
     <p:sldId id="263" r:id="rId9"/>
-    <p:sldId id="264" r:id="rId10"/>
-    <p:sldId id="265" r:id="rId11"/>
-    <p:sldId id="266" r:id="rId12"/>
+    <p:sldId id="265" r:id="rId10"/>
+    <p:sldId id="264" r:id="rId11"/>
+    <p:sldId id="268" r:id="rId12"/>
+    <p:sldId id="266" r:id="rId13"/>
   </p:sldIdLst>
   <p:sldSz cx="12192000" cy="6858000"/>
   <p:notesSz cx="6858000" cy="9144000"/>
@@ -271,7 +272,7 @@
           <a:p>
             <a:fld id="{3DEB2466-714C-403F-984D-B889E18744B3}" type="datetimeFigureOut">
               <a:rPr lang="hu-HU" smtClean="0"/>
-              <a:t>2022.09.15.</a:t>
+              <a:t>2022.09.19.</a:t>
             </a:fld>
             <a:endParaRPr lang="hu-HU"/>
           </a:p>
@@ -471,7 +472,7 @@
           <a:p>
             <a:fld id="{3DEB2466-714C-403F-984D-B889E18744B3}" type="datetimeFigureOut">
               <a:rPr lang="hu-HU" smtClean="0"/>
-              <a:t>2022.09.15.</a:t>
+              <a:t>2022.09.19.</a:t>
             </a:fld>
             <a:endParaRPr lang="hu-HU"/>
           </a:p>
@@ -681,7 +682,7 @@
           <a:p>
             <a:fld id="{3DEB2466-714C-403F-984D-B889E18744B3}" type="datetimeFigureOut">
               <a:rPr lang="hu-HU" smtClean="0"/>
-              <a:t>2022.09.15.</a:t>
+              <a:t>2022.09.19.</a:t>
             </a:fld>
             <a:endParaRPr lang="hu-HU"/>
           </a:p>
@@ -881,7 +882,7 @@
           <a:p>
             <a:fld id="{3DEB2466-714C-403F-984D-B889E18744B3}" type="datetimeFigureOut">
               <a:rPr lang="hu-HU" smtClean="0"/>
-              <a:t>2022.09.15.</a:t>
+              <a:t>2022.09.19.</a:t>
             </a:fld>
             <a:endParaRPr lang="hu-HU"/>
           </a:p>
@@ -1157,7 +1158,7 @@
           <a:p>
             <a:fld id="{3DEB2466-714C-403F-984D-B889E18744B3}" type="datetimeFigureOut">
               <a:rPr lang="hu-HU" smtClean="0"/>
-              <a:t>2022.09.15.</a:t>
+              <a:t>2022.09.19.</a:t>
             </a:fld>
             <a:endParaRPr lang="hu-HU"/>
           </a:p>
@@ -1425,7 +1426,7 @@
           <a:p>
             <a:fld id="{3DEB2466-714C-403F-984D-B889E18744B3}" type="datetimeFigureOut">
               <a:rPr lang="hu-HU" smtClean="0"/>
-              <a:t>2022.09.15.</a:t>
+              <a:t>2022.09.19.</a:t>
             </a:fld>
             <a:endParaRPr lang="hu-HU"/>
           </a:p>
@@ -1840,7 +1841,7 @@
           <a:p>
             <a:fld id="{3DEB2466-714C-403F-984D-B889E18744B3}" type="datetimeFigureOut">
               <a:rPr lang="hu-HU" smtClean="0"/>
-              <a:t>2022.09.15.</a:t>
+              <a:t>2022.09.19.</a:t>
             </a:fld>
             <a:endParaRPr lang="hu-HU"/>
           </a:p>
@@ -1982,7 +1983,7 @@
           <a:p>
             <a:fld id="{3DEB2466-714C-403F-984D-B889E18744B3}" type="datetimeFigureOut">
               <a:rPr lang="hu-HU" smtClean="0"/>
-              <a:t>2022.09.15.</a:t>
+              <a:t>2022.09.19.</a:t>
             </a:fld>
             <a:endParaRPr lang="hu-HU"/>
           </a:p>
@@ -2095,7 +2096,7 @@
           <a:p>
             <a:fld id="{3DEB2466-714C-403F-984D-B889E18744B3}" type="datetimeFigureOut">
               <a:rPr lang="hu-HU" smtClean="0"/>
-              <a:t>2022.09.15.</a:t>
+              <a:t>2022.09.19.</a:t>
             </a:fld>
             <a:endParaRPr lang="hu-HU"/>
           </a:p>
@@ -2408,7 +2409,7 @@
           <a:p>
             <a:fld id="{3DEB2466-714C-403F-984D-B889E18744B3}" type="datetimeFigureOut">
               <a:rPr lang="hu-HU" smtClean="0"/>
-              <a:t>2022.09.15.</a:t>
+              <a:t>2022.09.19.</a:t>
             </a:fld>
             <a:endParaRPr lang="hu-HU"/>
           </a:p>
@@ -2697,7 +2698,7 @@
           <a:p>
             <a:fld id="{3DEB2466-714C-403F-984D-B889E18744B3}" type="datetimeFigureOut">
               <a:rPr lang="hu-HU" smtClean="0"/>
-              <a:t>2022.09.15.</a:t>
+              <a:t>2022.09.19.</a:t>
             </a:fld>
             <a:endParaRPr lang="hu-HU"/>
           </a:p>
@@ -2940,7 +2941,7 @@
           <a:p>
             <a:fld id="{3DEB2466-714C-403F-984D-B889E18744B3}" type="datetimeFigureOut">
               <a:rPr lang="hu-HU" smtClean="0"/>
-              <a:t>2022.09.15.</a:t>
+              <a:t>2022.09.19.</a:t>
             </a:fld>
             <a:endParaRPr lang="hu-HU"/>
           </a:p>
@@ -3419,6 +3420,13 @@
   <p:clrMapOvr>
     <a:masterClrMapping/>
   </p:clrMapOvr>
+  <p:timing>
+    <p:tnLst>
+      <p:par>
+        <p:cTn id="1" dur="indefinite" restart="never" nodeType="tmRoot"/>
+      </p:par>
+    </p:tnLst>
+  </p:timing>
 </p:sld>
 </file>
 
@@ -3454,7 +3462,21 @@
           <a:bodyPr/>
           <a:lstStyle/>
           <a:p>
-            <a:endParaRPr lang="hu-HU"/>
+            <a:r>
+              <a:rPr lang="hu-HU" dirty="0" smtClean="0">
+                <a:latin typeface="Bahnschrift Light Condensed" panose="020B0502040204020203" pitchFamily="34" charset="0"/>
+              </a:rPr>
+              <a:t>Intel </a:t>
+            </a:r>
+            <a:r>
+              <a:rPr lang="hu-HU" dirty="0" err="1" smtClean="0">
+                <a:latin typeface="Bahnschrift Light Condensed" panose="020B0502040204020203" pitchFamily="34" charset="0"/>
+              </a:rPr>
+              <a:t>SpeedStep</a:t>
+            </a:r>
+            <a:endParaRPr lang="hu-HU" dirty="0">
+              <a:latin typeface="Bahnschrift Light Condensed" panose="020B0502040204020203" pitchFamily="34" charset="0"/>
+            </a:endParaRPr>
           </a:p>
         </p:txBody>
       </p:sp>
@@ -3473,20 +3495,85 @@
           <a:bodyPr/>
           <a:lstStyle/>
           <a:p>
-            <a:endParaRPr lang="hu-HU"/>
+            <a:r>
+              <a:rPr lang="hu-HU" dirty="0" smtClean="0">
+                <a:latin typeface="Bahnschrift Light Condensed" panose="020B0502040204020203" pitchFamily="34" charset="0"/>
+              </a:rPr>
+              <a:t>2005-ben jelent meg, később, mint AMD technológiái.</a:t>
+            </a:r>
+          </a:p>
+          <a:p>
+            <a:r>
+              <a:rPr lang="hu-HU" dirty="0" smtClean="0">
+                <a:latin typeface="Bahnschrift Light Condensed" panose="020B0502040204020203" pitchFamily="34" charset="0"/>
+              </a:rPr>
+              <a:t>Ún. P-</a:t>
+            </a:r>
+            <a:r>
+              <a:rPr lang="hu-HU" dirty="0" err="1" smtClean="0">
+                <a:latin typeface="Bahnschrift Light Condensed" panose="020B0502040204020203" pitchFamily="34" charset="0"/>
+              </a:rPr>
+              <a:t>state</a:t>
+            </a:r>
+            <a:r>
+              <a:rPr lang="hu-HU" dirty="0" smtClean="0">
+                <a:latin typeface="Bahnschrift Light Condensed" panose="020B0502040204020203" pitchFamily="34" charset="0"/>
+              </a:rPr>
+              <a:t>-</a:t>
+            </a:r>
+            <a:r>
+              <a:rPr lang="hu-HU" dirty="0" err="1" smtClean="0">
+                <a:latin typeface="Bahnschrift Light Condensed" panose="020B0502040204020203" pitchFamily="34" charset="0"/>
+              </a:rPr>
+              <a:t>ekkel</a:t>
+            </a:r>
+            <a:r>
+              <a:rPr lang="hu-HU" dirty="0" smtClean="0">
+                <a:latin typeface="Bahnschrift Light Condensed" panose="020B0502040204020203" pitchFamily="34" charset="0"/>
+              </a:rPr>
+              <a:t> változtatja a processzor órajeleit.</a:t>
+            </a:r>
+          </a:p>
+          <a:p>
+            <a:r>
+              <a:rPr lang="hu-HU" dirty="0" smtClean="0">
+                <a:latin typeface="Bahnschrift Light Condensed" panose="020B0502040204020203" pitchFamily="34" charset="0"/>
+              </a:rPr>
+              <a:t>Dinamikus</a:t>
+            </a:r>
+          </a:p>
+          <a:p>
+            <a:r>
+              <a:rPr lang="hu-HU" dirty="0" smtClean="0">
+                <a:latin typeface="Bahnschrift Light Condensed" panose="020B0502040204020203" pitchFamily="34" charset="0"/>
+              </a:rPr>
+              <a:t>Mai Intel processzorokban használják</a:t>
+            </a:r>
+          </a:p>
+          <a:p>
+            <a:endParaRPr lang="hu-HU" dirty="0">
+              <a:latin typeface="Bahnschrift Light Condensed" panose="020B0502040204020203" pitchFamily="34" charset="0"/>
+            </a:endParaRPr>
           </a:p>
         </p:txBody>
       </p:sp>
     </p:spTree>
     <p:extLst>
       <p:ext uri="{BB962C8B-B14F-4D97-AF65-F5344CB8AC3E}">
-        <p14:creationId xmlns:p14="http://schemas.microsoft.com/office/powerpoint/2010/main" val="1249238243"/>
+        <p14:creationId xmlns:p14="http://schemas.microsoft.com/office/powerpoint/2010/main" val="1228783528"/>
       </p:ext>
     </p:extLst>
   </p:cSld>
   <p:clrMapOvr>
     <a:masterClrMapping/>
   </p:clrMapOvr>
+  <p:timing>
+    <p:tnLst>
+      <p:par>
+        <p:cTn id="1" dur="indefinite" restart="never" nodeType="tmRoot"/>
+      </p:par>
+    </p:tnLst>
+  </p:timing>
 </p:sld>
 </file>
 
@@ -3517,30 +3604,76 @@
             <p:ph type="title"/>
           </p:nvPr>
         </p:nvSpPr>
-        <p:spPr/>
+        <p:spPr>
+          <a:xfrm>
+            <a:off x="831850" y="2857500"/>
+            <a:ext cx="10515600" cy="1108075"/>
+          </a:xfrm>
+        </p:spPr>
         <p:txBody>
           <a:bodyPr>
             <a:normAutofit/>
           </a:bodyPr>
           <a:lstStyle/>
           <a:p>
-            <a:r>
-              <a:rPr lang="hu-HU" sz="5400" dirty="0">
-                <a:latin typeface="Bahnschrift Light Condensed" panose="020B0502040204020203" pitchFamily="34" charset="0"/>
-              </a:rPr>
-              <a:t>Források</a:t>
-            </a:r>
-          </a:p>
-        </p:txBody>
-      </p:sp>
-      <p:sp>
-        <p:nvSpPr>
-          <p:cNvPr id="3" name="Tartalom helye 2"/>
-          <p:cNvSpPr>
-            <a:spLocks noGrp="1"/>
-          </p:cNvSpPr>
-          <p:nvPr>
-            <p:ph idx="1"/>
+            <a:pPr algn="ctr"/>
+            <a:r>
+              <a:rPr lang="hu-HU" sz="7200" dirty="0" smtClean="0">
+                <a:latin typeface="Bahnschrift Light Condensed" panose="020B0502040204020203" pitchFamily="34" charset="0"/>
+              </a:rPr>
+              <a:t>Köszönöm a figyelmet!</a:t>
+            </a:r>
+            <a:endParaRPr lang="hu-HU" sz="7200" dirty="0">
+              <a:latin typeface="Bahnschrift Light Condensed" panose="020B0502040204020203" pitchFamily="34" charset="0"/>
+            </a:endParaRPr>
+          </a:p>
+        </p:txBody>
+      </p:sp>
+    </p:spTree>
+    <p:extLst>
+      <p:ext uri="{BB962C8B-B14F-4D97-AF65-F5344CB8AC3E}">
+        <p14:creationId xmlns:p14="http://schemas.microsoft.com/office/powerpoint/2010/main" val="2733876321"/>
+      </p:ext>
+    </p:extLst>
+  </p:cSld>
+  <p:clrMapOvr>
+    <a:masterClrMapping/>
+  </p:clrMapOvr>
+  <p:timing>
+    <p:tnLst>
+      <p:par>
+        <p:cTn id="1" dur="indefinite" restart="never" nodeType="tmRoot"/>
+      </p:par>
+    </p:tnLst>
+  </p:timing>
+</p:sld>
+</file>
+
+<file path=ppt/slides/slide12.xml><?xml version="1.0" encoding="utf-8"?>
+<p:sld xmlns:a="http://schemas.openxmlformats.org/drawingml/2006/main" xmlns:r="http://schemas.openxmlformats.org/officeDocument/2006/relationships" xmlns:p="http://schemas.openxmlformats.org/presentationml/2006/main">
+  <p:cSld>
+    <p:spTree>
+      <p:nvGrpSpPr>
+        <p:cNvPr id="1" name=""/>
+        <p:cNvGrpSpPr/>
+        <p:nvPr/>
+      </p:nvGrpSpPr>
+      <p:grpSpPr>
+        <a:xfrm>
+          <a:off x="0" y="0"/>
+          <a:ext cx="0" cy="0"/>
+          <a:chOff x="0" y="0"/>
+          <a:chExt cx="0" cy="0"/>
+        </a:xfrm>
+      </p:grpSpPr>
+      <p:sp>
+        <p:nvSpPr>
+          <p:cNvPr id="2" name="Cím 1"/>
+          <p:cNvSpPr>
+            <a:spLocks noGrp="1"/>
+          </p:cNvSpPr>
+          <p:nvPr>
+            <p:ph type="title"/>
           </p:nvPr>
         </p:nvSpPr>
         <p:spPr/>
@@ -3551,94 +3684,159 @@
           <a:lstStyle/>
           <a:p>
             <a:r>
-              <a:rPr lang="hu-HU" sz="3200" dirty="0">
+              <a:rPr lang="hu-HU" sz="5400" dirty="0">
+                <a:latin typeface="Bahnschrift Light Condensed" panose="020B0502040204020203" pitchFamily="34" charset="0"/>
+              </a:rPr>
+              <a:t>Források</a:t>
+            </a:r>
+          </a:p>
+        </p:txBody>
+      </p:sp>
+      <p:sp>
+        <p:nvSpPr>
+          <p:cNvPr id="3" name="Tartalom helye 2"/>
+          <p:cNvSpPr>
+            <a:spLocks noGrp="1"/>
+          </p:cNvSpPr>
+          <p:nvPr>
+            <p:ph idx="1"/>
+          </p:nvPr>
+        </p:nvSpPr>
+        <p:spPr/>
+        <p:txBody>
+          <a:bodyPr>
+            <a:normAutofit/>
+          </a:bodyPr>
+          <a:lstStyle/>
+          <a:p>
+            <a:r>
+              <a:rPr lang="hu-HU" sz="2400" dirty="0">
                 <a:latin typeface="Bahnschrift Light Condensed" panose="020B0502040204020203" pitchFamily="34" charset="0"/>
                 <a:hlinkClick r:id="rId2"/>
               </a:rPr>
               <a:t>https://en.wikipedia.org/wiki/Computer_cooling</a:t>
             </a:r>
-            <a:endParaRPr lang="hu-HU" sz="3200" dirty="0">
+            <a:endParaRPr lang="hu-HU" sz="2400" dirty="0">
               <a:latin typeface="Bahnschrift Light Condensed" panose="020B0502040204020203" pitchFamily="34" charset="0"/>
             </a:endParaRPr>
           </a:p>
           <a:p>
             <a:r>
-              <a:rPr lang="hu-HU" sz="3200" dirty="0">
+              <a:rPr lang="hu-HU" sz="2400" dirty="0">
                 <a:latin typeface="Bahnschrift Light Condensed" panose="020B0502040204020203" pitchFamily="34" charset="0"/>
                 <a:hlinkClick r:id="rId3"/>
               </a:rPr>
               <a:t>https://</a:t>
             </a:r>
             <a:r>
-              <a:rPr lang="hu-HU" sz="3200" dirty="0" smtClean="0">
+              <a:rPr lang="hu-HU" sz="2400" dirty="0" smtClean="0">
                 <a:latin typeface="Bahnschrift Light Condensed" panose="020B0502040204020203" pitchFamily="34" charset="0"/>
                 <a:hlinkClick r:id="rId3"/>
               </a:rPr>
               <a:t>hu.wikipedia.org/wiki/Central_processing_unit#A_processzor_h%C5%B1t%C3%A9se</a:t>
             </a:r>
-            <a:endParaRPr lang="hu-HU" sz="3200" dirty="0" smtClean="0">
+            <a:endParaRPr lang="hu-HU" sz="2400" dirty="0" smtClean="0">
               <a:latin typeface="Bahnschrift Light Condensed" panose="020B0502040204020203" pitchFamily="34" charset="0"/>
             </a:endParaRPr>
           </a:p>
           <a:p>
             <a:r>
-              <a:rPr lang="hu-HU" sz="3200" dirty="0">
+              <a:rPr lang="hu-HU" sz="2400" dirty="0">
                 <a:latin typeface="Bahnschrift Light Condensed" panose="020B0502040204020203" pitchFamily="34" charset="0"/>
                 <a:hlinkClick r:id="rId4"/>
               </a:rPr>
               <a:t>https://</a:t>
             </a:r>
             <a:r>
-              <a:rPr lang="hu-HU" sz="3200" dirty="0" smtClean="0">
+              <a:rPr lang="hu-HU" sz="2400" dirty="0" smtClean="0">
                 <a:latin typeface="Bahnschrift Light Condensed" panose="020B0502040204020203" pitchFamily="34" charset="0"/>
                 <a:hlinkClick r:id="rId4"/>
               </a:rPr>
               <a:t>www.intel.com/content/www/us/en/gaming/resources/cpu-cooler-liquid-cooling-vs-air-cooling.html</a:t>
             </a:r>
-            <a:endParaRPr lang="hu-HU" sz="3200" dirty="0" smtClean="0">
+            <a:endParaRPr lang="hu-HU" sz="2400" dirty="0" smtClean="0">
               <a:latin typeface="Bahnschrift Light Condensed" panose="020B0502040204020203" pitchFamily="34" charset="0"/>
             </a:endParaRPr>
           </a:p>
           <a:p>
             <a:r>
-              <a:rPr lang="hu-HU" sz="3200" dirty="0">
+              <a:rPr lang="hu-HU" sz="2400" dirty="0">
                 <a:latin typeface="Bahnschrift Light Condensed" panose="020B0502040204020203" pitchFamily="34" charset="0"/>
                 <a:hlinkClick r:id="rId5"/>
               </a:rPr>
               <a:t>https://</a:t>
             </a:r>
             <a:r>
-              <a:rPr lang="hu-HU" sz="3200" dirty="0" smtClean="0">
+              <a:rPr lang="hu-HU" sz="2400" dirty="0" smtClean="0">
                 <a:latin typeface="Bahnschrift Light Condensed" panose="020B0502040204020203" pitchFamily="34" charset="0"/>
                 <a:hlinkClick r:id="rId5"/>
               </a:rPr>
               <a:t>en.wikipedia.org/wiki/Dynamic_frequency_scaling</a:t>
             </a:r>
-            <a:endParaRPr lang="hu-HU" sz="3200" dirty="0" smtClean="0">
+            <a:endParaRPr lang="hu-HU" sz="2400" dirty="0" smtClean="0">
               <a:latin typeface="Bahnschrift Light Condensed" panose="020B0502040204020203" pitchFamily="34" charset="0"/>
             </a:endParaRPr>
           </a:p>
           <a:p>
             <a:r>
-              <a:rPr lang="hu-HU" sz="3200" dirty="0">
+              <a:rPr lang="hu-HU" sz="2400" dirty="0">
                 <a:latin typeface="Bahnschrift Light Condensed" panose="020B0502040204020203" pitchFamily="34" charset="0"/>
                 <a:hlinkClick r:id="rId6"/>
               </a:rPr>
               <a:t>https://</a:t>
             </a:r>
             <a:r>
-              <a:rPr lang="hu-HU" sz="3200" dirty="0" smtClean="0">
+              <a:rPr lang="hu-HU" sz="2400" dirty="0" smtClean="0">
                 <a:latin typeface="Bahnschrift Light Condensed" panose="020B0502040204020203" pitchFamily="34" charset="0"/>
                 <a:hlinkClick r:id="rId6"/>
               </a:rPr>
               <a:t>en.wikipedia.org/wiki/Power_management</a:t>
             </a:r>
-            <a:endParaRPr lang="hu-HU" sz="3200" dirty="0" smtClean="0">
+            <a:endParaRPr lang="hu-HU" sz="2400" dirty="0" smtClean="0">
               <a:latin typeface="Bahnschrift Light Condensed" panose="020B0502040204020203" pitchFamily="34" charset="0"/>
             </a:endParaRPr>
           </a:p>
           <a:p>
-            <a:endParaRPr lang="hu-HU" sz="3200" dirty="0" smtClean="0">
+            <a:r>
+              <a:rPr lang="hu-HU" sz="2400" dirty="0">
+                <a:latin typeface="Bahnschrift Light Condensed" panose="020B0502040204020203" pitchFamily="34" charset="0"/>
+                <a:hlinkClick r:id="rId7"/>
+              </a:rPr>
+              <a:t>https://</a:t>
+            </a:r>
+            <a:r>
+              <a:rPr lang="hu-HU" sz="2400" dirty="0" smtClean="0">
+                <a:latin typeface="Bahnschrift Light Condensed" panose="020B0502040204020203" pitchFamily="34" charset="0"/>
+                <a:hlinkClick r:id="rId7"/>
+              </a:rPr>
+              <a:t>en.wikipedia.org/wiki/Cool%27n%27Quiet</a:t>
+            </a:r>
+            <a:endParaRPr lang="hu-HU" sz="2400" dirty="0" smtClean="0">
+              <a:latin typeface="Bahnschrift Light Condensed" panose="020B0502040204020203" pitchFamily="34" charset="0"/>
+            </a:endParaRPr>
+          </a:p>
+          <a:p>
+            <a:r>
+              <a:rPr lang="hu-HU" sz="2400" dirty="0">
+                <a:latin typeface="Bahnschrift Light Condensed" panose="020B0502040204020203" pitchFamily="34" charset="0"/>
+                <a:hlinkClick r:id="rId8"/>
+              </a:rPr>
+              <a:t>https://en.wikipedia.org/wiki/PowerNow</a:t>
+            </a:r>
+            <a:r>
+              <a:rPr lang="hu-HU" sz="2400" dirty="0" smtClean="0">
+                <a:latin typeface="Bahnschrift Light Condensed" panose="020B0502040204020203" pitchFamily="34" charset="0"/>
+              </a:rPr>
+              <a:t>!</a:t>
+            </a:r>
+          </a:p>
+          <a:p>
+            <a:endParaRPr lang="hu-HU" sz="2400" dirty="0" smtClean="0">
+              <a:latin typeface="Bahnschrift Light Condensed" panose="020B0502040204020203" pitchFamily="34" charset="0"/>
+            </a:endParaRPr>
+          </a:p>
+          <a:p>
+            <a:endParaRPr lang="hu-HU" sz="2400" dirty="0" smtClean="0">
               <a:latin typeface="Bahnschrift Light Condensed" panose="020B0502040204020203" pitchFamily="34" charset="0"/>
             </a:endParaRPr>
           </a:p>
@@ -3768,339 +3966,7 @@
   <p:timing>
     <p:tnLst>
       <p:par>
-        <p:cTn id="1" dur="indefinite" restart="never" nodeType="tmRoot">
-          <p:childTnLst>
-            <p:seq concurrent="1" nextAc="seek">
-              <p:cTn id="2" dur="indefinite" nodeType="mainSeq">
-                <p:childTnLst>
-                  <p:par>
-                    <p:cTn id="3" fill="hold">
-                      <p:stCondLst>
-                        <p:cond delay="indefinite"/>
-                      </p:stCondLst>
-                      <p:childTnLst>
-                        <p:par>
-                          <p:cTn id="4" fill="hold">
-                            <p:stCondLst>
-                              <p:cond delay="0"/>
-                            </p:stCondLst>
-                            <p:childTnLst>
-                              <p:par>
-                                <p:cTn id="5" presetID="2" presetClass="entr" presetSubtype="8" fill="hold" nodeType="clickEffect">
-                                  <p:stCondLst>
-                                    <p:cond delay="0"/>
-                                  </p:stCondLst>
-                                  <p:childTnLst>
-                                    <p:set>
-                                      <p:cBhvr>
-                                        <p:cTn id="6" dur="1" fill="hold">
-                                          <p:stCondLst>
-                                            <p:cond delay="0"/>
-                                          </p:stCondLst>
-                                        </p:cTn>
-                                        <p:tgtEl>
-                                          <p:spTgt spid="3">
-                                            <p:txEl>
-                                              <p:pRg st="0" end="0"/>
-                                            </p:txEl>
-                                          </p:spTgt>
-                                        </p:tgtEl>
-                                        <p:attrNameLst>
-                                          <p:attrName>style.visibility</p:attrName>
-                                        </p:attrNameLst>
-                                      </p:cBhvr>
-                                      <p:to>
-                                        <p:strVal val="visible"/>
-                                      </p:to>
-                                    </p:set>
-                                    <p:anim calcmode="lin" valueType="num">
-                                      <p:cBhvr additive="base">
-                                        <p:cTn id="7" dur="500" fill="hold"/>
-                                        <p:tgtEl>
-                                          <p:spTgt spid="3">
-                                            <p:txEl>
-                                              <p:pRg st="0" end="0"/>
-                                            </p:txEl>
-                                          </p:spTgt>
-                                        </p:tgtEl>
-                                        <p:attrNameLst>
-                                          <p:attrName>ppt_x</p:attrName>
-                                        </p:attrNameLst>
-                                      </p:cBhvr>
-                                      <p:tavLst>
-                                        <p:tav tm="0">
-                                          <p:val>
-                                            <p:strVal val="0-#ppt_w/2"/>
-                                          </p:val>
-                                        </p:tav>
-                                        <p:tav tm="100000">
-                                          <p:val>
-                                            <p:strVal val="#ppt_x"/>
-                                          </p:val>
-                                        </p:tav>
-                                      </p:tavLst>
-                                    </p:anim>
-                                    <p:anim calcmode="lin" valueType="num">
-                                      <p:cBhvr additive="base">
-                                        <p:cTn id="8" dur="500" fill="hold"/>
-                                        <p:tgtEl>
-                                          <p:spTgt spid="3">
-                                            <p:txEl>
-                                              <p:pRg st="0" end="0"/>
-                                            </p:txEl>
-                                          </p:spTgt>
-                                        </p:tgtEl>
-                                        <p:attrNameLst>
-                                          <p:attrName>ppt_y</p:attrName>
-                                        </p:attrNameLst>
-                                      </p:cBhvr>
-                                      <p:tavLst>
-                                        <p:tav tm="0">
-                                          <p:val>
-                                            <p:strVal val="#ppt_y"/>
-                                          </p:val>
-                                        </p:tav>
-                                        <p:tav tm="100000">
-                                          <p:val>
-                                            <p:strVal val="#ppt_y"/>
-                                          </p:val>
-                                        </p:tav>
-                                      </p:tavLst>
-                                    </p:anim>
-                                  </p:childTnLst>
-                                </p:cTn>
-                              </p:par>
-                            </p:childTnLst>
-                          </p:cTn>
-                        </p:par>
-                      </p:childTnLst>
-                    </p:cTn>
-                  </p:par>
-                  <p:par>
-                    <p:cTn id="9" fill="hold">
-                      <p:stCondLst>
-                        <p:cond delay="indefinite"/>
-                      </p:stCondLst>
-                      <p:childTnLst>
-                        <p:par>
-                          <p:cTn id="10" fill="hold">
-                            <p:stCondLst>
-                              <p:cond delay="0"/>
-                            </p:stCondLst>
-                            <p:childTnLst>
-                              <p:par>
-                                <p:cTn id="11" presetID="2" presetClass="entr" presetSubtype="8" fill="hold" nodeType="clickEffect">
-                                  <p:stCondLst>
-                                    <p:cond delay="0"/>
-                                  </p:stCondLst>
-                                  <p:childTnLst>
-                                    <p:set>
-                                      <p:cBhvr>
-                                        <p:cTn id="12" dur="1" fill="hold">
-                                          <p:stCondLst>
-                                            <p:cond delay="0"/>
-                                          </p:stCondLst>
-                                        </p:cTn>
-                                        <p:tgtEl>
-                                          <p:spTgt spid="3">
-                                            <p:txEl>
-                                              <p:pRg st="1" end="1"/>
-                                            </p:txEl>
-                                          </p:spTgt>
-                                        </p:tgtEl>
-                                        <p:attrNameLst>
-                                          <p:attrName>style.visibility</p:attrName>
-                                        </p:attrNameLst>
-                                      </p:cBhvr>
-                                      <p:to>
-                                        <p:strVal val="visible"/>
-                                      </p:to>
-                                    </p:set>
-                                    <p:anim calcmode="lin" valueType="num">
-                                      <p:cBhvr additive="base">
-                                        <p:cTn id="13" dur="500" fill="hold"/>
-                                        <p:tgtEl>
-                                          <p:spTgt spid="3">
-                                            <p:txEl>
-                                              <p:pRg st="1" end="1"/>
-                                            </p:txEl>
-                                          </p:spTgt>
-                                        </p:tgtEl>
-                                        <p:attrNameLst>
-                                          <p:attrName>ppt_x</p:attrName>
-                                        </p:attrNameLst>
-                                      </p:cBhvr>
-                                      <p:tavLst>
-                                        <p:tav tm="0">
-                                          <p:val>
-                                            <p:strVal val="0-#ppt_w/2"/>
-                                          </p:val>
-                                        </p:tav>
-                                        <p:tav tm="100000">
-                                          <p:val>
-                                            <p:strVal val="#ppt_x"/>
-                                          </p:val>
-                                        </p:tav>
-                                      </p:tavLst>
-                                    </p:anim>
-                                    <p:anim calcmode="lin" valueType="num">
-                                      <p:cBhvr additive="base">
-                                        <p:cTn id="14" dur="500" fill="hold"/>
-                                        <p:tgtEl>
-                                          <p:spTgt spid="3">
-                                            <p:txEl>
-                                              <p:pRg st="1" end="1"/>
-                                            </p:txEl>
-                                          </p:spTgt>
-                                        </p:tgtEl>
-                                        <p:attrNameLst>
-                                          <p:attrName>ppt_y</p:attrName>
-                                        </p:attrNameLst>
-                                      </p:cBhvr>
-                                      <p:tavLst>
-                                        <p:tav tm="0">
-                                          <p:val>
-                                            <p:strVal val="#ppt_y"/>
-                                          </p:val>
-                                        </p:tav>
-                                        <p:tav tm="100000">
-                                          <p:val>
-                                            <p:strVal val="#ppt_y"/>
-                                          </p:val>
-                                        </p:tav>
-                                      </p:tavLst>
-                                    </p:anim>
-                                  </p:childTnLst>
-                                </p:cTn>
-                              </p:par>
-                            </p:childTnLst>
-                          </p:cTn>
-                        </p:par>
-                      </p:childTnLst>
-                    </p:cTn>
-                  </p:par>
-                  <p:par>
-                    <p:cTn id="15" fill="hold">
-                      <p:stCondLst>
-                        <p:cond delay="indefinite"/>
-                      </p:stCondLst>
-                      <p:childTnLst>
-                        <p:par>
-                          <p:cTn id="16" fill="hold">
-                            <p:stCondLst>
-                              <p:cond delay="0"/>
-                            </p:stCondLst>
-                            <p:childTnLst>
-                              <p:par>
-                                <p:cTn id="17" presetID="2" presetClass="entr" presetSubtype="8" fill="hold" nodeType="clickEffect">
-                                  <p:stCondLst>
-                                    <p:cond delay="0"/>
-                                  </p:stCondLst>
-                                  <p:childTnLst>
-                                    <p:set>
-                                      <p:cBhvr>
-                                        <p:cTn id="18" dur="1" fill="hold">
-                                          <p:stCondLst>
-                                            <p:cond delay="0"/>
-                                          </p:stCondLst>
-                                        </p:cTn>
-                                        <p:tgtEl>
-                                          <p:spTgt spid="3">
-                                            <p:txEl>
-                                              <p:pRg st="2" end="2"/>
-                                            </p:txEl>
-                                          </p:spTgt>
-                                        </p:tgtEl>
-                                        <p:attrNameLst>
-                                          <p:attrName>style.visibility</p:attrName>
-                                        </p:attrNameLst>
-                                      </p:cBhvr>
-                                      <p:to>
-                                        <p:strVal val="visible"/>
-                                      </p:to>
-                                    </p:set>
-                                    <p:anim calcmode="lin" valueType="num">
-                                      <p:cBhvr additive="base">
-                                        <p:cTn id="19" dur="500" fill="hold"/>
-                                        <p:tgtEl>
-                                          <p:spTgt spid="3">
-                                            <p:txEl>
-                                              <p:pRg st="2" end="2"/>
-                                            </p:txEl>
-                                          </p:spTgt>
-                                        </p:tgtEl>
-                                        <p:attrNameLst>
-                                          <p:attrName>ppt_x</p:attrName>
-                                        </p:attrNameLst>
-                                      </p:cBhvr>
-                                      <p:tavLst>
-                                        <p:tav tm="0">
-                                          <p:val>
-                                            <p:strVal val="0-#ppt_w/2"/>
-                                          </p:val>
-                                        </p:tav>
-                                        <p:tav tm="100000">
-                                          <p:val>
-                                            <p:strVal val="#ppt_x"/>
-                                          </p:val>
-                                        </p:tav>
-                                      </p:tavLst>
-                                    </p:anim>
-                                    <p:anim calcmode="lin" valueType="num">
-                                      <p:cBhvr additive="base">
-                                        <p:cTn id="20" dur="500" fill="hold"/>
-                                        <p:tgtEl>
-                                          <p:spTgt spid="3">
-                                            <p:txEl>
-                                              <p:pRg st="2" end="2"/>
-                                            </p:txEl>
-                                          </p:spTgt>
-                                        </p:tgtEl>
-                                        <p:attrNameLst>
-                                          <p:attrName>ppt_y</p:attrName>
-                                        </p:attrNameLst>
-                                      </p:cBhvr>
-                                      <p:tavLst>
-                                        <p:tav tm="0">
-                                          <p:val>
-                                            <p:strVal val="#ppt_y"/>
-                                          </p:val>
-                                        </p:tav>
-                                        <p:tav tm="100000">
-                                          <p:val>
-                                            <p:strVal val="#ppt_y"/>
-                                          </p:val>
-                                        </p:tav>
-                                      </p:tavLst>
-                                    </p:anim>
-                                  </p:childTnLst>
-                                </p:cTn>
-                              </p:par>
-                            </p:childTnLst>
-                          </p:cTn>
-                        </p:par>
-                      </p:childTnLst>
-                    </p:cTn>
-                  </p:par>
-                </p:childTnLst>
-              </p:cTn>
-              <p:prevCondLst>
-                <p:cond evt="onPrev" delay="0">
-                  <p:tgtEl>
-                    <p:sldTgt/>
-                  </p:tgtEl>
-                </p:cond>
-              </p:prevCondLst>
-              <p:nextCondLst>
-                <p:cond evt="onNext" delay="0">
-                  <p:tgtEl>
-                    <p:sldTgt/>
-                  </p:tgtEl>
-                </p:cond>
-              </p:nextCondLst>
-            </p:seq>
-          </p:childTnLst>
-        </p:cTn>
+        <p:cTn id="1" dur="indefinite" restart="never" nodeType="tmRoot"/>
       </p:par>
     </p:tnLst>
   </p:timing>
@@ -4255,8 +4121,8 @@
         </p:blipFill>
         <p:spPr bwMode="auto">
           <a:xfrm>
-            <a:off x="2693305" y="3810000"/>
-            <a:ext cx="2526385" cy="2298700"/>
+            <a:off x="2693305" y="3989838"/>
+            <a:ext cx="2526385" cy="2118862"/>
           </a:xfrm>
           <a:prstGeom prst="rect">
             <a:avLst/>
@@ -4541,7 +4407,7 @@
           <a:p>
             <a:r>
               <a:rPr lang="hu-HU" dirty="0" smtClean="0">
-                <a:latin typeface="Bahnschrift SemiLight Condensed" panose="020B0502040204020203" pitchFamily="34" charset="0"/>
+                <a:latin typeface="Bahnschrift Light Condensed" panose="020B0502040204020203" pitchFamily="34" charset="0"/>
               </a:rPr>
               <a:t>Előnyök:</a:t>
             </a:r>
@@ -4553,7 +4419,7 @@
             </a:pPr>
             <a:r>
               <a:rPr lang="hu-HU" dirty="0" smtClean="0">
-                <a:latin typeface="Bahnschrift SemiLight Condensed" panose="020B0502040204020203" pitchFamily="34" charset="0"/>
+                <a:latin typeface="Bahnschrift Light Condensed" panose="020B0502040204020203" pitchFamily="34" charset="0"/>
               </a:rPr>
               <a:t>Olcsóbb</a:t>
             </a:r>
@@ -4565,7 +4431,7 @@
             </a:pPr>
             <a:r>
               <a:rPr lang="hu-HU" dirty="0" smtClean="0">
-                <a:latin typeface="Bahnschrift SemiLight Condensed" panose="020B0502040204020203" pitchFamily="34" charset="0"/>
+                <a:latin typeface="Bahnschrift Light Condensed" panose="020B0502040204020203" pitchFamily="34" charset="0"/>
               </a:rPr>
               <a:t>Ritkább meghibásodás</a:t>
             </a:r>
@@ -4577,20 +4443,20 @@
             </a:pPr>
             <a:r>
               <a:rPr lang="hu-HU" dirty="0" smtClean="0">
-                <a:latin typeface="Bahnschrift SemiLight Condensed" panose="020B0502040204020203" pitchFamily="34" charset="0"/>
+                <a:latin typeface="Bahnschrift Light Condensed" panose="020B0502040204020203" pitchFamily="34" charset="0"/>
               </a:rPr>
               <a:t>Könnyebb installáció</a:t>
             </a:r>
           </a:p>
           <a:p>
             <a:endParaRPr lang="hu-HU" dirty="0" smtClean="0">
-              <a:latin typeface="Bahnschrift SemiLight Condensed" panose="020B0502040204020203" pitchFamily="34" charset="0"/>
+              <a:latin typeface="Bahnschrift Light Condensed" panose="020B0502040204020203" pitchFamily="34" charset="0"/>
             </a:endParaRPr>
           </a:p>
           <a:p>
             <a:r>
               <a:rPr lang="hu-HU" dirty="0" smtClean="0">
-                <a:latin typeface="Bahnschrift SemiLight Condensed" panose="020B0502040204020203" pitchFamily="34" charset="0"/>
+                <a:latin typeface="Bahnschrift Light Condensed" panose="020B0502040204020203" pitchFamily="34" charset="0"/>
               </a:rPr>
               <a:t>Hátrányok:</a:t>
             </a:r>
@@ -4602,7 +4468,7 @@
             </a:pPr>
             <a:r>
               <a:rPr lang="hu-HU" dirty="0" smtClean="0">
-                <a:latin typeface="Bahnschrift SemiLight Condensed" panose="020B0502040204020203" pitchFamily="34" charset="0"/>
+                <a:latin typeface="Bahnschrift Light Condensed" panose="020B0502040204020203" pitchFamily="34" charset="0"/>
               </a:rPr>
               <a:t>Alacsonyabb hatásfok</a:t>
             </a:r>
@@ -4614,7 +4480,7 @@
             </a:pPr>
             <a:r>
               <a:rPr lang="hu-HU" dirty="0" smtClean="0">
-                <a:latin typeface="Bahnschrift SemiLight Condensed" panose="020B0502040204020203" pitchFamily="34" charset="0"/>
+                <a:latin typeface="Bahnschrift Light Condensed" panose="020B0502040204020203" pitchFamily="34" charset="0"/>
               </a:rPr>
               <a:t>Hangosabb</a:t>
             </a:r>
@@ -4625,7 +4491,7 @@
               <a:buChar char="-"/>
             </a:pPr>
             <a:endParaRPr lang="hu-HU" dirty="0" smtClean="0">
-              <a:latin typeface="Bahnschrift SemiLight Condensed" panose="020B0502040204020203" pitchFamily="34" charset="0"/>
+              <a:latin typeface="Bahnschrift Light Condensed" panose="020B0502040204020203" pitchFamily="34" charset="0"/>
             </a:endParaRPr>
           </a:p>
           <a:p>
@@ -4634,7 +4500,7 @@
               <a:buChar char="-"/>
             </a:pPr>
             <a:endParaRPr lang="hu-HU" dirty="0" smtClean="0">
-              <a:latin typeface="Bahnschrift SemiLight Condensed" panose="020B0502040204020203" pitchFamily="34" charset="0"/>
+              <a:latin typeface="Bahnschrift Light Condensed" panose="020B0502040204020203" pitchFamily="34" charset="0"/>
             </a:endParaRPr>
           </a:p>
           <a:p>
@@ -4643,7 +4509,7 @@
               <a:buChar char="-"/>
             </a:pPr>
             <a:endParaRPr lang="hu-HU" dirty="0" smtClean="0">
-              <a:latin typeface="Bahnschrift SemiLight Condensed" panose="020B0502040204020203" pitchFamily="34" charset="0"/>
+              <a:latin typeface="Bahnschrift Light Condensed" panose="020B0502040204020203" pitchFamily="34" charset="0"/>
             </a:endParaRPr>
           </a:p>
         </p:txBody>
@@ -5051,14 +4917,90 @@
               <a:rPr lang="hu-HU" dirty="0" smtClean="0">
                 <a:latin typeface="Bahnschrift Light Condensed" panose="020B0502040204020203" pitchFamily="34" charset="0"/>
               </a:rPr>
-              <a:t>Ez hosszabbítja a CPU élettartamát, és kevesebb áramot </a:t>
-            </a:r>
-            <a:r>
-              <a:rPr lang="hu-HU" smtClean="0">
-                <a:latin typeface="Bahnschrift Light Condensed" panose="020B0502040204020203" pitchFamily="34" charset="0"/>
-              </a:rPr>
-              <a:t>is fogyaszt.</a:t>
-            </a:r>
+              <a:t>Ez hosszabbítja </a:t>
+            </a:r>
+            <a:r>
+              <a:rPr lang="hu-HU" dirty="0" smtClean="0">
+                <a:latin typeface="Bahnschrift Light Condensed" panose="020B0502040204020203" pitchFamily="34" charset="0"/>
+              </a:rPr>
+              <a:t>a CPU élettartamát</a:t>
+            </a:r>
+            <a:r>
+              <a:rPr lang="hu-HU" dirty="0" smtClean="0">
+                <a:latin typeface="Bahnschrift Light Condensed" panose="020B0502040204020203" pitchFamily="34" charset="0"/>
+              </a:rPr>
+              <a:t>, és kevesebb áramot fogyaszt.</a:t>
+            </a:r>
+          </a:p>
+          <a:p>
+            <a:r>
+              <a:rPr lang="hu-HU" dirty="0" smtClean="0">
+                <a:latin typeface="Bahnschrift Light Condensed" panose="020B0502040204020203" pitchFamily="34" charset="0"/>
+              </a:rPr>
+              <a:t>AMD technológiái:</a:t>
+            </a:r>
+          </a:p>
+          <a:p>
+            <a:pPr>
+              <a:buFontTx/>
+              <a:buChar char="-"/>
+            </a:pPr>
+            <a:r>
+              <a:rPr lang="hu-HU" dirty="0" err="1" smtClean="0">
+                <a:latin typeface="Bahnschrift Light Condensed" panose="020B0502040204020203" pitchFamily="34" charset="0"/>
+              </a:rPr>
+              <a:t>Cool’n’Quiet</a:t>
+            </a:r>
+            <a:endParaRPr lang="hu-HU" dirty="0" smtClean="0">
+              <a:latin typeface="Bahnschrift Light Condensed" panose="020B0502040204020203" pitchFamily="34" charset="0"/>
+            </a:endParaRPr>
+          </a:p>
+          <a:p>
+            <a:pPr>
+              <a:buFontTx/>
+              <a:buChar char="-"/>
+            </a:pPr>
+            <a:r>
+              <a:rPr lang="hu-HU" dirty="0" err="1" smtClean="0">
+                <a:latin typeface="Bahnschrift Light Condensed" panose="020B0502040204020203" pitchFamily="34" charset="0"/>
+              </a:rPr>
+              <a:t>PowerNow</a:t>
+            </a:r>
+            <a:r>
+              <a:rPr lang="hu-HU" dirty="0" smtClean="0">
+                <a:latin typeface="Bahnschrift Light Condensed" panose="020B0502040204020203" pitchFamily="34" charset="0"/>
+              </a:rPr>
+              <a:t>!</a:t>
+            </a:r>
+          </a:p>
+          <a:p>
+            <a:r>
+              <a:rPr lang="hu-HU" dirty="0" smtClean="0">
+                <a:latin typeface="Bahnschrift Light Condensed" panose="020B0502040204020203" pitchFamily="34" charset="0"/>
+              </a:rPr>
+              <a:t>Intel technológiája:</a:t>
+            </a:r>
+          </a:p>
+          <a:p>
+            <a:pPr>
+              <a:buFontTx/>
+              <a:buChar char="-"/>
+            </a:pPr>
+            <a:r>
+              <a:rPr lang="hu-HU" dirty="0" err="1" smtClean="0">
+                <a:latin typeface="Bahnschrift Light Condensed" panose="020B0502040204020203" pitchFamily="34" charset="0"/>
+              </a:rPr>
+              <a:t>SpeedStep</a:t>
+            </a:r>
+            <a:endParaRPr lang="hu-HU" dirty="0" smtClean="0">
+              <a:latin typeface="Bahnschrift Light Condensed" panose="020B0502040204020203" pitchFamily="34" charset="0"/>
+            </a:endParaRPr>
+          </a:p>
+          <a:p>
+            <a:pPr>
+              <a:buFontTx/>
+              <a:buChar char="-"/>
+            </a:pPr>
             <a:endParaRPr lang="hu-HU" dirty="0">
               <a:latin typeface="Bahnschrift Light Condensed" panose="020B0502040204020203" pitchFamily="34" charset="0"/>
             </a:endParaRPr>
@@ -5117,7 +5059,15 @@
           <a:bodyPr/>
           <a:lstStyle/>
           <a:p>
-            <a:endParaRPr lang="hu-HU"/>
+            <a:r>
+              <a:rPr lang="hu-HU" dirty="0" smtClean="0">
+                <a:latin typeface="Bahnschrift Light Condensed" panose="020B0502040204020203" pitchFamily="34" charset="0"/>
+              </a:rPr>
+              <a:t>AMD-nek miért van 2 féle technológiája?</a:t>
+            </a:r>
+            <a:endParaRPr lang="hu-HU" dirty="0">
+              <a:latin typeface="Bahnschrift Light Condensed" panose="020B0502040204020203" pitchFamily="34" charset="0"/>
+            </a:endParaRPr>
           </a:p>
         </p:txBody>
       </p:sp>
@@ -5136,7 +5086,60 @@
           <a:bodyPr/>
           <a:lstStyle/>
           <a:p>
-            <a:endParaRPr lang="hu-HU"/>
+            <a:r>
+              <a:rPr lang="hu-HU" dirty="0" err="1" smtClean="0">
+                <a:latin typeface="Bahnschrift Light Condensed" panose="020B0502040204020203" pitchFamily="34" charset="0"/>
+              </a:rPr>
+              <a:t>Cool’n’Quiet</a:t>
+            </a:r>
+            <a:r>
+              <a:rPr lang="hu-HU" dirty="0" smtClean="0">
+                <a:latin typeface="Bahnschrift Light Condensed" panose="020B0502040204020203" pitchFamily="34" charset="0"/>
+              </a:rPr>
+              <a:t>-et asztali és szerver számítógépekben használják.</a:t>
+            </a:r>
+          </a:p>
+          <a:p>
+            <a:r>
+              <a:rPr lang="hu-HU" dirty="0" smtClean="0">
+                <a:latin typeface="Bahnschrift Light Condensed" panose="020B0502040204020203" pitchFamily="34" charset="0"/>
+              </a:rPr>
+              <a:t>A </a:t>
+            </a:r>
+            <a:r>
+              <a:rPr lang="hu-HU" dirty="0" err="1" smtClean="0">
+                <a:latin typeface="Bahnschrift Light Condensed" panose="020B0502040204020203" pitchFamily="34" charset="0"/>
+              </a:rPr>
+              <a:t>PowerNow</a:t>
+            </a:r>
+            <a:r>
+              <a:rPr lang="hu-HU" dirty="0" smtClean="0">
+                <a:latin typeface="Bahnschrift Light Condensed" panose="020B0502040204020203" pitchFamily="34" charset="0"/>
+              </a:rPr>
+              <a:t>!-</a:t>
+            </a:r>
+            <a:r>
+              <a:rPr lang="hu-HU" dirty="0" err="1" smtClean="0">
+                <a:latin typeface="Bahnschrift Light Condensed" panose="020B0502040204020203" pitchFamily="34" charset="0"/>
+              </a:rPr>
+              <a:t>ot</a:t>
+            </a:r>
+            <a:r>
+              <a:rPr lang="hu-HU" dirty="0" smtClean="0">
+                <a:latin typeface="Bahnschrift Light Condensed" panose="020B0502040204020203" pitchFamily="34" charset="0"/>
+              </a:rPr>
+              <a:t> laptopokban használták.</a:t>
+            </a:r>
+          </a:p>
+          <a:p>
+            <a:endParaRPr lang="hu-HU" dirty="0">
+              <a:latin typeface="Bahnschrift Light Condensed" panose="020B0502040204020203" pitchFamily="34" charset="0"/>
+            </a:endParaRPr>
+          </a:p>
+          <a:p>
+            <a:endParaRPr lang="hu-HU" dirty="0">
+              <a:latin typeface="Bahnschrift Light Condensed" panose="020B0502040204020203" pitchFamily="34" charset="0"/>
+            </a:endParaRPr>
           </a:p>
         </p:txBody>
       </p:sp>
@@ -5150,6 +5153,13 @@
   <p:clrMapOvr>
     <a:masterClrMapping/>
   </p:clrMapOvr>
+  <p:timing>
+    <p:tnLst>
+      <p:par>
+        <p:cTn id="1" dur="indefinite" restart="never" nodeType="tmRoot"/>
+      </p:par>
+    </p:tnLst>
+  </p:timing>
 </p:sld>
 </file>
 
@@ -5185,7 +5195,21 @@
           <a:bodyPr/>
           <a:lstStyle/>
           <a:p>
-            <a:endParaRPr lang="hu-HU"/>
+            <a:r>
+              <a:rPr lang="hu-HU" dirty="0" smtClean="0">
+                <a:latin typeface="Bahnschrift Light Condensed" panose="020B0502040204020203" pitchFamily="34" charset="0"/>
+              </a:rPr>
+              <a:t>AMD </a:t>
+            </a:r>
+            <a:r>
+              <a:rPr lang="hu-HU" dirty="0" err="1" smtClean="0">
+                <a:latin typeface="Bahnschrift Light Condensed" panose="020B0502040204020203" pitchFamily="34" charset="0"/>
+              </a:rPr>
+              <a:t>Cool’n’Quiet</a:t>
+            </a:r>
+            <a:endParaRPr lang="hu-HU" dirty="0">
+              <a:latin typeface="Bahnschrift Light Condensed" panose="020B0502040204020203" pitchFamily="34" charset="0"/>
+            </a:endParaRPr>
           </a:p>
         </p:txBody>
       </p:sp>
@@ -5204,20 +5228,63 @@
           <a:bodyPr/>
           <a:lstStyle/>
           <a:p>
-            <a:endParaRPr lang="hu-HU"/>
+            <a:r>
+              <a:rPr lang="hu-HU" dirty="0" smtClean="0">
+                <a:latin typeface="Bahnschrift Light Condensed" panose="020B0502040204020203" pitchFamily="34" charset="0"/>
+              </a:rPr>
+              <a:t>2002-ben jelent meg.</a:t>
+            </a:r>
+          </a:p>
+          <a:p>
+            <a:r>
+              <a:rPr lang="hu-HU" dirty="0" smtClean="0">
+                <a:latin typeface="Bahnschrift Light Condensed" panose="020B0502040204020203" pitchFamily="34" charset="0"/>
+              </a:rPr>
+              <a:t>Érzékeli, amikor a processzor semmi munkát végez, és csökkenti az órajelét.</a:t>
+            </a:r>
+          </a:p>
+          <a:p>
+            <a:r>
+              <a:rPr lang="hu-HU" dirty="0" smtClean="0">
+                <a:latin typeface="Bahnschrift Light Condensed" panose="020B0502040204020203" pitchFamily="34" charset="0"/>
+              </a:rPr>
+              <a:t>Mai </a:t>
+            </a:r>
+            <a:r>
+              <a:rPr lang="hu-HU" dirty="0" err="1" smtClean="0">
+                <a:latin typeface="Bahnschrift Light Condensed" panose="020B0502040204020203" pitchFamily="34" charset="0"/>
+              </a:rPr>
+              <a:t>Ryzen</a:t>
+            </a:r>
+            <a:r>
+              <a:rPr lang="hu-HU" dirty="0" smtClean="0">
+                <a:latin typeface="Bahnschrift Light Condensed" panose="020B0502040204020203" pitchFamily="34" charset="0"/>
+              </a:rPr>
+              <a:t> processzorokban is használják.</a:t>
+            </a:r>
+            <a:endParaRPr lang="hu-HU" dirty="0">
+              <a:latin typeface="Bahnschrift Light Condensed" panose="020B0502040204020203" pitchFamily="34" charset="0"/>
+            </a:endParaRPr>
           </a:p>
         </p:txBody>
       </p:sp>
     </p:spTree>
     <p:extLst>
       <p:ext uri="{BB962C8B-B14F-4D97-AF65-F5344CB8AC3E}">
-        <p14:creationId xmlns:p14="http://schemas.microsoft.com/office/powerpoint/2010/main" val="1228783528"/>
+        <p14:creationId xmlns:p14="http://schemas.microsoft.com/office/powerpoint/2010/main" val="1249238243"/>
       </p:ext>
     </p:extLst>
   </p:cSld>
   <p:clrMapOvr>
     <a:masterClrMapping/>
   </p:clrMapOvr>
+  <p:timing>
+    <p:tnLst>
+      <p:par>
+        <p:cTn id="1" dur="indefinite" restart="never" nodeType="tmRoot"/>
+      </p:par>
+    </p:tnLst>
+  </p:timing>
 </p:sld>
 </file>
 

--- a/cpuhutes.pptx
+++ b/cpuhutes.pptx
@@ -2,7 +2,7 @@
 <file path=ppt/presentation.xml><?xml version="1.0" encoding="utf-8"?>
 <p:presentation xmlns:a="http://schemas.openxmlformats.org/drawingml/2006/main" xmlns:r="http://schemas.openxmlformats.org/officeDocument/2006/relationships" xmlns:p="http://schemas.openxmlformats.org/presentationml/2006/main" saveSubsetFonts="1">
   <p:sldMasterIdLst>
-    <p:sldMasterId id="2147483687" r:id="rId1"/>
+    <p:sldMasterId id="2147483699" r:id="rId1"/>
   </p:sldMasterIdLst>
   <p:sldIdLst>
     <p:sldId id="256" r:id="rId2"/>
@@ -22,9 +22,9 @@
   <p:notesSz cx="6858000" cy="9144000"/>
   <p:defaultTextStyle>
     <a:defPPr>
-      <a:defRPr lang="hu-HU"/>
+      <a:defRPr lang="en-US"/>
     </a:defPPr>
-    <a:lvl1pPr marL="0" algn="l" defTabSz="914400" rtl="0" eaLnBrk="1" latinLnBrk="0" hangingPunct="1">
+    <a:lvl1pPr marL="0" algn="l" defTabSz="457200" rtl="0" eaLnBrk="1" latinLnBrk="0" hangingPunct="1">
       <a:defRPr sz="1800" kern="1200">
         <a:solidFill>
           <a:schemeClr val="tx1"/>
@@ -34,7 +34,7 @@
         <a:cs typeface="+mn-cs"/>
       </a:defRPr>
     </a:lvl1pPr>
-    <a:lvl2pPr marL="457200" algn="l" defTabSz="914400" rtl="0" eaLnBrk="1" latinLnBrk="0" hangingPunct="1">
+    <a:lvl2pPr marL="457200" algn="l" defTabSz="457200" rtl="0" eaLnBrk="1" latinLnBrk="0" hangingPunct="1">
       <a:defRPr sz="1800" kern="1200">
         <a:solidFill>
           <a:schemeClr val="tx1"/>
@@ -44,7 +44,7 @@
         <a:cs typeface="+mn-cs"/>
       </a:defRPr>
     </a:lvl2pPr>
-    <a:lvl3pPr marL="914400" algn="l" defTabSz="914400" rtl="0" eaLnBrk="1" latinLnBrk="0" hangingPunct="1">
+    <a:lvl3pPr marL="914400" algn="l" defTabSz="457200" rtl="0" eaLnBrk="1" latinLnBrk="0" hangingPunct="1">
       <a:defRPr sz="1800" kern="1200">
         <a:solidFill>
           <a:schemeClr val="tx1"/>
@@ -54,7 +54,7 @@
         <a:cs typeface="+mn-cs"/>
       </a:defRPr>
     </a:lvl3pPr>
-    <a:lvl4pPr marL="1371600" algn="l" defTabSz="914400" rtl="0" eaLnBrk="1" latinLnBrk="0" hangingPunct="1">
+    <a:lvl4pPr marL="1371600" algn="l" defTabSz="457200" rtl="0" eaLnBrk="1" latinLnBrk="0" hangingPunct="1">
       <a:defRPr sz="1800" kern="1200">
         <a:solidFill>
           <a:schemeClr val="tx1"/>
@@ -64,7 +64,7 @@
         <a:cs typeface="+mn-cs"/>
       </a:defRPr>
     </a:lvl4pPr>
-    <a:lvl5pPr marL="1828800" algn="l" defTabSz="914400" rtl="0" eaLnBrk="1" latinLnBrk="0" hangingPunct="1">
+    <a:lvl5pPr marL="1828800" algn="l" defTabSz="457200" rtl="0" eaLnBrk="1" latinLnBrk="0" hangingPunct="1">
       <a:defRPr sz="1800" kern="1200">
         <a:solidFill>
           <a:schemeClr val="tx1"/>
@@ -74,7 +74,7 @@
         <a:cs typeface="+mn-cs"/>
       </a:defRPr>
     </a:lvl5pPr>
-    <a:lvl6pPr marL="2286000" algn="l" defTabSz="914400" rtl="0" eaLnBrk="1" latinLnBrk="0" hangingPunct="1">
+    <a:lvl6pPr marL="2286000" algn="l" defTabSz="457200" rtl="0" eaLnBrk="1" latinLnBrk="0" hangingPunct="1">
       <a:defRPr sz="1800" kern="1200">
         <a:solidFill>
           <a:schemeClr val="tx1"/>
@@ -84,7 +84,7 @@
         <a:cs typeface="+mn-cs"/>
       </a:defRPr>
     </a:lvl6pPr>
-    <a:lvl7pPr marL="2743200" algn="l" defTabSz="914400" rtl="0" eaLnBrk="1" latinLnBrk="0" hangingPunct="1">
+    <a:lvl7pPr marL="2743200" algn="l" defTabSz="457200" rtl="0" eaLnBrk="1" latinLnBrk="0" hangingPunct="1">
       <a:defRPr sz="1800" kern="1200">
         <a:solidFill>
           <a:schemeClr val="tx1"/>
@@ -94,7 +94,7 @@
         <a:cs typeface="+mn-cs"/>
       </a:defRPr>
     </a:lvl7pPr>
-    <a:lvl8pPr marL="3200400" algn="l" defTabSz="914400" rtl="0" eaLnBrk="1" latinLnBrk="0" hangingPunct="1">
+    <a:lvl8pPr marL="3200400" algn="l" defTabSz="457200" rtl="0" eaLnBrk="1" latinLnBrk="0" hangingPunct="1">
       <a:defRPr sz="1800" kern="1200">
         <a:solidFill>
           <a:schemeClr val="tx1"/>
@@ -104,7 +104,7 @@
         <a:cs typeface="+mn-cs"/>
       </a:defRPr>
     </a:lvl8pPr>
-    <a:lvl9pPr marL="3657600" algn="l" defTabSz="914400" rtl="0" eaLnBrk="1" latinLnBrk="0" hangingPunct="1">
+    <a:lvl9pPr marL="3657600" algn="l" defTabSz="457200" rtl="0" eaLnBrk="1" latinLnBrk="0" hangingPunct="1">
       <a:defRPr sz="1800" kern="1200">
         <a:solidFill>
           <a:schemeClr val="tx1"/>
@@ -124,8 +124,18 @@
 </file>
 
 <file path=ppt/slideLayouts/slideLayout1.xml><?xml version="1.0" encoding="utf-8"?>
-<p:sldLayout xmlns:a="http://schemas.openxmlformats.org/drawingml/2006/main" xmlns:r="http://schemas.openxmlformats.org/officeDocument/2006/relationships" xmlns:p="http://schemas.openxmlformats.org/presentationml/2006/main" type="title" preserve="1">
-  <p:cSld name="Title Slide">
+<p:sldLayout xmlns:a="http://schemas.openxmlformats.org/drawingml/2006/main" xmlns:r="http://schemas.openxmlformats.org/officeDocument/2006/relationships" xmlns:p="http://schemas.openxmlformats.org/presentationml/2006/main" showMasterSp="0" type="title" preserve="1">
+  <p:cSld name="Címdia">
+    <p:bg>
+      <p:bgPr>
+        <a:solidFill>
+          <a:schemeClr val="bg2">
+            <a:lumMod val="75000"/>
+          </a:schemeClr>
+        </a:solidFill>
+        <a:effectLst/>
+      </p:bgPr>
+    </p:bg>
     <p:spTree>
       <p:nvGrpSpPr>
         <p:cNvPr id="1" name=""/>
@@ -142,13 +152,7 @@
       </p:grpSpPr>
       <p:sp>
         <p:nvSpPr>
-          <p:cNvPr id="2" name="Title 1">
-            <a:extLst>
-              <a:ext uri="{FF2B5EF4-FFF2-40B4-BE49-F238E27FC236}">
-                <a16:creationId xmlns:a16="http://schemas.microsoft.com/office/drawing/2014/main" id="{4D22D486-0FB7-EE56-2661-10E8CDC27071}"/>
-              </a:ext>
-            </a:extLst>
-          </p:cNvPr>
+          <p:cNvPr id="2" name="Title 1"/>
           <p:cNvSpPr>
             <a:spLocks noGrp="1"/>
           </p:cNvSpPr>
@@ -158,35 +162,38 @@
         </p:nvSpPr>
         <p:spPr>
           <a:xfrm>
-            <a:off x="1524000" y="1122363"/>
-            <a:ext cx="9144000" cy="2387600"/>
+            <a:off x="1261872" y="758952"/>
+            <a:ext cx="9418320" cy="4041648"/>
           </a:xfrm>
         </p:spPr>
         <p:txBody>
-          <a:bodyPr anchor="b"/>
+          <a:bodyPr anchor="b">
+            <a:normAutofit/>
+          </a:bodyPr>
           <a:lstStyle>
-            <a:lvl1pPr algn="ctr">
-              <a:defRPr sz="6000"/>
+            <a:lvl1pPr algn="l">
+              <a:lnSpc>
+                <a:spcPct val="85000"/>
+              </a:lnSpc>
+              <a:defRPr sz="7200" baseline="0">
+                <a:solidFill>
+                  <a:schemeClr val="tx1"/>
+                </a:solidFill>
+              </a:defRPr>
             </a:lvl1pPr>
           </a:lstStyle>
           <a:p>
             <a:r>
-              <a:rPr lang="en-US"/>
-              <a:t>Click to edit Master title style</a:t>
-            </a:r>
-            <a:endParaRPr lang="hu-HU"/>
-          </a:p>
-        </p:txBody>
-      </p:sp>
-      <p:sp>
-        <p:nvSpPr>
-          <p:cNvPr id="3" name="Subtitle 2">
-            <a:extLst>
-              <a:ext uri="{FF2B5EF4-FFF2-40B4-BE49-F238E27FC236}">
-                <a16:creationId xmlns:a16="http://schemas.microsoft.com/office/drawing/2014/main" id="{0BAB7FE2-535F-608C-E6A7-5B048BA9E43E}"/>
-              </a:ext>
-            </a:extLst>
-          </p:cNvPr>
+              <a:rPr lang="hu-HU" smtClean="0"/>
+              <a:t>Mintacím szerkesztése</a:t>
+            </a:r>
+            <a:endParaRPr lang="en-US" dirty="0"/>
+          </a:p>
+        </p:txBody>
+      </p:sp>
+      <p:sp>
+        <p:nvSpPr>
+          <p:cNvPr id="3" name="Subtitle 2"/>
           <p:cNvSpPr>
             <a:spLocks noGrp="1"/>
           </p:cNvSpPr>
@@ -196,83 +203,95 @@
         </p:nvSpPr>
         <p:spPr>
           <a:xfrm>
-            <a:off x="1524000" y="3602038"/>
-            <a:ext cx="9144000" cy="1655762"/>
+            <a:off x="1261872" y="4800600"/>
+            <a:ext cx="9418320" cy="1691640"/>
           </a:xfrm>
         </p:spPr>
         <p:txBody>
+          <a:bodyPr>
+            <a:normAutofit/>
+          </a:bodyPr>
+          <a:lstStyle>
+            <a:lvl1pPr marL="0" indent="0" algn="l">
+              <a:buNone/>
+              <a:defRPr sz="2200" baseline="0">
+                <a:solidFill>
+                  <a:schemeClr val="tx1">
+                    <a:lumMod val="75000"/>
+                  </a:schemeClr>
+                </a:solidFill>
+              </a:defRPr>
+            </a:lvl1pPr>
+            <a:lvl2pPr marL="457200" indent="0" algn="ctr">
+              <a:buNone/>
+              <a:defRPr sz="2200"/>
+            </a:lvl2pPr>
+            <a:lvl3pPr marL="914400" indent="0" algn="ctr">
+              <a:buNone/>
+              <a:defRPr sz="2200"/>
+            </a:lvl3pPr>
+            <a:lvl4pPr marL="1371600" indent="0" algn="ctr">
+              <a:buNone/>
+              <a:defRPr sz="2000"/>
+            </a:lvl4pPr>
+            <a:lvl5pPr marL="1828800" indent="0" algn="ctr">
+              <a:buNone/>
+              <a:defRPr sz="2000"/>
+            </a:lvl5pPr>
+            <a:lvl6pPr marL="2286000" indent="0" algn="ctr">
+              <a:buNone/>
+              <a:defRPr sz="2000"/>
+            </a:lvl6pPr>
+            <a:lvl7pPr marL="2743200" indent="0" algn="ctr">
+              <a:buNone/>
+              <a:defRPr sz="2000"/>
+            </a:lvl7pPr>
+            <a:lvl8pPr marL="3200400" indent="0" algn="ctr">
+              <a:buNone/>
+              <a:defRPr sz="2000"/>
+            </a:lvl8pPr>
+            <a:lvl9pPr marL="3657600" indent="0" algn="ctr">
+              <a:buNone/>
+              <a:defRPr sz="2000"/>
+            </a:lvl9pPr>
+          </a:lstStyle>
+          <a:p>
+            <a:r>
+              <a:rPr lang="hu-HU" smtClean="0"/>
+              <a:t>Kattintson ide az alcím mintájának szerkesztéséhez</a:t>
+            </a:r>
+            <a:endParaRPr lang="en-US" dirty="0"/>
+          </a:p>
+        </p:txBody>
+      </p:sp>
+      <p:sp>
+        <p:nvSpPr>
+          <p:cNvPr id="4" name="Date Placeholder 3"/>
+          <p:cNvSpPr>
+            <a:spLocks noGrp="1"/>
+          </p:cNvSpPr>
+          <p:nvPr>
+            <p:ph type="dt" sz="half" idx="10"/>
+          </p:nvPr>
+        </p:nvSpPr>
+        <p:spPr/>
+        <p:txBody>
           <a:bodyPr/>
           <a:lstStyle>
-            <a:lvl1pPr marL="0" indent="0" algn="ctr">
-              <a:buNone/>
-              <a:defRPr sz="2400"/>
+            <a:lvl1pPr>
+              <a:defRPr>
+                <a:solidFill>
+                  <a:schemeClr val="tx1">
+                    <a:lumMod val="50000"/>
+                  </a:schemeClr>
+                </a:solidFill>
+              </a:defRPr>
             </a:lvl1pPr>
-            <a:lvl2pPr marL="457200" indent="0" algn="ctr">
-              <a:buNone/>
-              <a:defRPr sz="2000"/>
-            </a:lvl2pPr>
-            <a:lvl3pPr marL="914400" indent="0" algn="ctr">
-              <a:buNone/>
-              <a:defRPr sz="1800"/>
-            </a:lvl3pPr>
-            <a:lvl4pPr marL="1371600" indent="0" algn="ctr">
-              <a:buNone/>
-              <a:defRPr sz="1600"/>
-            </a:lvl4pPr>
-            <a:lvl5pPr marL="1828800" indent="0" algn="ctr">
-              <a:buNone/>
-              <a:defRPr sz="1600"/>
-            </a:lvl5pPr>
-            <a:lvl6pPr marL="2286000" indent="0" algn="ctr">
-              <a:buNone/>
-              <a:defRPr sz="1600"/>
-            </a:lvl6pPr>
-            <a:lvl7pPr marL="2743200" indent="0" algn="ctr">
-              <a:buNone/>
-              <a:defRPr sz="1600"/>
-            </a:lvl7pPr>
-            <a:lvl8pPr marL="3200400" indent="0" algn="ctr">
-              <a:buNone/>
-              <a:defRPr sz="1600"/>
-            </a:lvl8pPr>
-            <a:lvl9pPr marL="3657600" indent="0" algn="ctr">
-              <a:buNone/>
-              <a:defRPr sz="1600"/>
-            </a:lvl9pPr>
           </a:lstStyle>
           <a:p>
-            <a:r>
-              <a:rPr lang="en-US"/>
-              <a:t>Click to edit Master subtitle style</a:t>
-            </a:r>
-            <a:endParaRPr lang="hu-HU"/>
-          </a:p>
-        </p:txBody>
-      </p:sp>
-      <p:sp>
-        <p:nvSpPr>
-          <p:cNvPr id="4" name="Date Placeholder 3">
-            <a:extLst>
-              <a:ext uri="{FF2B5EF4-FFF2-40B4-BE49-F238E27FC236}">
-                <a16:creationId xmlns:a16="http://schemas.microsoft.com/office/drawing/2014/main" id="{49695EA5-A9B8-F4FE-9431-7E379758D9CC}"/>
-              </a:ext>
-            </a:extLst>
-          </p:cNvPr>
-          <p:cNvSpPr>
-            <a:spLocks noGrp="1"/>
-          </p:cNvSpPr>
-          <p:nvPr>
-            <p:ph type="dt" sz="half" idx="10"/>
-          </p:nvPr>
-        </p:nvSpPr>
-        <p:spPr/>
-        <p:txBody>
-          <a:bodyPr/>
-          <a:lstStyle/>
-          <a:p>
             <a:fld id="{3DEB2466-714C-403F-984D-B889E18744B3}" type="datetimeFigureOut">
               <a:rPr lang="hu-HU" smtClean="0"/>
-              <a:t>2022.09.19.</a:t>
+              <a:t>2022.09.21.</a:t>
             </a:fld>
             <a:endParaRPr lang="hu-HU"/>
           </a:p>
@@ -280,13 +299,7 @@
       </p:sp>
       <p:sp>
         <p:nvSpPr>
-          <p:cNvPr id="5" name="Footer Placeholder 4">
-            <a:extLst>
-              <a:ext uri="{FF2B5EF4-FFF2-40B4-BE49-F238E27FC236}">
-                <a16:creationId xmlns:a16="http://schemas.microsoft.com/office/drawing/2014/main" id="{E97238BB-6EFC-A32E-863B-5F3C652C266C}"/>
-              </a:ext>
-            </a:extLst>
-          </p:cNvPr>
+          <p:cNvPr id="5" name="Footer Placeholder 4"/>
           <p:cNvSpPr>
             <a:spLocks noGrp="1"/>
           </p:cNvSpPr>
@@ -297,7 +310,17 @@
         <p:spPr/>
         <p:txBody>
           <a:bodyPr/>
-          <a:lstStyle/>
+          <a:lstStyle>
+            <a:lvl1pPr>
+              <a:defRPr>
+                <a:solidFill>
+                  <a:schemeClr val="tx1">
+                    <a:lumMod val="65000"/>
+                  </a:schemeClr>
+                </a:solidFill>
+              </a:defRPr>
+            </a:lvl1pPr>
+          </a:lstStyle>
           <a:p>
             <a:endParaRPr lang="hu-HU"/>
           </a:p>
@@ -305,13 +328,7 @@
       </p:sp>
       <p:sp>
         <p:nvSpPr>
-          <p:cNvPr id="6" name="Slide Number Placeholder 5">
-            <a:extLst>
-              <a:ext uri="{FF2B5EF4-FFF2-40B4-BE49-F238E27FC236}">
-                <a16:creationId xmlns:a16="http://schemas.microsoft.com/office/drawing/2014/main" id="{3CE1283F-35C5-390A-C955-A31B5629C64C}"/>
-              </a:ext>
-            </a:extLst>
-          </p:cNvPr>
+          <p:cNvPr id="6" name="Slide Number Placeholder 5"/>
           <p:cNvSpPr>
             <a:spLocks noGrp="1"/>
           </p:cNvSpPr>
@@ -322,7 +339,17 @@
         <p:spPr/>
         <p:txBody>
           <a:bodyPr/>
-          <a:lstStyle/>
+          <a:lstStyle>
+            <a:lvl1pPr>
+              <a:defRPr>
+                <a:solidFill>
+                  <a:schemeClr val="tx1">
+                    <a:lumMod val="65000"/>
+                  </a:schemeClr>
+                </a:solidFill>
+              </a:defRPr>
+            </a:lvl1pPr>
+          </a:lstStyle>
           <a:p>
             <a:fld id="{D6088368-DA52-418B-BA2E-155B50D0C1F4}" type="slidenum">
               <a:rPr lang="hu-HU" smtClean="0"/>
@@ -332,22 +359,60 @@
           </a:p>
         </p:txBody>
       </p:sp>
+      <p:sp>
+        <p:nvSpPr>
+          <p:cNvPr id="7" name="Rectangle 6"/>
+          <p:cNvSpPr/>
+          <p:nvPr/>
+        </p:nvSpPr>
+        <p:spPr>
+          <a:xfrm>
+            <a:off x="0" y="0"/>
+            <a:ext cx="457200" cy="6858000"/>
+          </a:xfrm>
+          <a:prstGeom prst="rect">
+            <a:avLst/>
+          </a:prstGeom>
+          <a:solidFill>
+            <a:schemeClr val="accent1"/>
+          </a:solidFill>
+          <a:ln>
+            <a:noFill/>
+          </a:ln>
+        </p:spPr>
+        <p:style>
+          <a:lnRef idx="2">
+            <a:schemeClr val="accent1">
+              <a:shade val="50000"/>
+            </a:schemeClr>
+          </a:lnRef>
+          <a:fillRef idx="1">
+            <a:schemeClr val="accent1"/>
+          </a:fillRef>
+          <a:effectRef idx="0">
+            <a:schemeClr val="accent1"/>
+          </a:effectRef>
+          <a:fontRef idx="minor">
+            <a:schemeClr val="lt1"/>
+          </a:fontRef>
+        </p:style>
+      </p:sp>
     </p:spTree>
     <p:extLst>
       <p:ext uri="{BB962C8B-B14F-4D97-AF65-F5344CB8AC3E}">
-        <p14:creationId xmlns:p14="http://schemas.microsoft.com/office/powerpoint/2010/main" val="3590073949"/>
+        <p14:creationId xmlns:p14="http://schemas.microsoft.com/office/powerpoint/2010/main" val="3748553965"/>
       </p:ext>
     </p:extLst>
   </p:cSld>
   <p:clrMapOvr>
-    <a:masterClrMapping/>
+    <a:overrideClrMapping bg1="dk1" tx1="lt1" bg2="dk2" tx2="lt2" accent1="accent1" accent2="accent2" accent3="accent3" accent4="accent4" accent5="accent5" accent6="accent6" hlink="hlink" folHlink="folHlink"/>
   </p:clrMapOvr>
 </p:sldLayout>
 </file>
 
 <file path=ppt/slideLayouts/slideLayout10.xml><?xml version="1.0" encoding="utf-8"?>
 <p:sldLayout xmlns:a="http://schemas.openxmlformats.org/drawingml/2006/main" xmlns:r="http://schemas.openxmlformats.org/officeDocument/2006/relationships" xmlns:p="http://schemas.openxmlformats.org/presentationml/2006/main" type="vertTx" preserve="1">
-  <p:cSld name="Title and Vertical Text">
+  <p:cSld name="Cím és függőleges szöveg">
     <p:spTree>
       <p:nvGrpSpPr>
         <p:cNvPr id="1" name=""/>
@@ -364,13 +429,7 @@
       </p:grpSpPr>
       <p:sp>
         <p:nvSpPr>
-          <p:cNvPr id="2" name="Title 1">
-            <a:extLst>
-              <a:ext uri="{FF2B5EF4-FFF2-40B4-BE49-F238E27FC236}">
-                <a16:creationId xmlns:a16="http://schemas.microsoft.com/office/drawing/2014/main" id="{18F323C7-6F8E-E492-6DD1-AD9FEB36AD4F}"/>
-              </a:ext>
-            </a:extLst>
-          </p:cNvPr>
+          <p:cNvPr id="2" name="Title 1"/>
           <p:cNvSpPr>
             <a:spLocks noGrp="1"/>
           </p:cNvSpPr>
@@ -384,22 +443,16 @@
           <a:lstStyle/>
           <a:p>
             <a:r>
-              <a:rPr lang="en-US"/>
-              <a:t>Click to edit Master title style</a:t>
-            </a:r>
-            <a:endParaRPr lang="hu-HU"/>
-          </a:p>
-        </p:txBody>
-      </p:sp>
-      <p:sp>
-        <p:nvSpPr>
-          <p:cNvPr id="3" name="Vertical Text Placeholder 2">
-            <a:extLst>
-              <a:ext uri="{FF2B5EF4-FFF2-40B4-BE49-F238E27FC236}">
-                <a16:creationId xmlns:a16="http://schemas.microsoft.com/office/drawing/2014/main" id="{93D020DE-36C8-4BFB-E502-489E500B4FFE}"/>
-              </a:ext>
-            </a:extLst>
-          </p:cNvPr>
+              <a:rPr lang="hu-HU" smtClean="0"/>
+              <a:t>Mintacím szerkesztése</a:t>
+            </a:r>
+            <a:endParaRPr lang="en-US" dirty="0"/>
+          </a:p>
+        </p:txBody>
+      </p:sp>
+      <p:sp>
+        <p:nvSpPr>
+          <p:cNvPr id="3" name="Vertical Text Placeholder 2"/>
           <p:cNvSpPr>
             <a:spLocks noGrp="1"/>
           </p:cNvSpPr>
@@ -414,50 +467,44 @@
           <a:p>
             <a:pPr lvl="0"/>
             <a:r>
-              <a:rPr lang="en-US"/>
-              <a:t>Click to edit Master text styles</a:t>
+              <a:rPr lang="hu-HU" smtClean="0"/>
+              <a:t>Mintaszöveg szerkesztése</a:t>
             </a:r>
           </a:p>
           <a:p>
             <a:pPr lvl="1"/>
             <a:r>
-              <a:rPr lang="en-US"/>
-              <a:t>Second level</a:t>
+              <a:rPr lang="hu-HU" smtClean="0"/>
+              <a:t>Második szint</a:t>
             </a:r>
           </a:p>
           <a:p>
             <a:pPr lvl="2"/>
             <a:r>
-              <a:rPr lang="en-US"/>
-              <a:t>Third level</a:t>
+              <a:rPr lang="hu-HU" smtClean="0"/>
+              <a:t>Harmadik szint</a:t>
             </a:r>
           </a:p>
           <a:p>
             <a:pPr lvl="3"/>
             <a:r>
-              <a:rPr lang="en-US"/>
-              <a:t>Fourth level</a:t>
+              <a:rPr lang="hu-HU" smtClean="0"/>
+              <a:t>Negyedik szint</a:t>
             </a:r>
           </a:p>
           <a:p>
             <a:pPr lvl="4"/>
             <a:r>
-              <a:rPr lang="en-US"/>
-              <a:t>Fifth level</a:t>
-            </a:r>
-            <a:endParaRPr lang="hu-HU"/>
-          </a:p>
-        </p:txBody>
-      </p:sp>
-      <p:sp>
-        <p:nvSpPr>
-          <p:cNvPr id="4" name="Date Placeholder 3">
-            <a:extLst>
-              <a:ext uri="{FF2B5EF4-FFF2-40B4-BE49-F238E27FC236}">
-                <a16:creationId xmlns:a16="http://schemas.microsoft.com/office/drawing/2014/main" id="{B902521B-E5E6-10E8-805D-EBF744DAF2FB}"/>
-              </a:ext>
-            </a:extLst>
-          </p:cNvPr>
+              <a:rPr lang="hu-HU" smtClean="0"/>
+              <a:t>Ötödik szint</a:t>
+            </a:r>
+            <a:endParaRPr lang="en-US" dirty="0"/>
+          </a:p>
+        </p:txBody>
+      </p:sp>
+      <p:sp>
+        <p:nvSpPr>
+          <p:cNvPr id="4" name="Date Placeholder 3"/>
           <p:cNvSpPr>
             <a:spLocks noGrp="1"/>
           </p:cNvSpPr>
@@ -472,7 +519,7 @@
           <a:p>
             <a:fld id="{3DEB2466-714C-403F-984D-B889E18744B3}" type="datetimeFigureOut">
               <a:rPr lang="hu-HU" smtClean="0"/>
-              <a:t>2022.09.19.</a:t>
+              <a:t>2022.09.21.</a:t>
             </a:fld>
             <a:endParaRPr lang="hu-HU"/>
           </a:p>
@@ -480,13 +527,7 @@
       </p:sp>
       <p:sp>
         <p:nvSpPr>
-          <p:cNvPr id="5" name="Footer Placeholder 4">
-            <a:extLst>
-              <a:ext uri="{FF2B5EF4-FFF2-40B4-BE49-F238E27FC236}">
-                <a16:creationId xmlns:a16="http://schemas.microsoft.com/office/drawing/2014/main" id="{CD5238E3-021C-766B-EA7E-B6CAB1544CBE}"/>
-              </a:ext>
-            </a:extLst>
-          </p:cNvPr>
+          <p:cNvPr id="5" name="Footer Placeholder 4"/>
           <p:cNvSpPr>
             <a:spLocks noGrp="1"/>
           </p:cNvSpPr>
@@ -505,13 +546,7 @@
       </p:sp>
       <p:sp>
         <p:nvSpPr>
-          <p:cNvPr id="6" name="Slide Number Placeholder 5">
-            <a:extLst>
-              <a:ext uri="{FF2B5EF4-FFF2-40B4-BE49-F238E27FC236}">
-                <a16:creationId xmlns:a16="http://schemas.microsoft.com/office/drawing/2014/main" id="{19319EFF-A07C-729C-D73D-F39F2D85D0DF}"/>
-              </a:ext>
-            </a:extLst>
-          </p:cNvPr>
+          <p:cNvPr id="6" name="Slide Number Placeholder 5"/>
           <p:cNvSpPr>
             <a:spLocks noGrp="1"/>
           </p:cNvSpPr>
@@ -535,7 +570,7 @@
     </p:spTree>
     <p:extLst>
       <p:ext uri="{BB962C8B-B14F-4D97-AF65-F5344CB8AC3E}">
-        <p14:creationId xmlns:p14="http://schemas.microsoft.com/office/powerpoint/2010/main" val="1104778358"/>
+        <p14:creationId xmlns:p14="http://schemas.microsoft.com/office/powerpoint/2010/main" val="2267395215"/>
       </p:ext>
     </p:extLst>
   </p:cSld>
@@ -547,7 +582,7 @@
 
 <file path=ppt/slideLayouts/slideLayout11.xml><?xml version="1.0" encoding="utf-8"?>
 <p:sldLayout xmlns:a="http://schemas.openxmlformats.org/drawingml/2006/main" xmlns:r="http://schemas.openxmlformats.org/officeDocument/2006/relationships" xmlns:p="http://schemas.openxmlformats.org/presentationml/2006/main" type="vertTitleAndTx" preserve="1">
-  <p:cSld name="Vertical Title and Text">
+  <p:cSld name="Függőleges cím és szöveg">
     <p:spTree>
       <p:nvGrpSpPr>
         <p:cNvPr id="1" name=""/>
@@ -564,13 +599,7 @@
       </p:grpSpPr>
       <p:sp>
         <p:nvSpPr>
-          <p:cNvPr id="2" name="Vertical Title 1">
-            <a:extLst>
-              <a:ext uri="{FF2B5EF4-FFF2-40B4-BE49-F238E27FC236}">
-                <a16:creationId xmlns:a16="http://schemas.microsoft.com/office/drawing/2014/main" id="{D781E11B-52AE-AE76-6AAD-76B07645D71D}"/>
-              </a:ext>
-            </a:extLst>
-          </p:cNvPr>
+          <p:cNvPr id="2" name="Vertical Title 1"/>
           <p:cNvSpPr>
             <a:spLocks noGrp="1"/>
           </p:cNvSpPr>
@@ -580,8 +609,8 @@
         </p:nvSpPr>
         <p:spPr>
           <a:xfrm>
-            <a:off x="8724900" y="365125"/>
-            <a:ext cx="2628900" cy="5811838"/>
+            <a:off x="8648700" y="381000"/>
+            <a:ext cx="2476500" cy="5897562"/>
           </a:xfrm>
         </p:spPr>
         <p:txBody>
@@ -589,22 +618,16 @@
           <a:lstStyle/>
           <a:p>
             <a:r>
-              <a:rPr lang="en-US"/>
-              <a:t>Click to edit Master title style</a:t>
-            </a:r>
-            <a:endParaRPr lang="hu-HU"/>
-          </a:p>
-        </p:txBody>
-      </p:sp>
-      <p:sp>
-        <p:nvSpPr>
-          <p:cNvPr id="3" name="Vertical Text Placeholder 2">
-            <a:extLst>
-              <a:ext uri="{FF2B5EF4-FFF2-40B4-BE49-F238E27FC236}">
-                <a16:creationId xmlns:a16="http://schemas.microsoft.com/office/drawing/2014/main" id="{112DC35A-41C3-68D9-1FB3-1D8F944F6576}"/>
-              </a:ext>
-            </a:extLst>
-          </p:cNvPr>
+              <a:rPr lang="hu-HU" smtClean="0"/>
+              <a:t>Mintacím szerkesztése</a:t>
+            </a:r>
+            <a:endParaRPr lang="en-US" dirty="0"/>
+          </a:p>
+        </p:txBody>
+      </p:sp>
+      <p:sp>
+        <p:nvSpPr>
+          <p:cNvPr id="3" name="Vertical Text Placeholder 2"/>
           <p:cNvSpPr>
             <a:spLocks noGrp="1"/>
           </p:cNvSpPr>
@@ -614,8 +637,8 @@
         </p:nvSpPr>
         <p:spPr>
           <a:xfrm>
-            <a:off x="838200" y="365125"/>
-            <a:ext cx="7734300" cy="5811838"/>
+            <a:off x="762000" y="381000"/>
+            <a:ext cx="7734300" cy="5897562"/>
           </a:xfrm>
         </p:spPr>
         <p:txBody>
@@ -624,50 +647,44 @@
           <a:p>
             <a:pPr lvl="0"/>
             <a:r>
-              <a:rPr lang="en-US"/>
-              <a:t>Click to edit Master text styles</a:t>
+              <a:rPr lang="hu-HU" smtClean="0"/>
+              <a:t>Mintaszöveg szerkesztése</a:t>
             </a:r>
           </a:p>
           <a:p>
             <a:pPr lvl="1"/>
             <a:r>
-              <a:rPr lang="en-US"/>
-              <a:t>Second level</a:t>
+              <a:rPr lang="hu-HU" smtClean="0"/>
+              <a:t>Második szint</a:t>
             </a:r>
           </a:p>
           <a:p>
             <a:pPr lvl="2"/>
             <a:r>
-              <a:rPr lang="en-US"/>
-              <a:t>Third level</a:t>
+              <a:rPr lang="hu-HU" smtClean="0"/>
+              <a:t>Harmadik szint</a:t>
             </a:r>
           </a:p>
           <a:p>
             <a:pPr lvl="3"/>
             <a:r>
-              <a:rPr lang="en-US"/>
-              <a:t>Fourth level</a:t>
+              <a:rPr lang="hu-HU" smtClean="0"/>
+              <a:t>Negyedik szint</a:t>
             </a:r>
           </a:p>
           <a:p>
             <a:pPr lvl="4"/>
             <a:r>
-              <a:rPr lang="en-US"/>
-              <a:t>Fifth level</a:t>
-            </a:r>
-            <a:endParaRPr lang="hu-HU"/>
-          </a:p>
-        </p:txBody>
-      </p:sp>
-      <p:sp>
-        <p:nvSpPr>
-          <p:cNvPr id="4" name="Date Placeholder 3">
-            <a:extLst>
-              <a:ext uri="{FF2B5EF4-FFF2-40B4-BE49-F238E27FC236}">
-                <a16:creationId xmlns:a16="http://schemas.microsoft.com/office/drawing/2014/main" id="{D8B98BFF-0A48-9A46-3457-C1FA1F6D6E89}"/>
-              </a:ext>
-            </a:extLst>
-          </p:cNvPr>
+              <a:rPr lang="hu-HU" smtClean="0"/>
+              <a:t>Ötödik szint</a:t>
+            </a:r>
+            <a:endParaRPr lang="en-US" dirty="0"/>
+          </a:p>
+        </p:txBody>
+      </p:sp>
+      <p:sp>
+        <p:nvSpPr>
+          <p:cNvPr id="4" name="Date Placeholder 3"/>
           <p:cNvSpPr>
             <a:spLocks noGrp="1"/>
           </p:cNvSpPr>
@@ -682,7 +699,7 @@
           <a:p>
             <a:fld id="{3DEB2466-714C-403F-984D-B889E18744B3}" type="datetimeFigureOut">
               <a:rPr lang="hu-HU" smtClean="0"/>
-              <a:t>2022.09.19.</a:t>
+              <a:t>2022.09.21.</a:t>
             </a:fld>
             <a:endParaRPr lang="hu-HU"/>
           </a:p>
@@ -690,13 +707,7 @@
       </p:sp>
       <p:sp>
         <p:nvSpPr>
-          <p:cNvPr id="5" name="Footer Placeholder 4">
-            <a:extLst>
-              <a:ext uri="{FF2B5EF4-FFF2-40B4-BE49-F238E27FC236}">
-                <a16:creationId xmlns:a16="http://schemas.microsoft.com/office/drawing/2014/main" id="{5B4946CA-C041-3565-19BA-2F953EA3CA0C}"/>
-              </a:ext>
-            </a:extLst>
-          </p:cNvPr>
+          <p:cNvPr id="5" name="Footer Placeholder 4"/>
           <p:cNvSpPr>
             <a:spLocks noGrp="1"/>
           </p:cNvSpPr>
@@ -715,13 +726,7 @@
       </p:sp>
       <p:sp>
         <p:nvSpPr>
-          <p:cNvPr id="6" name="Slide Number Placeholder 5">
-            <a:extLst>
-              <a:ext uri="{FF2B5EF4-FFF2-40B4-BE49-F238E27FC236}">
-                <a16:creationId xmlns:a16="http://schemas.microsoft.com/office/drawing/2014/main" id="{FD0932CD-6117-2791-19F0-09F191F0A707}"/>
-              </a:ext>
-            </a:extLst>
-          </p:cNvPr>
+          <p:cNvPr id="6" name="Slide Number Placeholder 5"/>
           <p:cNvSpPr>
             <a:spLocks noGrp="1"/>
           </p:cNvSpPr>
@@ -745,7 +750,7 @@
     </p:spTree>
     <p:extLst>
       <p:ext uri="{BB962C8B-B14F-4D97-AF65-F5344CB8AC3E}">
-        <p14:creationId xmlns:p14="http://schemas.microsoft.com/office/powerpoint/2010/main" val="3939485218"/>
+        <p14:creationId xmlns:p14="http://schemas.microsoft.com/office/powerpoint/2010/main" val="1526625484"/>
       </p:ext>
     </p:extLst>
   </p:cSld>
@@ -757,7 +762,7 @@
 
 <file path=ppt/slideLayouts/slideLayout2.xml><?xml version="1.0" encoding="utf-8"?>
 <p:sldLayout xmlns:a="http://schemas.openxmlformats.org/drawingml/2006/main" xmlns:r="http://schemas.openxmlformats.org/officeDocument/2006/relationships" xmlns:p="http://schemas.openxmlformats.org/presentationml/2006/main" type="obj" preserve="1">
-  <p:cSld name="Title and Content">
+  <p:cSld name="Cím és tartalom">
     <p:spTree>
       <p:nvGrpSpPr>
         <p:cNvPr id="1" name=""/>
@@ -774,13 +779,7 @@
       </p:grpSpPr>
       <p:sp>
         <p:nvSpPr>
-          <p:cNvPr id="2" name="Title 1">
-            <a:extLst>
-              <a:ext uri="{FF2B5EF4-FFF2-40B4-BE49-F238E27FC236}">
-                <a16:creationId xmlns:a16="http://schemas.microsoft.com/office/drawing/2014/main" id="{66540FF0-3EA0-62CE-4173-C666B1823211}"/>
-              </a:ext>
-            </a:extLst>
-          </p:cNvPr>
+          <p:cNvPr id="2" name="Title 1"/>
           <p:cNvSpPr>
             <a:spLocks noGrp="1"/>
           </p:cNvSpPr>
@@ -794,22 +793,16 @@
           <a:lstStyle/>
           <a:p>
             <a:r>
-              <a:rPr lang="en-US"/>
-              <a:t>Click to edit Master title style</a:t>
-            </a:r>
-            <a:endParaRPr lang="hu-HU"/>
-          </a:p>
-        </p:txBody>
-      </p:sp>
-      <p:sp>
-        <p:nvSpPr>
-          <p:cNvPr id="3" name="Content Placeholder 2">
-            <a:extLst>
-              <a:ext uri="{FF2B5EF4-FFF2-40B4-BE49-F238E27FC236}">
-                <a16:creationId xmlns:a16="http://schemas.microsoft.com/office/drawing/2014/main" id="{78594A64-5D14-14EE-3916-E87CF1086A4D}"/>
-              </a:ext>
-            </a:extLst>
-          </p:cNvPr>
+              <a:rPr lang="hu-HU" smtClean="0"/>
+              <a:t>Mintacím szerkesztése</a:t>
+            </a:r>
+            <a:endParaRPr lang="en-US" dirty="0"/>
+          </a:p>
+        </p:txBody>
+      </p:sp>
+      <p:sp>
+        <p:nvSpPr>
+          <p:cNvPr id="3" name="Content Placeholder 2"/>
           <p:cNvSpPr>
             <a:spLocks noGrp="1"/>
           </p:cNvSpPr>
@@ -824,50 +817,44 @@
           <a:p>
             <a:pPr lvl="0"/>
             <a:r>
-              <a:rPr lang="en-US"/>
-              <a:t>Click to edit Master text styles</a:t>
+              <a:rPr lang="hu-HU" smtClean="0"/>
+              <a:t>Mintaszöveg szerkesztése</a:t>
             </a:r>
           </a:p>
           <a:p>
             <a:pPr lvl="1"/>
             <a:r>
-              <a:rPr lang="en-US"/>
-              <a:t>Second level</a:t>
+              <a:rPr lang="hu-HU" smtClean="0"/>
+              <a:t>Második szint</a:t>
             </a:r>
           </a:p>
           <a:p>
             <a:pPr lvl="2"/>
             <a:r>
-              <a:rPr lang="en-US"/>
-              <a:t>Third level</a:t>
+              <a:rPr lang="hu-HU" smtClean="0"/>
+              <a:t>Harmadik szint</a:t>
             </a:r>
           </a:p>
           <a:p>
             <a:pPr lvl="3"/>
             <a:r>
-              <a:rPr lang="en-US"/>
-              <a:t>Fourth level</a:t>
+              <a:rPr lang="hu-HU" smtClean="0"/>
+              <a:t>Negyedik szint</a:t>
             </a:r>
           </a:p>
           <a:p>
             <a:pPr lvl="4"/>
             <a:r>
-              <a:rPr lang="en-US"/>
-              <a:t>Fifth level</a:t>
-            </a:r>
-            <a:endParaRPr lang="hu-HU"/>
-          </a:p>
-        </p:txBody>
-      </p:sp>
-      <p:sp>
-        <p:nvSpPr>
-          <p:cNvPr id="4" name="Date Placeholder 3">
-            <a:extLst>
-              <a:ext uri="{FF2B5EF4-FFF2-40B4-BE49-F238E27FC236}">
-                <a16:creationId xmlns:a16="http://schemas.microsoft.com/office/drawing/2014/main" id="{A79D9330-BC37-2426-3BF8-AC50CF326360}"/>
-              </a:ext>
-            </a:extLst>
-          </p:cNvPr>
+              <a:rPr lang="hu-HU" smtClean="0"/>
+              <a:t>Ötödik szint</a:t>
+            </a:r>
+            <a:endParaRPr lang="en-US" dirty="0"/>
+          </a:p>
+        </p:txBody>
+      </p:sp>
+      <p:sp>
+        <p:nvSpPr>
+          <p:cNvPr id="4" name="Date Placeholder 3"/>
           <p:cNvSpPr>
             <a:spLocks noGrp="1"/>
           </p:cNvSpPr>
@@ -882,7 +869,7 @@
           <a:p>
             <a:fld id="{3DEB2466-714C-403F-984D-B889E18744B3}" type="datetimeFigureOut">
               <a:rPr lang="hu-HU" smtClean="0"/>
-              <a:t>2022.09.19.</a:t>
+              <a:t>2022.09.21.</a:t>
             </a:fld>
             <a:endParaRPr lang="hu-HU"/>
           </a:p>
@@ -890,13 +877,7 @@
       </p:sp>
       <p:sp>
         <p:nvSpPr>
-          <p:cNvPr id="5" name="Footer Placeholder 4">
-            <a:extLst>
-              <a:ext uri="{FF2B5EF4-FFF2-40B4-BE49-F238E27FC236}">
-                <a16:creationId xmlns:a16="http://schemas.microsoft.com/office/drawing/2014/main" id="{7140B52A-C930-4E74-9CCF-AA1394048C21}"/>
-              </a:ext>
-            </a:extLst>
-          </p:cNvPr>
+          <p:cNvPr id="5" name="Footer Placeholder 4"/>
           <p:cNvSpPr>
             <a:spLocks noGrp="1"/>
           </p:cNvSpPr>
@@ -915,13 +896,7 @@
       </p:sp>
       <p:sp>
         <p:nvSpPr>
-          <p:cNvPr id="6" name="Slide Number Placeholder 5">
-            <a:extLst>
-              <a:ext uri="{FF2B5EF4-FFF2-40B4-BE49-F238E27FC236}">
-                <a16:creationId xmlns:a16="http://schemas.microsoft.com/office/drawing/2014/main" id="{CCD1953A-8FB8-B991-EA6F-70CF20E229CD}"/>
-              </a:ext>
-            </a:extLst>
-          </p:cNvPr>
+          <p:cNvPr id="6" name="Slide Number Placeholder 5"/>
           <p:cNvSpPr>
             <a:spLocks noGrp="1"/>
           </p:cNvSpPr>
@@ -945,7 +920,7 @@
     </p:spTree>
     <p:extLst>
       <p:ext uri="{BB962C8B-B14F-4D97-AF65-F5344CB8AC3E}">
-        <p14:creationId xmlns:p14="http://schemas.microsoft.com/office/powerpoint/2010/main" val="4019342976"/>
+        <p14:creationId xmlns:p14="http://schemas.microsoft.com/office/powerpoint/2010/main" val="4031980771"/>
       </p:ext>
     </p:extLst>
   </p:cSld>
@@ -957,7 +932,7 @@
 
 <file path=ppt/slideLayouts/slideLayout3.xml><?xml version="1.0" encoding="utf-8"?>
 <p:sldLayout xmlns:a="http://schemas.openxmlformats.org/drawingml/2006/main" xmlns:r="http://schemas.openxmlformats.org/officeDocument/2006/relationships" xmlns:p="http://schemas.openxmlformats.org/presentationml/2006/main" type="secHead" preserve="1">
-  <p:cSld name="Section Header">
+  <p:cSld name="Szakaszfejléc">
     <p:spTree>
       <p:nvGrpSpPr>
         <p:cNvPr id="1" name=""/>
@@ -974,13 +949,7 @@
       </p:grpSpPr>
       <p:sp>
         <p:nvSpPr>
-          <p:cNvPr id="2" name="Title 1">
-            <a:extLst>
-              <a:ext uri="{FF2B5EF4-FFF2-40B4-BE49-F238E27FC236}">
-                <a16:creationId xmlns:a16="http://schemas.microsoft.com/office/drawing/2014/main" id="{D8FF49B4-5944-404D-A94A-806885DFC08C}"/>
-              </a:ext>
-            </a:extLst>
-          </p:cNvPr>
+          <p:cNvPr id="2" name="Title 1"/>
           <p:cNvSpPr>
             <a:spLocks noGrp="1"/>
           </p:cNvSpPr>
@@ -990,35 +959,34 @@
         </p:nvSpPr>
         <p:spPr>
           <a:xfrm>
-            <a:off x="831850" y="1709738"/>
-            <a:ext cx="10515600" cy="2852737"/>
+            <a:off x="1261872" y="758952"/>
+            <a:ext cx="9418320" cy="4041648"/>
           </a:xfrm>
         </p:spPr>
         <p:txBody>
-          <a:bodyPr anchor="b"/>
+          <a:bodyPr anchor="b">
+            <a:normAutofit/>
+          </a:bodyPr>
           <a:lstStyle>
             <a:lvl1pPr>
-              <a:defRPr sz="6000"/>
+              <a:lnSpc>
+                <a:spcPct val="85000"/>
+              </a:lnSpc>
+              <a:defRPr sz="7200" b="0"/>
             </a:lvl1pPr>
           </a:lstStyle>
           <a:p>
             <a:r>
-              <a:rPr lang="en-US"/>
-              <a:t>Click to edit Master title style</a:t>
-            </a:r>
-            <a:endParaRPr lang="hu-HU"/>
-          </a:p>
-        </p:txBody>
-      </p:sp>
-      <p:sp>
-        <p:nvSpPr>
-          <p:cNvPr id="3" name="Text Placeholder 2">
-            <a:extLst>
-              <a:ext uri="{FF2B5EF4-FFF2-40B4-BE49-F238E27FC236}">
-                <a16:creationId xmlns:a16="http://schemas.microsoft.com/office/drawing/2014/main" id="{170BCB8F-5254-2FC7-A47C-B8445F37F47F}"/>
-              </a:ext>
-            </a:extLst>
-          </p:cNvPr>
+              <a:rPr lang="hu-HU" smtClean="0"/>
+              <a:t>Mintacím szerkesztése</a:t>
+            </a:r>
+            <a:endParaRPr lang="en-US" dirty="0"/>
+          </a:p>
+        </p:txBody>
+      </p:sp>
+      <p:sp>
+        <p:nvSpPr>
+          <p:cNvPr id="3" name="Text Placeholder 2"/>
           <p:cNvSpPr>
             <a:spLocks noGrp="1"/>
           </p:cNvSpPr>
@@ -1028,26 +996,29 @@
         </p:nvSpPr>
         <p:spPr>
           <a:xfrm>
-            <a:off x="831850" y="4589463"/>
-            <a:ext cx="10515600" cy="1500187"/>
+            <a:off x="1261872" y="4800600"/>
+            <a:ext cx="9418320" cy="1691640"/>
           </a:xfrm>
         </p:spPr>
         <p:txBody>
-          <a:bodyPr/>
+          <a:bodyPr anchor="t">
+            <a:normAutofit/>
+          </a:bodyPr>
           <a:lstStyle>
             <a:lvl1pPr marL="0" indent="0">
               <a:buNone/>
-              <a:defRPr sz="2400">
+              <a:defRPr sz="2200">
                 <a:solidFill>
                   <a:schemeClr val="tx1">
-                    <a:tint val="75000"/>
+                    <a:lumMod val="65000"/>
+                    <a:lumOff val="35000"/>
                   </a:schemeClr>
                 </a:solidFill>
               </a:defRPr>
             </a:lvl1pPr>
             <a:lvl2pPr marL="457200" indent="0">
               <a:buNone/>
-              <a:defRPr sz="2000">
+              <a:defRPr sz="1800">
                 <a:solidFill>
                   <a:schemeClr val="tx1">
                     <a:tint val="75000"/>
@@ -1057,7 +1028,7 @@
             </a:lvl2pPr>
             <a:lvl3pPr marL="914400" indent="0">
               <a:buNone/>
-              <a:defRPr sz="1800">
+              <a:defRPr sz="1600">
                 <a:solidFill>
                   <a:schemeClr val="tx1">
                     <a:tint val="75000"/>
@@ -1067,7 +1038,7 @@
             </a:lvl3pPr>
             <a:lvl4pPr marL="1371600" indent="0">
               <a:buNone/>
-              <a:defRPr sz="1600">
+              <a:defRPr sz="1400">
                 <a:solidFill>
                   <a:schemeClr val="tx1">
                     <a:tint val="75000"/>
@@ -1077,7 +1048,7 @@
             </a:lvl4pPr>
             <a:lvl5pPr marL="1828800" indent="0">
               <a:buNone/>
-              <a:defRPr sz="1600">
+              <a:defRPr sz="1400">
                 <a:solidFill>
                   <a:schemeClr val="tx1">
                     <a:tint val="75000"/>
@@ -1087,7 +1058,7 @@
             </a:lvl5pPr>
             <a:lvl6pPr marL="2286000" indent="0">
               <a:buNone/>
-              <a:defRPr sz="1600">
+              <a:defRPr sz="1400">
                 <a:solidFill>
                   <a:schemeClr val="tx1">
                     <a:tint val="75000"/>
@@ -1097,7 +1068,7 @@
             </a:lvl6pPr>
             <a:lvl7pPr marL="2743200" indent="0">
               <a:buNone/>
-              <a:defRPr sz="1600">
+              <a:defRPr sz="1400">
                 <a:solidFill>
                   <a:schemeClr val="tx1">
                     <a:tint val="75000"/>
@@ -1107,7 +1078,7 @@
             </a:lvl7pPr>
             <a:lvl8pPr marL="3200400" indent="0">
               <a:buNone/>
-              <a:defRPr sz="1600">
+              <a:defRPr sz="1400">
                 <a:solidFill>
                   <a:schemeClr val="tx1">
                     <a:tint val="75000"/>
@@ -1117,7 +1088,7 @@
             </a:lvl8pPr>
             <a:lvl9pPr marL="3657600" indent="0">
               <a:buNone/>
-              <a:defRPr sz="1600">
+              <a:defRPr sz="1400">
                 <a:solidFill>
                   <a:schemeClr val="tx1">
                     <a:tint val="75000"/>
@@ -1129,21 +1100,15 @@
           <a:p>
             <a:pPr lvl="0"/>
             <a:r>
-              <a:rPr lang="en-US"/>
-              <a:t>Click to edit Master text styles</a:t>
-            </a:r>
-          </a:p>
-        </p:txBody>
-      </p:sp>
-      <p:sp>
-        <p:nvSpPr>
-          <p:cNvPr id="4" name="Date Placeholder 3">
-            <a:extLst>
-              <a:ext uri="{FF2B5EF4-FFF2-40B4-BE49-F238E27FC236}">
-                <a16:creationId xmlns:a16="http://schemas.microsoft.com/office/drawing/2014/main" id="{3DC6A493-175C-BAC0-0D86-234935D853A0}"/>
-              </a:ext>
-            </a:extLst>
-          </p:cNvPr>
+              <a:rPr lang="hu-HU" smtClean="0"/>
+              <a:t>Mintaszöveg szerkesztése</a:t>
+            </a:r>
+          </a:p>
+        </p:txBody>
+      </p:sp>
+      <p:sp>
+        <p:nvSpPr>
+          <p:cNvPr id="4" name="Date Placeholder 3"/>
           <p:cNvSpPr>
             <a:spLocks noGrp="1"/>
           </p:cNvSpPr>
@@ -1158,7 +1123,7 @@
           <a:p>
             <a:fld id="{3DEB2466-714C-403F-984D-B889E18744B3}" type="datetimeFigureOut">
               <a:rPr lang="hu-HU" smtClean="0"/>
-              <a:t>2022.09.19.</a:t>
+              <a:t>2022.09.21.</a:t>
             </a:fld>
             <a:endParaRPr lang="hu-HU"/>
           </a:p>
@@ -1166,13 +1131,7 @@
       </p:sp>
       <p:sp>
         <p:nvSpPr>
-          <p:cNvPr id="5" name="Footer Placeholder 4">
-            <a:extLst>
-              <a:ext uri="{FF2B5EF4-FFF2-40B4-BE49-F238E27FC236}">
-                <a16:creationId xmlns:a16="http://schemas.microsoft.com/office/drawing/2014/main" id="{CECE00B9-E214-7A42-F025-82B1F6C8C537}"/>
-              </a:ext>
-            </a:extLst>
-          </p:cNvPr>
+          <p:cNvPr id="5" name="Footer Placeholder 4"/>
           <p:cNvSpPr>
             <a:spLocks noGrp="1"/>
           </p:cNvSpPr>
@@ -1191,13 +1150,7 @@
       </p:sp>
       <p:sp>
         <p:nvSpPr>
-          <p:cNvPr id="6" name="Slide Number Placeholder 5">
-            <a:extLst>
-              <a:ext uri="{FF2B5EF4-FFF2-40B4-BE49-F238E27FC236}">
-                <a16:creationId xmlns:a16="http://schemas.microsoft.com/office/drawing/2014/main" id="{CAEB6657-8157-8340-A577-3238EE3558BD}"/>
-              </a:ext>
-            </a:extLst>
-          </p:cNvPr>
+          <p:cNvPr id="6" name="Slide Number Placeholder 5"/>
           <p:cNvSpPr>
             <a:spLocks noGrp="1"/>
           </p:cNvSpPr>
@@ -1218,10 +1171,48 @@
           </a:p>
         </p:txBody>
       </p:sp>
+      <p:sp>
+        <p:nvSpPr>
+          <p:cNvPr id="7" name="Rectangle 6"/>
+          <p:cNvSpPr/>
+          <p:nvPr/>
+        </p:nvSpPr>
+        <p:spPr>
+          <a:xfrm>
+            <a:off x="0" y="0"/>
+            <a:ext cx="457200" cy="6858000"/>
+          </a:xfrm>
+          <a:prstGeom prst="rect">
+            <a:avLst/>
+          </a:prstGeom>
+          <a:solidFill>
+            <a:schemeClr val="accent1"/>
+          </a:solidFill>
+          <a:ln>
+            <a:noFill/>
+          </a:ln>
+        </p:spPr>
+        <p:style>
+          <a:lnRef idx="2">
+            <a:schemeClr val="accent1">
+              <a:shade val="50000"/>
+            </a:schemeClr>
+          </a:lnRef>
+          <a:fillRef idx="1">
+            <a:schemeClr val="accent1"/>
+          </a:fillRef>
+          <a:effectRef idx="0">
+            <a:schemeClr val="accent1"/>
+          </a:effectRef>
+          <a:fontRef idx="minor">
+            <a:schemeClr val="lt1"/>
+          </a:fontRef>
+        </p:style>
+      </p:sp>
     </p:spTree>
     <p:extLst>
       <p:ext uri="{BB962C8B-B14F-4D97-AF65-F5344CB8AC3E}">
-        <p14:creationId xmlns:p14="http://schemas.microsoft.com/office/powerpoint/2010/main" val="747677486"/>
+        <p14:creationId xmlns:p14="http://schemas.microsoft.com/office/powerpoint/2010/main" val="802919624"/>
       </p:ext>
     </p:extLst>
   </p:cSld>
@@ -1233,7 +1224,7 @@
 
 <file path=ppt/slideLayouts/slideLayout4.xml><?xml version="1.0" encoding="utf-8"?>
 <p:sldLayout xmlns:a="http://schemas.openxmlformats.org/drawingml/2006/main" xmlns:r="http://schemas.openxmlformats.org/officeDocument/2006/relationships" xmlns:p="http://schemas.openxmlformats.org/presentationml/2006/main" type="twoObj" preserve="1">
-  <p:cSld name="Two Content">
+  <p:cSld name="2 tartalomrész">
     <p:spTree>
       <p:nvGrpSpPr>
         <p:cNvPr id="1" name=""/>
@@ -1250,13 +1241,7 @@
       </p:grpSpPr>
       <p:sp>
         <p:nvSpPr>
-          <p:cNvPr id="2" name="Title 1">
-            <a:extLst>
-              <a:ext uri="{FF2B5EF4-FFF2-40B4-BE49-F238E27FC236}">
-                <a16:creationId xmlns:a16="http://schemas.microsoft.com/office/drawing/2014/main" id="{C33C32D1-AC5A-184C-EBB9-7C48E64C37F6}"/>
-              </a:ext>
-            </a:extLst>
-          </p:cNvPr>
+          <p:cNvPr id="2" name="Title 1"/>
           <p:cNvSpPr>
             <a:spLocks noGrp="1"/>
           </p:cNvSpPr>
@@ -1270,22 +1255,16 @@
           <a:lstStyle/>
           <a:p>
             <a:r>
-              <a:rPr lang="en-US"/>
-              <a:t>Click to edit Master title style</a:t>
-            </a:r>
-            <a:endParaRPr lang="hu-HU"/>
-          </a:p>
-        </p:txBody>
-      </p:sp>
-      <p:sp>
-        <p:nvSpPr>
-          <p:cNvPr id="3" name="Content Placeholder 2">
-            <a:extLst>
-              <a:ext uri="{FF2B5EF4-FFF2-40B4-BE49-F238E27FC236}">
-                <a16:creationId xmlns:a16="http://schemas.microsoft.com/office/drawing/2014/main" id="{D03CAEDB-DDEE-00EF-D64C-99AB393F4C9A}"/>
-              </a:ext>
-            </a:extLst>
-          </p:cNvPr>
+              <a:rPr lang="hu-HU" smtClean="0"/>
+              <a:t>Mintacím szerkesztése</a:t>
+            </a:r>
+            <a:endParaRPr lang="en-US" dirty="0"/>
+          </a:p>
+        </p:txBody>
+      </p:sp>
+      <p:sp>
+        <p:nvSpPr>
+          <p:cNvPr id="3" name="Content Placeholder 2"/>
           <p:cNvSpPr>
             <a:spLocks noGrp="1"/>
           </p:cNvSpPr>
@@ -1295,60 +1274,82 @@
         </p:nvSpPr>
         <p:spPr>
           <a:xfrm>
-            <a:off x="838200" y="1825625"/>
-            <a:ext cx="5181600" cy="4351338"/>
+            <a:off x="1261872" y="1828800"/>
+            <a:ext cx="4480560" cy="4351337"/>
           </a:xfrm>
         </p:spPr>
         <p:txBody>
           <a:bodyPr/>
-          <a:lstStyle/>
+          <a:lstStyle>
+            <a:lvl1pPr>
+              <a:defRPr sz="1800"/>
+            </a:lvl1pPr>
+            <a:lvl2pPr>
+              <a:defRPr sz="1600"/>
+            </a:lvl2pPr>
+            <a:lvl3pPr>
+              <a:defRPr sz="1400"/>
+            </a:lvl3pPr>
+            <a:lvl4pPr>
+              <a:defRPr sz="1400"/>
+            </a:lvl4pPr>
+            <a:lvl5pPr>
+              <a:defRPr sz="1400"/>
+            </a:lvl5pPr>
+            <a:lvl6pPr>
+              <a:defRPr sz="1400"/>
+            </a:lvl6pPr>
+            <a:lvl7pPr>
+              <a:defRPr sz="1400"/>
+            </a:lvl7pPr>
+            <a:lvl8pPr>
+              <a:defRPr sz="1400"/>
+            </a:lvl8pPr>
+            <a:lvl9pPr>
+              <a:defRPr sz="1400"/>
+            </a:lvl9pPr>
+          </a:lstStyle>
           <a:p>
             <a:pPr lvl="0"/>
             <a:r>
-              <a:rPr lang="en-US"/>
-              <a:t>Click to edit Master text styles</a:t>
+              <a:rPr lang="hu-HU" smtClean="0"/>
+              <a:t>Mintaszöveg szerkesztése</a:t>
             </a:r>
           </a:p>
           <a:p>
             <a:pPr lvl="1"/>
             <a:r>
-              <a:rPr lang="en-US"/>
-              <a:t>Second level</a:t>
+              <a:rPr lang="hu-HU" smtClean="0"/>
+              <a:t>Második szint</a:t>
             </a:r>
           </a:p>
           <a:p>
             <a:pPr lvl="2"/>
             <a:r>
-              <a:rPr lang="en-US"/>
-              <a:t>Third level</a:t>
+              <a:rPr lang="hu-HU" smtClean="0"/>
+              <a:t>Harmadik szint</a:t>
             </a:r>
           </a:p>
           <a:p>
             <a:pPr lvl="3"/>
             <a:r>
-              <a:rPr lang="en-US"/>
-              <a:t>Fourth level</a:t>
+              <a:rPr lang="hu-HU" smtClean="0"/>
+              <a:t>Negyedik szint</a:t>
             </a:r>
           </a:p>
           <a:p>
             <a:pPr lvl="4"/>
             <a:r>
-              <a:rPr lang="en-US"/>
-              <a:t>Fifth level</a:t>
-            </a:r>
-            <a:endParaRPr lang="hu-HU"/>
-          </a:p>
-        </p:txBody>
-      </p:sp>
-      <p:sp>
-        <p:nvSpPr>
-          <p:cNvPr id="4" name="Content Placeholder 3">
-            <a:extLst>
-              <a:ext uri="{FF2B5EF4-FFF2-40B4-BE49-F238E27FC236}">
-                <a16:creationId xmlns:a16="http://schemas.microsoft.com/office/drawing/2014/main" id="{532C1D1F-DB95-25FB-FCED-6AC5238FFBF4}"/>
-              </a:ext>
-            </a:extLst>
-          </p:cNvPr>
+              <a:rPr lang="hu-HU" smtClean="0"/>
+              <a:t>Ötödik szint</a:t>
+            </a:r>
+            <a:endParaRPr lang="en-US" dirty="0"/>
+          </a:p>
+        </p:txBody>
+      </p:sp>
+      <p:sp>
+        <p:nvSpPr>
+          <p:cNvPr id="4" name="Content Placeholder 3"/>
           <p:cNvSpPr>
             <a:spLocks noGrp="1"/>
           </p:cNvSpPr>
@@ -1358,60 +1359,82 @@
         </p:nvSpPr>
         <p:spPr>
           <a:xfrm>
-            <a:off x="6172200" y="1825625"/>
-            <a:ext cx="5181600" cy="4351338"/>
+            <a:off x="6126480" y="1828800"/>
+            <a:ext cx="4480560" cy="4351337"/>
           </a:xfrm>
         </p:spPr>
         <p:txBody>
           <a:bodyPr/>
-          <a:lstStyle/>
+          <a:lstStyle>
+            <a:lvl1pPr>
+              <a:defRPr sz="1800"/>
+            </a:lvl1pPr>
+            <a:lvl2pPr>
+              <a:defRPr sz="1600"/>
+            </a:lvl2pPr>
+            <a:lvl3pPr>
+              <a:defRPr sz="1400"/>
+            </a:lvl3pPr>
+            <a:lvl4pPr>
+              <a:defRPr sz="1400"/>
+            </a:lvl4pPr>
+            <a:lvl5pPr>
+              <a:defRPr sz="1400"/>
+            </a:lvl5pPr>
+            <a:lvl6pPr>
+              <a:defRPr sz="1400"/>
+            </a:lvl6pPr>
+            <a:lvl7pPr>
+              <a:defRPr sz="1400"/>
+            </a:lvl7pPr>
+            <a:lvl8pPr>
+              <a:defRPr sz="1400"/>
+            </a:lvl8pPr>
+            <a:lvl9pPr>
+              <a:defRPr sz="1400"/>
+            </a:lvl9pPr>
+          </a:lstStyle>
           <a:p>
             <a:pPr lvl="0"/>
             <a:r>
-              <a:rPr lang="en-US"/>
-              <a:t>Click to edit Master text styles</a:t>
+              <a:rPr lang="hu-HU" smtClean="0"/>
+              <a:t>Mintaszöveg szerkesztése</a:t>
             </a:r>
           </a:p>
           <a:p>
             <a:pPr lvl="1"/>
             <a:r>
-              <a:rPr lang="en-US"/>
-              <a:t>Second level</a:t>
+              <a:rPr lang="hu-HU" smtClean="0"/>
+              <a:t>Második szint</a:t>
             </a:r>
           </a:p>
           <a:p>
             <a:pPr lvl="2"/>
             <a:r>
-              <a:rPr lang="en-US"/>
-              <a:t>Third level</a:t>
+              <a:rPr lang="hu-HU" smtClean="0"/>
+              <a:t>Harmadik szint</a:t>
             </a:r>
           </a:p>
           <a:p>
             <a:pPr lvl="3"/>
             <a:r>
-              <a:rPr lang="en-US"/>
-              <a:t>Fourth level</a:t>
+              <a:rPr lang="hu-HU" smtClean="0"/>
+              <a:t>Negyedik szint</a:t>
             </a:r>
           </a:p>
           <a:p>
             <a:pPr lvl="4"/>
             <a:r>
-              <a:rPr lang="en-US"/>
-              <a:t>Fifth level</a:t>
-            </a:r>
-            <a:endParaRPr lang="hu-HU"/>
-          </a:p>
-        </p:txBody>
-      </p:sp>
-      <p:sp>
-        <p:nvSpPr>
-          <p:cNvPr id="5" name="Date Placeholder 4">
-            <a:extLst>
-              <a:ext uri="{FF2B5EF4-FFF2-40B4-BE49-F238E27FC236}">
-                <a16:creationId xmlns:a16="http://schemas.microsoft.com/office/drawing/2014/main" id="{DF29E1FB-3DE5-0181-5C6A-B855025D6788}"/>
-              </a:ext>
-            </a:extLst>
-          </p:cNvPr>
+              <a:rPr lang="hu-HU" smtClean="0"/>
+              <a:t>Ötödik szint</a:t>
+            </a:r>
+            <a:endParaRPr lang="en-US" dirty="0"/>
+          </a:p>
+        </p:txBody>
+      </p:sp>
+      <p:sp>
+        <p:nvSpPr>
+          <p:cNvPr id="5" name="Date Placeholder 4"/>
           <p:cNvSpPr>
             <a:spLocks noGrp="1"/>
           </p:cNvSpPr>
@@ -1426,7 +1449,7 @@
           <a:p>
             <a:fld id="{3DEB2466-714C-403F-984D-B889E18744B3}" type="datetimeFigureOut">
               <a:rPr lang="hu-HU" smtClean="0"/>
-              <a:t>2022.09.19.</a:t>
+              <a:t>2022.09.21.</a:t>
             </a:fld>
             <a:endParaRPr lang="hu-HU"/>
           </a:p>
@@ -1434,13 +1457,7 @@
       </p:sp>
       <p:sp>
         <p:nvSpPr>
-          <p:cNvPr id="6" name="Footer Placeholder 5">
-            <a:extLst>
-              <a:ext uri="{FF2B5EF4-FFF2-40B4-BE49-F238E27FC236}">
-                <a16:creationId xmlns:a16="http://schemas.microsoft.com/office/drawing/2014/main" id="{F0A32642-43C0-6665-AE4D-22721F635098}"/>
-              </a:ext>
-            </a:extLst>
-          </p:cNvPr>
+          <p:cNvPr id="6" name="Footer Placeholder 5"/>
           <p:cNvSpPr>
             <a:spLocks noGrp="1"/>
           </p:cNvSpPr>
@@ -1459,13 +1476,7 @@
       </p:sp>
       <p:sp>
         <p:nvSpPr>
-          <p:cNvPr id="7" name="Slide Number Placeholder 6">
-            <a:extLst>
-              <a:ext uri="{FF2B5EF4-FFF2-40B4-BE49-F238E27FC236}">
-                <a16:creationId xmlns:a16="http://schemas.microsoft.com/office/drawing/2014/main" id="{12A75A06-CE71-9FE7-5806-AE1497C8A5E7}"/>
-              </a:ext>
-            </a:extLst>
-          </p:cNvPr>
+          <p:cNvPr id="7" name="Slide Number Placeholder 6"/>
           <p:cNvSpPr>
             <a:spLocks noGrp="1"/>
           </p:cNvSpPr>
@@ -1489,7 +1500,7 @@
     </p:spTree>
     <p:extLst>
       <p:ext uri="{BB962C8B-B14F-4D97-AF65-F5344CB8AC3E}">
-        <p14:creationId xmlns:p14="http://schemas.microsoft.com/office/powerpoint/2010/main" val="778663758"/>
+        <p14:creationId xmlns:p14="http://schemas.microsoft.com/office/powerpoint/2010/main" val="3321188175"/>
       </p:ext>
     </p:extLst>
   </p:cSld>
@@ -1501,7 +1512,7 @@
 
 <file path=ppt/slideLayouts/slideLayout5.xml><?xml version="1.0" encoding="utf-8"?>
 <p:sldLayout xmlns:a="http://schemas.openxmlformats.org/drawingml/2006/main" xmlns:r="http://schemas.openxmlformats.org/officeDocument/2006/relationships" xmlns:p="http://schemas.openxmlformats.org/presentationml/2006/main" type="twoTxTwoObj" preserve="1">
-  <p:cSld name="Comparison">
+  <p:cSld name="Összehasonlítás">
     <p:spTree>
       <p:nvGrpSpPr>
         <p:cNvPr id="1" name=""/>
@@ -1518,66 +1529,58 @@
       </p:grpSpPr>
       <p:sp>
         <p:nvSpPr>
-          <p:cNvPr id="2" name="Title 1">
-            <a:extLst>
-              <a:ext uri="{FF2B5EF4-FFF2-40B4-BE49-F238E27FC236}">
-                <a16:creationId xmlns:a16="http://schemas.microsoft.com/office/drawing/2014/main" id="{5ADF12D3-2697-E690-A2BB-0B339492C5B1}"/>
-              </a:ext>
-            </a:extLst>
-          </p:cNvPr>
+          <p:cNvPr id="10" name="Title 9"/>
           <p:cNvSpPr>
             <a:spLocks noGrp="1"/>
           </p:cNvSpPr>
           <p:nvPr>
             <p:ph type="title"/>
+          </p:nvPr>
+        </p:nvSpPr>
+        <p:spPr/>
+        <p:txBody>
+          <a:bodyPr/>
+          <a:lstStyle/>
+          <a:p>
+            <a:r>
+              <a:rPr lang="hu-HU" smtClean="0"/>
+              <a:t>Mintacím szerkesztése</a:t>
+            </a:r>
+            <a:endParaRPr lang="en-US" dirty="0"/>
+          </a:p>
+        </p:txBody>
+      </p:sp>
+      <p:sp>
+        <p:nvSpPr>
+          <p:cNvPr id="3" name="Text Placeholder 2"/>
+          <p:cNvSpPr>
+            <a:spLocks noGrp="1"/>
+          </p:cNvSpPr>
+          <p:nvPr>
+            <p:ph type="body" idx="1"/>
           </p:nvPr>
         </p:nvSpPr>
         <p:spPr>
           <a:xfrm>
-            <a:off x="839788" y="365125"/>
-            <a:ext cx="10515600" cy="1325563"/>
+            <a:off x="1261872" y="1713655"/>
+            <a:ext cx="4480560" cy="731520"/>
           </a:xfrm>
         </p:spPr>
         <p:txBody>
-          <a:bodyPr/>
-          <a:lstStyle/>
-          <a:p>
-            <a:r>
-              <a:rPr lang="en-US"/>
-              <a:t>Click to edit Master title style</a:t>
-            </a:r>
-            <a:endParaRPr lang="hu-HU"/>
-          </a:p>
-        </p:txBody>
-      </p:sp>
-      <p:sp>
-        <p:nvSpPr>
-          <p:cNvPr id="3" name="Text Placeholder 2">
-            <a:extLst>
-              <a:ext uri="{FF2B5EF4-FFF2-40B4-BE49-F238E27FC236}">
-                <a16:creationId xmlns:a16="http://schemas.microsoft.com/office/drawing/2014/main" id="{87E2094C-FD4F-750E-E36D-15EEC72E07E4}"/>
-              </a:ext>
-            </a:extLst>
-          </p:cNvPr>
-          <p:cNvSpPr>
-            <a:spLocks noGrp="1"/>
-          </p:cNvSpPr>
-          <p:nvPr>
-            <p:ph type="body" idx="1"/>
-          </p:nvPr>
-        </p:nvSpPr>
-        <p:spPr>
-          <a:xfrm>
-            <a:off x="839788" y="1681163"/>
-            <a:ext cx="5157787" cy="823912"/>
-          </a:xfrm>
-        </p:spPr>
-        <p:txBody>
-          <a:bodyPr anchor="b"/>
+          <a:bodyPr anchor="b">
+            <a:normAutofit/>
+          </a:bodyPr>
           <a:lstStyle>
             <a:lvl1pPr marL="0" indent="0">
-              <a:buNone/>
-              <a:defRPr sz="2400" b="1"/>
+              <a:spcBef>
+                <a:spcPts val="0"/>
+              </a:spcBef>
+              <a:buNone/>
+              <a:defRPr sz="2000" b="0">
+                <a:solidFill>
+                  <a:schemeClr val="tx2"/>
+                </a:solidFill>
+              </a:defRPr>
             </a:lvl1pPr>
             <a:lvl2pPr marL="457200" indent="0">
               <a:buNone/>
@@ -1615,21 +1618,15 @@
           <a:p>
             <a:pPr lvl="0"/>
             <a:r>
-              <a:rPr lang="en-US"/>
-              <a:t>Click to edit Master text styles</a:t>
-            </a:r>
-          </a:p>
-        </p:txBody>
-      </p:sp>
-      <p:sp>
-        <p:nvSpPr>
-          <p:cNvPr id="4" name="Content Placeholder 3">
-            <a:extLst>
-              <a:ext uri="{FF2B5EF4-FFF2-40B4-BE49-F238E27FC236}">
-                <a16:creationId xmlns:a16="http://schemas.microsoft.com/office/drawing/2014/main" id="{F0842C13-9A9B-0CA1-E332-C0F106AD6E62}"/>
-              </a:ext>
-            </a:extLst>
-          </p:cNvPr>
+              <a:rPr lang="hu-HU" smtClean="0"/>
+              <a:t>Mintaszöveg szerkesztése</a:t>
+            </a:r>
+          </a:p>
+        </p:txBody>
+      </p:sp>
+      <p:sp>
+        <p:nvSpPr>
+          <p:cNvPr id="4" name="Content Placeholder 3"/>
           <p:cNvSpPr>
             <a:spLocks noGrp="1"/>
           </p:cNvSpPr>
@@ -1639,60 +1636,82 @@
         </p:nvSpPr>
         <p:spPr>
           <a:xfrm>
-            <a:off x="839788" y="2505075"/>
-            <a:ext cx="5157787" cy="3684588"/>
+            <a:off x="1261872" y="2507550"/>
+            <a:ext cx="4480560" cy="3664650"/>
           </a:xfrm>
         </p:spPr>
         <p:txBody>
           <a:bodyPr/>
-          <a:lstStyle/>
+          <a:lstStyle>
+            <a:lvl1pPr>
+              <a:defRPr sz="1800"/>
+            </a:lvl1pPr>
+            <a:lvl2pPr>
+              <a:defRPr sz="1600"/>
+            </a:lvl2pPr>
+            <a:lvl3pPr>
+              <a:defRPr sz="1400"/>
+            </a:lvl3pPr>
+            <a:lvl4pPr>
+              <a:defRPr sz="1400"/>
+            </a:lvl4pPr>
+            <a:lvl5pPr>
+              <a:defRPr sz="1400"/>
+            </a:lvl5pPr>
+            <a:lvl6pPr>
+              <a:defRPr sz="1400"/>
+            </a:lvl6pPr>
+            <a:lvl7pPr>
+              <a:defRPr sz="1400"/>
+            </a:lvl7pPr>
+            <a:lvl8pPr>
+              <a:defRPr sz="1400"/>
+            </a:lvl8pPr>
+            <a:lvl9pPr>
+              <a:defRPr sz="1400"/>
+            </a:lvl9pPr>
+          </a:lstStyle>
           <a:p>
             <a:pPr lvl="0"/>
             <a:r>
-              <a:rPr lang="en-US"/>
-              <a:t>Click to edit Master text styles</a:t>
+              <a:rPr lang="hu-HU" smtClean="0"/>
+              <a:t>Mintaszöveg szerkesztése</a:t>
             </a:r>
           </a:p>
           <a:p>
             <a:pPr lvl="1"/>
             <a:r>
-              <a:rPr lang="en-US"/>
-              <a:t>Second level</a:t>
+              <a:rPr lang="hu-HU" smtClean="0"/>
+              <a:t>Második szint</a:t>
             </a:r>
           </a:p>
           <a:p>
             <a:pPr lvl="2"/>
             <a:r>
-              <a:rPr lang="en-US"/>
-              <a:t>Third level</a:t>
+              <a:rPr lang="hu-HU" smtClean="0"/>
+              <a:t>Harmadik szint</a:t>
             </a:r>
           </a:p>
           <a:p>
             <a:pPr lvl="3"/>
             <a:r>
-              <a:rPr lang="en-US"/>
-              <a:t>Fourth level</a:t>
+              <a:rPr lang="hu-HU" smtClean="0"/>
+              <a:t>Negyedik szint</a:t>
             </a:r>
           </a:p>
           <a:p>
             <a:pPr lvl="4"/>
             <a:r>
-              <a:rPr lang="en-US"/>
-              <a:t>Fifth level</a:t>
-            </a:r>
-            <a:endParaRPr lang="hu-HU"/>
-          </a:p>
-        </p:txBody>
-      </p:sp>
-      <p:sp>
-        <p:nvSpPr>
-          <p:cNvPr id="5" name="Text Placeholder 4">
-            <a:extLst>
-              <a:ext uri="{FF2B5EF4-FFF2-40B4-BE49-F238E27FC236}">
-                <a16:creationId xmlns:a16="http://schemas.microsoft.com/office/drawing/2014/main" id="{683BCFA5-2B52-3368-992E-2BBA9829F0DB}"/>
-              </a:ext>
-            </a:extLst>
-          </p:cNvPr>
+              <a:rPr lang="hu-HU" smtClean="0"/>
+              <a:t>Ötödik szint</a:t>
+            </a:r>
+            <a:endParaRPr lang="en-US" dirty="0"/>
+          </a:p>
+        </p:txBody>
+      </p:sp>
+      <p:sp>
+        <p:nvSpPr>
+          <p:cNvPr id="5" name="Text Placeholder 4"/>
           <p:cNvSpPr>
             <a:spLocks noGrp="1"/>
           </p:cNvSpPr>
@@ -1702,16 +1721,31 @@
         </p:nvSpPr>
         <p:spPr>
           <a:xfrm>
-            <a:off x="6172200" y="1681163"/>
-            <a:ext cx="5183188" cy="823912"/>
+            <a:off x="6126480" y="1713655"/>
+            <a:ext cx="4480560" cy="731520"/>
           </a:xfrm>
         </p:spPr>
         <p:txBody>
-          <a:bodyPr anchor="b"/>
+          <a:bodyPr anchor="b">
+            <a:normAutofit/>
+          </a:bodyPr>
           <a:lstStyle>
             <a:lvl1pPr marL="0" indent="0">
-              <a:buNone/>
-              <a:defRPr sz="2400" b="1"/>
+              <a:lnSpc>
+                <a:spcPct val="95000"/>
+              </a:lnSpc>
+              <a:spcBef>
+                <a:spcPts val="0"/>
+              </a:spcBef>
+              <a:buNone/>
+              <a:defRPr lang="en-US" sz="2000" b="0" kern="1200" dirty="0">
+                <a:solidFill>
+                  <a:schemeClr val="tx2"/>
+                </a:solidFill>
+                <a:latin typeface="+mn-lt"/>
+                <a:ea typeface="+mn-ea"/>
+                <a:cs typeface="+mn-cs"/>
+              </a:defRPr>
             </a:lvl1pPr>
             <a:lvl2pPr marL="457200" indent="0">
               <a:buNone/>
@@ -1747,23 +1781,26 @@
             </a:lvl9pPr>
           </a:lstStyle>
           <a:p>
-            <a:pPr lvl="0"/>
-            <a:r>
-              <a:rPr lang="en-US"/>
-              <a:t>Click to edit Master text styles</a:t>
-            </a:r>
-          </a:p>
-        </p:txBody>
-      </p:sp>
-      <p:sp>
-        <p:nvSpPr>
-          <p:cNvPr id="6" name="Content Placeholder 5">
-            <a:extLst>
-              <a:ext uri="{FF2B5EF4-FFF2-40B4-BE49-F238E27FC236}">
-                <a16:creationId xmlns:a16="http://schemas.microsoft.com/office/drawing/2014/main" id="{CD2131B1-6527-3777-551C-642985BA2AF2}"/>
-              </a:ext>
-            </a:extLst>
-          </p:cNvPr>
+            <a:pPr marL="0" lvl="0" indent="0" algn="l" defTabSz="914400" rtl="0" eaLnBrk="1" latinLnBrk="0" hangingPunct="1">
+              <a:lnSpc>
+                <a:spcPct val="90000"/>
+              </a:lnSpc>
+              <a:spcBef>
+                <a:spcPts val="2000"/>
+              </a:spcBef>
+              <a:buFontTx/>
+              <a:buNone/>
+            </a:pPr>
+            <a:r>
+              <a:rPr lang="hu-HU" smtClean="0"/>
+              <a:t>Mintaszöveg szerkesztése</a:t>
+            </a:r>
+          </a:p>
+        </p:txBody>
+      </p:sp>
+      <p:sp>
+        <p:nvSpPr>
+          <p:cNvPr id="6" name="Content Placeholder 5"/>
           <p:cNvSpPr>
             <a:spLocks noGrp="1"/>
           </p:cNvSpPr>
@@ -1773,60 +1810,82 @@
         </p:nvSpPr>
         <p:spPr>
           <a:xfrm>
-            <a:off x="6172200" y="2505075"/>
-            <a:ext cx="5183188" cy="3684588"/>
+            <a:off x="6126480" y="2507550"/>
+            <a:ext cx="4480560" cy="3664650"/>
           </a:xfrm>
         </p:spPr>
         <p:txBody>
           <a:bodyPr/>
-          <a:lstStyle/>
+          <a:lstStyle>
+            <a:lvl1pPr>
+              <a:defRPr sz="1800"/>
+            </a:lvl1pPr>
+            <a:lvl2pPr>
+              <a:defRPr sz="1600"/>
+            </a:lvl2pPr>
+            <a:lvl3pPr>
+              <a:defRPr sz="1400"/>
+            </a:lvl3pPr>
+            <a:lvl4pPr>
+              <a:defRPr sz="1400"/>
+            </a:lvl4pPr>
+            <a:lvl5pPr>
+              <a:defRPr sz="1400"/>
+            </a:lvl5pPr>
+            <a:lvl6pPr>
+              <a:defRPr sz="1400"/>
+            </a:lvl6pPr>
+            <a:lvl7pPr>
+              <a:defRPr sz="1400"/>
+            </a:lvl7pPr>
+            <a:lvl8pPr>
+              <a:defRPr sz="1400"/>
+            </a:lvl8pPr>
+            <a:lvl9pPr>
+              <a:defRPr sz="1400"/>
+            </a:lvl9pPr>
+          </a:lstStyle>
           <a:p>
             <a:pPr lvl="0"/>
             <a:r>
-              <a:rPr lang="en-US"/>
-              <a:t>Click to edit Master text styles</a:t>
+              <a:rPr lang="hu-HU" smtClean="0"/>
+              <a:t>Mintaszöveg szerkesztése</a:t>
             </a:r>
           </a:p>
           <a:p>
             <a:pPr lvl="1"/>
             <a:r>
-              <a:rPr lang="en-US"/>
-              <a:t>Second level</a:t>
+              <a:rPr lang="hu-HU" smtClean="0"/>
+              <a:t>Második szint</a:t>
             </a:r>
           </a:p>
           <a:p>
             <a:pPr lvl="2"/>
             <a:r>
-              <a:rPr lang="en-US"/>
-              <a:t>Third level</a:t>
+              <a:rPr lang="hu-HU" smtClean="0"/>
+              <a:t>Harmadik szint</a:t>
             </a:r>
           </a:p>
           <a:p>
             <a:pPr lvl="3"/>
             <a:r>
-              <a:rPr lang="en-US"/>
-              <a:t>Fourth level</a:t>
+              <a:rPr lang="hu-HU" smtClean="0"/>
+              <a:t>Negyedik szint</a:t>
             </a:r>
           </a:p>
           <a:p>
             <a:pPr lvl="4"/>
             <a:r>
-              <a:rPr lang="en-US"/>
-              <a:t>Fifth level</a:t>
-            </a:r>
-            <a:endParaRPr lang="hu-HU"/>
-          </a:p>
-        </p:txBody>
-      </p:sp>
-      <p:sp>
-        <p:nvSpPr>
-          <p:cNvPr id="7" name="Date Placeholder 6">
-            <a:extLst>
-              <a:ext uri="{FF2B5EF4-FFF2-40B4-BE49-F238E27FC236}">
-                <a16:creationId xmlns:a16="http://schemas.microsoft.com/office/drawing/2014/main" id="{BF2F02FF-91D4-6A95-B16F-F1F62F1F9604}"/>
-              </a:ext>
-            </a:extLst>
-          </p:cNvPr>
+              <a:rPr lang="hu-HU" smtClean="0"/>
+              <a:t>Ötödik szint</a:t>
+            </a:r>
+            <a:endParaRPr lang="en-US" dirty="0"/>
+          </a:p>
+        </p:txBody>
+      </p:sp>
+      <p:sp>
+        <p:nvSpPr>
+          <p:cNvPr id="7" name="Date Placeholder 6"/>
           <p:cNvSpPr>
             <a:spLocks noGrp="1"/>
           </p:cNvSpPr>
@@ -1841,7 +1900,7 @@
           <a:p>
             <a:fld id="{3DEB2466-714C-403F-984D-B889E18744B3}" type="datetimeFigureOut">
               <a:rPr lang="hu-HU" smtClean="0"/>
-              <a:t>2022.09.19.</a:t>
+              <a:t>2022.09.21.</a:t>
             </a:fld>
             <a:endParaRPr lang="hu-HU"/>
           </a:p>
@@ -1849,13 +1908,7 @@
       </p:sp>
       <p:sp>
         <p:nvSpPr>
-          <p:cNvPr id="8" name="Footer Placeholder 7">
-            <a:extLst>
-              <a:ext uri="{FF2B5EF4-FFF2-40B4-BE49-F238E27FC236}">
-                <a16:creationId xmlns:a16="http://schemas.microsoft.com/office/drawing/2014/main" id="{42441869-993F-2A9B-E667-5CBA995B0158}"/>
-              </a:ext>
-            </a:extLst>
-          </p:cNvPr>
+          <p:cNvPr id="8" name="Footer Placeholder 7"/>
           <p:cNvSpPr>
             <a:spLocks noGrp="1"/>
           </p:cNvSpPr>
@@ -1874,13 +1927,7 @@
       </p:sp>
       <p:sp>
         <p:nvSpPr>
-          <p:cNvPr id="9" name="Slide Number Placeholder 8">
-            <a:extLst>
-              <a:ext uri="{FF2B5EF4-FFF2-40B4-BE49-F238E27FC236}">
-                <a16:creationId xmlns:a16="http://schemas.microsoft.com/office/drawing/2014/main" id="{CE2A1237-48CD-E8C4-A154-497C72ABD0B8}"/>
-              </a:ext>
-            </a:extLst>
-          </p:cNvPr>
+          <p:cNvPr id="9" name="Slide Number Placeholder 8"/>
           <p:cNvSpPr>
             <a:spLocks noGrp="1"/>
           </p:cNvSpPr>
@@ -1904,7 +1951,7 @@
     </p:spTree>
     <p:extLst>
       <p:ext uri="{BB962C8B-B14F-4D97-AF65-F5344CB8AC3E}">
-        <p14:creationId xmlns:p14="http://schemas.microsoft.com/office/powerpoint/2010/main" val="4035693513"/>
+        <p14:creationId xmlns:p14="http://schemas.microsoft.com/office/powerpoint/2010/main" val="302694096"/>
       </p:ext>
     </p:extLst>
   </p:cSld>
@@ -1916,7 +1963,7 @@
 
 <file path=ppt/slideLayouts/slideLayout6.xml><?xml version="1.0" encoding="utf-8"?>
 <p:sldLayout xmlns:a="http://schemas.openxmlformats.org/drawingml/2006/main" xmlns:r="http://schemas.openxmlformats.org/officeDocument/2006/relationships" xmlns:p="http://schemas.openxmlformats.org/presentationml/2006/main" type="titleOnly" preserve="1">
-  <p:cSld name="Title Only">
+  <p:cSld name="Csak cím">
     <p:spTree>
       <p:nvGrpSpPr>
         <p:cNvPr id="1" name=""/>
@@ -1933,13 +1980,7 @@
       </p:grpSpPr>
       <p:sp>
         <p:nvSpPr>
-          <p:cNvPr id="2" name="Title 1">
-            <a:extLst>
-              <a:ext uri="{FF2B5EF4-FFF2-40B4-BE49-F238E27FC236}">
-                <a16:creationId xmlns:a16="http://schemas.microsoft.com/office/drawing/2014/main" id="{95809454-AA91-8844-D8A7-C9E90C9B20A5}"/>
-              </a:ext>
-            </a:extLst>
-          </p:cNvPr>
+          <p:cNvPr id="6" name="Title 5"/>
           <p:cNvSpPr>
             <a:spLocks noGrp="1"/>
           </p:cNvSpPr>
@@ -1953,22 +1994,16 @@
           <a:lstStyle/>
           <a:p>
             <a:r>
-              <a:rPr lang="en-US"/>
-              <a:t>Click to edit Master title style</a:t>
-            </a:r>
-            <a:endParaRPr lang="hu-HU"/>
-          </a:p>
-        </p:txBody>
-      </p:sp>
-      <p:sp>
-        <p:nvSpPr>
-          <p:cNvPr id="3" name="Date Placeholder 2">
-            <a:extLst>
-              <a:ext uri="{FF2B5EF4-FFF2-40B4-BE49-F238E27FC236}">
-                <a16:creationId xmlns:a16="http://schemas.microsoft.com/office/drawing/2014/main" id="{2924482C-2A3C-61CE-7FA3-980C560D4368}"/>
-              </a:ext>
-            </a:extLst>
-          </p:cNvPr>
+              <a:rPr lang="hu-HU" smtClean="0"/>
+              <a:t>Mintacím szerkesztése</a:t>
+            </a:r>
+            <a:endParaRPr lang="en-US" dirty="0"/>
+          </a:p>
+        </p:txBody>
+      </p:sp>
+      <p:sp>
+        <p:nvSpPr>
+          <p:cNvPr id="3" name="Date Placeholder 2"/>
           <p:cNvSpPr>
             <a:spLocks noGrp="1"/>
           </p:cNvSpPr>
@@ -1983,7 +2018,7 @@
           <a:p>
             <a:fld id="{3DEB2466-714C-403F-984D-B889E18744B3}" type="datetimeFigureOut">
               <a:rPr lang="hu-HU" smtClean="0"/>
-              <a:t>2022.09.19.</a:t>
+              <a:t>2022.09.21.</a:t>
             </a:fld>
             <a:endParaRPr lang="hu-HU"/>
           </a:p>
@@ -1991,13 +2026,7 @@
       </p:sp>
       <p:sp>
         <p:nvSpPr>
-          <p:cNvPr id="4" name="Footer Placeholder 3">
-            <a:extLst>
-              <a:ext uri="{FF2B5EF4-FFF2-40B4-BE49-F238E27FC236}">
-                <a16:creationId xmlns:a16="http://schemas.microsoft.com/office/drawing/2014/main" id="{28259058-EA5A-EBFC-B06D-F749973CCDEB}"/>
-              </a:ext>
-            </a:extLst>
-          </p:cNvPr>
+          <p:cNvPr id="4" name="Footer Placeholder 3"/>
           <p:cNvSpPr>
             <a:spLocks noGrp="1"/>
           </p:cNvSpPr>
@@ -2016,13 +2045,7 @@
       </p:sp>
       <p:sp>
         <p:nvSpPr>
-          <p:cNvPr id="5" name="Slide Number Placeholder 4">
-            <a:extLst>
-              <a:ext uri="{FF2B5EF4-FFF2-40B4-BE49-F238E27FC236}">
-                <a16:creationId xmlns:a16="http://schemas.microsoft.com/office/drawing/2014/main" id="{3616A2BC-D6AE-3AEB-6EED-BBE26E2DA4DA}"/>
-              </a:ext>
-            </a:extLst>
-          </p:cNvPr>
+          <p:cNvPr id="5" name="Slide Number Placeholder 4"/>
           <p:cNvSpPr>
             <a:spLocks noGrp="1"/>
           </p:cNvSpPr>
@@ -2046,7 +2069,7 @@
     </p:spTree>
     <p:extLst>
       <p:ext uri="{BB962C8B-B14F-4D97-AF65-F5344CB8AC3E}">
-        <p14:creationId xmlns:p14="http://schemas.microsoft.com/office/powerpoint/2010/main" val="2969103387"/>
+        <p14:creationId xmlns:p14="http://schemas.microsoft.com/office/powerpoint/2010/main" val="3358776807"/>
       </p:ext>
     </p:extLst>
   </p:cSld>
@@ -2058,7 +2081,7 @@
 
 <file path=ppt/slideLayouts/slideLayout7.xml><?xml version="1.0" encoding="utf-8"?>
 <p:sldLayout xmlns:a="http://schemas.openxmlformats.org/drawingml/2006/main" xmlns:r="http://schemas.openxmlformats.org/officeDocument/2006/relationships" xmlns:p="http://schemas.openxmlformats.org/presentationml/2006/main" type="blank" preserve="1">
-  <p:cSld name="Blank">
+  <p:cSld name="Üres">
     <p:spTree>
       <p:nvGrpSpPr>
         <p:cNvPr id="1" name=""/>
@@ -2075,13 +2098,7 @@
       </p:grpSpPr>
       <p:sp>
         <p:nvSpPr>
-          <p:cNvPr id="2" name="Date Placeholder 1">
-            <a:extLst>
-              <a:ext uri="{FF2B5EF4-FFF2-40B4-BE49-F238E27FC236}">
-                <a16:creationId xmlns:a16="http://schemas.microsoft.com/office/drawing/2014/main" id="{D6F32C14-8294-33F3-B104-9B94618B62F4}"/>
-              </a:ext>
-            </a:extLst>
-          </p:cNvPr>
+          <p:cNvPr id="2" name="Date Placeholder 1"/>
           <p:cNvSpPr>
             <a:spLocks noGrp="1"/>
           </p:cNvSpPr>
@@ -2096,7 +2113,7 @@
           <a:p>
             <a:fld id="{3DEB2466-714C-403F-984D-B889E18744B3}" type="datetimeFigureOut">
               <a:rPr lang="hu-HU" smtClean="0"/>
-              <a:t>2022.09.19.</a:t>
+              <a:t>2022.09.21.</a:t>
             </a:fld>
             <a:endParaRPr lang="hu-HU"/>
           </a:p>
@@ -2104,13 +2121,7 @@
       </p:sp>
       <p:sp>
         <p:nvSpPr>
-          <p:cNvPr id="3" name="Footer Placeholder 2">
-            <a:extLst>
-              <a:ext uri="{FF2B5EF4-FFF2-40B4-BE49-F238E27FC236}">
-                <a16:creationId xmlns:a16="http://schemas.microsoft.com/office/drawing/2014/main" id="{BF5D08B6-9193-44B2-E22C-45B62F341230}"/>
-              </a:ext>
-            </a:extLst>
-          </p:cNvPr>
+          <p:cNvPr id="3" name="Footer Placeholder 2"/>
           <p:cNvSpPr>
             <a:spLocks noGrp="1"/>
           </p:cNvSpPr>
@@ -2129,13 +2140,7 @@
       </p:sp>
       <p:sp>
         <p:nvSpPr>
-          <p:cNvPr id="4" name="Slide Number Placeholder 3">
-            <a:extLst>
-              <a:ext uri="{FF2B5EF4-FFF2-40B4-BE49-F238E27FC236}">
-                <a16:creationId xmlns:a16="http://schemas.microsoft.com/office/drawing/2014/main" id="{4ABDAE13-E001-50FC-F6BA-86CE3B61177D}"/>
-              </a:ext>
-            </a:extLst>
-          </p:cNvPr>
+          <p:cNvPr id="4" name="Slide Number Placeholder 3"/>
           <p:cNvSpPr>
             <a:spLocks noGrp="1"/>
           </p:cNvSpPr>
@@ -2159,7 +2164,7 @@
     </p:spTree>
     <p:extLst>
       <p:ext uri="{BB962C8B-B14F-4D97-AF65-F5344CB8AC3E}">
-        <p14:creationId xmlns:p14="http://schemas.microsoft.com/office/powerpoint/2010/main" val="469342777"/>
+        <p14:creationId xmlns:p14="http://schemas.microsoft.com/office/powerpoint/2010/main" val="1060342375"/>
       </p:ext>
     </p:extLst>
   </p:cSld>
@@ -2171,7 +2176,7 @@
 
 <file path=ppt/slideLayouts/slideLayout8.xml><?xml version="1.0" encoding="utf-8"?>
 <p:sldLayout xmlns:a="http://schemas.openxmlformats.org/drawingml/2006/main" xmlns:r="http://schemas.openxmlformats.org/officeDocument/2006/relationships" xmlns:p="http://schemas.openxmlformats.org/presentationml/2006/main" type="objTx" preserve="1">
-  <p:cSld name="Content with Caption">
+  <p:cSld name="Tartalomrész képaláírással">
     <p:spTree>
       <p:nvGrpSpPr>
         <p:cNvPr id="1" name=""/>
@@ -2188,13 +2193,7 @@
       </p:grpSpPr>
       <p:sp>
         <p:nvSpPr>
-          <p:cNvPr id="2" name="Title 1">
-            <a:extLst>
-              <a:ext uri="{FF2B5EF4-FFF2-40B4-BE49-F238E27FC236}">
-                <a16:creationId xmlns:a16="http://schemas.microsoft.com/office/drawing/2014/main" id="{6A4741B0-5771-DE52-BC09-46E5B56FEFB5}"/>
-              </a:ext>
-            </a:extLst>
-          </p:cNvPr>
+          <p:cNvPr id="2" name="Title 1"/>
           <p:cNvSpPr>
             <a:spLocks noGrp="1"/>
           </p:cNvSpPr>
@@ -2204,35 +2203,31 @@
         </p:nvSpPr>
         <p:spPr>
           <a:xfrm>
-            <a:off x="839788" y="457200"/>
-            <a:ext cx="3932237" cy="1600200"/>
+            <a:off x="841248" y="457200"/>
+            <a:ext cx="3200400" cy="1600197"/>
           </a:xfrm>
         </p:spPr>
         <p:txBody>
-          <a:bodyPr anchor="b"/>
+          <a:bodyPr anchor="b">
+            <a:normAutofit/>
+          </a:bodyPr>
           <a:lstStyle>
             <a:lvl1pPr>
-              <a:defRPr sz="3200"/>
+              <a:defRPr sz="3200" b="0" baseline="0"/>
             </a:lvl1pPr>
           </a:lstStyle>
           <a:p>
             <a:r>
-              <a:rPr lang="en-US"/>
-              <a:t>Click to edit Master title style</a:t>
-            </a:r>
-            <a:endParaRPr lang="hu-HU"/>
-          </a:p>
-        </p:txBody>
-      </p:sp>
-      <p:sp>
-        <p:nvSpPr>
-          <p:cNvPr id="3" name="Content Placeholder 2">
-            <a:extLst>
-              <a:ext uri="{FF2B5EF4-FFF2-40B4-BE49-F238E27FC236}">
-                <a16:creationId xmlns:a16="http://schemas.microsoft.com/office/drawing/2014/main" id="{FF3C2D99-7876-D2D0-700D-0EEFA63B9799}"/>
-              </a:ext>
-            </a:extLst>
-          </p:cNvPr>
+              <a:rPr lang="hu-HU" smtClean="0"/>
+              <a:t>Mintacím szerkesztése</a:t>
+            </a:r>
+            <a:endParaRPr lang="en-US" dirty="0"/>
+          </a:p>
+        </p:txBody>
+      </p:sp>
+      <p:sp>
+        <p:nvSpPr>
+          <p:cNvPr id="3" name="Content Placeholder 2"/>
           <p:cNvSpPr>
             <a:spLocks noGrp="1"/>
           </p:cNvSpPr>
@@ -2242,88 +2237,82 @@
         </p:nvSpPr>
         <p:spPr>
           <a:xfrm>
-            <a:off x="5183188" y="987425"/>
-            <a:ext cx="6172200" cy="4873625"/>
+            <a:off x="4504267" y="685800"/>
+            <a:ext cx="6079066" cy="5486400"/>
           </a:xfrm>
         </p:spPr>
         <p:txBody>
           <a:bodyPr/>
           <a:lstStyle>
             <a:lvl1pPr>
-              <a:defRPr sz="3200"/>
+              <a:defRPr sz="2000"/>
             </a:lvl1pPr>
             <a:lvl2pPr>
-              <a:defRPr sz="2800"/>
+              <a:defRPr sz="1800"/>
             </a:lvl2pPr>
             <a:lvl3pPr>
-              <a:defRPr sz="2400"/>
+              <a:defRPr sz="1600"/>
             </a:lvl3pPr>
             <a:lvl4pPr>
-              <a:defRPr sz="2000"/>
+              <a:defRPr sz="1400"/>
             </a:lvl4pPr>
             <a:lvl5pPr>
-              <a:defRPr sz="2000"/>
+              <a:defRPr sz="1400"/>
             </a:lvl5pPr>
             <a:lvl6pPr>
-              <a:defRPr sz="2000"/>
+              <a:defRPr sz="1400"/>
             </a:lvl6pPr>
             <a:lvl7pPr>
-              <a:defRPr sz="2000"/>
+              <a:defRPr sz="1400"/>
             </a:lvl7pPr>
             <a:lvl8pPr>
-              <a:defRPr sz="2000"/>
+              <a:defRPr sz="1400"/>
             </a:lvl8pPr>
             <a:lvl9pPr>
-              <a:defRPr sz="2000"/>
+              <a:defRPr sz="1400"/>
             </a:lvl9pPr>
           </a:lstStyle>
           <a:p>
             <a:pPr lvl="0"/>
             <a:r>
-              <a:rPr lang="en-US"/>
-              <a:t>Click to edit Master text styles</a:t>
+              <a:rPr lang="hu-HU" smtClean="0"/>
+              <a:t>Mintaszöveg szerkesztése</a:t>
             </a:r>
           </a:p>
           <a:p>
             <a:pPr lvl="1"/>
             <a:r>
-              <a:rPr lang="en-US"/>
-              <a:t>Second level</a:t>
+              <a:rPr lang="hu-HU" smtClean="0"/>
+              <a:t>Második szint</a:t>
             </a:r>
           </a:p>
           <a:p>
             <a:pPr lvl="2"/>
             <a:r>
-              <a:rPr lang="en-US"/>
-              <a:t>Third level</a:t>
+              <a:rPr lang="hu-HU" smtClean="0"/>
+              <a:t>Harmadik szint</a:t>
             </a:r>
           </a:p>
           <a:p>
             <a:pPr lvl="3"/>
             <a:r>
-              <a:rPr lang="en-US"/>
-              <a:t>Fourth level</a:t>
+              <a:rPr lang="hu-HU" smtClean="0"/>
+              <a:t>Negyedik szint</a:t>
             </a:r>
           </a:p>
           <a:p>
             <a:pPr lvl="4"/>
             <a:r>
-              <a:rPr lang="en-US"/>
-              <a:t>Fifth level</a:t>
-            </a:r>
-            <a:endParaRPr lang="hu-HU"/>
-          </a:p>
-        </p:txBody>
-      </p:sp>
-      <p:sp>
-        <p:nvSpPr>
-          <p:cNvPr id="4" name="Text Placeholder 3">
-            <a:extLst>
-              <a:ext uri="{FF2B5EF4-FFF2-40B4-BE49-F238E27FC236}">
-                <a16:creationId xmlns:a16="http://schemas.microsoft.com/office/drawing/2014/main" id="{AA465433-6B23-BE52-62B7-A3F6B9D70816}"/>
-              </a:ext>
-            </a:extLst>
-          </p:cNvPr>
+              <a:rPr lang="hu-HU" smtClean="0"/>
+              <a:t>Ötödik szint</a:t>
+            </a:r>
+            <a:endParaRPr lang="en-US" dirty="0"/>
+          </a:p>
+        </p:txBody>
+      </p:sp>
+      <p:sp>
+        <p:nvSpPr>
+          <p:cNvPr id="4" name="Text Placeholder 3"/>
           <p:cNvSpPr>
             <a:spLocks noGrp="1"/>
           </p:cNvSpPr>
@@ -2333,68 +2322,70 @@
         </p:nvSpPr>
         <p:spPr>
           <a:xfrm>
-            <a:off x="839788" y="2057400"/>
-            <a:ext cx="3932237" cy="3811588"/>
+            <a:off x="841248" y="2099734"/>
+            <a:ext cx="3200400" cy="3810001"/>
           </a:xfrm>
         </p:spPr>
         <p:txBody>
-          <a:bodyPr/>
+          <a:bodyPr>
+            <a:normAutofit/>
+          </a:bodyPr>
           <a:lstStyle>
             <a:lvl1pPr marL="0" indent="0">
-              <a:buNone/>
-              <a:defRPr sz="1600"/>
+              <a:lnSpc>
+                <a:spcPct val="114000"/>
+              </a:lnSpc>
+              <a:spcBef>
+                <a:spcPts val="800"/>
+              </a:spcBef>
+              <a:buNone/>
+              <a:defRPr sz="1300"/>
             </a:lvl1pPr>
             <a:lvl2pPr marL="457200" indent="0">
               <a:buNone/>
-              <a:defRPr sz="1400"/>
+              <a:defRPr sz="1200"/>
             </a:lvl2pPr>
             <a:lvl3pPr marL="914400" indent="0">
               <a:buNone/>
-              <a:defRPr sz="1200"/>
+              <a:defRPr sz="1000"/>
             </a:lvl3pPr>
             <a:lvl4pPr marL="1371600" indent="0">
               <a:buNone/>
-              <a:defRPr sz="1000"/>
+              <a:defRPr sz="900"/>
             </a:lvl4pPr>
             <a:lvl5pPr marL="1828800" indent="0">
               <a:buNone/>
-              <a:defRPr sz="1000"/>
+              <a:defRPr sz="900"/>
             </a:lvl5pPr>
             <a:lvl6pPr marL="2286000" indent="0">
               <a:buNone/>
-              <a:defRPr sz="1000"/>
+              <a:defRPr sz="900"/>
             </a:lvl6pPr>
             <a:lvl7pPr marL="2743200" indent="0">
               <a:buNone/>
-              <a:defRPr sz="1000"/>
+              <a:defRPr sz="900"/>
             </a:lvl7pPr>
             <a:lvl8pPr marL="3200400" indent="0">
               <a:buNone/>
-              <a:defRPr sz="1000"/>
+              <a:defRPr sz="900"/>
             </a:lvl8pPr>
             <a:lvl9pPr marL="3657600" indent="0">
               <a:buNone/>
-              <a:defRPr sz="1000"/>
+              <a:defRPr sz="900"/>
             </a:lvl9pPr>
           </a:lstStyle>
           <a:p>
             <a:pPr lvl="0"/>
             <a:r>
-              <a:rPr lang="en-US"/>
-              <a:t>Click to edit Master text styles</a:t>
-            </a:r>
-          </a:p>
-        </p:txBody>
-      </p:sp>
-      <p:sp>
-        <p:nvSpPr>
-          <p:cNvPr id="5" name="Date Placeholder 4">
-            <a:extLst>
-              <a:ext uri="{FF2B5EF4-FFF2-40B4-BE49-F238E27FC236}">
-                <a16:creationId xmlns:a16="http://schemas.microsoft.com/office/drawing/2014/main" id="{68887925-995E-A7CD-E134-2D0F02DE4CBB}"/>
-              </a:ext>
-            </a:extLst>
-          </p:cNvPr>
+              <a:rPr lang="hu-HU" smtClean="0"/>
+              <a:t>Mintaszöveg szerkesztése</a:t>
+            </a:r>
+          </a:p>
+        </p:txBody>
+      </p:sp>
+      <p:sp>
+        <p:nvSpPr>
+          <p:cNvPr id="5" name="Date Placeholder 4"/>
           <p:cNvSpPr>
             <a:spLocks noGrp="1"/>
           </p:cNvSpPr>
@@ -2409,7 +2400,7 @@
           <a:p>
             <a:fld id="{3DEB2466-714C-403F-984D-B889E18744B3}" type="datetimeFigureOut">
               <a:rPr lang="hu-HU" smtClean="0"/>
-              <a:t>2022.09.19.</a:t>
+              <a:t>2022.09.21.</a:t>
             </a:fld>
             <a:endParaRPr lang="hu-HU"/>
           </a:p>
@@ -2417,13 +2408,7 @@
       </p:sp>
       <p:sp>
         <p:nvSpPr>
-          <p:cNvPr id="6" name="Footer Placeholder 5">
-            <a:extLst>
-              <a:ext uri="{FF2B5EF4-FFF2-40B4-BE49-F238E27FC236}">
-                <a16:creationId xmlns:a16="http://schemas.microsoft.com/office/drawing/2014/main" id="{3505A7C7-6418-DCCA-F6B9-3C6AAE16367E}"/>
-              </a:ext>
-            </a:extLst>
-          </p:cNvPr>
+          <p:cNvPr id="6" name="Footer Placeholder 5"/>
           <p:cNvSpPr>
             <a:spLocks noGrp="1"/>
           </p:cNvSpPr>
@@ -2442,13 +2427,7 @@
       </p:sp>
       <p:sp>
         <p:nvSpPr>
-          <p:cNvPr id="7" name="Slide Number Placeholder 6">
-            <a:extLst>
-              <a:ext uri="{FF2B5EF4-FFF2-40B4-BE49-F238E27FC236}">
-                <a16:creationId xmlns:a16="http://schemas.microsoft.com/office/drawing/2014/main" id="{69764045-F962-CFCE-2ACF-0B58D6299EFF}"/>
-              </a:ext>
-            </a:extLst>
-          </p:cNvPr>
+          <p:cNvPr id="7" name="Slide Number Placeholder 6"/>
           <p:cNvSpPr>
             <a:spLocks noGrp="1"/>
           </p:cNvSpPr>
@@ -2472,7 +2451,7 @@
     </p:spTree>
     <p:extLst>
       <p:ext uri="{BB962C8B-B14F-4D97-AF65-F5344CB8AC3E}">
-        <p14:creationId xmlns:p14="http://schemas.microsoft.com/office/powerpoint/2010/main" val="3131109280"/>
+        <p14:creationId xmlns:p14="http://schemas.microsoft.com/office/powerpoint/2010/main" val="2440105421"/>
       </p:ext>
     </p:extLst>
   </p:cSld>
@@ -2484,7 +2463,7 @@
 
 <file path=ppt/slideLayouts/slideLayout9.xml><?xml version="1.0" encoding="utf-8"?>
 <p:sldLayout xmlns:a="http://schemas.openxmlformats.org/drawingml/2006/main" xmlns:r="http://schemas.openxmlformats.org/officeDocument/2006/relationships" xmlns:p="http://schemas.openxmlformats.org/presentationml/2006/main" type="picTx" preserve="1">
-  <p:cSld name="Picture with Caption">
+  <p:cSld name="Kép képaláírással">
     <p:spTree>
       <p:nvGrpSpPr>
         <p:cNvPr id="1" name=""/>
@@ -2501,53 +2480,85 @@
       </p:grpSpPr>
       <p:sp>
         <p:nvSpPr>
-          <p:cNvPr id="2" name="Title 1">
-            <a:extLst>
-              <a:ext uri="{FF2B5EF4-FFF2-40B4-BE49-F238E27FC236}">
-                <a16:creationId xmlns:a16="http://schemas.microsoft.com/office/drawing/2014/main" id="{FB32E9F1-4456-A30C-4BF2-C02C642326BE}"/>
-              </a:ext>
-            </a:extLst>
-          </p:cNvPr>
-          <p:cNvSpPr>
-            <a:spLocks noGrp="1"/>
-          </p:cNvSpPr>
-          <p:nvPr>
-            <p:ph type="title"/>
-          </p:nvPr>
+          <p:cNvPr id="8" name="Rectangle 7"/>
+          <p:cNvSpPr/>
+          <p:nvPr/>
         </p:nvSpPr>
         <p:spPr>
           <a:xfrm>
-            <a:off x="839788" y="457200"/>
-            <a:ext cx="3932237" cy="1600200"/>
+            <a:off x="0" y="5105400"/>
+            <a:ext cx="11292840" cy="1752600"/>
+          </a:xfrm>
+          <a:prstGeom prst="rect">
+            <a:avLst/>
+          </a:prstGeom>
+          <a:solidFill>
+            <a:srgbClr val="000000"/>
+          </a:solidFill>
+          <a:ln>
+            <a:noFill/>
+          </a:ln>
+        </p:spPr>
+        <p:style>
+          <a:lnRef idx="2">
+            <a:schemeClr val="accent1">
+              <a:shade val="50000"/>
+            </a:schemeClr>
+          </a:lnRef>
+          <a:fillRef idx="1">
+            <a:schemeClr val="accent1"/>
+          </a:fillRef>
+          <a:effectRef idx="0">
+            <a:schemeClr val="accent1"/>
+          </a:effectRef>
+          <a:fontRef idx="minor">
+            <a:schemeClr val="lt1"/>
+          </a:fontRef>
+        </p:style>
+      </p:sp>
+      <p:sp>
+        <p:nvSpPr>
+          <p:cNvPr id="2" name="Title 1"/>
+          <p:cNvSpPr>
+            <a:spLocks noGrp="1"/>
+          </p:cNvSpPr>
+          <p:nvPr>
+            <p:ph type="title"/>
+          </p:nvPr>
+        </p:nvSpPr>
+        <p:spPr>
+          <a:xfrm>
+            <a:off x="914400" y="5257800"/>
+            <a:ext cx="9982200" cy="914400"/>
           </a:xfrm>
         </p:spPr>
         <p:txBody>
-          <a:bodyPr anchor="b"/>
+          <a:bodyPr anchor="b">
+            <a:normAutofit/>
+          </a:bodyPr>
           <a:lstStyle>
             <a:lvl1pPr>
-              <a:defRPr sz="3200"/>
+              <a:defRPr sz="2800" b="0">
+                <a:solidFill>
+                  <a:schemeClr val="bg1"/>
+                </a:solidFill>
+              </a:defRPr>
             </a:lvl1pPr>
           </a:lstStyle>
           <a:p>
             <a:r>
-              <a:rPr lang="en-US"/>
-              <a:t>Click to edit Master title style</a:t>
-            </a:r>
-            <a:endParaRPr lang="hu-HU"/>
-          </a:p>
-        </p:txBody>
-      </p:sp>
-      <p:sp>
-        <p:nvSpPr>
-          <p:cNvPr id="3" name="Picture Placeholder 2">
-            <a:extLst>
-              <a:ext uri="{FF2B5EF4-FFF2-40B4-BE49-F238E27FC236}">
-                <a16:creationId xmlns:a16="http://schemas.microsoft.com/office/drawing/2014/main" id="{C71EE8A7-B777-2D45-B7CC-85AFC2AF4952}"/>
-              </a:ext>
-            </a:extLst>
-          </p:cNvPr>
-          <p:cNvSpPr>
-            <a:spLocks noGrp="1"/>
+              <a:rPr lang="hu-HU" smtClean="0"/>
+              <a:t>Mintacím szerkesztése</a:t>
+            </a:r>
+            <a:endParaRPr lang="en-US" dirty="0"/>
+          </a:p>
+        </p:txBody>
+      </p:sp>
+      <p:sp>
+        <p:nvSpPr>
+          <p:cNvPr id="3" name="Picture Placeholder 2"/>
+          <p:cNvSpPr>
+            <a:spLocks noGrp="1" noChangeAspect="1"/>
           </p:cNvSpPr>
           <p:nvPr>
             <p:ph type="pic" idx="1"/>
@@ -2555,16 +2566,23 @@
         </p:nvSpPr>
         <p:spPr>
           <a:xfrm>
-            <a:off x="5183188" y="987425"/>
-            <a:ext cx="6172200" cy="4873625"/>
+            <a:off x="0" y="0"/>
+            <a:ext cx="11292840" cy="5128923"/>
           </a:xfrm>
+          <a:solidFill>
+            <a:schemeClr val="accent1"/>
+          </a:solidFill>
         </p:spPr>
         <p:txBody>
-          <a:bodyPr/>
+          <a:bodyPr anchor="t"/>
           <a:lstStyle>
             <a:lvl1pPr marL="0" indent="0">
               <a:buNone/>
-              <a:defRPr sz="3200"/>
+              <a:defRPr sz="3200">
+                <a:solidFill>
+                  <a:schemeClr val="bg1"/>
+                </a:solidFill>
+              </a:defRPr>
             </a:lvl1pPr>
             <a:lvl2pPr marL="457200" indent="0">
               <a:buNone/>
@@ -2600,19 +2618,17 @@
             </a:lvl9pPr>
           </a:lstStyle>
           <a:p>
-            <a:endParaRPr lang="hu-HU"/>
-          </a:p>
-        </p:txBody>
-      </p:sp>
-      <p:sp>
-        <p:nvSpPr>
-          <p:cNvPr id="4" name="Text Placeholder 3">
-            <a:extLst>
-              <a:ext uri="{FF2B5EF4-FFF2-40B4-BE49-F238E27FC236}">
-                <a16:creationId xmlns:a16="http://schemas.microsoft.com/office/drawing/2014/main" id="{03F9AF0E-5CD6-CC47-BF61-EFC4097AB0D8}"/>
-              </a:ext>
-            </a:extLst>
-          </p:cNvPr>
+            <a:r>
+              <a:rPr lang="hu-HU" smtClean="0"/>
+              <a:t>Kép beszúrásához kattintson az ikonra</a:t>
+            </a:r>
+            <a:endParaRPr lang="en-US" dirty="0"/>
+          </a:p>
+        </p:txBody>
+      </p:sp>
+      <p:sp>
+        <p:nvSpPr>
+          <p:cNvPr id="4" name="Text Placeholder 3"/>
           <p:cNvSpPr>
             <a:spLocks noGrp="1"/>
           </p:cNvSpPr>
@@ -2622,68 +2638,76 @@
         </p:nvSpPr>
         <p:spPr>
           <a:xfrm>
-            <a:off x="839788" y="2057400"/>
-            <a:ext cx="3932237" cy="3811588"/>
+            <a:off x="914400" y="6108589"/>
+            <a:ext cx="9982200" cy="597011"/>
           </a:xfrm>
         </p:spPr>
         <p:txBody>
-          <a:bodyPr/>
+          <a:bodyPr>
+            <a:normAutofit/>
+          </a:bodyPr>
           <a:lstStyle>
             <a:lvl1pPr marL="0" indent="0">
-              <a:buNone/>
-              <a:defRPr sz="1600"/>
+              <a:lnSpc>
+                <a:spcPct val="100000"/>
+              </a:lnSpc>
+              <a:spcBef>
+                <a:spcPts val="800"/>
+              </a:spcBef>
+              <a:buNone/>
+              <a:defRPr sz="1300">
+                <a:solidFill>
+                  <a:schemeClr val="bg1">
+                    <a:lumMod val="85000"/>
+                  </a:schemeClr>
+                </a:solidFill>
+              </a:defRPr>
             </a:lvl1pPr>
             <a:lvl2pPr marL="457200" indent="0">
               <a:buNone/>
-              <a:defRPr sz="1400"/>
+              <a:defRPr sz="1200"/>
             </a:lvl2pPr>
             <a:lvl3pPr marL="914400" indent="0">
               <a:buNone/>
-              <a:defRPr sz="1200"/>
+              <a:defRPr sz="1000"/>
             </a:lvl3pPr>
             <a:lvl4pPr marL="1371600" indent="0">
               <a:buNone/>
-              <a:defRPr sz="1000"/>
+              <a:defRPr sz="900"/>
             </a:lvl4pPr>
             <a:lvl5pPr marL="1828800" indent="0">
               <a:buNone/>
-              <a:defRPr sz="1000"/>
+              <a:defRPr sz="900"/>
             </a:lvl5pPr>
             <a:lvl6pPr marL="2286000" indent="0">
               <a:buNone/>
-              <a:defRPr sz="1000"/>
+              <a:defRPr sz="900"/>
             </a:lvl6pPr>
             <a:lvl7pPr marL="2743200" indent="0">
               <a:buNone/>
-              <a:defRPr sz="1000"/>
+              <a:defRPr sz="900"/>
             </a:lvl7pPr>
             <a:lvl8pPr marL="3200400" indent="0">
               <a:buNone/>
-              <a:defRPr sz="1000"/>
+              <a:defRPr sz="900"/>
             </a:lvl8pPr>
             <a:lvl9pPr marL="3657600" indent="0">
               <a:buNone/>
-              <a:defRPr sz="1000"/>
+              <a:defRPr sz="900"/>
             </a:lvl9pPr>
           </a:lstStyle>
           <a:p>
             <a:pPr lvl="0"/>
             <a:r>
-              <a:rPr lang="en-US"/>
-              <a:t>Click to edit Master text styles</a:t>
-            </a:r>
-          </a:p>
-        </p:txBody>
-      </p:sp>
-      <p:sp>
-        <p:nvSpPr>
-          <p:cNvPr id="5" name="Date Placeholder 4">
-            <a:extLst>
-              <a:ext uri="{FF2B5EF4-FFF2-40B4-BE49-F238E27FC236}">
-                <a16:creationId xmlns:a16="http://schemas.microsoft.com/office/drawing/2014/main" id="{3A968C9F-807B-99D0-75BC-7C1ECBB7F52D}"/>
-              </a:ext>
-            </a:extLst>
-          </p:cNvPr>
+              <a:rPr lang="hu-HU" smtClean="0"/>
+              <a:t>Mintaszöveg szerkesztése</a:t>
+            </a:r>
+          </a:p>
+        </p:txBody>
+      </p:sp>
+      <p:sp>
+        <p:nvSpPr>
+          <p:cNvPr id="5" name="Date Placeholder 4"/>
           <p:cNvSpPr>
             <a:spLocks noGrp="1"/>
           </p:cNvSpPr>
@@ -2698,7 +2722,7 @@
           <a:p>
             <a:fld id="{3DEB2466-714C-403F-984D-B889E18744B3}" type="datetimeFigureOut">
               <a:rPr lang="hu-HU" smtClean="0"/>
-              <a:t>2022.09.19.</a:t>
+              <a:t>2022.09.21.</a:t>
             </a:fld>
             <a:endParaRPr lang="hu-HU"/>
           </a:p>
@@ -2706,13 +2730,7 @@
       </p:sp>
       <p:sp>
         <p:nvSpPr>
-          <p:cNvPr id="6" name="Footer Placeholder 5">
-            <a:extLst>
-              <a:ext uri="{FF2B5EF4-FFF2-40B4-BE49-F238E27FC236}">
-                <a16:creationId xmlns:a16="http://schemas.microsoft.com/office/drawing/2014/main" id="{0139DF1C-8F5B-3202-BA9D-272F05C10515}"/>
-              </a:ext>
-            </a:extLst>
-          </p:cNvPr>
+          <p:cNvPr id="6" name="Footer Placeholder 5"/>
           <p:cNvSpPr>
             <a:spLocks noGrp="1"/>
           </p:cNvSpPr>
@@ -2731,13 +2749,7 @@
       </p:sp>
       <p:sp>
         <p:nvSpPr>
-          <p:cNvPr id="7" name="Slide Number Placeholder 6">
-            <a:extLst>
-              <a:ext uri="{FF2B5EF4-FFF2-40B4-BE49-F238E27FC236}">
-                <a16:creationId xmlns:a16="http://schemas.microsoft.com/office/drawing/2014/main" id="{3991D008-755E-0660-085E-2ACC48C8F9C0}"/>
-              </a:ext>
-            </a:extLst>
-          </p:cNvPr>
+          <p:cNvPr id="7" name="Slide Number Placeholder 6"/>
           <p:cNvSpPr>
             <a:spLocks noGrp="1"/>
           </p:cNvSpPr>
@@ -2761,7 +2773,7 @@
     </p:spTree>
     <p:extLst>
       <p:ext uri="{BB962C8B-B14F-4D97-AF65-F5344CB8AC3E}">
-        <p14:creationId xmlns:p14="http://schemas.microsoft.com/office/powerpoint/2010/main" val="1067290508"/>
+        <p14:creationId xmlns:p14="http://schemas.microsoft.com/office/powerpoint/2010/main" val="1346361225"/>
       </p:ext>
     </p:extLst>
   </p:cSld>
@@ -2795,52 +2807,80 @@
       </p:grpSpPr>
       <p:sp>
         <p:nvSpPr>
-          <p:cNvPr id="2" name="Title Placeholder 1">
-            <a:extLst>
-              <a:ext uri="{FF2B5EF4-FFF2-40B4-BE49-F238E27FC236}">
-                <a16:creationId xmlns:a16="http://schemas.microsoft.com/office/drawing/2014/main" id="{E36F93B0-201D-8669-DA9C-25C5618C1647}"/>
-              </a:ext>
-            </a:extLst>
-          </p:cNvPr>
-          <p:cNvSpPr>
-            <a:spLocks noGrp="1"/>
-          </p:cNvSpPr>
-          <p:nvPr>
-            <p:ph type="title"/>
-          </p:nvPr>
+          <p:cNvPr id="7" name="Rectangle 6"/>
+          <p:cNvSpPr/>
+          <p:nvPr/>
         </p:nvSpPr>
         <p:spPr>
           <a:xfrm>
-            <a:off x="838200" y="365125"/>
-            <a:ext cx="10515600" cy="1325563"/>
+            <a:off x="11292840" y="0"/>
+            <a:ext cx="914400" cy="6858000"/>
+          </a:xfrm>
+          <a:prstGeom prst="rect">
+            <a:avLst/>
+          </a:prstGeom>
+          <a:solidFill>
+            <a:schemeClr val="tx2">
+              <a:lumMod val="75000"/>
+            </a:schemeClr>
+          </a:solidFill>
+          <a:ln>
+            <a:noFill/>
+          </a:ln>
+        </p:spPr>
+        <p:style>
+          <a:lnRef idx="2">
+            <a:schemeClr val="accent1">
+              <a:shade val="50000"/>
+            </a:schemeClr>
+          </a:lnRef>
+          <a:fillRef idx="1">
+            <a:schemeClr val="accent1"/>
+          </a:fillRef>
+          <a:effectRef idx="0">
+            <a:schemeClr val="accent1"/>
+          </a:effectRef>
+          <a:fontRef idx="minor">
+            <a:schemeClr val="lt1"/>
+          </a:fontRef>
+        </p:style>
+      </p:sp>
+      <p:sp>
+        <p:nvSpPr>
+          <p:cNvPr id="2" name="Title Placeholder 1"/>
+          <p:cNvSpPr>
+            <a:spLocks noGrp="1"/>
+          </p:cNvSpPr>
+          <p:nvPr>
+            <p:ph type="title"/>
+          </p:nvPr>
+        </p:nvSpPr>
+        <p:spPr>
+          <a:xfrm>
+            <a:off x="1261872" y="365760"/>
+            <a:ext cx="9692640" cy="1325562"/>
           </a:xfrm>
           <a:prstGeom prst="rect">
             <a:avLst/>
           </a:prstGeom>
         </p:spPr>
         <p:txBody>
-          <a:bodyPr vert="horz" lIns="91440" tIns="45720" rIns="91440" bIns="45720" rtlCol="0" anchor="ctr">
+          <a:bodyPr vert="horz" lIns="91440" tIns="45720" rIns="91440" bIns="45720" rtlCol="0" anchor="b">
             <a:normAutofit/>
           </a:bodyPr>
           <a:lstStyle/>
           <a:p>
             <a:r>
-              <a:rPr lang="en-US"/>
-              <a:t>Click to edit Master title style</a:t>
-            </a:r>
-            <a:endParaRPr lang="hu-HU"/>
-          </a:p>
-        </p:txBody>
-      </p:sp>
-      <p:sp>
-        <p:nvSpPr>
-          <p:cNvPr id="3" name="Text Placeholder 2">
-            <a:extLst>
-              <a:ext uri="{FF2B5EF4-FFF2-40B4-BE49-F238E27FC236}">
-                <a16:creationId xmlns:a16="http://schemas.microsoft.com/office/drawing/2014/main" id="{EF40D34F-F5C7-1572-3A7E-5EC03A9C5744}"/>
-              </a:ext>
-            </a:extLst>
-          </p:cNvPr>
+              <a:rPr lang="hu-HU" smtClean="0"/>
+              <a:t>Mintacím szerkesztése</a:t>
+            </a:r>
+            <a:endParaRPr lang="en-US" dirty="0"/>
+          </a:p>
+        </p:txBody>
+      </p:sp>
+      <p:sp>
+        <p:nvSpPr>
+          <p:cNvPr id="3" name="Text Placeholder 2"/>
           <p:cNvSpPr>
             <a:spLocks noGrp="1"/>
           </p:cNvSpPr>
@@ -2850,8 +2890,8 @@
         </p:nvSpPr>
         <p:spPr>
           <a:xfrm>
-            <a:off x="838200" y="1825625"/>
-            <a:ext cx="10515600" cy="4351338"/>
+            <a:off x="1261872" y="1828800"/>
+            <a:ext cx="8595360" cy="4351337"/>
           </a:xfrm>
           <a:prstGeom prst="rect">
             <a:avLst/>
@@ -2865,50 +2905,44 @@
           <a:p>
             <a:pPr lvl="0"/>
             <a:r>
-              <a:rPr lang="en-US"/>
-              <a:t>Click to edit Master text styles</a:t>
+              <a:rPr lang="hu-HU" smtClean="0"/>
+              <a:t>Mintaszöveg szerkesztése</a:t>
             </a:r>
           </a:p>
           <a:p>
             <a:pPr lvl="1"/>
             <a:r>
-              <a:rPr lang="en-US"/>
-              <a:t>Second level</a:t>
+              <a:rPr lang="hu-HU" smtClean="0"/>
+              <a:t>Második szint</a:t>
             </a:r>
           </a:p>
           <a:p>
             <a:pPr lvl="2"/>
             <a:r>
-              <a:rPr lang="en-US"/>
-              <a:t>Third level</a:t>
+              <a:rPr lang="hu-HU" smtClean="0"/>
+              <a:t>Harmadik szint</a:t>
             </a:r>
           </a:p>
           <a:p>
             <a:pPr lvl="3"/>
             <a:r>
-              <a:rPr lang="en-US"/>
-              <a:t>Fourth level</a:t>
+              <a:rPr lang="hu-HU" smtClean="0"/>
+              <a:t>Negyedik szint</a:t>
             </a:r>
           </a:p>
           <a:p>
             <a:pPr lvl="4"/>
             <a:r>
-              <a:rPr lang="en-US"/>
-              <a:t>Fifth level</a:t>
-            </a:r>
-            <a:endParaRPr lang="hu-HU"/>
-          </a:p>
-        </p:txBody>
-      </p:sp>
-      <p:sp>
-        <p:nvSpPr>
-          <p:cNvPr id="4" name="Date Placeholder 3">
-            <a:extLst>
-              <a:ext uri="{FF2B5EF4-FFF2-40B4-BE49-F238E27FC236}">
-                <a16:creationId xmlns:a16="http://schemas.microsoft.com/office/drawing/2014/main" id="{47980888-28AB-8EA7-F8D4-86BD2ABCB9ED}"/>
-              </a:ext>
-            </a:extLst>
-          </p:cNvPr>
+              <a:rPr lang="hu-HU" smtClean="0"/>
+              <a:t>Ötödik szint</a:t>
+            </a:r>
+            <a:endParaRPr lang="en-US" dirty="0"/>
+          </a:p>
+        </p:txBody>
+      </p:sp>
+      <p:sp>
+        <p:nvSpPr>
+          <p:cNvPr id="4" name="Date Placeholder 3"/>
           <p:cNvSpPr>
             <a:spLocks noGrp="1"/>
           </p:cNvSpPr>
@@ -2917,9 +2951,9 @@
           </p:nvPr>
         </p:nvSpPr>
         <p:spPr>
-          <a:xfrm>
-            <a:off x="838200" y="6356350"/>
-            <a:ext cx="2743200" cy="365125"/>
+          <a:xfrm rot="16200000">
+            <a:off x="10797542" y="998537"/>
+            <a:ext cx="1904999" cy="365125"/>
           </a:xfrm>
           <a:prstGeom prst="rect">
             <a:avLst/>
@@ -2928,11 +2962,12 @@
         <p:txBody>
           <a:bodyPr vert="horz" lIns="91440" tIns="45720" rIns="91440" bIns="45720" rtlCol="0" anchor="ctr"/>
           <a:lstStyle>
-            <a:lvl1pPr algn="l">
-              <a:defRPr sz="1200">
+            <a:lvl1pPr algn="r">
+              <a:defRPr sz="1050" b="0">
                 <a:solidFill>
-                  <a:schemeClr val="tx1">
-                    <a:tint val="75000"/>
+                  <a:schemeClr val="tx2">
+                    <a:lumMod val="20000"/>
+                    <a:lumOff val="80000"/>
                   </a:schemeClr>
                 </a:solidFill>
               </a:defRPr>
@@ -2941,7 +2976,7 @@
           <a:p>
             <a:fld id="{3DEB2466-714C-403F-984D-B889E18744B3}" type="datetimeFigureOut">
               <a:rPr lang="hu-HU" smtClean="0"/>
-              <a:t>2022.09.19.</a:t>
+              <a:t>2022.09.21.</a:t>
             </a:fld>
             <a:endParaRPr lang="hu-HU"/>
           </a:p>
@@ -2949,13 +2984,7 @@
       </p:sp>
       <p:sp>
         <p:nvSpPr>
-          <p:cNvPr id="5" name="Footer Placeholder 4">
-            <a:extLst>
-              <a:ext uri="{FF2B5EF4-FFF2-40B4-BE49-F238E27FC236}">
-                <a16:creationId xmlns:a16="http://schemas.microsoft.com/office/drawing/2014/main" id="{C565996D-48A1-0343-AFA3-B57778FDD386}"/>
-              </a:ext>
-            </a:extLst>
-          </p:cNvPr>
+          <p:cNvPr id="5" name="Footer Placeholder 4"/>
           <p:cNvSpPr>
             <a:spLocks noGrp="1"/>
           </p:cNvSpPr>
@@ -2964,9 +2993,9 @@
           </p:nvPr>
         </p:nvSpPr>
         <p:spPr>
-          <a:xfrm>
-            <a:off x="4038600" y="6356350"/>
-            <a:ext cx="4114800" cy="365125"/>
+          <a:xfrm rot="16200000">
+            <a:off x="9959341" y="4046537"/>
+            <a:ext cx="3581400" cy="365125"/>
           </a:xfrm>
           <a:prstGeom prst="rect">
             <a:avLst/>
@@ -2975,11 +3004,12 @@
         <p:txBody>
           <a:bodyPr vert="horz" lIns="91440" tIns="45720" rIns="91440" bIns="45720" rtlCol="0" anchor="ctr"/>
           <a:lstStyle>
-            <a:lvl1pPr algn="ctr">
-              <a:defRPr sz="1200">
+            <a:lvl1pPr algn="l">
+              <a:defRPr sz="1050">
                 <a:solidFill>
-                  <a:schemeClr val="tx1">
-                    <a:tint val="75000"/>
+                  <a:schemeClr val="tx2">
+                    <a:lumMod val="20000"/>
+                    <a:lumOff val="80000"/>
                   </a:schemeClr>
                 </a:solidFill>
               </a:defRPr>
@@ -2992,13 +3022,7 @@
       </p:sp>
       <p:sp>
         <p:nvSpPr>
-          <p:cNvPr id="6" name="Slide Number Placeholder 5">
-            <a:extLst>
-              <a:ext uri="{FF2B5EF4-FFF2-40B4-BE49-F238E27FC236}">
-                <a16:creationId xmlns:a16="http://schemas.microsoft.com/office/drawing/2014/main" id="{4C286731-821C-31A4-8223-84936A835349}"/>
-              </a:ext>
-            </a:extLst>
-          </p:cNvPr>
+          <p:cNvPr id="6" name="Slide Number Placeholder 5"/>
           <p:cNvSpPr>
             <a:spLocks noGrp="1"/>
           </p:cNvSpPr>
@@ -3008,21 +3032,24 @@
         </p:nvSpPr>
         <p:spPr>
           <a:xfrm>
-            <a:off x="8610600" y="6356350"/>
-            <a:ext cx="2743200" cy="365125"/>
+            <a:off x="11292840" y="6172200"/>
+            <a:ext cx="914400" cy="593725"/>
           </a:xfrm>
           <a:prstGeom prst="rect">
             <a:avLst/>
           </a:prstGeom>
         </p:spPr>
         <p:txBody>
-          <a:bodyPr vert="horz" lIns="91440" tIns="45720" rIns="91440" bIns="45720" rtlCol="0" anchor="ctr"/>
+          <a:bodyPr vert="horz" lIns="45720" tIns="45720" rIns="45720" bIns="45720" rtlCol="0" anchor="ctr">
+            <a:normAutofit/>
+          </a:bodyPr>
           <a:lstStyle>
-            <a:lvl1pPr algn="r">
-              <a:defRPr sz="1200">
+            <a:lvl1pPr algn="ctr">
+              <a:defRPr sz="3600">
                 <a:solidFill>
-                  <a:schemeClr val="tx1">
-                    <a:tint val="75000"/>
+                  <a:schemeClr val="tx2">
+                    <a:lumMod val="60000"/>
+                    <a:lumOff val="40000"/>
                   </a:schemeClr>
                 </a:solidFill>
               </a:defRPr>
@@ -3040,23 +3067,23 @@
     </p:spTree>
     <p:extLst>
       <p:ext uri="{BB962C8B-B14F-4D97-AF65-F5344CB8AC3E}">
-        <p14:creationId xmlns:p14="http://schemas.microsoft.com/office/powerpoint/2010/main" val="447624209"/>
+        <p14:creationId xmlns:p14="http://schemas.microsoft.com/office/powerpoint/2010/main" val="4067553246"/>
       </p:ext>
     </p:extLst>
   </p:cSld>
   <p:clrMap bg1="lt1" tx1="dk1" bg2="lt2" tx2="dk2" accent1="accent1" accent2="accent2" accent3="accent3" accent4="accent4" accent5="accent5" accent6="accent6" hlink="hlink" folHlink="folHlink"/>
   <p:sldLayoutIdLst>
-    <p:sldLayoutId id="2147483688" r:id="rId1"/>
-    <p:sldLayoutId id="2147483689" r:id="rId2"/>
-    <p:sldLayoutId id="2147483690" r:id="rId3"/>
-    <p:sldLayoutId id="2147483691" r:id="rId4"/>
-    <p:sldLayoutId id="2147483692" r:id="rId5"/>
-    <p:sldLayoutId id="2147483693" r:id="rId6"/>
-    <p:sldLayoutId id="2147483694" r:id="rId7"/>
-    <p:sldLayoutId id="2147483695" r:id="rId8"/>
-    <p:sldLayoutId id="2147483696" r:id="rId9"/>
-    <p:sldLayoutId id="2147483697" r:id="rId10"/>
-    <p:sldLayoutId id="2147483698" r:id="rId11"/>
+    <p:sldLayoutId id="2147483700" r:id="rId1"/>
+    <p:sldLayoutId id="2147483701" r:id="rId2"/>
+    <p:sldLayoutId id="2147483702" r:id="rId3"/>
+    <p:sldLayoutId id="2147483703" r:id="rId4"/>
+    <p:sldLayoutId id="2147483704" r:id="rId5"/>
+    <p:sldLayoutId id="2147483705" r:id="rId6"/>
+    <p:sldLayoutId id="2147483706" r:id="rId7"/>
+    <p:sldLayoutId id="2147483707" r:id="rId8"/>
+    <p:sldLayoutId id="2147483708" r:id="rId9"/>
+    <p:sldLayoutId id="2147483709" r:id="rId10"/>
+    <p:sldLayoutId id="2147483710" r:id="rId11"/>
   </p:sldLayoutIdLst>
   <p:txStyles>
     <p:titleStyle>
@@ -3068,7 +3095,7 @@
           <a:spcPct val="0"/>
         </a:spcBef>
         <a:buNone/>
-        <a:defRPr sz="4400" kern="1200">
+        <a:defRPr sz="4400" kern="1200" spc="-50" baseline="0">
           <a:solidFill>
             <a:schemeClr val="tx1"/>
           </a:solidFill>
@@ -3079,16 +3106,23 @@
       </a:lvl1pPr>
     </p:titleStyle>
     <p:bodyStyle>
-      <a:lvl1pPr marL="228600" indent="-228600" algn="l" defTabSz="914400" rtl="0" eaLnBrk="1" latinLnBrk="0" hangingPunct="1">
+      <a:lvl1pPr marL="182880" indent="-182880" algn="l" defTabSz="914400" rtl="0" eaLnBrk="1" latinLnBrk="0" hangingPunct="1">
         <a:lnSpc>
-          <a:spcPct val="90000"/>
+          <a:spcPct val="95000"/>
         </a:lnSpc>
         <a:spcBef>
-          <a:spcPts val="1000"/>
+          <a:spcPts val="1400"/>
         </a:spcBef>
-        <a:buFont typeface="Arial" panose="020B0604020202020204" pitchFamily="34" charset="0"/>
+        <a:spcAft>
+          <a:spcPts val="200"/>
+        </a:spcAft>
+        <a:buClr>
+          <a:schemeClr val="accent1"/>
+        </a:buClr>
+        <a:buSzPct val="80000"/>
+        <a:buFont typeface="Arial" pitchFamily="34" charset="0"/>
         <a:buChar char="•"/>
-        <a:defRPr sz="2800" kern="1200">
+        <a:defRPr sz="1800" kern="1200" spc="10" baseline="0">
           <a:solidFill>
             <a:schemeClr val="tx1"/>
           </a:solidFill>
@@ -3097,144 +3131,216 @@
           <a:cs typeface="+mn-cs"/>
         </a:defRPr>
       </a:lvl1pPr>
-      <a:lvl2pPr marL="685800" indent="-228600" algn="l" defTabSz="914400" rtl="0" eaLnBrk="1" latinLnBrk="0" hangingPunct="1">
+      <a:lvl2pPr marL="457200" indent="-182880" algn="l" defTabSz="914400" rtl="0" eaLnBrk="1" latinLnBrk="0" hangingPunct="1">
         <a:lnSpc>
           <a:spcPct val="90000"/>
         </a:lnSpc>
         <a:spcBef>
-          <a:spcPts val="500"/>
+          <a:spcPts val="300"/>
         </a:spcBef>
-        <a:buFont typeface="Arial" panose="020B0604020202020204" pitchFamily="34" charset="0"/>
-        <a:buChar char="•"/>
-        <a:defRPr sz="2400" kern="1200">
+        <a:spcAft>
+          <a:spcPts val="300"/>
+        </a:spcAft>
+        <a:buClr>
+          <a:schemeClr val="accent1"/>
+        </a:buClr>
+        <a:buFont typeface="Wingdings 2" pitchFamily="18" charset="2"/>
+        <a:buChar char=""/>
+        <a:defRPr sz="1600" kern="1200">
           <a:solidFill>
-            <a:schemeClr val="tx1"/>
+            <a:schemeClr val="tx1">
+              <a:lumMod val="85000"/>
+              <a:lumOff val="15000"/>
+            </a:schemeClr>
           </a:solidFill>
           <a:latin typeface="+mn-lt"/>
           <a:ea typeface="+mn-ea"/>
           <a:cs typeface="+mn-cs"/>
         </a:defRPr>
       </a:lvl2pPr>
-      <a:lvl3pPr marL="1143000" indent="-228600" algn="l" defTabSz="914400" rtl="0" eaLnBrk="1" latinLnBrk="0" hangingPunct="1">
+      <a:lvl3pPr marL="731520" indent="-182880" algn="l" defTabSz="914400" rtl="0" eaLnBrk="1" latinLnBrk="0" hangingPunct="1">
         <a:lnSpc>
           <a:spcPct val="90000"/>
         </a:lnSpc>
         <a:spcBef>
-          <a:spcPts val="500"/>
+          <a:spcPts val="300"/>
         </a:spcBef>
-        <a:buFont typeface="Arial" panose="020B0604020202020204" pitchFamily="34" charset="0"/>
-        <a:buChar char="•"/>
-        <a:defRPr sz="2000" kern="1200">
+        <a:spcAft>
+          <a:spcPts val="300"/>
+        </a:spcAft>
+        <a:buClr>
+          <a:schemeClr val="accent1"/>
+        </a:buClr>
+        <a:buFont typeface="Wingdings 2" pitchFamily="18" charset="2"/>
+        <a:buChar char=""/>
+        <a:defRPr sz="1400" kern="1200">
           <a:solidFill>
-            <a:schemeClr val="tx1"/>
+            <a:schemeClr val="tx1">
+              <a:lumMod val="85000"/>
+              <a:lumOff val="15000"/>
+            </a:schemeClr>
           </a:solidFill>
           <a:latin typeface="+mn-lt"/>
           <a:ea typeface="+mn-ea"/>
           <a:cs typeface="+mn-cs"/>
         </a:defRPr>
       </a:lvl3pPr>
-      <a:lvl4pPr marL="1600200" indent="-228600" algn="l" defTabSz="914400" rtl="0" eaLnBrk="1" latinLnBrk="0" hangingPunct="1">
+      <a:lvl4pPr marL="1005840" indent="-182880" algn="l" defTabSz="914400" rtl="0" eaLnBrk="1" latinLnBrk="0" hangingPunct="1">
         <a:lnSpc>
           <a:spcPct val="90000"/>
         </a:lnSpc>
         <a:spcBef>
-          <a:spcPts val="500"/>
+          <a:spcPts val="300"/>
         </a:spcBef>
-        <a:buFont typeface="Arial" panose="020B0604020202020204" pitchFamily="34" charset="0"/>
-        <a:buChar char="•"/>
-        <a:defRPr sz="1800" kern="1200">
+        <a:spcAft>
+          <a:spcPts val="300"/>
+        </a:spcAft>
+        <a:buClr>
+          <a:schemeClr val="accent1"/>
+        </a:buClr>
+        <a:buFont typeface="Wingdings 2" pitchFamily="18" charset="2"/>
+        <a:buChar char=""/>
+        <a:defRPr sz="1400" kern="1200">
           <a:solidFill>
-            <a:schemeClr val="tx1"/>
+            <a:schemeClr val="tx1">
+              <a:lumMod val="85000"/>
+              <a:lumOff val="15000"/>
+            </a:schemeClr>
           </a:solidFill>
           <a:latin typeface="+mn-lt"/>
           <a:ea typeface="+mn-ea"/>
           <a:cs typeface="+mn-cs"/>
         </a:defRPr>
       </a:lvl4pPr>
-      <a:lvl5pPr marL="2057400" indent="-228600" algn="l" defTabSz="914400" rtl="0" eaLnBrk="1" latinLnBrk="0" hangingPunct="1">
+      <a:lvl5pPr marL="1280160" indent="-182880" algn="l" defTabSz="914400" rtl="0" eaLnBrk="1" latinLnBrk="0" hangingPunct="1">
         <a:lnSpc>
           <a:spcPct val="90000"/>
         </a:lnSpc>
         <a:spcBef>
-          <a:spcPts val="500"/>
+          <a:spcPts val="300"/>
         </a:spcBef>
-        <a:buFont typeface="Arial" panose="020B0604020202020204" pitchFamily="34" charset="0"/>
-        <a:buChar char="•"/>
-        <a:defRPr sz="1800" kern="1200">
+        <a:spcAft>
+          <a:spcPts val="300"/>
+        </a:spcAft>
+        <a:buClr>
+          <a:schemeClr val="accent1"/>
+        </a:buClr>
+        <a:buFont typeface="Wingdings 2" pitchFamily="18" charset="2"/>
+        <a:buChar char=""/>
+        <a:defRPr sz="1400" kern="1200">
           <a:solidFill>
-            <a:schemeClr val="tx1"/>
+            <a:schemeClr val="tx1">
+              <a:lumMod val="85000"/>
+              <a:lumOff val="15000"/>
+            </a:schemeClr>
           </a:solidFill>
           <a:latin typeface="+mn-lt"/>
           <a:ea typeface="+mn-ea"/>
           <a:cs typeface="+mn-cs"/>
         </a:defRPr>
       </a:lvl5pPr>
-      <a:lvl6pPr marL="2514600" indent="-228600" algn="l" defTabSz="914400" rtl="0" eaLnBrk="1" latinLnBrk="0" hangingPunct="1">
+      <a:lvl6pPr marL="1600000" indent="-228600" algn="l" defTabSz="914400" rtl="0" eaLnBrk="1" latinLnBrk="0" hangingPunct="1">
         <a:lnSpc>
           <a:spcPct val="90000"/>
         </a:lnSpc>
         <a:spcBef>
-          <a:spcPts val="500"/>
+          <a:spcPts val="300"/>
         </a:spcBef>
-        <a:buFont typeface="Arial" panose="020B0604020202020204" pitchFamily="34" charset="0"/>
-        <a:buChar char="•"/>
-        <a:defRPr sz="1800" kern="1200">
+        <a:spcAft>
+          <a:spcPts val="300"/>
+        </a:spcAft>
+        <a:buClr>
+          <a:schemeClr val="accent1"/>
+        </a:buClr>
+        <a:buFont typeface="Wingdings 2" pitchFamily="18" charset="2"/>
+        <a:buChar char=""/>
+        <a:defRPr sz="1400" kern="1200">
           <a:solidFill>
-            <a:schemeClr val="tx1"/>
+            <a:schemeClr val="tx1">
+              <a:lumMod val="85000"/>
+              <a:lumOff val="15000"/>
+            </a:schemeClr>
           </a:solidFill>
           <a:latin typeface="+mn-lt"/>
           <a:ea typeface="+mn-ea"/>
           <a:cs typeface="+mn-cs"/>
         </a:defRPr>
       </a:lvl6pPr>
-      <a:lvl7pPr marL="2971800" indent="-228600" algn="l" defTabSz="914400" rtl="0" eaLnBrk="1" latinLnBrk="0" hangingPunct="1">
+      <a:lvl7pPr marL="1900000" indent="-228600" algn="l" defTabSz="914400" rtl="0" eaLnBrk="1" latinLnBrk="0" hangingPunct="1">
         <a:lnSpc>
           <a:spcPct val="90000"/>
         </a:lnSpc>
         <a:spcBef>
-          <a:spcPts val="500"/>
+          <a:spcPts val="300"/>
         </a:spcBef>
-        <a:buFont typeface="Arial" panose="020B0604020202020204" pitchFamily="34" charset="0"/>
-        <a:buChar char="•"/>
-        <a:defRPr sz="1800" kern="1200">
+        <a:spcAft>
+          <a:spcPts val="300"/>
+        </a:spcAft>
+        <a:buClr>
+          <a:schemeClr val="accent1"/>
+        </a:buClr>
+        <a:buFont typeface="Wingdings 2" pitchFamily="18" charset="2"/>
+        <a:buChar char=""/>
+        <a:defRPr sz="1400" kern="1200">
           <a:solidFill>
-            <a:schemeClr val="tx1"/>
+            <a:schemeClr val="tx1">
+              <a:lumMod val="85000"/>
+              <a:lumOff val="15000"/>
+            </a:schemeClr>
           </a:solidFill>
           <a:latin typeface="+mn-lt"/>
           <a:ea typeface="+mn-ea"/>
           <a:cs typeface="+mn-cs"/>
         </a:defRPr>
       </a:lvl7pPr>
-      <a:lvl8pPr marL="3429000" indent="-228600" algn="l" defTabSz="914400" rtl="0" eaLnBrk="1" latinLnBrk="0" hangingPunct="1">
+      <a:lvl8pPr marL="2200000" indent="-228600" algn="l" defTabSz="914400" rtl="0" eaLnBrk="1" latinLnBrk="0" hangingPunct="1">
         <a:lnSpc>
           <a:spcPct val="90000"/>
         </a:lnSpc>
         <a:spcBef>
-          <a:spcPts val="500"/>
+          <a:spcPts val="300"/>
         </a:spcBef>
-        <a:buFont typeface="Arial" panose="020B0604020202020204" pitchFamily="34" charset="0"/>
-        <a:buChar char="•"/>
-        <a:defRPr sz="1800" kern="1200">
+        <a:spcAft>
+          <a:spcPts val="300"/>
+        </a:spcAft>
+        <a:buClr>
+          <a:schemeClr val="accent1"/>
+        </a:buClr>
+        <a:buFont typeface="Wingdings 2" pitchFamily="18" charset="2"/>
+        <a:buChar char=""/>
+        <a:defRPr sz="1400" kern="1200">
           <a:solidFill>
-            <a:schemeClr val="tx1"/>
+            <a:schemeClr val="tx1">
+              <a:lumMod val="85000"/>
+              <a:lumOff val="15000"/>
+            </a:schemeClr>
           </a:solidFill>
           <a:latin typeface="+mn-lt"/>
           <a:ea typeface="+mn-ea"/>
           <a:cs typeface="+mn-cs"/>
         </a:defRPr>
       </a:lvl8pPr>
-      <a:lvl9pPr marL="3886200" indent="-228600" algn="l" defTabSz="914400" rtl="0" eaLnBrk="1" latinLnBrk="0" hangingPunct="1">
+      <a:lvl9pPr marL="2500000" indent="-228600" algn="l" defTabSz="914400" rtl="0" eaLnBrk="1" latinLnBrk="0" hangingPunct="1">
         <a:lnSpc>
           <a:spcPct val="90000"/>
         </a:lnSpc>
         <a:spcBef>
-          <a:spcPts val="500"/>
+          <a:spcPts val="300"/>
         </a:spcBef>
-        <a:buFont typeface="Arial" panose="020B0604020202020204" pitchFamily="34" charset="0"/>
-        <a:buChar char="•"/>
-        <a:defRPr sz="1800" kern="1200">
+        <a:spcAft>
+          <a:spcPts val="300"/>
+        </a:spcAft>
+        <a:buClr>
+          <a:schemeClr val="accent1"/>
+        </a:buClr>
+        <a:buFont typeface="Wingdings 2" pitchFamily="18" charset="2"/>
+        <a:buChar char=""/>
+        <a:defRPr sz="1400" kern="1200">
           <a:solidFill>
-            <a:schemeClr val="tx1"/>
+            <a:schemeClr val="tx1">
+              <a:lumMod val="85000"/>
+              <a:lumOff val="15000"/>
+            </a:schemeClr>
           </a:solidFill>
           <a:latin typeface="+mn-lt"/>
           <a:ea typeface="+mn-ea"/>
@@ -3244,7 +3350,7 @@
     </p:bodyStyle>
     <p:otherStyle>
       <a:defPPr>
-        <a:defRPr lang="hu-HU"/>
+        <a:defRPr lang="en-US"/>
       </a:defPPr>
       <a:lvl1pPr marL="0" algn="l" defTabSz="914400" rtl="0" eaLnBrk="1" latinLnBrk="0" hangingPunct="1">
         <a:defRPr sz="1800" kern="1200">
@@ -3420,6 +3526,14 @@
   <p:clrMapOvr>
     <a:masterClrMapping/>
   </p:clrMapOvr>
+  <mc:AlternateContent xmlns:mc="http://schemas.openxmlformats.org/markup-compatibility/2006">
+    <mc:Choice xmlns:p14="http://schemas.microsoft.com/office/powerpoint/2010/main" Requires="p14">
+      <p:transition p14:dur="0"/>
+    </mc:Choice>
+    <mc:Fallback>
+      <p:transition/>
+    </mc:Fallback>
+  </mc:AlternateContent>
   <p:timing>
     <p:tnLst>
       <p:par>
@@ -3457,7 +3571,12 @@
             <p:ph type="title"/>
           </p:nvPr>
         </p:nvSpPr>
-        <p:spPr/>
+        <p:spPr>
+          <a:xfrm>
+            <a:off x="893881" y="209644"/>
+            <a:ext cx="9692640" cy="1325562"/>
+          </a:xfrm>
+        </p:spPr>
         <p:txBody>
           <a:bodyPr/>
           <a:lstStyle/>
@@ -3490,13 +3609,20 @@
             <p:ph idx="1"/>
           </p:nvPr>
         </p:nvSpPr>
-        <p:spPr/>
-        <p:txBody>
-          <a:bodyPr/>
-          <a:lstStyle/>
-          <a:p>
-            <a:r>
-              <a:rPr lang="hu-HU" dirty="0" smtClean="0">
+        <p:spPr>
+          <a:xfrm>
+            <a:off x="893881" y="1535206"/>
+            <a:ext cx="8595360" cy="4351337"/>
+          </a:xfrm>
+        </p:spPr>
+        <p:txBody>
+          <a:bodyPr>
+            <a:normAutofit/>
+          </a:bodyPr>
+          <a:lstStyle/>
+          <a:p>
+            <a:r>
+              <a:rPr lang="hu-HU" sz="2200" dirty="0" smtClean="0">
                 <a:latin typeface="Bahnschrift Light Condensed" panose="020B0502040204020203" pitchFamily="34" charset="0"/>
               </a:rPr>
               <a:t>2005-ben jelent meg, később, mint AMD technológiái.</a:t>
@@ -3504,31 +3630,31 @@
           </a:p>
           <a:p>
             <a:r>
-              <a:rPr lang="hu-HU" dirty="0" smtClean="0">
+              <a:rPr lang="hu-HU" sz="2200" dirty="0" smtClean="0">
                 <a:latin typeface="Bahnschrift Light Condensed" panose="020B0502040204020203" pitchFamily="34" charset="0"/>
               </a:rPr>
               <a:t>Ún. P-</a:t>
             </a:r>
             <a:r>
-              <a:rPr lang="hu-HU" dirty="0" err="1" smtClean="0">
+              <a:rPr lang="hu-HU" sz="2200" dirty="0" err="1" smtClean="0">
                 <a:latin typeface="Bahnschrift Light Condensed" panose="020B0502040204020203" pitchFamily="34" charset="0"/>
               </a:rPr>
               <a:t>state</a:t>
             </a:r>
             <a:r>
-              <a:rPr lang="hu-HU" dirty="0" smtClean="0">
+              <a:rPr lang="hu-HU" sz="2200" dirty="0" smtClean="0">
                 <a:latin typeface="Bahnschrift Light Condensed" panose="020B0502040204020203" pitchFamily="34" charset="0"/>
               </a:rPr>
               <a:t>-</a:t>
             </a:r>
             <a:r>
-              <a:rPr lang="hu-HU" dirty="0" err="1" smtClean="0">
+              <a:rPr lang="hu-HU" sz="2200" dirty="0" err="1" smtClean="0">
                 <a:latin typeface="Bahnschrift Light Condensed" panose="020B0502040204020203" pitchFamily="34" charset="0"/>
               </a:rPr>
               <a:t>ekkel</a:t>
             </a:r>
             <a:r>
-              <a:rPr lang="hu-HU" dirty="0" smtClean="0">
+              <a:rPr lang="hu-HU" sz="2200" dirty="0" smtClean="0">
                 <a:latin typeface="Bahnschrift Light Condensed" panose="020B0502040204020203" pitchFamily="34" charset="0"/>
               </a:rPr>
               <a:t> változtatja a processzor órajeleit.</a:t>
@@ -3536,7 +3662,7 @@
           </a:p>
           <a:p>
             <a:r>
-              <a:rPr lang="hu-HU" dirty="0" smtClean="0">
+              <a:rPr lang="hu-HU" sz="2200" dirty="0" smtClean="0">
                 <a:latin typeface="Bahnschrift Light Condensed" panose="020B0502040204020203" pitchFamily="34" charset="0"/>
               </a:rPr>
               <a:t>Dinamikus</a:t>
@@ -3544,14 +3670,14 @@
           </a:p>
           <a:p>
             <a:r>
-              <a:rPr lang="hu-HU" dirty="0" smtClean="0">
+              <a:rPr lang="hu-HU" sz="2200" dirty="0" smtClean="0">
                 <a:latin typeface="Bahnschrift Light Condensed" panose="020B0502040204020203" pitchFamily="34" charset="0"/>
               </a:rPr>
               <a:t>Mai Intel processzorokban használják</a:t>
             </a:r>
           </a:p>
           <a:p>
-            <a:endParaRPr lang="hu-HU" dirty="0">
+            <a:endParaRPr lang="hu-HU" sz="2200" dirty="0">
               <a:latin typeface="Bahnschrift Light Condensed" panose="020B0502040204020203" pitchFamily="34" charset="0"/>
             </a:endParaRPr>
           </a:p>
@@ -3567,6 +3693,9 @@
   <p:clrMapOvr>
     <a:masterClrMapping/>
   </p:clrMapOvr>
+  <p:transition spd="med">
+    <p:push dir="u"/>
+  </p:transition>
   <p:timing>
     <p:tnLst>
       <p:par>
@@ -3639,6 +3768,9 @@
   <p:clrMapOvr>
     <a:masterClrMapping/>
   </p:clrMapOvr>
+  <p:transition spd="slow">
+    <p:push dir="u"/>
+  </p:transition>
   <p:timing>
     <p:tnLst>
       <p:par>
@@ -3676,7 +3808,12 @@
             <p:ph type="title"/>
           </p:nvPr>
         </p:nvSpPr>
-        <p:spPr/>
+        <p:spPr>
+          <a:xfrm>
+            <a:off x="893889" y="220797"/>
+            <a:ext cx="9692640" cy="1325562"/>
+          </a:xfrm>
+        </p:spPr>
         <p:txBody>
           <a:bodyPr>
             <a:normAutofit/>
@@ -3684,7 +3821,7 @@
           <a:lstStyle/>
           <a:p>
             <a:r>
-              <a:rPr lang="hu-HU" sz="5400" dirty="0">
+              <a:rPr lang="hu-HU" dirty="0">
                 <a:latin typeface="Bahnschrift Light Condensed" panose="020B0502040204020203" pitchFamily="34" charset="0"/>
               </a:rPr>
               <a:t>Források</a:t>
@@ -3702,10 +3839,15 @@
             <p:ph idx="1"/>
           </p:nvPr>
         </p:nvSpPr>
-        <p:spPr/>
+        <p:spPr>
+          <a:xfrm>
+            <a:off x="893889" y="1683837"/>
+            <a:ext cx="8595360" cy="4351337"/>
+          </a:xfrm>
+        </p:spPr>
         <p:txBody>
           <a:bodyPr>
-            <a:normAutofit/>
+            <a:normAutofit lnSpcReduction="10000"/>
           </a:bodyPr>
           <a:lstStyle/>
           <a:p>
@@ -3852,6 +3994,9 @@
   <p:clrMapOvr>
     <a:masterClrMapping/>
   </p:clrMapOvr>
+  <p:transition spd="slow">
+    <p:push dir="u"/>
+  </p:transition>
   <p:timing>
     <p:tnLst>
       <p:par>
@@ -3889,7 +4034,12 @@
             <p:ph type="title"/>
           </p:nvPr>
         </p:nvSpPr>
-        <p:spPr/>
+        <p:spPr>
+          <a:xfrm>
+            <a:off x="838200" y="182563"/>
+            <a:ext cx="9692640" cy="1325562"/>
+          </a:xfrm>
+        </p:spPr>
         <p:txBody>
           <a:bodyPr/>
           <a:lstStyle/>
@@ -3920,11 +4070,13 @@
           </a:xfrm>
         </p:spPr>
         <p:txBody>
-          <a:bodyPr/>
-          <a:lstStyle/>
-          <a:p>
-            <a:r>
-              <a:rPr lang="hu-HU" dirty="0">
+          <a:bodyPr>
+            <a:normAutofit/>
+          </a:bodyPr>
+          <a:lstStyle/>
+          <a:p>
+            <a:r>
+              <a:rPr lang="hu-HU" sz="2200" dirty="0">
                 <a:latin typeface="Bahnschrift Light Condensed" panose="020B0502040204020203" pitchFamily="34" charset="0"/>
               </a:rPr>
               <a:t>A CPU-k (Central Processing Unit) olyan frekvencián futnak, hogy elolvadnának hűtés nélkül.</a:t>
@@ -3932,7 +4084,7 @@
           </a:p>
           <a:p>
             <a:r>
-              <a:rPr lang="hu-HU" dirty="0">
+              <a:rPr lang="hu-HU" sz="2200" dirty="0">
                 <a:latin typeface="Bahnschrift Light Condensed" panose="020B0502040204020203" pitchFamily="34" charset="0"/>
               </a:rPr>
               <a:t>Magas hőfokokon a modern CPU-k csökkentik a frekvenciájukat, így alacsonyabb teljesítményt tudnak nyújtani a felhasználónak.</a:t>
@@ -3940,14 +4092,14 @@
           </a:p>
           <a:p>
             <a:r>
-              <a:rPr lang="hu-HU" dirty="0">
+              <a:rPr lang="hu-HU" sz="2200" dirty="0">
                 <a:latin typeface="Bahnschrift Light Condensed" panose="020B0502040204020203" pitchFamily="34" charset="0"/>
               </a:rPr>
               <a:t> Ha túl magas hőfokon fut a CPU, akkor ki is kapcsolhat a számítógép.</a:t>
             </a:r>
           </a:p>
           <a:p>
-            <a:endParaRPr lang="hu-HU" dirty="0">
+            <a:endParaRPr lang="hu-HU" sz="2200" dirty="0">
               <a:latin typeface="Bahnschrift Light Condensed" panose="020B0502040204020203" pitchFamily="34" charset="0"/>
             </a:endParaRPr>
           </a:p>
@@ -3963,6 +4115,9 @@
   <p:clrMapOvr>
     <a:masterClrMapping/>
   </p:clrMapOvr>
+  <p:transition spd="med">
+    <p:push dir="u"/>
+  </p:transition>
   <p:timing>
     <p:tnLst>
       <p:par>
@@ -4000,7 +4155,12 @@
             <p:ph type="title"/>
           </p:nvPr>
         </p:nvSpPr>
-        <p:spPr/>
+        <p:spPr>
+          <a:xfrm>
+            <a:off x="854490" y="182563"/>
+            <a:ext cx="9692640" cy="1325562"/>
+          </a:xfrm>
+        </p:spPr>
         <p:txBody>
           <a:bodyPr/>
           <a:lstStyle/>
@@ -4031,68 +4191,70 @@
           </a:xfrm>
         </p:spPr>
         <p:txBody>
-          <a:bodyPr/>
-          <a:lstStyle/>
-          <a:p>
-            <a:r>
-              <a:rPr lang="hu-HU" dirty="0" smtClean="0">
+          <a:bodyPr>
+            <a:normAutofit/>
+          </a:bodyPr>
+          <a:lstStyle/>
+          <a:p>
+            <a:r>
+              <a:rPr lang="hu-HU" sz="2200" dirty="0" smtClean="0">
                 <a:latin typeface="Bahnschrift Light Condensed" panose="020B0502040204020203" pitchFamily="34" charset="0"/>
               </a:rPr>
               <a:t>Léghűtés: A processzorra egy hűtőbordát szerelnek, és rá egy </a:t>
             </a:r>
             <a:r>
-              <a:rPr lang="hu-HU" dirty="0" err="1" smtClean="0">
+              <a:rPr lang="hu-HU" sz="2200" dirty="0" err="1" smtClean="0">
                 <a:latin typeface="Bahnschrift Light Condensed" panose="020B0502040204020203" pitchFamily="34" charset="0"/>
               </a:rPr>
               <a:t>ventillátort</a:t>
             </a:r>
             <a:r>
-              <a:rPr lang="hu-HU" dirty="0" smtClean="0">
+              <a:rPr lang="hu-HU" sz="2200" dirty="0" smtClean="0">
                 <a:latin typeface="Bahnschrift Light Condensed" panose="020B0502040204020203" pitchFamily="34" charset="0"/>
               </a:rPr>
               <a:t>, hogy hűtse a hűtőbordát.</a:t>
             </a:r>
-            <a:endParaRPr lang="hu-HU" dirty="0">
+            <a:endParaRPr lang="hu-HU" sz="2200" dirty="0">
               <a:latin typeface="Bahnschrift Light Condensed" panose="020B0502040204020203" pitchFamily="34" charset="0"/>
             </a:endParaRPr>
           </a:p>
           <a:p>
             <a:r>
-              <a:rPr lang="hu-HU" dirty="0" smtClean="0">
+              <a:rPr lang="hu-HU" sz="2200" dirty="0" smtClean="0">
                 <a:latin typeface="Bahnschrift Light Condensed" panose="020B0502040204020203" pitchFamily="34" charset="0"/>
               </a:rPr>
               <a:t>Vízhűtés: Csövekben hűtőfolyadékot cirkulálnak, így magasabb hűtéshatékonyságot ér el.</a:t>
             </a:r>
-            <a:endParaRPr lang="hu-HU" dirty="0">
+            <a:endParaRPr lang="hu-HU" sz="2200" dirty="0">
               <a:latin typeface="Bahnschrift Light Condensed" panose="020B0502040204020203" pitchFamily="34" charset="0"/>
             </a:endParaRPr>
           </a:p>
           <a:p>
             <a:r>
-              <a:rPr lang="hu-HU" dirty="0">
+              <a:rPr lang="hu-HU" sz="2200" dirty="0">
                 <a:latin typeface="Bahnschrift Light Condensed" panose="020B0502040204020203" pitchFamily="34" charset="0"/>
               </a:rPr>
               <a:t>Passzív</a:t>
             </a:r>
             <a:r>
-              <a:rPr lang="hu-HU" dirty="0" smtClean="0">
+              <a:rPr lang="hu-HU" sz="2200" dirty="0" smtClean="0">
                 <a:latin typeface="Bahnschrift Light Condensed" panose="020B0502040204020203" pitchFamily="34" charset="0"/>
               </a:rPr>
               <a:t>: A processzorra egy hűtőbordát szerelnek, de nem illesztenek rá egy </a:t>
             </a:r>
             <a:r>
-              <a:rPr lang="hu-HU" dirty="0" err="1" smtClean="0">
+              <a:rPr lang="hu-HU" sz="2200" dirty="0" err="1" smtClean="0">
                 <a:latin typeface="Bahnschrift Light Condensed" panose="020B0502040204020203" pitchFamily="34" charset="0"/>
               </a:rPr>
               <a:t>ventillátort</a:t>
             </a:r>
             <a:r>
-              <a:rPr lang="hu-HU" dirty="0" smtClean="0">
+              <a:rPr lang="hu-HU" sz="2200" dirty="0" smtClean="0">
                 <a:latin typeface="Bahnschrift Light Condensed" panose="020B0502040204020203" pitchFamily="34" charset="0"/>
               </a:rPr>
               <a:t>.</a:t>
             </a:r>
-            <a:endParaRPr lang="hu-HU" dirty="0">
+            <a:endParaRPr lang="hu-HU" sz="2200" dirty="0">
               <a:latin typeface="Bahnschrift Light Condensed" panose="020B0502040204020203" pitchFamily="34" charset="0"/>
             </a:endParaRPr>
           </a:p>
@@ -4121,7 +4283,7 @@
         </p:blipFill>
         <p:spPr bwMode="auto">
           <a:xfrm>
-            <a:off x="2693305" y="3989838"/>
+            <a:off x="1065225" y="3744569"/>
             <a:ext cx="2526385" cy="2118862"/>
           </a:xfrm>
           <a:prstGeom prst="rect">
@@ -4147,7 +4309,7 @@
         </p:nvSpPr>
         <p:spPr>
           <a:xfrm>
-            <a:off x="2693301" y="6104732"/>
+            <a:off x="1065221" y="5859463"/>
             <a:ext cx="2526385" cy="477054"/>
           </a:xfrm>
           <a:prstGeom prst="rect">
@@ -4197,7 +4359,7 @@
         </p:blipFill>
         <p:spPr bwMode="auto">
           <a:xfrm>
-            <a:off x="5700810" y="3989838"/>
+            <a:off x="4072730" y="3744569"/>
             <a:ext cx="2819859" cy="2114894"/>
           </a:xfrm>
           <a:prstGeom prst="rect">
@@ -4223,7 +4385,7 @@
         </p:nvSpPr>
         <p:spPr>
           <a:xfrm>
-            <a:off x="5700810" y="6104732"/>
+            <a:off x="4072730" y="5859463"/>
             <a:ext cx="2819859" cy="477054"/>
           </a:xfrm>
           <a:prstGeom prst="rect">
@@ -4273,7 +4435,7 @@
         </p:blipFill>
         <p:spPr bwMode="auto">
           <a:xfrm>
-            <a:off x="9001793" y="3989838"/>
+            <a:off x="7373713" y="3744569"/>
             <a:ext cx="2935061" cy="2114894"/>
           </a:xfrm>
           <a:prstGeom prst="rect">
@@ -4299,7 +4461,7 @@
         </p:nvSpPr>
         <p:spPr>
           <a:xfrm>
-            <a:off x="9001789" y="6100764"/>
+            <a:off x="7373709" y="5855495"/>
             <a:ext cx="2935061" cy="477054"/>
           </a:xfrm>
           <a:prstGeom prst="rect">
@@ -4336,6 +4498,9 @@
   <p:clrMapOvr>
     <a:masterClrMapping/>
   </p:clrMapOvr>
+  <p:transition spd="med">
+    <p:push dir="u"/>
+  </p:transition>
   <p:timing>
     <p:tnLst>
       <p:par>
@@ -4373,7 +4538,12 @@
             <p:ph type="title"/>
           </p:nvPr>
         </p:nvSpPr>
-        <p:spPr/>
+        <p:spPr>
+          <a:xfrm>
+            <a:off x="847048" y="191004"/>
+            <a:ext cx="9692640" cy="1325562"/>
+          </a:xfrm>
+        </p:spPr>
         <p:txBody>
           <a:bodyPr/>
           <a:lstStyle/>
@@ -4400,13 +4570,20 @@
             <p:ph idx="1"/>
           </p:nvPr>
         </p:nvSpPr>
-        <p:spPr/>
-        <p:txBody>
-          <a:bodyPr/>
-          <a:lstStyle/>
-          <a:p>
-            <a:r>
-              <a:rPr lang="hu-HU" dirty="0" smtClean="0">
+        <p:spPr>
+          <a:xfrm>
+            <a:off x="847048" y="1561170"/>
+            <a:ext cx="8595360" cy="4351337"/>
+          </a:xfrm>
+        </p:spPr>
+        <p:txBody>
+          <a:bodyPr>
+            <a:normAutofit/>
+          </a:bodyPr>
+          <a:lstStyle/>
+          <a:p>
+            <a:r>
+              <a:rPr lang="hu-HU" sz="2200" dirty="0" smtClean="0">
                 <a:latin typeface="Bahnschrift Light Condensed" panose="020B0502040204020203" pitchFamily="34" charset="0"/>
               </a:rPr>
               <a:t>Előnyök:</a:t>
@@ -4418,7 +4595,7 @@
               <a:buChar char="-"/>
             </a:pPr>
             <a:r>
-              <a:rPr lang="hu-HU" dirty="0" smtClean="0">
+              <a:rPr lang="hu-HU" sz="2200" dirty="0" smtClean="0">
                 <a:latin typeface="Bahnschrift Light Condensed" panose="020B0502040204020203" pitchFamily="34" charset="0"/>
               </a:rPr>
               <a:t>Olcsóbb</a:t>
@@ -4430,7 +4607,7 @@
               <a:buChar char="-"/>
             </a:pPr>
             <a:r>
-              <a:rPr lang="hu-HU" dirty="0" smtClean="0">
+              <a:rPr lang="hu-HU" sz="2200" dirty="0" smtClean="0">
                 <a:latin typeface="Bahnschrift Light Condensed" panose="020B0502040204020203" pitchFamily="34" charset="0"/>
               </a:rPr>
               <a:t>Ritkább meghibásodás</a:t>
@@ -4442,20 +4619,20 @@
               <a:buChar char="-"/>
             </a:pPr>
             <a:r>
-              <a:rPr lang="hu-HU" dirty="0" smtClean="0">
+              <a:rPr lang="hu-HU" sz="2200" dirty="0" smtClean="0">
                 <a:latin typeface="Bahnschrift Light Condensed" panose="020B0502040204020203" pitchFamily="34" charset="0"/>
               </a:rPr>
               <a:t>Könnyebb installáció</a:t>
             </a:r>
           </a:p>
           <a:p>
-            <a:endParaRPr lang="hu-HU" dirty="0" smtClean="0">
+            <a:endParaRPr lang="hu-HU" sz="2200" dirty="0" smtClean="0">
               <a:latin typeface="Bahnschrift Light Condensed" panose="020B0502040204020203" pitchFamily="34" charset="0"/>
             </a:endParaRPr>
           </a:p>
           <a:p>
             <a:r>
-              <a:rPr lang="hu-HU" dirty="0" smtClean="0">
+              <a:rPr lang="hu-HU" sz="2200" dirty="0" smtClean="0">
                 <a:latin typeface="Bahnschrift Light Condensed" panose="020B0502040204020203" pitchFamily="34" charset="0"/>
               </a:rPr>
               <a:t>Hátrányok:</a:t>
@@ -4467,7 +4644,7 @@
               <a:buChar char="-"/>
             </a:pPr>
             <a:r>
-              <a:rPr lang="hu-HU" dirty="0" smtClean="0">
+              <a:rPr lang="hu-HU" sz="2200" dirty="0" smtClean="0">
                 <a:latin typeface="Bahnschrift Light Condensed" panose="020B0502040204020203" pitchFamily="34" charset="0"/>
               </a:rPr>
               <a:t>Alacsonyabb hatásfok</a:t>
@@ -4479,7 +4656,7 @@
               <a:buChar char="-"/>
             </a:pPr>
             <a:r>
-              <a:rPr lang="hu-HU" dirty="0" smtClean="0">
+              <a:rPr lang="hu-HU" sz="2200" dirty="0" smtClean="0">
                 <a:latin typeface="Bahnschrift Light Condensed" panose="020B0502040204020203" pitchFamily="34" charset="0"/>
               </a:rPr>
               <a:t>Hangosabb</a:t>
@@ -4490,7 +4667,7 @@
               <a:buFontTx/>
               <a:buChar char="-"/>
             </a:pPr>
-            <a:endParaRPr lang="hu-HU" dirty="0" smtClean="0">
+            <a:endParaRPr lang="hu-HU" sz="2200" dirty="0" smtClean="0">
               <a:latin typeface="Bahnschrift Light Condensed" panose="020B0502040204020203" pitchFamily="34" charset="0"/>
             </a:endParaRPr>
           </a:p>
@@ -4499,7 +4676,7 @@
               <a:buFontTx/>
               <a:buChar char="-"/>
             </a:pPr>
-            <a:endParaRPr lang="hu-HU" dirty="0" smtClean="0">
+            <a:endParaRPr lang="hu-HU" sz="2200" dirty="0" smtClean="0">
               <a:latin typeface="Bahnschrift Light Condensed" panose="020B0502040204020203" pitchFamily="34" charset="0"/>
             </a:endParaRPr>
           </a:p>
@@ -4508,7 +4685,7 @@
               <a:buFontTx/>
               <a:buChar char="-"/>
             </a:pPr>
-            <a:endParaRPr lang="hu-HU" dirty="0" smtClean="0">
+            <a:endParaRPr lang="hu-HU" sz="2200" dirty="0" smtClean="0">
               <a:latin typeface="Bahnschrift Light Condensed" panose="020B0502040204020203" pitchFamily="34" charset="0"/>
             </a:endParaRPr>
           </a:p>
@@ -4524,6 +4701,9 @@
   <p:clrMapOvr>
     <a:masterClrMapping/>
   </p:clrMapOvr>
+  <p:transition spd="med">
+    <p:push dir="u"/>
+  </p:transition>
   <p:timing>
     <p:tnLst>
       <p:par>
@@ -4561,7 +4741,12 @@
             <p:ph type="title"/>
           </p:nvPr>
         </p:nvSpPr>
-        <p:spPr/>
+        <p:spPr>
+          <a:xfrm>
+            <a:off x="849278" y="198495"/>
+            <a:ext cx="9692640" cy="1325562"/>
+          </a:xfrm>
+        </p:spPr>
         <p:txBody>
           <a:bodyPr/>
           <a:lstStyle/>
@@ -4588,13 +4773,20 @@
             <p:ph idx="1"/>
           </p:nvPr>
         </p:nvSpPr>
-        <p:spPr/>
-        <p:txBody>
-          <a:bodyPr/>
-          <a:lstStyle/>
-          <a:p>
-            <a:r>
-              <a:rPr lang="hu-HU" dirty="0" smtClean="0">
+        <p:spPr>
+          <a:xfrm>
+            <a:off x="849279" y="1590963"/>
+            <a:ext cx="8595360" cy="4351337"/>
+          </a:xfrm>
+        </p:spPr>
+        <p:txBody>
+          <a:bodyPr>
+            <a:normAutofit fontScale="92500" lnSpcReduction="10000"/>
+          </a:bodyPr>
+          <a:lstStyle/>
+          <a:p>
+            <a:r>
+              <a:rPr lang="hu-HU" sz="2400" dirty="0" smtClean="0">
                 <a:latin typeface="Bahnschrift Light Condensed" panose="020B0502040204020203" pitchFamily="34" charset="0"/>
               </a:rPr>
               <a:t>Előnyök:</a:t>
@@ -4606,7 +4798,7 @@
               <a:buChar char="-"/>
             </a:pPr>
             <a:r>
-              <a:rPr lang="hu-HU" dirty="0" smtClean="0">
+              <a:rPr lang="hu-HU" sz="2400" dirty="0" smtClean="0">
                 <a:latin typeface="Bahnschrift Light Condensed" panose="020B0502040204020203" pitchFamily="34" charset="0"/>
               </a:rPr>
               <a:t>Magasabb hatásfok</a:t>
@@ -4618,7 +4810,7 @@
               <a:buChar char="-"/>
             </a:pPr>
             <a:r>
-              <a:rPr lang="hu-HU" dirty="0" smtClean="0">
+              <a:rPr lang="hu-HU" sz="2400" dirty="0" smtClean="0">
                 <a:latin typeface="Bahnschrift Light Condensed" panose="020B0502040204020203" pitchFamily="34" charset="0"/>
               </a:rPr>
               <a:t>Kisebb méret</a:t>
@@ -4630,18 +4822,29 @@
               <a:buChar char="-"/>
             </a:pPr>
             <a:r>
-              <a:rPr lang="hu-HU" dirty="0" smtClean="0">
+              <a:rPr lang="hu-HU" sz="2400" dirty="0" smtClean="0">
                 <a:latin typeface="Bahnschrift Light Condensed" panose="020B0502040204020203" pitchFamily="34" charset="0"/>
               </a:rPr>
               <a:t>Csöndesebb</a:t>
             </a:r>
           </a:p>
           <a:p>
-            <a:r>
-              <a:rPr lang="hu-HU" dirty="0" smtClean="0">
-                <a:latin typeface="Bahnschrift Light Condensed" panose="020B0502040204020203" pitchFamily="34" charset="0"/>
-              </a:rPr>
-              <a:t>Hátrányok:</a:t>
+            <a:endParaRPr lang="hu-HU" sz="2400" dirty="0" smtClean="0">
+              <a:latin typeface="Bahnschrift Light Condensed" panose="020B0502040204020203" pitchFamily="34" charset="0"/>
+            </a:endParaRPr>
+          </a:p>
+          <a:p>
+            <a:r>
+              <a:rPr lang="hu-HU" sz="2400" dirty="0" smtClean="0">
+                <a:latin typeface="Bahnschrift Light Condensed" panose="020B0502040204020203" pitchFamily="34" charset="0"/>
+              </a:rPr>
+              <a:t>Hátrányok</a:t>
+            </a:r>
+            <a:r>
+              <a:rPr lang="hu-HU" sz="2400" dirty="0" smtClean="0">
+                <a:latin typeface="Bahnschrift Light Condensed" panose="020B0502040204020203" pitchFamily="34" charset="0"/>
+              </a:rPr>
+              <a:t>:</a:t>
             </a:r>
           </a:p>
           <a:p>
@@ -4650,11 +4853,14 @@
               <a:buChar char="-"/>
             </a:pPr>
             <a:r>
-              <a:rPr lang="hu-HU" dirty="0" smtClean="0">
-                <a:latin typeface="Bahnschrift Light Condensed" panose="020B0502040204020203" pitchFamily="34" charset="0"/>
-              </a:rPr>
-              <a:t>Komplexebb installáció</a:t>
-            </a:r>
+              <a:rPr lang="hu-HU" sz="2400" dirty="0" smtClean="0">
+                <a:latin typeface="Bahnschrift Light Condensed" panose="020B0502040204020203" pitchFamily="34" charset="0"/>
+              </a:rPr>
+              <a:t>Nehezebb installáció</a:t>
+            </a:r>
+            <a:endParaRPr lang="hu-HU" sz="2400" dirty="0" smtClean="0">
+              <a:latin typeface="Bahnschrift Light Condensed" panose="020B0502040204020203" pitchFamily="34" charset="0"/>
+            </a:endParaRPr>
           </a:p>
           <a:p>
             <a:pPr>
@@ -4662,7 +4868,7 @@
               <a:buChar char="-"/>
             </a:pPr>
             <a:r>
-              <a:rPr lang="hu-HU" dirty="0" smtClean="0">
+              <a:rPr lang="hu-HU" sz="2400" dirty="0" smtClean="0">
                 <a:latin typeface="Bahnschrift Light Condensed" panose="020B0502040204020203" pitchFamily="34" charset="0"/>
               </a:rPr>
               <a:t>Alacsonyabb megbízhatóság</a:t>
@@ -4674,7 +4880,7 @@
               <a:buChar char="-"/>
             </a:pPr>
             <a:r>
-              <a:rPr lang="hu-HU" dirty="0" smtClean="0">
+              <a:rPr lang="hu-HU" sz="2400" dirty="0" smtClean="0">
                 <a:latin typeface="Bahnschrift Light Condensed" panose="020B0502040204020203" pitchFamily="34" charset="0"/>
               </a:rPr>
               <a:t>Drágább</a:t>
@@ -4692,6 +4898,9 @@
   <p:clrMapOvr>
     <a:masterClrMapping/>
   </p:clrMapOvr>
+  <p:transition spd="med">
+    <p:push dir="u"/>
+  </p:transition>
   <p:timing>
     <p:tnLst>
       <p:par>
@@ -4729,7 +4938,12 @@
             <p:ph type="title"/>
           </p:nvPr>
         </p:nvSpPr>
-        <p:spPr/>
+        <p:spPr>
+          <a:xfrm>
+            <a:off x="860436" y="209643"/>
+            <a:ext cx="9692640" cy="1325562"/>
+          </a:xfrm>
+        </p:spPr>
         <p:txBody>
           <a:bodyPr/>
           <a:lstStyle/>
@@ -4756,13 +4970,20 @@
             <p:ph idx="1"/>
           </p:nvPr>
         </p:nvSpPr>
-        <p:spPr/>
-        <p:txBody>
-          <a:bodyPr/>
-          <a:lstStyle/>
-          <a:p>
-            <a:r>
-              <a:rPr lang="hu-HU" dirty="0" smtClean="0">
+        <p:spPr>
+          <a:xfrm>
+            <a:off x="860436" y="1535205"/>
+            <a:ext cx="8595360" cy="4351337"/>
+          </a:xfrm>
+        </p:spPr>
+        <p:txBody>
+          <a:bodyPr>
+            <a:normAutofit/>
+          </a:bodyPr>
+          <a:lstStyle/>
+          <a:p>
+            <a:r>
+              <a:rPr lang="hu-HU" sz="2200" dirty="0" smtClean="0">
                 <a:latin typeface="Bahnschrift Light Condensed" panose="020B0502040204020203" pitchFamily="34" charset="0"/>
               </a:rPr>
               <a:t>Előnyök:</a:t>
@@ -4774,7 +4995,7 @@
               <a:buChar char="-"/>
             </a:pPr>
             <a:r>
-              <a:rPr lang="hu-HU" dirty="0" smtClean="0">
+              <a:rPr lang="hu-HU" sz="2200" dirty="0" smtClean="0">
                 <a:latin typeface="Bahnschrift Light Condensed" panose="020B0502040204020203" pitchFamily="34" charset="0"/>
               </a:rPr>
               <a:t>Legcsöndesebb</a:t>
@@ -4786,18 +5007,16 @@
               <a:buChar char="-"/>
             </a:pPr>
             <a:r>
-              <a:rPr lang="hu-HU" dirty="0" smtClean="0">
-                <a:latin typeface="Bahnschrift Light Condensed" panose="020B0502040204020203" pitchFamily="34" charset="0"/>
-              </a:rPr>
-              <a:t>Alacsony áramfogyasztás</a:t>
-            </a:r>
-          </a:p>
-          <a:p>
-            <a:r>
-              <a:rPr lang="hu-HU" dirty="0" smtClean="0">
-                <a:latin typeface="Bahnschrift Light Condensed" panose="020B0502040204020203" pitchFamily="34" charset="0"/>
-              </a:rPr>
-              <a:t>Hátrányok:</a:t>
+              <a:rPr lang="hu-HU" sz="2200" dirty="0" smtClean="0">
+                <a:latin typeface="Bahnschrift Light Condensed" panose="020B0502040204020203" pitchFamily="34" charset="0"/>
+              </a:rPr>
+              <a:t>Alacsony </a:t>
+            </a:r>
+            <a:r>
+              <a:rPr lang="hu-HU" sz="2200" dirty="0" smtClean="0">
+                <a:latin typeface="Bahnschrift Light Condensed" panose="020B0502040204020203" pitchFamily="34" charset="0"/>
+              </a:rPr>
+              <a:t>áramfogyasztás</a:t>
             </a:r>
           </a:p>
           <a:p>
@@ -4805,11 +5024,16 @@
               <a:buFontTx/>
               <a:buChar char="-"/>
             </a:pPr>
-            <a:r>
-              <a:rPr lang="hu-HU" dirty="0" smtClean="0">
-                <a:latin typeface="Bahnschrift Light Condensed" panose="020B0502040204020203" pitchFamily="34" charset="0"/>
-              </a:rPr>
-              <a:t>Legalacsonyabb hatásfok</a:t>
+            <a:endParaRPr lang="hu-HU" sz="2200" dirty="0" smtClean="0">
+              <a:latin typeface="Bahnschrift Light Condensed" panose="020B0502040204020203" pitchFamily="34" charset="0"/>
+            </a:endParaRPr>
+          </a:p>
+          <a:p>
+            <a:r>
+              <a:rPr lang="hu-HU" sz="2200" dirty="0" smtClean="0">
+                <a:latin typeface="Bahnschrift Light Condensed" panose="020B0502040204020203" pitchFamily="34" charset="0"/>
+              </a:rPr>
+              <a:t>Hátrányok:</a:t>
             </a:r>
           </a:p>
           <a:p>
@@ -4818,7 +5042,19 @@
               <a:buChar char="-"/>
             </a:pPr>
             <a:r>
-              <a:rPr lang="hu-HU" dirty="0" smtClean="0">
+              <a:rPr lang="hu-HU" sz="2200" dirty="0" smtClean="0">
+                <a:latin typeface="Bahnschrift Light Condensed" panose="020B0502040204020203" pitchFamily="34" charset="0"/>
+              </a:rPr>
+              <a:t>Legalacsonyabb hatásfok</a:t>
+            </a:r>
+          </a:p>
+          <a:p>
+            <a:pPr>
+              <a:buFontTx/>
+              <a:buChar char="-"/>
+            </a:pPr>
+            <a:r>
+              <a:rPr lang="hu-HU" sz="2200" dirty="0" smtClean="0">
                 <a:latin typeface="Bahnschrift Light Condensed" panose="020B0502040204020203" pitchFamily="34" charset="0"/>
               </a:rPr>
               <a:t>Több tisztítást igényel</a:t>
@@ -4836,6 +5072,9 @@
   <p:clrMapOvr>
     <a:masterClrMapping/>
   </p:clrMapOvr>
+  <p:transition spd="med">
+    <p:push dir="u"/>
+  </p:transition>
   <p:timing>
     <p:tnLst>
       <p:par>
@@ -4873,7 +5112,12 @@
             <p:ph type="title"/>
           </p:nvPr>
         </p:nvSpPr>
-        <p:spPr/>
+        <p:spPr>
+          <a:xfrm>
+            <a:off x="871587" y="198495"/>
+            <a:ext cx="9692640" cy="1325562"/>
+          </a:xfrm>
+        </p:spPr>
         <p:txBody>
           <a:bodyPr/>
           <a:lstStyle/>
@@ -4900,13 +5144,20 @@
             <p:ph idx="1"/>
           </p:nvPr>
         </p:nvSpPr>
-        <p:spPr/>
-        <p:txBody>
-          <a:bodyPr/>
-          <a:lstStyle/>
-          <a:p>
-            <a:r>
-              <a:rPr lang="hu-HU" dirty="0" smtClean="0">
+        <p:spPr>
+          <a:xfrm>
+            <a:off x="860433" y="1572324"/>
+            <a:ext cx="8595360" cy="4351337"/>
+          </a:xfrm>
+        </p:spPr>
+        <p:txBody>
+          <a:bodyPr>
+            <a:normAutofit fontScale="92500" lnSpcReduction="10000"/>
+          </a:bodyPr>
+          <a:lstStyle/>
+          <a:p>
+            <a:r>
+              <a:rPr lang="hu-HU" sz="2400" dirty="0" smtClean="0">
                 <a:latin typeface="Bahnschrift Light Condensed" panose="020B0502040204020203" pitchFamily="34" charset="0"/>
               </a:rPr>
               <a:t>A CPU automatikusan csökkenti a teljesítményét, ha egy beállított hőfokon túlmegy.</a:t>
@@ -4914,30 +5165,29 @@
           </a:p>
           <a:p>
             <a:r>
-              <a:rPr lang="hu-HU" dirty="0" smtClean="0">
-                <a:latin typeface="Bahnschrift Light Condensed" panose="020B0502040204020203" pitchFamily="34" charset="0"/>
-              </a:rPr>
-              <a:t>Ez hosszabbítja </a:t>
-            </a:r>
-            <a:r>
-              <a:rPr lang="hu-HU" dirty="0" smtClean="0">
-                <a:latin typeface="Bahnschrift Light Condensed" panose="020B0502040204020203" pitchFamily="34" charset="0"/>
-              </a:rPr>
-              <a:t>a CPU élettartamát</a:t>
-            </a:r>
-            <a:r>
-              <a:rPr lang="hu-HU" dirty="0" smtClean="0">
-                <a:latin typeface="Bahnschrift Light Condensed" panose="020B0502040204020203" pitchFamily="34" charset="0"/>
-              </a:rPr>
-              <a:t>, és kevesebb áramot fogyaszt.</a:t>
-            </a:r>
-          </a:p>
-          <a:p>
-            <a:r>
-              <a:rPr lang="hu-HU" dirty="0" smtClean="0">
-                <a:latin typeface="Bahnschrift Light Condensed" panose="020B0502040204020203" pitchFamily="34" charset="0"/>
-              </a:rPr>
-              <a:t>AMD technológiái:</a:t>
+              <a:rPr lang="hu-HU" sz="2400" dirty="0" smtClean="0">
+                <a:latin typeface="Bahnschrift Light Condensed" panose="020B0502040204020203" pitchFamily="34" charset="0"/>
+              </a:rPr>
+              <a:t>Ez hosszabbítja a CPU élettartamát, és kevesebb áramot fogyaszt.</a:t>
+            </a:r>
+          </a:p>
+          <a:p>
+            <a:endParaRPr lang="hu-HU" sz="2400" dirty="0" smtClean="0">
+              <a:latin typeface="Bahnschrift Light Condensed" panose="020B0502040204020203" pitchFamily="34" charset="0"/>
+            </a:endParaRPr>
+          </a:p>
+          <a:p>
+            <a:r>
+              <a:rPr lang="hu-HU" sz="2400" dirty="0" smtClean="0">
+                <a:latin typeface="Bahnschrift Light Condensed" panose="020B0502040204020203" pitchFamily="34" charset="0"/>
+              </a:rPr>
+              <a:t>AMD </a:t>
+            </a:r>
+            <a:r>
+              <a:rPr lang="hu-HU" sz="2400" dirty="0" smtClean="0">
+                <a:latin typeface="Bahnschrift Light Condensed" panose="020B0502040204020203" pitchFamily="34" charset="0"/>
+              </a:rPr>
+              <a:t>technológiái:</a:t>
             </a:r>
           </a:p>
           <a:p>
@@ -4946,12 +5196,12 @@
               <a:buChar char="-"/>
             </a:pPr>
             <a:r>
-              <a:rPr lang="hu-HU" dirty="0" err="1" smtClean="0">
+              <a:rPr lang="hu-HU" sz="2400" dirty="0" err="1" smtClean="0">
                 <a:latin typeface="Bahnschrift Light Condensed" panose="020B0502040204020203" pitchFamily="34" charset="0"/>
               </a:rPr>
               <a:t>Cool’n’Quiet</a:t>
             </a:r>
-            <a:endParaRPr lang="hu-HU" dirty="0" smtClean="0">
+            <a:endParaRPr lang="hu-HU" sz="2400" dirty="0" smtClean="0">
               <a:latin typeface="Bahnschrift Light Condensed" panose="020B0502040204020203" pitchFamily="34" charset="0"/>
             </a:endParaRPr>
           </a:p>
@@ -4961,24 +5211,35 @@
               <a:buChar char="-"/>
             </a:pPr>
             <a:r>
-              <a:rPr lang="hu-HU" dirty="0" err="1" smtClean="0">
+              <a:rPr lang="hu-HU" sz="2400" dirty="0" err="1" smtClean="0">
                 <a:latin typeface="Bahnschrift Light Condensed" panose="020B0502040204020203" pitchFamily="34" charset="0"/>
               </a:rPr>
               <a:t>PowerNow</a:t>
             </a:r>
             <a:r>
-              <a:rPr lang="hu-HU" dirty="0" smtClean="0">
+              <a:rPr lang="hu-HU" sz="2400" dirty="0" smtClean="0">
                 <a:latin typeface="Bahnschrift Light Condensed" panose="020B0502040204020203" pitchFamily="34" charset="0"/>
               </a:rPr>
               <a:t>!</a:t>
             </a:r>
           </a:p>
           <a:p>
-            <a:r>
-              <a:rPr lang="hu-HU" dirty="0" smtClean="0">
-                <a:latin typeface="Bahnschrift Light Condensed" panose="020B0502040204020203" pitchFamily="34" charset="0"/>
-              </a:rPr>
-              <a:t>Intel technológiája:</a:t>
+            <a:endParaRPr lang="hu-HU" sz="2400" dirty="0" smtClean="0">
+              <a:latin typeface="Bahnschrift Light Condensed" panose="020B0502040204020203" pitchFamily="34" charset="0"/>
+            </a:endParaRPr>
+          </a:p>
+          <a:p>
+            <a:r>
+              <a:rPr lang="hu-HU" sz="2400" dirty="0" smtClean="0">
+                <a:latin typeface="Bahnschrift Light Condensed" panose="020B0502040204020203" pitchFamily="34" charset="0"/>
+              </a:rPr>
+              <a:t>Intel </a:t>
+            </a:r>
+            <a:r>
+              <a:rPr lang="hu-HU" sz="2400" dirty="0" smtClean="0">
+                <a:latin typeface="Bahnschrift Light Condensed" panose="020B0502040204020203" pitchFamily="34" charset="0"/>
+              </a:rPr>
+              <a:t>technológiája:</a:t>
             </a:r>
           </a:p>
           <a:p>
@@ -4987,12 +5248,12 @@
               <a:buChar char="-"/>
             </a:pPr>
             <a:r>
-              <a:rPr lang="hu-HU" dirty="0" err="1" smtClean="0">
+              <a:rPr lang="hu-HU" sz="2400" dirty="0" err="1" smtClean="0">
                 <a:latin typeface="Bahnschrift Light Condensed" panose="020B0502040204020203" pitchFamily="34" charset="0"/>
               </a:rPr>
               <a:t>SpeedStep</a:t>
             </a:r>
-            <a:endParaRPr lang="hu-HU" dirty="0" smtClean="0">
+            <a:endParaRPr lang="hu-HU" sz="2400" dirty="0" smtClean="0">
               <a:latin typeface="Bahnschrift Light Condensed" panose="020B0502040204020203" pitchFamily="34" charset="0"/>
             </a:endParaRPr>
           </a:p>
@@ -5001,7 +5262,7 @@
               <a:buFontTx/>
               <a:buChar char="-"/>
             </a:pPr>
-            <a:endParaRPr lang="hu-HU" dirty="0">
+            <a:endParaRPr lang="hu-HU" sz="2400" dirty="0">
               <a:latin typeface="Bahnschrift Light Condensed" panose="020B0502040204020203" pitchFamily="34" charset="0"/>
             </a:endParaRPr>
           </a:p>
@@ -5017,6 +5278,9 @@
   <p:clrMapOvr>
     <a:masterClrMapping/>
   </p:clrMapOvr>
+  <p:transition spd="med">
+    <p:push dir="u"/>
+  </p:transition>
   <p:timing>
     <p:tnLst>
       <p:par>
@@ -5054,7 +5318,12 @@
             <p:ph type="title"/>
           </p:nvPr>
         </p:nvSpPr>
-        <p:spPr/>
+        <p:spPr>
+          <a:xfrm>
+            <a:off x="882735" y="209645"/>
+            <a:ext cx="9692640" cy="1325562"/>
+          </a:xfrm>
+        </p:spPr>
         <p:txBody>
           <a:bodyPr/>
           <a:lstStyle/>
@@ -5081,19 +5350,26 @@
             <p:ph idx="1"/>
           </p:nvPr>
         </p:nvSpPr>
-        <p:spPr/>
-        <p:txBody>
-          <a:bodyPr/>
-          <a:lstStyle/>
-          <a:p>
-            <a:r>
-              <a:rPr lang="hu-HU" dirty="0" err="1" smtClean="0">
+        <p:spPr>
+          <a:xfrm>
+            <a:off x="882735" y="1535207"/>
+            <a:ext cx="8595360" cy="4351337"/>
+          </a:xfrm>
+        </p:spPr>
+        <p:txBody>
+          <a:bodyPr>
+            <a:normAutofit/>
+          </a:bodyPr>
+          <a:lstStyle/>
+          <a:p>
+            <a:r>
+              <a:rPr lang="hu-HU" sz="2200" dirty="0" err="1" smtClean="0">
                 <a:latin typeface="Bahnschrift Light Condensed" panose="020B0502040204020203" pitchFamily="34" charset="0"/>
               </a:rPr>
               <a:t>Cool’n’Quiet</a:t>
             </a:r>
             <a:r>
-              <a:rPr lang="hu-HU" dirty="0" smtClean="0">
+              <a:rPr lang="hu-HU" sz="2200" dirty="0" smtClean="0">
                 <a:latin typeface="Bahnschrift Light Condensed" panose="020B0502040204020203" pitchFamily="34" charset="0"/>
               </a:rPr>
               <a:t>-et asztali és szerver számítógépekben használják.</a:t>
@@ -5101,43 +5377,43 @@
           </a:p>
           <a:p>
             <a:r>
-              <a:rPr lang="hu-HU" dirty="0" smtClean="0">
+              <a:rPr lang="hu-HU" sz="2200" dirty="0" smtClean="0">
                 <a:latin typeface="Bahnschrift Light Condensed" panose="020B0502040204020203" pitchFamily="34" charset="0"/>
               </a:rPr>
               <a:t>A </a:t>
             </a:r>
             <a:r>
-              <a:rPr lang="hu-HU" dirty="0" err="1" smtClean="0">
+              <a:rPr lang="hu-HU" sz="2200" dirty="0" err="1" smtClean="0">
                 <a:latin typeface="Bahnschrift Light Condensed" panose="020B0502040204020203" pitchFamily="34" charset="0"/>
               </a:rPr>
               <a:t>PowerNow</a:t>
             </a:r>
             <a:r>
-              <a:rPr lang="hu-HU" dirty="0" smtClean="0">
+              <a:rPr lang="hu-HU" sz="2200" dirty="0" smtClean="0">
                 <a:latin typeface="Bahnschrift Light Condensed" panose="020B0502040204020203" pitchFamily="34" charset="0"/>
               </a:rPr>
               <a:t>!-</a:t>
             </a:r>
             <a:r>
-              <a:rPr lang="hu-HU" dirty="0" err="1" smtClean="0">
+              <a:rPr lang="hu-HU" sz="2200" dirty="0" err="1" smtClean="0">
                 <a:latin typeface="Bahnschrift Light Condensed" panose="020B0502040204020203" pitchFamily="34" charset="0"/>
               </a:rPr>
               <a:t>ot</a:t>
             </a:r>
             <a:r>
-              <a:rPr lang="hu-HU" dirty="0" smtClean="0">
+              <a:rPr lang="hu-HU" sz="2200" dirty="0" smtClean="0">
                 <a:latin typeface="Bahnschrift Light Condensed" panose="020B0502040204020203" pitchFamily="34" charset="0"/>
               </a:rPr>
               <a:t> laptopokban használták.</a:t>
             </a:r>
           </a:p>
           <a:p>
-            <a:endParaRPr lang="hu-HU" dirty="0">
+            <a:endParaRPr lang="hu-HU" sz="2200" dirty="0">
               <a:latin typeface="Bahnschrift Light Condensed" panose="020B0502040204020203" pitchFamily="34" charset="0"/>
             </a:endParaRPr>
           </a:p>
           <a:p>
-            <a:endParaRPr lang="hu-HU" dirty="0">
+            <a:endParaRPr lang="hu-HU" sz="2200" dirty="0">
               <a:latin typeface="Bahnschrift Light Condensed" panose="020B0502040204020203" pitchFamily="34" charset="0"/>
             </a:endParaRPr>
           </a:p>
@@ -5153,6 +5429,9 @@
   <p:clrMapOvr>
     <a:masterClrMapping/>
   </p:clrMapOvr>
+  <p:transition spd="med">
+    <p:push dir="u"/>
+  </p:transition>
   <p:timing>
     <p:tnLst>
       <p:par>
@@ -5190,7 +5469,12 @@
             <p:ph type="title"/>
           </p:nvPr>
         </p:nvSpPr>
-        <p:spPr/>
+        <p:spPr>
+          <a:xfrm>
+            <a:off x="882738" y="220797"/>
+            <a:ext cx="9692640" cy="1325562"/>
+          </a:xfrm>
+        </p:spPr>
         <p:txBody>
           <a:bodyPr/>
           <a:lstStyle/>
@@ -5223,13 +5507,20 @@
             <p:ph idx="1"/>
           </p:nvPr>
         </p:nvSpPr>
-        <p:spPr/>
-        <p:txBody>
-          <a:bodyPr/>
-          <a:lstStyle/>
-          <a:p>
-            <a:r>
-              <a:rPr lang="hu-HU" dirty="0" smtClean="0">
+        <p:spPr>
+          <a:xfrm>
+            <a:off x="882738" y="1546359"/>
+            <a:ext cx="8595360" cy="4351337"/>
+          </a:xfrm>
+        </p:spPr>
+        <p:txBody>
+          <a:bodyPr>
+            <a:normAutofit/>
+          </a:bodyPr>
+          <a:lstStyle/>
+          <a:p>
+            <a:r>
+              <a:rPr lang="hu-HU" sz="2200" dirty="0" smtClean="0">
                 <a:latin typeface="Bahnschrift Light Condensed" panose="020B0502040204020203" pitchFamily="34" charset="0"/>
               </a:rPr>
               <a:t>2002-ben jelent meg.</a:t>
@@ -5237,32 +5528,44 @@
           </a:p>
           <a:p>
             <a:r>
-              <a:rPr lang="hu-HU" dirty="0" smtClean="0">
-                <a:latin typeface="Bahnschrift Light Condensed" panose="020B0502040204020203" pitchFamily="34" charset="0"/>
-              </a:rPr>
-              <a:t>Érzékeli, amikor a processzor semmi munkát végez, és csökkenti az órajelét.</a:t>
-            </a:r>
-          </a:p>
-          <a:p>
-            <a:r>
-              <a:rPr lang="hu-HU" dirty="0" smtClean="0">
+              <a:rPr lang="hu-HU" sz="2200" dirty="0" smtClean="0">
+                <a:latin typeface="Bahnschrift Light Condensed" panose="020B0502040204020203" pitchFamily="34" charset="0"/>
+              </a:rPr>
+              <a:t>Érzékeli, amikor a processzor </a:t>
+            </a:r>
+            <a:r>
+              <a:rPr lang="hu-HU" sz="2200" dirty="0" smtClean="0">
+                <a:latin typeface="Bahnschrift Light Condensed" panose="020B0502040204020203" pitchFamily="34" charset="0"/>
+              </a:rPr>
+              <a:t>nem végez munkát, </a:t>
+            </a:r>
+            <a:r>
+              <a:rPr lang="hu-HU" sz="2200" dirty="0" smtClean="0">
+                <a:latin typeface="Bahnschrift Light Condensed" panose="020B0502040204020203" pitchFamily="34" charset="0"/>
+              </a:rPr>
+              <a:t>és csökkenti az órajelét.</a:t>
+            </a:r>
+          </a:p>
+          <a:p>
+            <a:r>
+              <a:rPr lang="hu-HU" sz="2200" dirty="0" smtClean="0">
                 <a:latin typeface="Bahnschrift Light Condensed" panose="020B0502040204020203" pitchFamily="34" charset="0"/>
               </a:rPr>
               <a:t>Mai </a:t>
             </a:r>
             <a:r>
-              <a:rPr lang="hu-HU" dirty="0" err="1" smtClean="0">
+              <a:rPr lang="hu-HU" sz="2200" dirty="0" err="1" smtClean="0">
                 <a:latin typeface="Bahnschrift Light Condensed" panose="020B0502040204020203" pitchFamily="34" charset="0"/>
               </a:rPr>
               <a:t>Ryzen</a:t>
             </a:r>
             <a:r>
-              <a:rPr lang="hu-HU" dirty="0" smtClean="0">
+              <a:rPr lang="hu-HU" sz="2200" dirty="0" smtClean="0">
                 <a:latin typeface="Bahnschrift Light Condensed" panose="020B0502040204020203" pitchFamily="34" charset="0"/>
               </a:rPr>
               <a:t> processzorokban is használják.</a:t>
             </a:r>
-            <a:endParaRPr lang="hu-HU" dirty="0">
+            <a:endParaRPr lang="hu-HU" sz="2200" dirty="0">
               <a:latin typeface="Bahnschrift Light Condensed" panose="020B0502040204020203" pitchFamily="34" charset="0"/>
             </a:endParaRPr>
           </a:p>
@@ -5278,6 +5581,9 @@
   <p:clrMapOvr>
     <a:masterClrMapping/>
   </p:clrMapOvr>
+  <p:transition spd="med">
+    <p:push dir="u"/>
+  </p:transition>
   <p:timing>
     <p:tnLst>
       <p:par>
@@ -5289,110 +5595,58 @@
 </file>
 
 <file path=ppt/theme/theme1.xml><?xml version="1.0" encoding="utf-8"?>
-<a:theme xmlns:a="http://schemas.openxmlformats.org/drawingml/2006/main" name="Office Theme">
+<a:theme xmlns:a="http://schemas.openxmlformats.org/drawingml/2006/main" name="View">
   <a:themeElements>
-    <a:clrScheme name="Office">
+    <a:clrScheme name="View">
       <a:dk1>
-        <a:sysClr val="windowText" lastClr="000000"/>
+        <a:srgbClr val="000000"/>
       </a:dk1>
       <a:lt1>
-        <a:sysClr val="window" lastClr="FFFFFF"/>
+        <a:srgbClr val="FFFFFF"/>
       </a:lt1>
       <a:dk2>
-        <a:srgbClr val="44546A"/>
+        <a:srgbClr val="46464A"/>
       </a:dk2>
       <a:lt2>
-        <a:srgbClr val="E7E6E6"/>
+        <a:srgbClr val="D6D3CC"/>
       </a:lt2>
       <a:accent1>
-        <a:srgbClr val="4472C4"/>
+        <a:srgbClr val="6F6F74"/>
       </a:accent1>
       <a:accent2>
-        <a:srgbClr val="ED7D31"/>
+        <a:srgbClr val="92A9B9"/>
       </a:accent2>
       <a:accent3>
-        <a:srgbClr val="A5A5A5"/>
+        <a:srgbClr val="A7B789"/>
       </a:accent3>
       <a:accent4>
-        <a:srgbClr val="FFC000"/>
+        <a:srgbClr val="B9A489"/>
       </a:accent4>
       <a:accent5>
-        <a:srgbClr val="5B9BD5"/>
+        <a:srgbClr val="8D6374"/>
       </a:accent5>
       <a:accent6>
-        <a:srgbClr val="70AD47"/>
+        <a:srgbClr val="9B7362"/>
       </a:accent6>
       <a:hlink>
-        <a:srgbClr val="0563C1"/>
+        <a:srgbClr val="67AABF"/>
       </a:hlink>
       <a:folHlink>
-        <a:srgbClr val="954F72"/>
+        <a:srgbClr val="ABAFA5"/>
       </a:folHlink>
     </a:clrScheme>
-    <a:fontScheme name="Office">
+    <a:fontScheme name="View">
       <a:majorFont>
-        <a:latin typeface="Calibri Light" panose="020F0302020204030204"/>
+        <a:latin typeface="Century Schoolbook" panose="02040604050505020304"/>
         <a:ea typeface=""/>
         <a:cs typeface=""/>
-        <a:font script="Jpan" typeface="游ゴシック Light"/>
+        <a:font script="Jpan" typeface="ＭＳ ゴシック"/>
         <a:font script="Hang" typeface="맑은 고딕"/>
-        <a:font script="Hans" typeface="等线 Light"/>
+        <a:font script="Hans" typeface="宋体"/>
         <a:font script="Hant" typeface="新細明體"/>
-        <a:font script="Arab" typeface="Times New Roman"/>
-        <a:font script="Hebr" typeface="Times New Roman"/>
-        <a:font script="Thai" typeface="Angsana New"/>
-        <a:font script="Ethi" typeface="Nyala"/>
-        <a:font script="Beng" typeface="Vrinda"/>
-        <a:font script="Gujr" typeface="Shruti"/>
-        <a:font script="Khmr" typeface="MoolBoran"/>
-        <a:font script="Knda" typeface="Tunga"/>
-        <a:font script="Guru" typeface="Raavi"/>
-        <a:font script="Cans" typeface="Euphemia"/>
-        <a:font script="Cher" typeface="Plantagenet Cherokee"/>
-        <a:font script="Yiii" typeface="Microsoft Yi Baiti"/>
-        <a:font script="Tibt" typeface="Microsoft Himalaya"/>
-        <a:font script="Thaa" typeface="MV Boli"/>
-        <a:font script="Deva" typeface="Mangal"/>
-        <a:font script="Telu" typeface="Gautami"/>
-        <a:font script="Taml" typeface="Latha"/>
-        <a:font script="Syrc" typeface="Estrangelo Edessa"/>
-        <a:font script="Orya" typeface="Kalinga"/>
-        <a:font script="Mlym" typeface="Kartika"/>
-        <a:font script="Laoo" typeface="DokChampa"/>
-        <a:font script="Sinh" typeface="Iskoola Pota"/>
-        <a:font script="Mong" typeface="Mongolian Baiti"/>
-        <a:font script="Viet" typeface="Times New Roman"/>
-        <a:font script="Uigh" typeface="Microsoft Uighur"/>
-        <a:font script="Geor" typeface="Sylfaen"/>
-        <a:font script="Armn" typeface="Arial"/>
-        <a:font script="Bugi" typeface="Leelawadee UI"/>
-        <a:font script="Bopo" typeface="Microsoft JhengHei"/>
-        <a:font script="Java" typeface="Javanese Text"/>
-        <a:font script="Lisu" typeface="Segoe UI"/>
-        <a:font script="Mymr" typeface="Myanmar Text"/>
-        <a:font script="Nkoo" typeface="Ebrima"/>
-        <a:font script="Olck" typeface="Nirmala UI"/>
-        <a:font script="Osma" typeface="Ebrima"/>
-        <a:font script="Phag" typeface="Phagspa"/>
-        <a:font script="Syrn" typeface="Estrangelo Edessa"/>
-        <a:font script="Syrj" typeface="Estrangelo Edessa"/>
-        <a:font script="Syre" typeface="Estrangelo Edessa"/>
-        <a:font script="Sora" typeface="Nirmala UI"/>
-        <a:font script="Tale" typeface="Microsoft Tai Le"/>
-        <a:font script="Talu" typeface="Microsoft New Tai Lue"/>
-        <a:font script="Tfng" typeface="Ebrima"/>
-      </a:majorFont>
-      <a:minorFont>
-        <a:latin typeface="Calibri" panose="020F0502020204030204"/>
-        <a:ea typeface=""/>
-        <a:cs typeface=""/>
-        <a:font script="Jpan" typeface="游ゴシック"/>
-        <a:font script="Hang" typeface="맑은 고딕"/>
-        <a:font script="Hans" typeface="等线"/>
-        <a:font script="Hant" typeface="新細明體"/>
-        <a:font script="Arab" typeface="Arial"/>
-        <a:font script="Hebr" typeface="Arial"/>
-        <a:font script="Thai" typeface="Cordia New"/>
+        <a:font script="Arab" typeface="Tahoma"/>
+        <a:font script="Hebr" typeface="Gisha"/>
+        <a:font script="Thai" typeface="DilleniaUPC"/>
         <a:font script="Ethi" typeface="Nyala"/>
         <a:font script="Beng" typeface="Vrinda"/>
         <a:font script="Gujr" typeface="Shruti"/>
@@ -5413,107 +5667,86 @@
         <a:font script="Laoo" typeface="DokChampa"/>
         <a:font script="Sinh" typeface="Iskoola Pota"/>
         <a:font script="Mong" typeface="Mongolian Baiti"/>
-        <a:font script="Viet" typeface="Arial"/>
+        <a:font script="Viet" typeface="Tahoma"/>
         <a:font script="Uigh" typeface="Microsoft Uighur"/>
         <a:font script="Geor" typeface="Sylfaen"/>
-        <a:font script="Armn" typeface="Arial"/>
-        <a:font script="Bugi" typeface="Leelawadee UI"/>
-        <a:font script="Bopo" typeface="Microsoft JhengHei"/>
-        <a:font script="Java" typeface="Javanese Text"/>
-        <a:font script="Lisu" typeface="Segoe UI"/>
-        <a:font script="Mymr" typeface="Myanmar Text"/>
-        <a:font script="Nkoo" typeface="Ebrima"/>
-        <a:font script="Olck" typeface="Nirmala UI"/>
-        <a:font script="Osma" typeface="Ebrima"/>
-        <a:font script="Phag" typeface="Phagspa"/>
-        <a:font script="Syrn" typeface="Estrangelo Edessa"/>
-        <a:font script="Syrj" typeface="Estrangelo Edessa"/>
-        <a:font script="Syre" typeface="Estrangelo Edessa"/>
-        <a:font script="Sora" typeface="Nirmala UI"/>
-        <a:font script="Tale" typeface="Microsoft Tai Le"/>
-        <a:font script="Talu" typeface="Microsoft New Tai Lue"/>
-        <a:font script="Tfng" typeface="Ebrima"/>
+      </a:majorFont>
+      <a:minorFont>
+        <a:latin typeface="Century Schoolbook" panose="02040604050505020304"/>
+        <a:ea typeface=""/>
+        <a:cs typeface=""/>
+        <a:font script="Jpan" typeface="ＭＳ ゴシック"/>
+        <a:font script="Hang" typeface="맑은 고딕"/>
+        <a:font script="Hans" typeface="宋体"/>
+        <a:font script="Hant" typeface="新細明體"/>
+        <a:font script="Arab" typeface="Tahoma"/>
+        <a:font script="Hebr" typeface="Gisha"/>
+        <a:font script="Thai" typeface="DilleniaUPC"/>
+        <a:font script="Ethi" typeface="Nyala"/>
+        <a:font script="Beng" typeface="Vrinda"/>
+        <a:font script="Gujr" typeface="Shruti"/>
+        <a:font script="Khmr" typeface="DaunPenh"/>
+        <a:font script="Knda" typeface="Tunga"/>
+        <a:font script="Guru" typeface="Raavi"/>
+        <a:font script="Cans" typeface="Euphemia"/>
+        <a:font script="Cher" typeface="Plantagenet Cherokee"/>
+        <a:font script="Yiii" typeface="Microsoft Yi Baiti"/>
+        <a:font script="Tibt" typeface="Microsoft Himalaya"/>
+        <a:font script="Thaa" typeface="MV Boli"/>
+        <a:font script="Deva" typeface="Mangal"/>
+        <a:font script="Telu" typeface="Gautami"/>
+        <a:font script="Taml" typeface="Latha"/>
+        <a:font script="Syrc" typeface="Estrangelo Edessa"/>
+        <a:font script="Orya" typeface="Kalinga"/>
+        <a:font script="Mlym" typeface="Kartika"/>
+        <a:font script="Laoo" typeface="DokChampa"/>
+        <a:font script="Sinh" typeface="Iskoola Pota"/>
+        <a:font script="Mong" typeface="Mongolian Baiti"/>
+        <a:font script="Viet" typeface="Verdana"/>
+        <a:font script="Uigh" typeface="Microsoft Uighur"/>
+        <a:font script="Geor" typeface="Sylfaen"/>
       </a:minorFont>
     </a:fontScheme>
-    <a:fmtScheme name="Office">
+    <a:fmtScheme name="View">
       <a:fillStyleLst>
         <a:solidFill>
           <a:schemeClr val="phClr"/>
         </a:solidFill>
-        <a:gradFill rotWithShape="1">
-          <a:gsLst>
-            <a:gs pos="0">
-              <a:schemeClr val="phClr">
-                <a:lumMod val="110000"/>
-                <a:satMod val="105000"/>
-                <a:tint val="67000"/>
-              </a:schemeClr>
-            </a:gs>
-            <a:gs pos="50000">
-              <a:schemeClr val="phClr">
-                <a:lumMod val="105000"/>
-                <a:satMod val="103000"/>
-                <a:tint val="73000"/>
-              </a:schemeClr>
-            </a:gs>
-            <a:gs pos="100000">
-              <a:schemeClr val="phClr">
-                <a:lumMod val="105000"/>
-                <a:satMod val="109000"/>
-                <a:tint val="81000"/>
-              </a:schemeClr>
-            </a:gs>
-          </a:gsLst>
-          <a:lin ang="5400000" scaled="0"/>
-        </a:gradFill>
-        <a:gradFill rotWithShape="1">
-          <a:gsLst>
-            <a:gs pos="0">
-              <a:schemeClr val="phClr">
-                <a:satMod val="103000"/>
-                <a:lumMod val="102000"/>
-                <a:tint val="94000"/>
-              </a:schemeClr>
-            </a:gs>
-            <a:gs pos="50000">
-              <a:schemeClr val="phClr">
-                <a:satMod val="110000"/>
-                <a:lumMod val="100000"/>
-                <a:shade val="100000"/>
-              </a:schemeClr>
-            </a:gs>
-            <a:gs pos="100000">
-              <a:schemeClr val="phClr">
-                <a:lumMod val="99000"/>
-                <a:satMod val="120000"/>
-                <a:shade val="78000"/>
-              </a:schemeClr>
-            </a:gs>
-          </a:gsLst>
-          <a:lin ang="5400000" scaled="0"/>
-        </a:gradFill>
+        <a:solidFill>
+          <a:schemeClr val="phClr">
+            <a:tint val="60000"/>
+            <a:satMod val="120000"/>
+          </a:schemeClr>
+        </a:solidFill>
+        <a:solidFill>
+          <a:schemeClr val="phClr">
+            <a:shade val="75000"/>
+            <a:satMod val="160000"/>
+          </a:schemeClr>
+        </a:solidFill>
       </a:fillStyleLst>
       <a:lnStyleLst>
-        <a:ln w="6350" cap="flat" cmpd="sng" algn="ctr">
+        <a:ln w="9525" cap="flat" cmpd="sng" algn="ctr">
           <a:solidFill>
             <a:schemeClr val="phClr"/>
           </a:solidFill>
           <a:prstDash val="solid"/>
-          <a:miter lim="800000"/>
         </a:ln>
-        <a:ln w="12700" cap="flat" cmpd="sng" algn="ctr">
+        <a:ln w="13970" cap="flat" cmpd="sng" algn="ctr">
           <a:solidFill>
             <a:schemeClr val="phClr"/>
           </a:solidFill>
           <a:prstDash val="solid"/>
-          <a:miter lim="800000"/>
         </a:ln>
-        <a:ln w="19050" cap="flat" cmpd="sng" algn="ctr">
+        <a:ln w="17145" cap="flat" cmpd="sng" algn="ctr">
           <a:solidFill>
-            <a:schemeClr val="phClr"/>
+            <a:schemeClr val="phClr">
+              <a:shade val="95000"/>
+              <a:alpha val="95000"/>
+              <a:satMod val="150000"/>
+            </a:schemeClr>
           </a:solidFill>
           <a:prstDash val="solid"/>
-          <a:miter lim="800000"/>
         </a:ln>
       </a:lnStyleLst>
       <a:effectStyleLst>
@@ -5521,16 +5754,52 @@
           <a:effectLst/>
         </a:effectStyle>
         <a:effectStyle>
-          <a:effectLst/>
+          <a:effectLst>
+            <a:outerShdw blurRad="50800" dist="15240" dir="5400000" algn="tl" rotWithShape="0">
+              <a:srgbClr val="000000">
+                <a:alpha val="75000"/>
+              </a:srgbClr>
+            </a:outerShdw>
+          </a:effectLst>
+          <a:scene3d>
+            <a:camera prst="orthographicFront">
+              <a:rot lat="0" lon="0" rev="0"/>
+            </a:camera>
+            <a:lightRig rig="brightRoom" dir="tl"/>
+          </a:scene3d>
+          <a:sp3d contourW="9525" prstMaterial="flat">
+            <a:bevelT w="0" h="0" prst="coolSlant"/>
+            <a:contourClr>
+              <a:schemeClr val="phClr">
+                <a:shade val="35000"/>
+                <a:satMod val="130000"/>
+              </a:schemeClr>
+            </a:contourClr>
+          </a:sp3d>
         </a:effectStyle>
         <a:effectStyle>
           <a:effectLst>
-            <a:outerShdw blurRad="57150" dist="19050" dir="5400000" algn="ctr" rotWithShape="0">
+            <a:outerShdw blurRad="76200" dist="25400" dir="5400000" algn="tl" rotWithShape="0">
               <a:srgbClr val="000000">
-                <a:alpha val="63000"/>
+                <a:alpha val="55000"/>
               </a:srgbClr>
             </a:outerShdw>
           </a:effectLst>
+          <a:scene3d>
+            <a:camera prst="orthographicFront">
+              <a:rot lat="0" lon="0" rev="0"/>
+            </a:camera>
+            <a:lightRig rig="brightRoom" dir="tl"/>
+          </a:scene3d>
+          <a:sp3d contourW="19050" prstMaterial="flat">
+            <a:bevelT w="0" h="0" prst="coolSlant"/>
+            <a:contourClr>
+              <a:schemeClr val="phClr">
+                <a:shade val="25000"/>
+                <a:satMod val="140000"/>
+              </a:schemeClr>
+            </a:contourClr>
+          </a:sp3d>
         </a:effectStyle>
       </a:effectStyleLst>
       <a:bgFillStyleLst>
@@ -5547,28 +5816,23 @@
           <a:gsLst>
             <a:gs pos="0">
               <a:schemeClr val="phClr">
-                <a:tint val="93000"/>
-                <a:satMod val="150000"/>
+                <a:tint val="94000"/>
                 <a:shade val="98000"/>
+                <a:satMod val="130000"/>
                 <a:lumMod val="102000"/>
-              </a:schemeClr>
-            </a:gs>
-            <a:gs pos="50000">
-              <a:schemeClr val="phClr">
-                <a:tint val="98000"/>
-                <a:satMod val="130000"/>
-                <a:shade val="90000"/>
-                <a:lumMod val="103000"/>
               </a:schemeClr>
             </a:gs>
             <a:gs pos="100000">
               <a:schemeClr val="phClr">
-                <a:shade val="63000"/>
-                <a:satMod val="120000"/>
+                <a:tint val="98000"/>
+                <a:shade val="78000"/>
+                <a:satMod val="140000"/>
               </a:schemeClr>
             </a:gs>
           </a:gsLst>
-          <a:lin ang="5400000" scaled="0"/>
+          <a:path path="circle">
+            <a:fillToRect l="100000" t="100000" r="100000" b="100000"/>
+          </a:path>
         </a:gradFill>
       </a:bgFillStyleLst>
     </a:fmtScheme>
@@ -5577,7 +5841,7 @@
   <a:extraClrSchemeLst/>
   <a:extLst>
     <a:ext uri="{05A4C25C-085E-4340-85A3-A5531E510DB2}">
-      <thm15:themeFamily xmlns:thm15="http://schemas.microsoft.com/office/thememl/2012/main" name="Office Theme" id="{62F939B6-93AF-4DB8-9C6B-D6C7DFDC589F}" vid="{4A3C46E8-61CC-4603-A589-7422A47A8E4A}"/>
+      <thm15:themeFamily xmlns:thm15="http://schemas.microsoft.com/office/thememl/2012/main" name="View" id="{BA0EB5A6-F2D4-4F82-977B-64ADEE4A2A69}" vid="{3969A8A2-35DB-4E3B-8885-16FD20568674}"/>
     </a:ext>
   </a:extLst>
 </a:theme>

--- a/cpuhutes.pptx
+++ b/cpuhutes.pptx
@@ -6,17 +6,19 @@
   </p:sldMasterIdLst>
   <p:sldIdLst>
     <p:sldId id="256" r:id="rId2"/>
-    <p:sldId id="257" r:id="rId3"/>
-    <p:sldId id="258" r:id="rId4"/>
-    <p:sldId id="259" r:id="rId5"/>
-    <p:sldId id="260" r:id="rId6"/>
-    <p:sldId id="261" r:id="rId7"/>
-    <p:sldId id="262" r:id="rId8"/>
-    <p:sldId id="263" r:id="rId9"/>
-    <p:sldId id="265" r:id="rId10"/>
-    <p:sldId id="264" r:id="rId11"/>
-    <p:sldId id="268" r:id="rId12"/>
-    <p:sldId id="266" r:id="rId13"/>
+    <p:sldId id="270" r:id="rId3"/>
+    <p:sldId id="257" r:id="rId4"/>
+    <p:sldId id="258" r:id="rId5"/>
+    <p:sldId id="259" r:id="rId6"/>
+    <p:sldId id="260" r:id="rId7"/>
+    <p:sldId id="261" r:id="rId8"/>
+    <p:sldId id="269" r:id="rId9"/>
+    <p:sldId id="262" r:id="rId10"/>
+    <p:sldId id="263" r:id="rId11"/>
+    <p:sldId id="265" r:id="rId12"/>
+    <p:sldId id="264" r:id="rId13"/>
+    <p:sldId id="268" r:id="rId14"/>
+    <p:sldId id="266" r:id="rId15"/>
   </p:sldIdLst>
   <p:sldSz cx="12192000" cy="6858000"/>
   <p:notesSz cx="6858000" cy="9144000"/>
@@ -184,7 +186,7 @@
           </a:lstStyle>
           <a:p>
             <a:r>
-              <a:rPr lang="hu-HU" smtClean="0"/>
+              <a:rPr lang="hu-HU"/>
               <a:t>Mintacím szerkesztése</a:t>
             </a:r>
             <a:endParaRPr lang="en-US" dirty="0"/>
@@ -257,7 +259,7 @@
           </a:lstStyle>
           <a:p>
             <a:r>
-              <a:rPr lang="hu-HU" smtClean="0"/>
+              <a:rPr lang="hu-HU"/>
               <a:t>Kattintson ide az alcím mintájának szerkesztéséhez</a:t>
             </a:r>
             <a:endParaRPr lang="en-US" dirty="0"/>
@@ -291,7 +293,7 @@
           <a:p>
             <a:fld id="{3DEB2466-714C-403F-984D-B889E18744B3}" type="datetimeFigureOut">
               <a:rPr lang="hu-HU" smtClean="0"/>
-              <a:t>2022.09.21.</a:t>
+              <a:t>2022. 09. 21.</a:t>
             </a:fld>
             <a:endParaRPr lang="hu-HU"/>
           </a:p>
@@ -443,7 +445,7 @@
           <a:lstStyle/>
           <a:p>
             <a:r>
-              <a:rPr lang="hu-HU" smtClean="0"/>
+              <a:rPr lang="hu-HU"/>
               <a:t>Mintacím szerkesztése</a:t>
             </a:r>
             <a:endParaRPr lang="en-US" dirty="0"/>
@@ -467,35 +469,35 @@
           <a:p>
             <a:pPr lvl="0"/>
             <a:r>
-              <a:rPr lang="hu-HU" smtClean="0"/>
+              <a:rPr lang="hu-HU"/>
               <a:t>Mintaszöveg szerkesztése</a:t>
             </a:r>
           </a:p>
           <a:p>
             <a:pPr lvl="1"/>
             <a:r>
-              <a:rPr lang="hu-HU" smtClean="0"/>
+              <a:rPr lang="hu-HU"/>
               <a:t>Második szint</a:t>
             </a:r>
           </a:p>
           <a:p>
             <a:pPr lvl="2"/>
             <a:r>
-              <a:rPr lang="hu-HU" smtClean="0"/>
+              <a:rPr lang="hu-HU"/>
               <a:t>Harmadik szint</a:t>
             </a:r>
           </a:p>
           <a:p>
             <a:pPr lvl="3"/>
             <a:r>
-              <a:rPr lang="hu-HU" smtClean="0"/>
+              <a:rPr lang="hu-HU"/>
               <a:t>Negyedik szint</a:t>
             </a:r>
           </a:p>
           <a:p>
             <a:pPr lvl="4"/>
             <a:r>
-              <a:rPr lang="hu-HU" smtClean="0"/>
+              <a:rPr lang="hu-HU"/>
               <a:t>Ötödik szint</a:t>
             </a:r>
             <a:endParaRPr lang="en-US" dirty="0"/>
@@ -519,7 +521,7 @@
           <a:p>
             <a:fld id="{3DEB2466-714C-403F-984D-B889E18744B3}" type="datetimeFigureOut">
               <a:rPr lang="hu-HU" smtClean="0"/>
-              <a:t>2022.09.21.</a:t>
+              <a:t>2022. 09. 21.</a:t>
             </a:fld>
             <a:endParaRPr lang="hu-HU"/>
           </a:p>
@@ -618,7 +620,7 @@
           <a:lstStyle/>
           <a:p>
             <a:r>
-              <a:rPr lang="hu-HU" smtClean="0"/>
+              <a:rPr lang="hu-HU"/>
               <a:t>Mintacím szerkesztése</a:t>
             </a:r>
             <a:endParaRPr lang="en-US" dirty="0"/>
@@ -647,35 +649,35 @@
           <a:p>
             <a:pPr lvl="0"/>
             <a:r>
-              <a:rPr lang="hu-HU" smtClean="0"/>
+              <a:rPr lang="hu-HU"/>
               <a:t>Mintaszöveg szerkesztése</a:t>
             </a:r>
           </a:p>
           <a:p>
             <a:pPr lvl="1"/>
             <a:r>
-              <a:rPr lang="hu-HU" smtClean="0"/>
+              <a:rPr lang="hu-HU"/>
               <a:t>Második szint</a:t>
             </a:r>
           </a:p>
           <a:p>
             <a:pPr lvl="2"/>
             <a:r>
-              <a:rPr lang="hu-HU" smtClean="0"/>
+              <a:rPr lang="hu-HU"/>
               <a:t>Harmadik szint</a:t>
             </a:r>
           </a:p>
           <a:p>
             <a:pPr lvl="3"/>
             <a:r>
-              <a:rPr lang="hu-HU" smtClean="0"/>
+              <a:rPr lang="hu-HU"/>
               <a:t>Negyedik szint</a:t>
             </a:r>
           </a:p>
           <a:p>
             <a:pPr lvl="4"/>
             <a:r>
-              <a:rPr lang="hu-HU" smtClean="0"/>
+              <a:rPr lang="hu-HU"/>
               <a:t>Ötödik szint</a:t>
             </a:r>
             <a:endParaRPr lang="en-US" dirty="0"/>
@@ -699,7 +701,7 @@
           <a:p>
             <a:fld id="{3DEB2466-714C-403F-984D-B889E18744B3}" type="datetimeFigureOut">
               <a:rPr lang="hu-HU" smtClean="0"/>
-              <a:t>2022.09.21.</a:t>
+              <a:t>2022. 09. 21.</a:t>
             </a:fld>
             <a:endParaRPr lang="hu-HU"/>
           </a:p>
@@ -793,7 +795,7 @@
           <a:lstStyle/>
           <a:p>
             <a:r>
-              <a:rPr lang="hu-HU" smtClean="0"/>
+              <a:rPr lang="hu-HU"/>
               <a:t>Mintacím szerkesztése</a:t>
             </a:r>
             <a:endParaRPr lang="en-US" dirty="0"/>
@@ -817,35 +819,35 @@
           <a:p>
             <a:pPr lvl="0"/>
             <a:r>
-              <a:rPr lang="hu-HU" smtClean="0"/>
+              <a:rPr lang="hu-HU"/>
               <a:t>Mintaszöveg szerkesztése</a:t>
             </a:r>
           </a:p>
           <a:p>
             <a:pPr lvl="1"/>
             <a:r>
-              <a:rPr lang="hu-HU" smtClean="0"/>
+              <a:rPr lang="hu-HU"/>
               <a:t>Második szint</a:t>
             </a:r>
           </a:p>
           <a:p>
             <a:pPr lvl="2"/>
             <a:r>
-              <a:rPr lang="hu-HU" smtClean="0"/>
+              <a:rPr lang="hu-HU"/>
               <a:t>Harmadik szint</a:t>
             </a:r>
           </a:p>
           <a:p>
             <a:pPr lvl="3"/>
             <a:r>
-              <a:rPr lang="hu-HU" smtClean="0"/>
+              <a:rPr lang="hu-HU"/>
               <a:t>Negyedik szint</a:t>
             </a:r>
           </a:p>
           <a:p>
             <a:pPr lvl="4"/>
             <a:r>
-              <a:rPr lang="hu-HU" smtClean="0"/>
+              <a:rPr lang="hu-HU"/>
               <a:t>Ötödik szint</a:t>
             </a:r>
             <a:endParaRPr lang="en-US" dirty="0"/>
@@ -869,7 +871,7 @@
           <a:p>
             <a:fld id="{3DEB2466-714C-403F-984D-B889E18744B3}" type="datetimeFigureOut">
               <a:rPr lang="hu-HU" smtClean="0"/>
-              <a:t>2022.09.21.</a:t>
+              <a:t>2022. 09. 21.</a:t>
             </a:fld>
             <a:endParaRPr lang="hu-HU"/>
           </a:p>
@@ -977,7 +979,7 @@
           </a:lstStyle>
           <a:p>
             <a:r>
-              <a:rPr lang="hu-HU" smtClean="0"/>
+              <a:rPr lang="hu-HU"/>
               <a:t>Mintacím szerkesztése</a:t>
             </a:r>
             <a:endParaRPr lang="en-US" dirty="0"/>
@@ -1100,7 +1102,7 @@
           <a:p>
             <a:pPr lvl="0"/>
             <a:r>
-              <a:rPr lang="hu-HU" smtClean="0"/>
+              <a:rPr lang="hu-HU"/>
               <a:t>Mintaszöveg szerkesztése</a:t>
             </a:r>
           </a:p>
@@ -1123,7 +1125,7 @@
           <a:p>
             <a:fld id="{3DEB2466-714C-403F-984D-B889E18744B3}" type="datetimeFigureOut">
               <a:rPr lang="hu-HU" smtClean="0"/>
-              <a:t>2022.09.21.</a:t>
+              <a:t>2022. 09. 21.</a:t>
             </a:fld>
             <a:endParaRPr lang="hu-HU"/>
           </a:p>
@@ -1255,7 +1257,7 @@
           <a:lstStyle/>
           <a:p>
             <a:r>
-              <a:rPr lang="hu-HU" smtClean="0"/>
+              <a:rPr lang="hu-HU"/>
               <a:t>Mintacím szerkesztése</a:t>
             </a:r>
             <a:endParaRPr lang="en-US" dirty="0"/>
@@ -1312,35 +1314,35 @@
           <a:p>
             <a:pPr lvl="0"/>
             <a:r>
-              <a:rPr lang="hu-HU" smtClean="0"/>
+              <a:rPr lang="hu-HU"/>
               <a:t>Mintaszöveg szerkesztése</a:t>
             </a:r>
           </a:p>
           <a:p>
             <a:pPr lvl="1"/>
             <a:r>
-              <a:rPr lang="hu-HU" smtClean="0"/>
+              <a:rPr lang="hu-HU"/>
               <a:t>Második szint</a:t>
             </a:r>
           </a:p>
           <a:p>
             <a:pPr lvl="2"/>
             <a:r>
-              <a:rPr lang="hu-HU" smtClean="0"/>
+              <a:rPr lang="hu-HU"/>
               <a:t>Harmadik szint</a:t>
             </a:r>
           </a:p>
           <a:p>
             <a:pPr lvl="3"/>
             <a:r>
-              <a:rPr lang="hu-HU" smtClean="0"/>
+              <a:rPr lang="hu-HU"/>
               <a:t>Negyedik szint</a:t>
             </a:r>
           </a:p>
           <a:p>
             <a:pPr lvl="4"/>
             <a:r>
-              <a:rPr lang="hu-HU" smtClean="0"/>
+              <a:rPr lang="hu-HU"/>
               <a:t>Ötödik szint</a:t>
             </a:r>
             <a:endParaRPr lang="en-US" dirty="0"/>
@@ -1397,35 +1399,35 @@
           <a:p>
             <a:pPr lvl="0"/>
             <a:r>
-              <a:rPr lang="hu-HU" smtClean="0"/>
+              <a:rPr lang="hu-HU"/>
               <a:t>Mintaszöveg szerkesztése</a:t>
             </a:r>
           </a:p>
           <a:p>
             <a:pPr lvl="1"/>
             <a:r>
-              <a:rPr lang="hu-HU" smtClean="0"/>
+              <a:rPr lang="hu-HU"/>
               <a:t>Második szint</a:t>
             </a:r>
           </a:p>
           <a:p>
             <a:pPr lvl="2"/>
             <a:r>
-              <a:rPr lang="hu-HU" smtClean="0"/>
+              <a:rPr lang="hu-HU"/>
               <a:t>Harmadik szint</a:t>
             </a:r>
           </a:p>
           <a:p>
             <a:pPr lvl="3"/>
             <a:r>
-              <a:rPr lang="hu-HU" smtClean="0"/>
+              <a:rPr lang="hu-HU"/>
               <a:t>Negyedik szint</a:t>
             </a:r>
           </a:p>
           <a:p>
             <a:pPr lvl="4"/>
             <a:r>
-              <a:rPr lang="hu-HU" smtClean="0"/>
+              <a:rPr lang="hu-HU"/>
               <a:t>Ötödik szint</a:t>
             </a:r>
             <a:endParaRPr lang="en-US" dirty="0"/>
@@ -1449,7 +1451,7 @@
           <a:p>
             <a:fld id="{3DEB2466-714C-403F-984D-B889E18744B3}" type="datetimeFigureOut">
               <a:rPr lang="hu-HU" smtClean="0"/>
-              <a:t>2022.09.21.</a:t>
+              <a:t>2022. 09. 21.</a:t>
             </a:fld>
             <a:endParaRPr lang="hu-HU"/>
           </a:p>
@@ -1543,7 +1545,7 @@
           <a:lstStyle/>
           <a:p>
             <a:r>
-              <a:rPr lang="hu-HU" smtClean="0"/>
+              <a:rPr lang="hu-HU"/>
               <a:t>Mintacím szerkesztése</a:t>
             </a:r>
             <a:endParaRPr lang="en-US" dirty="0"/>
@@ -1618,7 +1620,7 @@
           <a:p>
             <a:pPr lvl="0"/>
             <a:r>
-              <a:rPr lang="hu-HU" smtClean="0"/>
+              <a:rPr lang="hu-HU"/>
               <a:t>Mintaszöveg szerkesztése</a:t>
             </a:r>
           </a:p>
@@ -1674,35 +1676,35 @@
           <a:p>
             <a:pPr lvl="0"/>
             <a:r>
-              <a:rPr lang="hu-HU" smtClean="0"/>
+              <a:rPr lang="hu-HU"/>
               <a:t>Mintaszöveg szerkesztése</a:t>
             </a:r>
           </a:p>
           <a:p>
             <a:pPr lvl="1"/>
             <a:r>
-              <a:rPr lang="hu-HU" smtClean="0"/>
+              <a:rPr lang="hu-HU"/>
               <a:t>Második szint</a:t>
             </a:r>
           </a:p>
           <a:p>
             <a:pPr lvl="2"/>
             <a:r>
-              <a:rPr lang="hu-HU" smtClean="0"/>
+              <a:rPr lang="hu-HU"/>
               <a:t>Harmadik szint</a:t>
             </a:r>
           </a:p>
           <a:p>
             <a:pPr lvl="3"/>
             <a:r>
-              <a:rPr lang="hu-HU" smtClean="0"/>
+              <a:rPr lang="hu-HU"/>
               <a:t>Negyedik szint</a:t>
             </a:r>
           </a:p>
           <a:p>
             <a:pPr lvl="4"/>
             <a:r>
-              <a:rPr lang="hu-HU" smtClean="0"/>
+              <a:rPr lang="hu-HU"/>
               <a:t>Ötödik szint</a:t>
             </a:r>
             <a:endParaRPr lang="en-US" dirty="0"/>
@@ -1792,7 +1794,7 @@
               <a:buNone/>
             </a:pPr>
             <a:r>
-              <a:rPr lang="hu-HU" smtClean="0"/>
+              <a:rPr lang="hu-HU"/>
               <a:t>Mintaszöveg szerkesztése</a:t>
             </a:r>
           </a:p>
@@ -1848,35 +1850,35 @@
           <a:p>
             <a:pPr lvl="0"/>
             <a:r>
-              <a:rPr lang="hu-HU" smtClean="0"/>
+              <a:rPr lang="hu-HU"/>
               <a:t>Mintaszöveg szerkesztése</a:t>
             </a:r>
           </a:p>
           <a:p>
             <a:pPr lvl="1"/>
             <a:r>
-              <a:rPr lang="hu-HU" smtClean="0"/>
+              <a:rPr lang="hu-HU"/>
               <a:t>Második szint</a:t>
             </a:r>
           </a:p>
           <a:p>
             <a:pPr lvl="2"/>
             <a:r>
-              <a:rPr lang="hu-HU" smtClean="0"/>
+              <a:rPr lang="hu-HU"/>
               <a:t>Harmadik szint</a:t>
             </a:r>
           </a:p>
           <a:p>
             <a:pPr lvl="3"/>
             <a:r>
-              <a:rPr lang="hu-HU" smtClean="0"/>
+              <a:rPr lang="hu-HU"/>
               <a:t>Negyedik szint</a:t>
             </a:r>
           </a:p>
           <a:p>
             <a:pPr lvl="4"/>
             <a:r>
-              <a:rPr lang="hu-HU" smtClean="0"/>
+              <a:rPr lang="hu-HU"/>
               <a:t>Ötödik szint</a:t>
             </a:r>
             <a:endParaRPr lang="en-US" dirty="0"/>
@@ -1900,7 +1902,7 @@
           <a:p>
             <a:fld id="{3DEB2466-714C-403F-984D-B889E18744B3}" type="datetimeFigureOut">
               <a:rPr lang="hu-HU" smtClean="0"/>
-              <a:t>2022.09.21.</a:t>
+              <a:t>2022. 09. 21.</a:t>
             </a:fld>
             <a:endParaRPr lang="hu-HU"/>
           </a:p>
@@ -1994,7 +1996,7 @@
           <a:lstStyle/>
           <a:p>
             <a:r>
-              <a:rPr lang="hu-HU" smtClean="0"/>
+              <a:rPr lang="hu-HU"/>
               <a:t>Mintacím szerkesztése</a:t>
             </a:r>
             <a:endParaRPr lang="en-US" dirty="0"/>
@@ -2018,7 +2020,7 @@
           <a:p>
             <a:fld id="{3DEB2466-714C-403F-984D-B889E18744B3}" type="datetimeFigureOut">
               <a:rPr lang="hu-HU" smtClean="0"/>
-              <a:t>2022.09.21.</a:t>
+              <a:t>2022. 09. 21.</a:t>
             </a:fld>
             <a:endParaRPr lang="hu-HU"/>
           </a:p>
@@ -2113,7 +2115,7 @@
           <a:p>
             <a:fld id="{3DEB2466-714C-403F-984D-B889E18744B3}" type="datetimeFigureOut">
               <a:rPr lang="hu-HU" smtClean="0"/>
-              <a:t>2022.09.21.</a:t>
+              <a:t>2022. 09. 21.</a:t>
             </a:fld>
             <a:endParaRPr lang="hu-HU"/>
           </a:p>
@@ -2218,7 +2220,7 @@
           </a:lstStyle>
           <a:p>
             <a:r>
-              <a:rPr lang="hu-HU" smtClean="0"/>
+              <a:rPr lang="hu-HU"/>
               <a:t>Mintacím szerkesztése</a:t>
             </a:r>
             <a:endParaRPr lang="en-US" dirty="0"/>
@@ -2275,35 +2277,35 @@
           <a:p>
             <a:pPr lvl="0"/>
             <a:r>
-              <a:rPr lang="hu-HU" smtClean="0"/>
+              <a:rPr lang="hu-HU"/>
               <a:t>Mintaszöveg szerkesztése</a:t>
             </a:r>
           </a:p>
           <a:p>
             <a:pPr lvl="1"/>
             <a:r>
-              <a:rPr lang="hu-HU" smtClean="0"/>
+              <a:rPr lang="hu-HU"/>
               <a:t>Második szint</a:t>
             </a:r>
           </a:p>
           <a:p>
             <a:pPr lvl="2"/>
             <a:r>
-              <a:rPr lang="hu-HU" smtClean="0"/>
+              <a:rPr lang="hu-HU"/>
               <a:t>Harmadik szint</a:t>
             </a:r>
           </a:p>
           <a:p>
             <a:pPr lvl="3"/>
             <a:r>
-              <a:rPr lang="hu-HU" smtClean="0"/>
+              <a:rPr lang="hu-HU"/>
               <a:t>Negyedik szint</a:t>
             </a:r>
           </a:p>
           <a:p>
             <a:pPr lvl="4"/>
             <a:r>
-              <a:rPr lang="hu-HU" smtClean="0"/>
+              <a:rPr lang="hu-HU"/>
               <a:t>Ötödik szint</a:t>
             </a:r>
             <a:endParaRPr lang="en-US" dirty="0"/>
@@ -2377,7 +2379,7 @@
           <a:p>
             <a:pPr lvl="0"/>
             <a:r>
-              <a:rPr lang="hu-HU" smtClean="0"/>
+              <a:rPr lang="hu-HU"/>
               <a:t>Mintaszöveg szerkesztése</a:t>
             </a:r>
           </a:p>
@@ -2400,7 +2402,7 @@
           <a:p>
             <a:fld id="{3DEB2466-714C-403F-984D-B889E18744B3}" type="datetimeFigureOut">
               <a:rPr lang="hu-HU" smtClean="0"/>
-              <a:t>2022.09.21.</a:t>
+              <a:t>2022. 09. 21.</a:t>
             </a:fld>
             <a:endParaRPr lang="hu-HU"/>
           </a:p>
@@ -2547,7 +2549,7 @@
           </a:lstStyle>
           <a:p>
             <a:r>
-              <a:rPr lang="hu-HU" smtClean="0"/>
+              <a:rPr lang="hu-HU"/>
               <a:t>Mintacím szerkesztése</a:t>
             </a:r>
             <a:endParaRPr lang="en-US" dirty="0"/>
@@ -2619,7 +2621,7 @@
           </a:lstStyle>
           <a:p>
             <a:r>
-              <a:rPr lang="hu-HU" smtClean="0"/>
+              <a:rPr lang="hu-HU"/>
               <a:t>Kép beszúrásához kattintson az ikonra</a:t>
             </a:r>
             <a:endParaRPr lang="en-US" dirty="0"/>
@@ -2699,7 +2701,7 @@
           <a:p>
             <a:pPr lvl="0"/>
             <a:r>
-              <a:rPr lang="hu-HU" smtClean="0"/>
+              <a:rPr lang="hu-HU"/>
               <a:t>Mintaszöveg szerkesztése</a:t>
             </a:r>
           </a:p>
@@ -2722,7 +2724,7 @@
           <a:p>
             <a:fld id="{3DEB2466-714C-403F-984D-B889E18744B3}" type="datetimeFigureOut">
               <a:rPr lang="hu-HU" smtClean="0"/>
-              <a:t>2022.09.21.</a:t>
+              <a:t>2022. 09. 21.</a:t>
             </a:fld>
             <a:endParaRPr lang="hu-HU"/>
           </a:p>
@@ -2871,7 +2873,7 @@
           <a:lstStyle/>
           <a:p>
             <a:r>
-              <a:rPr lang="hu-HU" smtClean="0"/>
+              <a:rPr lang="hu-HU"/>
               <a:t>Mintacím szerkesztése</a:t>
             </a:r>
             <a:endParaRPr lang="en-US" dirty="0"/>
@@ -2905,35 +2907,35 @@
           <a:p>
             <a:pPr lvl="0"/>
             <a:r>
-              <a:rPr lang="hu-HU" smtClean="0"/>
+              <a:rPr lang="hu-HU"/>
               <a:t>Mintaszöveg szerkesztése</a:t>
             </a:r>
           </a:p>
           <a:p>
             <a:pPr lvl="1"/>
             <a:r>
-              <a:rPr lang="hu-HU" smtClean="0"/>
+              <a:rPr lang="hu-HU"/>
               <a:t>Második szint</a:t>
             </a:r>
           </a:p>
           <a:p>
             <a:pPr lvl="2"/>
             <a:r>
-              <a:rPr lang="hu-HU" smtClean="0"/>
+              <a:rPr lang="hu-HU"/>
               <a:t>Harmadik szint</a:t>
             </a:r>
           </a:p>
           <a:p>
             <a:pPr lvl="3"/>
             <a:r>
-              <a:rPr lang="hu-HU" smtClean="0"/>
+              <a:rPr lang="hu-HU"/>
               <a:t>Negyedik szint</a:t>
             </a:r>
           </a:p>
           <a:p>
             <a:pPr lvl="4"/>
             <a:r>
-              <a:rPr lang="hu-HU" smtClean="0"/>
+              <a:rPr lang="hu-HU"/>
               <a:t>Ötödik szint</a:t>
             </a:r>
             <a:endParaRPr lang="en-US" dirty="0"/>
@@ -2976,7 +2978,7 @@
           <a:p>
             <a:fld id="{3DEB2466-714C-403F-984D-B889E18744B3}" type="datetimeFigureOut">
               <a:rPr lang="hu-HU" smtClean="0"/>
-              <a:t>2022.09.21.</a:t>
+              <a:t>2022. 09. 21.</a:t>
             </a:fld>
             <a:endParaRPr lang="hu-HU"/>
           </a:p>
@@ -3526,21 +3528,6 @@
   <p:clrMapOvr>
     <a:masterClrMapping/>
   </p:clrMapOvr>
-  <mc:AlternateContent xmlns:mc="http://schemas.openxmlformats.org/markup-compatibility/2006">
-    <mc:Choice xmlns:p14="http://schemas.microsoft.com/office/powerpoint/2010/main" Requires="p14">
-      <p:transition p14:dur="0"/>
-    </mc:Choice>
-    <mc:Fallback>
-      <p:transition/>
-    </mc:Fallback>
-  </mc:AlternateContent>
-  <p:timing>
-    <p:tnLst>
-      <p:par>
-        <p:cTn id="1" dur="indefinite" restart="never" nodeType="tmRoot"/>
-      </p:par>
-    </p:tnLst>
-  </p:timing>
 </p:sld>
 </file>
 
@@ -3573,7 +3560,7 @@
         </p:nvSpPr>
         <p:spPr>
           <a:xfrm>
-            <a:off x="893881" y="209644"/>
+            <a:off x="882735" y="209645"/>
             <a:ext cx="9692640" cy="1325562"/>
           </a:xfrm>
         </p:spPr>
@@ -3582,20 +3569,11 @@
           <a:lstStyle/>
           <a:p>
             <a:r>
-              <a:rPr lang="hu-HU" dirty="0" smtClean="0">
-                <a:latin typeface="Bahnschrift Light Condensed" panose="020B0502040204020203" pitchFamily="34" charset="0"/>
-              </a:rPr>
-              <a:t>Intel </a:t>
-            </a:r>
-            <a:r>
-              <a:rPr lang="hu-HU" dirty="0" err="1" smtClean="0">
-                <a:latin typeface="Bahnschrift Light Condensed" panose="020B0502040204020203" pitchFamily="34" charset="0"/>
-              </a:rPr>
-              <a:t>SpeedStep</a:t>
-            </a:r>
-            <a:endParaRPr lang="hu-HU" dirty="0">
-              <a:latin typeface="Bahnschrift Light Condensed" panose="020B0502040204020203" pitchFamily="34" charset="0"/>
-            </a:endParaRPr>
+              <a:rPr lang="hu-HU" dirty="0">
+                <a:latin typeface="Bahnschrift Light Condensed" panose="020B0502040204020203" pitchFamily="34" charset="0"/>
+              </a:rPr>
+              <a:t>AMD-nek miért van 2 féle technológiája?</a:t>
+            </a:r>
           </a:p>
         </p:txBody>
       </p:sp>
@@ -3611,7 +3589,7 @@
         </p:nvSpPr>
         <p:spPr>
           <a:xfrm>
-            <a:off x="893881" y="1535206"/>
+            <a:off x="882735" y="1535207"/>
             <a:ext cx="8595360" cy="4351337"/>
           </a:xfrm>
         </p:spPr>
@@ -3621,72 +3599,66 @@
           </a:bodyPr>
           <a:lstStyle/>
           <a:p>
-            <a:r>
-              <a:rPr lang="hu-HU" sz="2200" dirty="0" smtClean="0">
-                <a:latin typeface="Bahnschrift Light Condensed" panose="020B0502040204020203" pitchFamily="34" charset="0"/>
-              </a:rPr>
-              <a:t>2005-ben jelent meg, később, mint AMD technológiái.</a:t>
-            </a:r>
-          </a:p>
-          <a:p>
-            <a:r>
-              <a:rPr lang="hu-HU" sz="2200" dirty="0" smtClean="0">
-                <a:latin typeface="Bahnschrift Light Condensed" panose="020B0502040204020203" pitchFamily="34" charset="0"/>
-              </a:rPr>
-              <a:t>Ún. P-</a:t>
-            </a:r>
-            <a:r>
-              <a:rPr lang="hu-HU" sz="2200" dirty="0" err="1" smtClean="0">
-                <a:latin typeface="Bahnschrift Light Condensed" panose="020B0502040204020203" pitchFamily="34" charset="0"/>
-              </a:rPr>
-              <a:t>state</a:t>
-            </a:r>
-            <a:r>
-              <a:rPr lang="hu-HU" sz="2200" dirty="0" smtClean="0">
-                <a:latin typeface="Bahnschrift Light Condensed" panose="020B0502040204020203" pitchFamily="34" charset="0"/>
-              </a:rPr>
-              <a:t>-</a:t>
-            </a:r>
-            <a:r>
-              <a:rPr lang="hu-HU" sz="2200" dirty="0" err="1" smtClean="0">
-                <a:latin typeface="Bahnschrift Light Condensed" panose="020B0502040204020203" pitchFamily="34" charset="0"/>
-              </a:rPr>
-              <a:t>ekkel</a:t>
-            </a:r>
-            <a:r>
-              <a:rPr lang="hu-HU" sz="2200" dirty="0" smtClean="0">
-                <a:latin typeface="Bahnschrift Light Condensed" panose="020B0502040204020203" pitchFamily="34" charset="0"/>
-              </a:rPr>
-              <a:t> változtatja a processzor órajeleit.</a:t>
-            </a:r>
-          </a:p>
-          <a:p>
-            <a:r>
-              <a:rPr lang="hu-HU" sz="2200" dirty="0" smtClean="0">
-                <a:latin typeface="Bahnschrift Light Condensed" panose="020B0502040204020203" pitchFamily="34" charset="0"/>
-              </a:rPr>
-              <a:t>Dinamikus</a:t>
-            </a:r>
-          </a:p>
-          <a:p>
-            <a:r>
-              <a:rPr lang="hu-HU" sz="2200" dirty="0" smtClean="0">
-                <a:latin typeface="Bahnschrift Light Condensed" panose="020B0502040204020203" pitchFamily="34" charset="0"/>
-              </a:rPr>
-              <a:t>Mai Intel processzorokban használják</a:t>
-            </a:r>
-          </a:p>
-          <a:p>
             <a:endParaRPr lang="hu-HU" sz="2200" dirty="0">
               <a:latin typeface="Bahnschrift Light Condensed" panose="020B0502040204020203" pitchFamily="34" charset="0"/>
             </a:endParaRPr>
           </a:p>
+          <a:p>
+            <a:r>
+              <a:rPr lang="hu-HU" sz="2200" dirty="0">
+                <a:latin typeface="Bahnschrift Light Condensed" panose="020B0502040204020203" pitchFamily="34" charset="0"/>
+              </a:rPr>
+              <a:t>Cool’n’Quiet-et asztali és szerver számítógépekben használják.</a:t>
+            </a:r>
+          </a:p>
+          <a:p>
+            <a:r>
+              <a:rPr lang="hu-HU" sz="2200" dirty="0">
+                <a:latin typeface="Bahnschrift Light Condensed" panose="020B0502040204020203" pitchFamily="34" charset="0"/>
+              </a:rPr>
+              <a:t>A </a:t>
+            </a:r>
+            <a:r>
+              <a:rPr lang="hu-HU" sz="2200" dirty="0" err="1">
+                <a:latin typeface="Bahnschrift Light Condensed" panose="020B0502040204020203" pitchFamily="34" charset="0"/>
+              </a:rPr>
+              <a:t>PowerNow</a:t>
+            </a:r>
+            <a:r>
+              <a:rPr lang="hu-HU" sz="2200" dirty="0">
+                <a:latin typeface="Bahnschrift Light Condensed" panose="020B0502040204020203" pitchFamily="34" charset="0"/>
+              </a:rPr>
+              <a:t>!-</a:t>
+            </a:r>
+            <a:r>
+              <a:rPr lang="hu-HU" sz="2200" dirty="0" err="1">
+                <a:latin typeface="Bahnschrift Light Condensed" panose="020B0502040204020203" pitchFamily="34" charset="0"/>
+              </a:rPr>
+              <a:t>ot</a:t>
+            </a:r>
+            <a:r>
+              <a:rPr lang="hu-HU" sz="2200" dirty="0">
+                <a:latin typeface="Bahnschrift Light Condensed" panose="020B0502040204020203" pitchFamily="34" charset="0"/>
+              </a:rPr>
+              <a:t> laptopokban használták.</a:t>
+            </a:r>
+          </a:p>
+          <a:p>
+            <a:endParaRPr lang="hu-HU" sz="2200" dirty="0">
+              <a:latin typeface="Bahnschrift Light Condensed" panose="020B0502040204020203" pitchFamily="34" charset="0"/>
+            </a:endParaRPr>
+          </a:p>
+          <a:p>
+            <a:endParaRPr lang="hu-HU" sz="2200" dirty="0">
+              <a:latin typeface="Bahnschrift Light Condensed" panose="020B0502040204020203" pitchFamily="34" charset="0"/>
+            </a:endParaRPr>
+          </a:p>
         </p:txBody>
       </p:sp>
     </p:spTree>
     <p:extLst>
       <p:ext uri="{BB962C8B-B14F-4D97-AF65-F5344CB8AC3E}">
-        <p14:creationId xmlns:p14="http://schemas.microsoft.com/office/powerpoint/2010/main" val="1228783528"/>
+        <p14:creationId xmlns:p14="http://schemas.microsoft.com/office/powerpoint/2010/main" val="1232880937"/>
       </p:ext>
     </p:extLst>
   </p:cSld>
@@ -3696,13 +3668,6 @@
   <p:transition spd="med">
     <p:push dir="u"/>
   </p:transition>
-  <p:timing>
-    <p:tnLst>
-      <p:par>
-        <p:cTn id="1" dur="indefinite" restart="never" nodeType="tmRoot"/>
-      </p:par>
-    </p:tnLst>
-  </p:timing>
 </p:sld>
 </file>
 
@@ -3735,8 +3700,46 @@
         </p:nvSpPr>
         <p:spPr>
           <a:xfrm>
-            <a:off x="831850" y="2857500"/>
-            <a:ext cx="10515600" cy="1108075"/>
+            <a:off x="882738" y="220797"/>
+            <a:ext cx="9692640" cy="1325562"/>
+          </a:xfrm>
+        </p:spPr>
+        <p:txBody>
+          <a:bodyPr/>
+          <a:lstStyle/>
+          <a:p>
+            <a:r>
+              <a:rPr lang="hu-HU" dirty="0">
+                <a:latin typeface="Bahnschrift Light Condensed" panose="020B0502040204020203" pitchFamily="34" charset="0"/>
+              </a:rPr>
+              <a:t>AMD </a:t>
+            </a:r>
+            <a:r>
+              <a:rPr lang="hu-HU" dirty="0" err="1">
+                <a:latin typeface="Bahnschrift Light Condensed" panose="020B0502040204020203" pitchFamily="34" charset="0"/>
+              </a:rPr>
+              <a:t>Cool’n’Quiet</a:t>
+            </a:r>
+            <a:endParaRPr lang="hu-HU" dirty="0">
+              <a:latin typeface="Bahnschrift Light Condensed" panose="020B0502040204020203" pitchFamily="34" charset="0"/>
+            </a:endParaRPr>
+          </a:p>
+        </p:txBody>
+      </p:sp>
+      <p:sp>
+        <p:nvSpPr>
+          <p:cNvPr id="3" name="Tartalom helye 2"/>
+          <p:cNvSpPr>
+            <a:spLocks noGrp="1"/>
+          </p:cNvSpPr>
+          <p:nvPr>
+            <p:ph idx="1"/>
+          </p:nvPr>
+        </p:nvSpPr>
+        <p:spPr>
+          <a:xfrm>
+            <a:off x="882738" y="1546359"/>
+            <a:ext cx="8595360" cy="4351337"/>
           </a:xfrm>
         </p:spPr>
         <p:txBody>
@@ -3745,39 +3748,61 @@
           </a:bodyPr>
           <a:lstStyle/>
           <a:p>
-            <a:pPr algn="ctr"/>
-            <a:r>
-              <a:rPr lang="hu-HU" sz="7200" dirty="0" smtClean="0">
-                <a:latin typeface="Bahnschrift Light Condensed" panose="020B0502040204020203" pitchFamily="34" charset="0"/>
-              </a:rPr>
-              <a:t>Köszönöm a figyelmet!</a:t>
-            </a:r>
-            <a:endParaRPr lang="hu-HU" sz="7200" dirty="0">
+            <a:endParaRPr lang="hu-HU" sz="2200" dirty="0">
               <a:latin typeface="Bahnschrift Light Condensed" panose="020B0502040204020203" pitchFamily="34" charset="0"/>
             </a:endParaRPr>
+          </a:p>
+          <a:p>
+            <a:r>
+              <a:rPr lang="hu-HU" sz="2200" dirty="0">
+                <a:latin typeface="Bahnschrift Light Condensed" panose="020B0502040204020203" pitchFamily="34" charset="0"/>
+              </a:rPr>
+              <a:t>2002-ben jelent meg.</a:t>
+            </a:r>
+          </a:p>
+          <a:p>
+            <a:r>
+              <a:rPr lang="hu-HU" sz="2200" dirty="0">
+                <a:latin typeface="Bahnschrift Light Condensed" panose="020B0502040204020203" pitchFamily="34" charset="0"/>
+              </a:rPr>
+              <a:t>Érzékeli, amikor a processzor nem végez munkát, és csökkenti az órajelét.</a:t>
+            </a:r>
+          </a:p>
+          <a:p>
+            <a:r>
+              <a:rPr lang="hu-HU" sz="2200" dirty="0">
+                <a:latin typeface="Bahnschrift Light Condensed" panose="020B0502040204020203" pitchFamily="34" charset="0"/>
+              </a:rPr>
+              <a:t>Mai </a:t>
+            </a:r>
+            <a:r>
+              <a:rPr lang="hu-HU" sz="2200" dirty="0" err="1">
+                <a:latin typeface="Bahnschrift Light Condensed" panose="020B0502040204020203" pitchFamily="34" charset="0"/>
+              </a:rPr>
+              <a:t>Ryzen</a:t>
+            </a:r>
+            <a:r>
+              <a:rPr lang="hu-HU" sz="2200" dirty="0">
+                <a:latin typeface="Bahnschrift Light Condensed" panose="020B0502040204020203" pitchFamily="34" charset="0"/>
+              </a:rPr>
+              <a:t> processzorokban is használják.</a:t>
+            </a:r>
           </a:p>
         </p:txBody>
       </p:sp>
     </p:spTree>
     <p:extLst>
       <p:ext uri="{BB962C8B-B14F-4D97-AF65-F5344CB8AC3E}">
-        <p14:creationId xmlns:p14="http://schemas.microsoft.com/office/powerpoint/2010/main" val="2733876321"/>
+        <p14:creationId xmlns:p14="http://schemas.microsoft.com/office/powerpoint/2010/main" val="1249238243"/>
       </p:ext>
     </p:extLst>
   </p:cSld>
   <p:clrMapOvr>
     <a:masterClrMapping/>
   </p:clrMapOvr>
-  <p:transition spd="slow">
+  <p:transition spd="med">
     <p:push dir="u"/>
   </p:transition>
-  <p:timing>
-    <p:tnLst>
-      <p:par>
-        <p:cTn id="1" dur="indefinite" restart="never" nodeType="tmRoot"/>
-      </p:par>
-    </p:tnLst>
-  </p:timing>
 </p:sld>
 </file>
 
@@ -3810,6 +3835,231 @@
         </p:nvSpPr>
         <p:spPr>
           <a:xfrm>
+            <a:off x="893881" y="209644"/>
+            <a:ext cx="9692640" cy="1325562"/>
+          </a:xfrm>
+        </p:spPr>
+        <p:txBody>
+          <a:bodyPr/>
+          <a:lstStyle/>
+          <a:p>
+            <a:r>
+              <a:rPr lang="hu-HU" dirty="0">
+                <a:latin typeface="Bahnschrift Light Condensed" panose="020B0502040204020203" pitchFamily="34" charset="0"/>
+              </a:rPr>
+              <a:t>Intel </a:t>
+            </a:r>
+            <a:r>
+              <a:rPr lang="hu-HU" dirty="0" err="1">
+                <a:latin typeface="Bahnschrift Light Condensed" panose="020B0502040204020203" pitchFamily="34" charset="0"/>
+              </a:rPr>
+              <a:t>SpeedStep</a:t>
+            </a:r>
+            <a:endParaRPr lang="hu-HU" dirty="0">
+              <a:latin typeface="Bahnschrift Light Condensed" panose="020B0502040204020203" pitchFamily="34" charset="0"/>
+            </a:endParaRPr>
+          </a:p>
+        </p:txBody>
+      </p:sp>
+      <p:sp>
+        <p:nvSpPr>
+          <p:cNvPr id="3" name="Tartalom helye 2"/>
+          <p:cNvSpPr>
+            <a:spLocks noGrp="1"/>
+          </p:cNvSpPr>
+          <p:nvPr>
+            <p:ph idx="1"/>
+          </p:nvPr>
+        </p:nvSpPr>
+        <p:spPr>
+          <a:xfrm>
+            <a:off x="893881" y="1535206"/>
+            <a:ext cx="8595360" cy="4351337"/>
+          </a:xfrm>
+        </p:spPr>
+        <p:txBody>
+          <a:bodyPr>
+            <a:normAutofit/>
+          </a:bodyPr>
+          <a:lstStyle/>
+          <a:p>
+            <a:endParaRPr lang="hu-HU" sz="2200" dirty="0">
+              <a:latin typeface="Bahnschrift Light Condensed" panose="020B0502040204020203" pitchFamily="34" charset="0"/>
+            </a:endParaRPr>
+          </a:p>
+          <a:p>
+            <a:r>
+              <a:rPr lang="hu-HU" sz="2200" dirty="0">
+                <a:latin typeface="Bahnschrift Light Condensed" panose="020B0502040204020203" pitchFamily="34" charset="0"/>
+              </a:rPr>
+              <a:t>2005-ben jelent meg, később, mint az AMD technológiái.</a:t>
+            </a:r>
+          </a:p>
+          <a:p>
+            <a:r>
+              <a:rPr lang="hu-HU" sz="2200" dirty="0">
+                <a:latin typeface="Bahnschrift Light Condensed" panose="020B0502040204020203" pitchFamily="34" charset="0"/>
+              </a:rPr>
+              <a:t>Ún. P-</a:t>
+            </a:r>
+            <a:r>
+              <a:rPr lang="hu-HU" sz="2200" dirty="0" err="1">
+                <a:latin typeface="Bahnschrift Light Condensed" panose="020B0502040204020203" pitchFamily="34" charset="0"/>
+              </a:rPr>
+              <a:t>state</a:t>
+            </a:r>
+            <a:r>
+              <a:rPr lang="hu-HU" sz="2200" dirty="0">
+                <a:latin typeface="Bahnschrift Light Condensed" panose="020B0502040204020203" pitchFamily="34" charset="0"/>
+              </a:rPr>
+              <a:t>-</a:t>
+            </a:r>
+            <a:r>
+              <a:rPr lang="hu-HU" sz="2200" dirty="0" err="1">
+                <a:latin typeface="Bahnschrift Light Condensed" panose="020B0502040204020203" pitchFamily="34" charset="0"/>
+              </a:rPr>
+              <a:t>ekkel</a:t>
+            </a:r>
+            <a:r>
+              <a:rPr lang="hu-HU" sz="2200" dirty="0">
+                <a:latin typeface="Bahnschrift Light Condensed" panose="020B0502040204020203" pitchFamily="34" charset="0"/>
+              </a:rPr>
+              <a:t> változtatja a processzor órajeleit.</a:t>
+            </a:r>
+          </a:p>
+          <a:p>
+            <a:r>
+              <a:rPr lang="hu-HU" sz="2200" dirty="0">
+                <a:latin typeface="Bahnschrift Light Condensed" panose="020B0502040204020203" pitchFamily="34" charset="0"/>
+              </a:rPr>
+              <a:t>Dinamikus</a:t>
+            </a:r>
+          </a:p>
+          <a:p>
+            <a:r>
+              <a:rPr lang="hu-HU" sz="2200" dirty="0">
+                <a:latin typeface="Bahnschrift Light Condensed" panose="020B0502040204020203" pitchFamily="34" charset="0"/>
+              </a:rPr>
+              <a:t>Mai Intel processzorokban használják</a:t>
+            </a:r>
+          </a:p>
+          <a:p>
+            <a:endParaRPr lang="hu-HU" sz="2200" dirty="0">
+              <a:latin typeface="Bahnschrift Light Condensed" panose="020B0502040204020203" pitchFamily="34" charset="0"/>
+            </a:endParaRPr>
+          </a:p>
+        </p:txBody>
+      </p:sp>
+    </p:spTree>
+    <p:extLst>
+      <p:ext uri="{BB962C8B-B14F-4D97-AF65-F5344CB8AC3E}">
+        <p14:creationId xmlns:p14="http://schemas.microsoft.com/office/powerpoint/2010/main" val="1228783528"/>
+      </p:ext>
+    </p:extLst>
+  </p:cSld>
+  <p:clrMapOvr>
+    <a:masterClrMapping/>
+  </p:clrMapOvr>
+  <p:transition spd="med">
+    <p:push dir="u"/>
+  </p:transition>
+</p:sld>
+</file>
+
+<file path=ppt/slides/slide13.xml><?xml version="1.0" encoding="utf-8"?>
+<p:sld xmlns:a="http://schemas.openxmlformats.org/drawingml/2006/main" xmlns:r="http://schemas.openxmlformats.org/officeDocument/2006/relationships" xmlns:p="http://schemas.openxmlformats.org/presentationml/2006/main">
+  <p:cSld>
+    <p:spTree>
+      <p:nvGrpSpPr>
+        <p:cNvPr id="1" name=""/>
+        <p:cNvGrpSpPr/>
+        <p:nvPr/>
+      </p:nvGrpSpPr>
+      <p:grpSpPr>
+        <a:xfrm>
+          <a:off x="0" y="0"/>
+          <a:ext cx="0" cy="0"/>
+          <a:chOff x="0" y="0"/>
+          <a:chExt cx="0" cy="0"/>
+        </a:xfrm>
+      </p:grpSpPr>
+      <p:sp>
+        <p:nvSpPr>
+          <p:cNvPr id="2" name="Cím 1"/>
+          <p:cNvSpPr>
+            <a:spLocks noGrp="1"/>
+          </p:cNvSpPr>
+          <p:nvPr>
+            <p:ph type="title"/>
+          </p:nvPr>
+        </p:nvSpPr>
+        <p:spPr>
+          <a:xfrm>
+            <a:off x="831850" y="2857500"/>
+            <a:ext cx="10515600" cy="1108075"/>
+          </a:xfrm>
+        </p:spPr>
+        <p:txBody>
+          <a:bodyPr>
+            <a:normAutofit/>
+          </a:bodyPr>
+          <a:lstStyle/>
+          <a:p>
+            <a:pPr algn="ctr"/>
+            <a:r>
+              <a:rPr lang="hu-HU" sz="7200" dirty="0">
+                <a:latin typeface="Bahnschrift Light Condensed" panose="020B0502040204020203" pitchFamily="34" charset="0"/>
+              </a:rPr>
+              <a:t>Köszönöm a figyelmet!</a:t>
+            </a:r>
+          </a:p>
+        </p:txBody>
+      </p:sp>
+    </p:spTree>
+    <p:extLst>
+      <p:ext uri="{BB962C8B-B14F-4D97-AF65-F5344CB8AC3E}">
+        <p14:creationId xmlns:p14="http://schemas.microsoft.com/office/powerpoint/2010/main" val="2733876321"/>
+      </p:ext>
+    </p:extLst>
+  </p:cSld>
+  <p:clrMapOvr>
+    <a:masterClrMapping/>
+  </p:clrMapOvr>
+  <p:transition spd="slow">
+    <p:push dir="u"/>
+  </p:transition>
+</p:sld>
+</file>
+
+<file path=ppt/slides/slide14.xml><?xml version="1.0" encoding="utf-8"?>
+<p:sld xmlns:a="http://schemas.openxmlformats.org/drawingml/2006/main" xmlns:r="http://schemas.openxmlformats.org/officeDocument/2006/relationships" xmlns:p="http://schemas.openxmlformats.org/presentationml/2006/main">
+  <p:cSld>
+    <p:spTree>
+      <p:nvGrpSpPr>
+        <p:cNvPr id="1" name=""/>
+        <p:cNvGrpSpPr/>
+        <p:nvPr/>
+      </p:nvGrpSpPr>
+      <p:grpSpPr>
+        <a:xfrm>
+          <a:off x="0" y="0"/>
+          <a:ext cx="0" cy="0"/>
+          <a:chOff x="0" y="0"/>
+          <a:chExt cx="0" cy="0"/>
+        </a:xfrm>
+      </p:grpSpPr>
+      <p:sp>
+        <p:nvSpPr>
+          <p:cNvPr id="2" name="Cím 1"/>
+          <p:cNvSpPr>
+            <a:spLocks noGrp="1"/>
+          </p:cNvSpPr>
+          <p:nvPr>
+            <p:ph type="title"/>
+          </p:nvPr>
+        </p:nvSpPr>
+        <p:spPr>
+          <a:xfrm>
             <a:off x="893889" y="220797"/>
             <a:ext cx="9692640" cy="1325562"/>
           </a:xfrm>
@@ -3824,7 +4074,7 @@
               <a:rPr lang="hu-HU" dirty="0">
                 <a:latin typeface="Bahnschrift Light Condensed" panose="020B0502040204020203" pitchFamily="34" charset="0"/>
               </a:rPr>
-              <a:t>Források</a:t>
+              <a:t>Források:</a:t>
             </a:r>
           </a:p>
         </p:txBody>
@@ -3868,16 +4118,9 @@
                 <a:latin typeface="Bahnschrift Light Condensed" panose="020B0502040204020203" pitchFamily="34" charset="0"/>
                 <a:hlinkClick r:id="rId3"/>
               </a:rPr>
-              <a:t>https://</a:t>
-            </a:r>
-            <a:r>
-              <a:rPr lang="hu-HU" sz="2400" dirty="0" smtClean="0">
-                <a:latin typeface="Bahnschrift Light Condensed" panose="020B0502040204020203" pitchFamily="34" charset="0"/>
-                <a:hlinkClick r:id="rId3"/>
-              </a:rPr>
-              <a:t>hu.wikipedia.org/wiki/Central_processing_unit#A_processzor_h%C5%B1t%C3%A9se</a:t>
-            </a:r>
-            <a:endParaRPr lang="hu-HU" sz="2400" dirty="0" smtClean="0">
+              <a:t>https://hu.wikipedia.org/wiki/Central_processing_unit#A_processzor_h%C5%B1t%C3%A9se</a:t>
+            </a:r>
+            <a:endParaRPr lang="hu-HU" sz="2400" dirty="0">
               <a:latin typeface="Bahnschrift Light Condensed" panose="020B0502040204020203" pitchFamily="34" charset="0"/>
             </a:endParaRPr>
           </a:p>
@@ -3887,16 +4130,9 @@
                 <a:latin typeface="Bahnschrift Light Condensed" panose="020B0502040204020203" pitchFamily="34" charset="0"/>
                 <a:hlinkClick r:id="rId4"/>
               </a:rPr>
-              <a:t>https://</a:t>
-            </a:r>
-            <a:r>
-              <a:rPr lang="hu-HU" sz="2400" dirty="0" smtClean="0">
-                <a:latin typeface="Bahnschrift Light Condensed" panose="020B0502040204020203" pitchFamily="34" charset="0"/>
-                <a:hlinkClick r:id="rId4"/>
-              </a:rPr>
-              <a:t>www.intel.com/content/www/us/en/gaming/resources/cpu-cooler-liquid-cooling-vs-air-cooling.html</a:t>
-            </a:r>
-            <a:endParaRPr lang="hu-HU" sz="2400" dirty="0" smtClean="0">
+              <a:t>https://www.intel.com/content/www/us/en/gaming/resources/cpu-cooler-liquid-cooling-vs-air-cooling.html</a:t>
+            </a:r>
+            <a:endParaRPr lang="hu-HU" sz="2400" dirty="0">
               <a:latin typeface="Bahnschrift Light Condensed" panose="020B0502040204020203" pitchFamily="34" charset="0"/>
             </a:endParaRPr>
           </a:p>
@@ -3906,16 +4142,9 @@
                 <a:latin typeface="Bahnschrift Light Condensed" panose="020B0502040204020203" pitchFamily="34" charset="0"/>
                 <a:hlinkClick r:id="rId5"/>
               </a:rPr>
-              <a:t>https://</a:t>
-            </a:r>
-            <a:r>
-              <a:rPr lang="hu-HU" sz="2400" dirty="0" smtClean="0">
-                <a:latin typeface="Bahnschrift Light Condensed" panose="020B0502040204020203" pitchFamily="34" charset="0"/>
-                <a:hlinkClick r:id="rId5"/>
-              </a:rPr>
-              <a:t>en.wikipedia.org/wiki/Dynamic_frequency_scaling</a:t>
-            </a:r>
-            <a:endParaRPr lang="hu-HU" sz="2400" dirty="0" smtClean="0">
+              <a:t>https://en.wikipedia.org/wiki/Dynamic_frequency_scaling</a:t>
+            </a:r>
+            <a:endParaRPr lang="hu-HU" sz="2400" dirty="0">
               <a:latin typeface="Bahnschrift Light Condensed" panose="020B0502040204020203" pitchFamily="34" charset="0"/>
             </a:endParaRPr>
           </a:p>
@@ -3925,16 +4154,9 @@
                 <a:latin typeface="Bahnschrift Light Condensed" panose="020B0502040204020203" pitchFamily="34" charset="0"/>
                 <a:hlinkClick r:id="rId6"/>
               </a:rPr>
-              <a:t>https://</a:t>
-            </a:r>
-            <a:r>
-              <a:rPr lang="hu-HU" sz="2400" dirty="0" smtClean="0">
-                <a:latin typeface="Bahnschrift Light Condensed" panose="020B0502040204020203" pitchFamily="34" charset="0"/>
-                <a:hlinkClick r:id="rId6"/>
-              </a:rPr>
-              <a:t>en.wikipedia.org/wiki/Power_management</a:t>
-            </a:r>
-            <a:endParaRPr lang="hu-HU" sz="2400" dirty="0" smtClean="0">
+              <a:t>https://en.wikipedia.org/wiki/Power_management</a:t>
+            </a:r>
+            <a:endParaRPr lang="hu-HU" sz="2400" dirty="0">
               <a:latin typeface="Bahnschrift Light Condensed" panose="020B0502040204020203" pitchFamily="34" charset="0"/>
             </a:endParaRPr>
           </a:p>
@@ -3944,16 +4166,9 @@
                 <a:latin typeface="Bahnschrift Light Condensed" panose="020B0502040204020203" pitchFamily="34" charset="0"/>
                 <a:hlinkClick r:id="rId7"/>
               </a:rPr>
-              <a:t>https://</a:t>
-            </a:r>
-            <a:r>
-              <a:rPr lang="hu-HU" sz="2400" dirty="0" smtClean="0">
-                <a:latin typeface="Bahnschrift Light Condensed" panose="020B0502040204020203" pitchFamily="34" charset="0"/>
-                <a:hlinkClick r:id="rId7"/>
-              </a:rPr>
-              <a:t>en.wikipedia.org/wiki/Cool%27n%27Quiet</a:t>
-            </a:r>
-            <a:endParaRPr lang="hu-HU" sz="2400" dirty="0" smtClean="0">
+              <a:t>https://en.wikipedia.org/wiki/Cool%27n%27Quiet</a:t>
+            </a:r>
+            <a:endParaRPr lang="hu-HU" sz="2400" dirty="0">
               <a:latin typeface="Bahnschrift Light Condensed" panose="020B0502040204020203" pitchFamily="34" charset="0"/>
             </a:endParaRPr>
           </a:p>
@@ -3966,19 +4181,19 @@
               <a:t>https://en.wikipedia.org/wiki/PowerNow</a:t>
             </a:r>
             <a:r>
-              <a:rPr lang="hu-HU" sz="2400" dirty="0" smtClean="0">
+              <a:rPr lang="hu-HU" sz="2400" dirty="0">
                 <a:latin typeface="Bahnschrift Light Condensed" panose="020B0502040204020203" pitchFamily="34" charset="0"/>
               </a:rPr>
               <a:t>!</a:t>
             </a:r>
           </a:p>
           <a:p>
-            <a:endParaRPr lang="hu-HU" sz="2400" dirty="0" smtClean="0">
+            <a:endParaRPr lang="hu-HU" sz="2400" dirty="0">
               <a:latin typeface="Bahnschrift Light Condensed" panose="020B0502040204020203" pitchFamily="34" charset="0"/>
             </a:endParaRPr>
           </a:p>
           <a:p>
-            <a:endParaRPr lang="hu-HU" sz="2400" dirty="0" smtClean="0">
+            <a:endParaRPr lang="hu-HU" sz="2400" dirty="0">
               <a:latin typeface="Bahnschrift Light Condensed" panose="020B0502040204020203" pitchFamily="34" charset="0"/>
             </a:endParaRPr>
           </a:p>
@@ -3997,13 +4212,6 @@
   <p:transition spd="slow">
     <p:push dir="u"/>
   </p:transition>
-  <p:timing>
-    <p:tnLst>
-      <p:par>
-        <p:cTn id="1" dur="indefinite" restart="never" nodeType="tmRoot"/>
-      </p:par>
-    </p:tnLst>
-  </p:timing>
 </p:sld>
 </file>
 
@@ -4026,7 +4234,13 @@
       </p:grpSpPr>
       <p:sp>
         <p:nvSpPr>
-          <p:cNvPr id="2" name="Cím 1"/>
+          <p:cNvPr id="2" name="Title 1">
+            <a:extLst>
+              <a:ext uri="{FF2B5EF4-FFF2-40B4-BE49-F238E27FC236}">
+                <a16:creationId xmlns:a16="http://schemas.microsoft.com/office/drawing/2014/main" id="{0228BDB1-69DE-43D0-FDFD-B879BD82B247}"/>
+              </a:ext>
+            </a:extLst>
+          </p:cNvPr>
           <p:cNvSpPr>
             <a:spLocks noGrp="1"/>
           </p:cNvSpPr>
@@ -4036,7 +4250,7 @@
         </p:nvSpPr>
         <p:spPr>
           <a:xfrm>
-            <a:off x="838200" y="182563"/>
+            <a:off x="934702" y="223147"/>
             <a:ext cx="9692640" cy="1325562"/>
           </a:xfrm>
         </p:spPr>
@@ -4048,14 +4262,20 @@
               <a:rPr lang="hu-HU" dirty="0">
                 <a:latin typeface="Bahnschrift Light Condensed" panose="020B0502040204020203" pitchFamily="34" charset="0"/>
               </a:rPr>
-              <a:t>Miért kell a CPU-t hűteni?</a:t>
-            </a:r>
-          </a:p>
-        </p:txBody>
-      </p:sp>
-      <p:sp>
-        <p:nvSpPr>
-          <p:cNvPr id="3" name="Tartalom helye 2"/>
+              <a:t>Mi az a CPU?</a:t>
+            </a:r>
+          </a:p>
+        </p:txBody>
+      </p:sp>
+      <p:sp>
+        <p:nvSpPr>
+          <p:cNvPr id="3" name="Content Placeholder 2">
+            <a:extLst>
+              <a:ext uri="{FF2B5EF4-FFF2-40B4-BE49-F238E27FC236}">
+                <a16:creationId xmlns:a16="http://schemas.microsoft.com/office/drawing/2014/main" id="{589748B9-6DE4-4E85-4704-EA29432AC915}"/>
+              </a:ext>
+            </a:extLst>
+          </p:cNvPr>
           <p:cNvSpPr>
             <a:spLocks noGrp="1"/>
           </p:cNvSpPr>
@@ -4065,8 +4285,8 @@
         </p:nvSpPr>
         <p:spPr>
           <a:xfrm>
-            <a:off x="838200" y="1508125"/>
-            <a:ext cx="10515600" cy="4351338"/>
+            <a:off x="842423" y="1515153"/>
+            <a:ext cx="8595360" cy="4351337"/>
           </a:xfrm>
         </p:spPr>
         <p:txBody>
@@ -4075,56 +4295,82 @@
           </a:bodyPr>
           <a:lstStyle/>
           <a:p>
-            <a:r>
-              <a:rPr lang="hu-HU" sz="2200" dirty="0">
-                <a:latin typeface="Bahnschrift Light Condensed" panose="020B0502040204020203" pitchFamily="34" charset="0"/>
-              </a:rPr>
-              <a:t>A CPU-k (Central Processing Unit) olyan frekvencián futnak, hogy elolvadnának hűtés nélkül.</a:t>
-            </a:r>
-          </a:p>
-          <a:p>
-            <a:r>
-              <a:rPr lang="hu-HU" sz="2200" dirty="0">
-                <a:latin typeface="Bahnschrift Light Condensed" panose="020B0502040204020203" pitchFamily="34" charset="0"/>
-              </a:rPr>
-              <a:t>Magas hőfokokon a modern CPU-k csökkentik a frekvenciájukat, így alacsonyabb teljesítményt tudnak nyújtani a felhasználónak.</a:t>
-            </a:r>
-          </a:p>
-          <a:p>
-            <a:r>
-              <a:rPr lang="hu-HU" sz="2200" dirty="0">
-                <a:latin typeface="Bahnschrift Light Condensed" panose="020B0502040204020203" pitchFamily="34" charset="0"/>
-              </a:rPr>
-              <a:t> Ha túl magas hőfokon fut a CPU, akkor ki is kapcsolhat a számítógép.</a:t>
-            </a:r>
-          </a:p>
-          <a:p>
-            <a:endParaRPr lang="hu-HU" sz="2200" dirty="0">
+            <a:endParaRPr lang="hu-HU" sz="2400" dirty="0">
               <a:latin typeface="Bahnschrift Light Condensed" panose="020B0502040204020203" pitchFamily="34" charset="0"/>
             </a:endParaRPr>
           </a:p>
-        </p:txBody>
-      </p:sp>
+          <a:p>
+            <a:r>
+              <a:rPr lang="hu-HU" sz="2400" dirty="0">
+                <a:latin typeface="Bahnschrift Light Condensed" panose="020B0502040204020203" pitchFamily="34" charset="0"/>
+              </a:rPr>
+              <a:t>A CPU (Central Processing Unit) a számítógép központi feldolgozó egysége, másnéven processzor, mikroprocesszor, a gép „agya”, azon egysége, amely az utasítások értelmezését és végrehajtását vezérli. </a:t>
+            </a:r>
+          </a:p>
+          <a:p>
+            <a:endParaRPr lang="hu-HU" sz="2400" dirty="0">
+              <a:latin typeface="Bahnschrift Light Condensed" panose="020B0502040204020203" pitchFamily="34" charset="0"/>
+            </a:endParaRPr>
+          </a:p>
+        </p:txBody>
+      </p:sp>
+      <p:pic>
+        <p:nvPicPr>
+          <p:cNvPr id="1026" name="Picture 2">
+            <a:extLst>
+              <a:ext uri="{FF2B5EF4-FFF2-40B4-BE49-F238E27FC236}">
+                <a16:creationId xmlns:a16="http://schemas.microsoft.com/office/drawing/2014/main" id="{F071DA59-2F7F-90D4-AF95-144B8032978E}"/>
+              </a:ext>
+            </a:extLst>
+          </p:cNvPr>
+          <p:cNvPicPr>
+            <a:picLocks noChangeAspect="1" noChangeArrowheads="1"/>
+          </p:cNvPicPr>
+          <p:nvPr/>
+        </p:nvPicPr>
+        <p:blipFill>
+          <a:blip r:embed="rId2" cstate="print">
+            <a:extLst>
+              <a:ext uri="{28A0092B-C50C-407E-A947-70E740481C1C}">
+                <a14:useLocalDpi xmlns:a14="http://schemas.microsoft.com/office/drawing/2010/main" val="0"/>
+              </a:ext>
+            </a:extLst>
+          </a:blip>
+          <a:srcRect/>
+          <a:stretch>
+            <a:fillRect/>
+          </a:stretch>
+        </p:blipFill>
+        <p:spPr bwMode="auto">
+          <a:xfrm>
+            <a:off x="5601915" y="3286387"/>
+            <a:ext cx="3869424" cy="3095539"/>
+          </a:xfrm>
+          <a:prstGeom prst="rect">
+            <a:avLst/>
+          </a:prstGeom>
+          <a:noFill/>
+          <a:extLst>
+            <a:ext uri="{909E8E84-426E-40DD-AFC4-6F175D3DCCD1}">
+              <a14:hiddenFill xmlns:a14="http://schemas.microsoft.com/office/drawing/2010/main">
+                <a:solidFill>
+                  <a:srgbClr val="FFFFFF"/>
+                </a:solidFill>
+              </a14:hiddenFill>
+            </a:ext>
+          </a:extLst>
+        </p:spPr>
+      </p:pic>
     </p:spTree>
     <p:extLst>
       <p:ext uri="{BB962C8B-B14F-4D97-AF65-F5344CB8AC3E}">
-        <p14:creationId xmlns:p14="http://schemas.microsoft.com/office/powerpoint/2010/main" val="2719650727"/>
+        <p14:creationId xmlns:p14="http://schemas.microsoft.com/office/powerpoint/2010/main" val="3561152969"/>
       </p:ext>
     </p:extLst>
   </p:cSld>
   <p:clrMapOvr>
     <a:masterClrMapping/>
   </p:clrMapOvr>
-  <p:transition spd="med">
-    <p:push dir="u"/>
-  </p:transition>
-  <p:timing>
-    <p:tnLst>
-      <p:par>
-        <p:cTn id="1" dur="indefinite" restart="never" nodeType="tmRoot"/>
-      </p:par>
-    </p:tnLst>
-  </p:timing>
 </p:sld>
 </file>
 
@@ -4157,7 +4403,7 @@
         </p:nvSpPr>
         <p:spPr>
           <a:xfrm>
-            <a:off x="854490" y="182563"/>
+            <a:off x="838200" y="182563"/>
             <a:ext cx="9692640" cy="1325562"/>
           </a:xfrm>
         </p:spPr>
@@ -4169,7 +4415,7 @@
               <a:rPr lang="hu-HU" dirty="0">
                 <a:latin typeface="Bahnschrift Light Condensed" panose="020B0502040204020203" pitchFamily="34" charset="0"/>
               </a:rPr>
-              <a:t>CPU hűtési technológiák</a:t>
+              <a:t>Miért kell a CPU-t hűteni?</a:t>
             </a:r>
           </a:p>
         </p:txBody>
@@ -4196,67 +4442,159 @@
           </a:bodyPr>
           <a:lstStyle/>
           <a:p>
-            <a:r>
-              <a:rPr lang="hu-HU" sz="2200" dirty="0" smtClean="0">
-                <a:latin typeface="Bahnschrift Light Condensed" panose="020B0502040204020203" pitchFamily="34" charset="0"/>
-              </a:rPr>
-              <a:t>Léghűtés: A processzorra egy hűtőbordát szerelnek, és rá egy </a:t>
-            </a:r>
-            <a:r>
-              <a:rPr lang="hu-HU" sz="2200" dirty="0" err="1" smtClean="0">
-                <a:latin typeface="Bahnschrift Light Condensed" panose="020B0502040204020203" pitchFamily="34" charset="0"/>
-              </a:rPr>
-              <a:t>ventillátort</a:t>
-            </a:r>
-            <a:r>
-              <a:rPr lang="hu-HU" sz="2200" dirty="0" smtClean="0">
-                <a:latin typeface="Bahnschrift Light Condensed" panose="020B0502040204020203" pitchFamily="34" charset="0"/>
-              </a:rPr>
-              <a:t>, hogy hűtse a hűtőbordát.</a:t>
-            </a:r>
             <a:endParaRPr lang="hu-HU" sz="2200" dirty="0">
               <a:latin typeface="Bahnschrift Light Condensed" panose="020B0502040204020203" pitchFamily="34" charset="0"/>
             </a:endParaRPr>
           </a:p>
           <a:p>
             <a:r>
-              <a:rPr lang="hu-HU" sz="2200" dirty="0" smtClean="0">
-                <a:latin typeface="Bahnschrift Light Condensed" panose="020B0502040204020203" pitchFamily="34" charset="0"/>
-              </a:rPr>
-              <a:t>Vízhűtés: Csövekben hűtőfolyadékot cirkulálnak, így magasabb hűtéshatékonyságot ér el.</a:t>
-            </a:r>
+              <a:rPr lang="hu-HU" sz="2200" dirty="0">
+                <a:latin typeface="Bahnschrift Light Condensed" panose="020B0502040204020203" pitchFamily="34" charset="0"/>
+              </a:rPr>
+              <a:t>A CPU-k olyan magas frekvencián futnak, hogy elolvadnának hűtés nélkül.</a:t>
+            </a:r>
+          </a:p>
+          <a:p>
+            <a:r>
+              <a:rPr lang="hu-HU" sz="2200" dirty="0">
+                <a:latin typeface="Bahnschrift Light Condensed" panose="020B0502040204020203" pitchFamily="34" charset="0"/>
+              </a:rPr>
+              <a:t>Magas hőfokon a modern CPU-k csökkentik a frekvenciájukat.</a:t>
+            </a:r>
+          </a:p>
+          <a:p>
+            <a:r>
+              <a:rPr lang="hu-HU" sz="2200" dirty="0">
+                <a:latin typeface="Bahnschrift Light Condensed" panose="020B0502040204020203" pitchFamily="34" charset="0"/>
+              </a:rPr>
+              <a:t>Ha túl magas hőfokon fut a CPU, akkor ki is kapcsolhat a számítógép, így védi meg magát a károsodástól.</a:t>
+            </a:r>
+          </a:p>
+          <a:p>
             <a:endParaRPr lang="hu-HU" sz="2200" dirty="0">
               <a:latin typeface="Bahnschrift Light Condensed" panose="020B0502040204020203" pitchFamily="34" charset="0"/>
             </a:endParaRPr>
           </a:p>
+        </p:txBody>
+      </p:sp>
+    </p:spTree>
+    <p:extLst>
+      <p:ext uri="{BB962C8B-B14F-4D97-AF65-F5344CB8AC3E}">
+        <p14:creationId xmlns:p14="http://schemas.microsoft.com/office/powerpoint/2010/main" val="2719650727"/>
+      </p:ext>
+    </p:extLst>
+  </p:cSld>
+  <p:clrMapOvr>
+    <a:masterClrMapping/>
+  </p:clrMapOvr>
+  <p:transition spd="med">
+    <p:push dir="u"/>
+  </p:transition>
+</p:sld>
+</file>
+
+<file path=ppt/slides/slide4.xml><?xml version="1.0" encoding="utf-8"?>
+<p:sld xmlns:a="http://schemas.openxmlformats.org/drawingml/2006/main" xmlns:r="http://schemas.openxmlformats.org/officeDocument/2006/relationships" xmlns:p="http://schemas.openxmlformats.org/presentationml/2006/main">
+  <p:cSld>
+    <p:spTree>
+      <p:nvGrpSpPr>
+        <p:cNvPr id="1" name=""/>
+        <p:cNvGrpSpPr/>
+        <p:nvPr/>
+      </p:nvGrpSpPr>
+      <p:grpSpPr>
+        <a:xfrm>
+          <a:off x="0" y="0"/>
+          <a:ext cx="0" cy="0"/>
+          <a:chOff x="0" y="0"/>
+          <a:chExt cx="0" cy="0"/>
+        </a:xfrm>
+      </p:grpSpPr>
+      <p:sp>
+        <p:nvSpPr>
+          <p:cNvPr id="2" name="Cím 1"/>
+          <p:cNvSpPr>
+            <a:spLocks noGrp="1"/>
+          </p:cNvSpPr>
+          <p:nvPr>
+            <p:ph type="title"/>
+          </p:nvPr>
+        </p:nvSpPr>
+        <p:spPr>
+          <a:xfrm>
+            <a:off x="854490" y="182563"/>
+            <a:ext cx="9692640" cy="1325562"/>
+          </a:xfrm>
+        </p:spPr>
+        <p:txBody>
+          <a:bodyPr/>
+          <a:lstStyle/>
+          <a:p>
+            <a:r>
+              <a:rPr lang="hu-HU" dirty="0">
+                <a:latin typeface="Bahnschrift Light Condensed" panose="020B0502040204020203" pitchFamily="34" charset="0"/>
+              </a:rPr>
+              <a:t>CPU hűtési technológiák</a:t>
+            </a:r>
+          </a:p>
+        </p:txBody>
+      </p:sp>
+      <p:sp>
+        <p:nvSpPr>
+          <p:cNvPr id="3" name="Tartalom helye 2"/>
+          <p:cNvSpPr>
+            <a:spLocks noGrp="1"/>
+          </p:cNvSpPr>
+          <p:nvPr>
+            <p:ph idx="1"/>
+          </p:nvPr>
+        </p:nvSpPr>
+        <p:spPr>
+          <a:xfrm>
+            <a:off x="838200" y="1508125"/>
+            <a:ext cx="10515600" cy="4351338"/>
+          </a:xfrm>
+        </p:spPr>
+        <p:txBody>
+          <a:bodyPr>
+            <a:normAutofit/>
+          </a:bodyPr>
+          <a:lstStyle/>
           <a:p>
             <a:r>
               <a:rPr lang="hu-HU" sz="2200" dirty="0">
                 <a:latin typeface="Bahnschrift Light Condensed" panose="020B0502040204020203" pitchFamily="34" charset="0"/>
               </a:rPr>
-              <a:t>Passzív</a:t>
-            </a:r>
-            <a:r>
-              <a:rPr lang="hu-HU" sz="2200" dirty="0" smtClean="0">
-                <a:latin typeface="Bahnschrift Light Condensed" panose="020B0502040204020203" pitchFamily="34" charset="0"/>
-              </a:rPr>
-              <a:t>: A processzorra egy hűtőbordát szerelnek, de nem illesztenek rá egy </a:t>
-            </a:r>
-            <a:r>
-              <a:rPr lang="hu-HU" sz="2200" dirty="0" err="1" smtClean="0">
+              <a:t>Léghűtés: A processzorra egy hűtőbordát szerelnek, és rá egy </a:t>
+            </a:r>
+            <a:r>
+              <a:rPr lang="hu-HU" sz="2200" dirty="0" err="1">
                 <a:latin typeface="Bahnschrift Light Condensed" panose="020B0502040204020203" pitchFamily="34" charset="0"/>
               </a:rPr>
               <a:t>ventillátort</a:t>
             </a:r>
             <a:r>
-              <a:rPr lang="hu-HU" sz="2200" dirty="0" smtClean="0">
-                <a:latin typeface="Bahnschrift Light Condensed" panose="020B0502040204020203" pitchFamily="34" charset="0"/>
-              </a:rPr>
-              <a:t>.</a:t>
-            </a:r>
-            <a:endParaRPr lang="hu-HU" sz="2200" dirty="0">
-              <a:latin typeface="Bahnschrift Light Condensed" panose="020B0502040204020203" pitchFamily="34" charset="0"/>
-            </a:endParaRPr>
+              <a:rPr lang="hu-HU" sz="2200" dirty="0">
+                <a:latin typeface="Bahnschrift Light Condensed" panose="020B0502040204020203" pitchFamily="34" charset="0"/>
+              </a:rPr>
+              <a:t>, hogy hűtse a hűtőbordát.</a:t>
+            </a:r>
+          </a:p>
+          <a:p>
+            <a:r>
+              <a:rPr lang="hu-HU" sz="2200" dirty="0">
+                <a:latin typeface="Bahnschrift Light Condensed" panose="020B0502040204020203" pitchFamily="34" charset="0"/>
+              </a:rPr>
+              <a:t>Vízhűtés: Csövekben hűtőfolyadékot cirkulálnak, így magasabb hűtéshatékonyságot érnek el.</a:t>
+            </a:r>
+          </a:p>
+          <a:p>
+            <a:r>
+              <a:rPr lang="hu-HU" sz="2200" dirty="0">
+                <a:latin typeface="Bahnschrift Light Condensed" panose="020B0502040204020203" pitchFamily="34" charset="0"/>
+              </a:rPr>
+              <a:t>Passzív: A processzorra egy hűtőbordát szerelnek, de nem illesztenek rá ventillátort.</a:t>
+            </a:r>
           </a:p>
         </p:txBody>
       </p:sp>
@@ -4325,14 +4663,11 @@
           <a:p>
             <a:pPr algn="ctr"/>
             <a:r>
-              <a:rPr lang="hu-HU" sz="2500" dirty="0" smtClean="0">
+              <a:rPr lang="hu-HU" sz="2500" dirty="0">
                 <a:latin typeface="Bahnschrift Light Condensed" panose="020B0502040204020203" pitchFamily="34" charset="0"/>
               </a:rPr>
               <a:t>Léghűtéses CPU hűtő</a:t>
             </a:r>
-            <a:endParaRPr lang="hu-HU" sz="2500" dirty="0">
-              <a:latin typeface="Bahnschrift Light Condensed" panose="020B0502040204020203" pitchFamily="34" charset="0"/>
-            </a:endParaRPr>
           </a:p>
         </p:txBody>
       </p:sp>
@@ -4401,14 +4736,11 @@
           <a:p>
             <a:pPr algn="ctr"/>
             <a:r>
-              <a:rPr lang="hu-HU" sz="2500" dirty="0" smtClean="0">
+              <a:rPr lang="hu-HU" sz="2500" dirty="0">
                 <a:latin typeface="Bahnschrift Light Condensed" panose="020B0502040204020203" pitchFamily="34" charset="0"/>
               </a:rPr>
               <a:t>Vízhűtéses CPU hűtő</a:t>
             </a:r>
-            <a:endParaRPr lang="hu-HU" sz="2500" dirty="0">
-              <a:latin typeface="Bahnschrift Light Condensed" panose="020B0502040204020203" pitchFamily="34" charset="0"/>
-            </a:endParaRPr>
           </a:p>
         </p:txBody>
       </p:sp>
@@ -4477,14 +4809,11 @@
           <a:p>
             <a:pPr algn="ctr"/>
             <a:r>
-              <a:rPr lang="hu-HU" sz="2500" dirty="0" smtClean="0">
+              <a:rPr lang="hu-HU" sz="2500" dirty="0">
                 <a:latin typeface="Bahnschrift Light Condensed" panose="020B0502040204020203" pitchFamily="34" charset="0"/>
               </a:rPr>
               <a:t>Passzív CPU hűtő</a:t>
             </a:r>
-            <a:endParaRPr lang="hu-HU" sz="2500" dirty="0">
-              <a:latin typeface="Bahnschrift Light Condensed" panose="020B0502040204020203" pitchFamily="34" charset="0"/>
-            </a:endParaRPr>
           </a:p>
         </p:txBody>
       </p:sp>
@@ -4501,216 +4830,6 @@
   <p:transition spd="med">
     <p:push dir="u"/>
   </p:transition>
-  <p:timing>
-    <p:tnLst>
-      <p:par>
-        <p:cTn id="1" dur="indefinite" restart="never" nodeType="tmRoot"/>
-      </p:par>
-    </p:tnLst>
-  </p:timing>
-</p:sld>
-</file>
-
-<file path=ppt/slides/slide4.xml><?xml version="1.0" encoding="utf-8"?>
-<p:sld xmlns:a="http://schemas.openxmlformats.org/drawingml/2006/main" xmlns:r="http://schemas.openxmlformats.org/officeDocument/2006/relationships" xmlns:p="http://schemas.openxmlformats.org/presentationml/2006/main">
-  <p:cSld>
-    <p:spTree>
-      <p:nvGrpSpPr>
-        <p:cNvPr id="1" name=""/>
-        <p:cNvGrpSpPr/>
-        <p:nvPr/>
-      </p:nvGrpSpPr>
-      <p:grpSpPr>
-        <a:xfrm>
-          <a:off x="0" y="0"/>
-          <a:ext cx="0" cy="0"/>
-          <a:chOff x="0" y="0"/>
-          <a:chExt cx="0" cy="0"/>
-        </a:xfrm>
-      </p:grpSpPr>
-      <p:sp>
-        <p:nvSpPr>
-          <p:cNvPr id="2" name="Cím 1"/>
-          <p:cNvSpPr>
-            <a:spLocks noGrp="1"/>
-          </p:cNvSpPr>
-          <p:nvPr>
-            <p:ph type="title"/>
-          </p:nvPr>
-        </p:nvSpPr>
-        <p:spPr>
-          <a:xfrm>
-            <a:off x="847048" y="191004"/>
-            <a:ext cx="9692640" cy="1325562"/>
-          </a:xfrm>
-        </p:spPr>
-        <p:txBody>
-          <a:bodyPr/>
-          <a:lstStyle/>
-          <a:p>
-            <a:r>
-              <a:rPr lang="hu-HU" dirty="0" smtClean="0">
-                <a:latin typeface="Bahnschrift Light Condensed" panose="020B0502040204020203" pitchFamily="34" charset="0"/>
-              </a:rPr>
-              <a:t>Léghűtés előnyei és hátrányai</a:t>
-            </a:r>
-            <a:endParaRPr lang="hu-HU" dirty="0">
-              <a:latin typeface="Bahnschrift Light Condensed" panose="020B0502040204020203" pitchFamily="34" charset="0"/>
-            </a:endParaRPr>
-          </a:p>
-        </p:txBody>
-      </p:sp>
-      <p:sp>
-        <p:nvSpPr>
-          <p:cNvPr id="3" name="Tartalom helye 2"/>
-          <p:cNvSpPr>
-            <a:spLocks noGrp="1"/>
-          </p:cNvSpPr>
-          <p:nvPr>
-            <p:ph idx="1"/>
-          </p:nvPr>
-        </p:nvSpPr>
-        <p:spPr>
-          <a:xfrm>
-            <a:off x="847048" y="1561170"/>
-            <a:ext cx="8595360" cy="4351337"/>
-          </a:xfrm>
-        </p:spPr>
-        <p:txBody>
-          <a:bodyPr>
-            <a:normAutofit/>
-          </a:bodyPr>
-          <a:lstStyle/>
-          <a:p>
-            <a:r>
-              <a:rPr lang="hu-HU" sz="2200" dirty="0" smtClean="0">
-                <a:latin typeface="Bahnschrift Light Condensed" panose="020B0502040204020203" pitchFamily="34" charset="0"/>
-              </a:rPr>
-              <a:t>Előnyök:</a:t>
-            </a:r>
-          </a:p>
-          <a:p>
-            <a:pPr>
-              <a:buFontTx/>
-              <a:buChar char="-"/>
-            </a:pPr>
-            <a:r>
-              <a:rPr lang="hu-HU" sz="2200" dirty="0" smtClean="0">
-                <a:latin typeface="Bahnschrift Light Condensed" panose="020B0502040204020203" pitchFamily="34" charset="0"/>
-              </a:rPr>
-              <a:t>Olcsóbb</a:t>
-            </a:r>
-          </a:p>
-          <a:p>
-            <a:pPr>
-              <a:buFontTx/>
-              <a:buChar char="-"/>
-            </a:pPr>
-            <a:r>
-              <a:rPr lang="hu-HU" sz="2200" dirty="0" smtClean="0">
-                <a:latin typeface="Bahnschrift Light Condensed" panose="020B0502040204020203" pitchFamily="34" charset="0"/>
-              </a:rPr>
-              <a:t>Ritkább meghibásodás</a:t>
-            </a:r>
-          </a:p>
-          <a:p>
-            <a:pPr>
-              <a:buFontTx/>
-              <a:buChar char="-"/>
-            </a:pPr>
-            <a:r>
-              <a:rPr lang="hu-HU" sz="2200" dirty="0" smtClean="0">
-                <a:latin typeface="Bahnschrift Light Condensed" panose="020B0502040204020203" pitchFamily="34" charset="0"/>
-              </a:rPr>
-              <a:t>Könnyebb installáció</a:t>
-            </a:r>
-          </a:p>
-          <a:p>
-            <a:endParaRPr lang="hu-HU" sz="2200" dirty="0" smtClean="0">
-              <a:latin typeface="Bahnschrift Light Condensed" panose="020B0502040204020203" pitchFamily="34" charset="0"/>
-            </a:endParaRPr>
-          </a:p>
-          <a:p>
-            <a:r>
-              <a:rPr lang="hu-HU" sz="2200" dirty="0" smtClean="0">
-                <a:latin typeface="Bahnschrift Light Condensed" panose="020B0502040204020203" pitchFamily="34" charset="0"/>
-              </a:rPr>
-              <a:t>Hátrányok:</a:t>
-            </a:r>
-          </a:p>
-          <a:p>
-            <a:pPr>
-              <a:buFontTx/>
-              <a:buChar char="-"/>
-            </a:pPr>
-            <a:r>
-              <a:rPr lang="hu-HU" sz="2200" dirty="0" smtClean="0">
-                <a:latin typeface="Bahnschrift Light Condensed" panose="020B0502040204020203" pitchFamily="34" charset="0"/>
-              </a:rPr>
-              <a:t>Alacsonyabb hatásfok</a:t>
-            </a:r>
-          </a:p>
-          <a:p>
-            <a:pPr>
-              <a:buFontTx/>
-              <a:buChar char="-"/>
-            </a:pPr>
-            <a:r>
-              <a:rPr lang="hu-HU" sz="2200" dirty="0" smtClean="0">
-                <a:latin typeface="Bahnschrift Light Condensed" panose="020B0502040204020203" pitchFamily="34" charset="0"/>
-              </a:rPr>
-              <a:t>Hangosabb</a:t>
-            </a:r>
-          </a:p>
-          <a:p>
-            <a:pPr>
-              <a:buFontTx/>
-              <a:buChar char="-"/>
-            </a:pPr>
-            <a:endParaRPr lang="hu-HU" sz="2200" dirty="0" smtClean="0">
-              <a:latin typeface="Bahnschrift Light Condensed" panose="020B0502040204020203" pitchFamily="34" charset="0"/>
-            </a:endParaRPr>
-          </a:p>
-          <a:p>
-            <a:pPr>
-              <a:buFontTx/>
-              <a:buChar char="-"/>
-            </a:pPr>
-            <a:endParaRPr lang="hu-HU" sz="2200" dirty="0" smtClean="0">
-              <a:latin typeface="Bahnschrift Light Condensed" panose="020B0502040204020203" pitchFamily="34" charset="0"/>
-            </a:endParaRPr>
-          </a:p>
-          <a:p>
-            <a:pPr>
-              <a:buFontTx/>
-              <a:buChar char="-"/>
-            </a:pPr>
-            <a:endParaRPr lang="hu-HU" sz="2200" dirty="0" smtClean="0">
-              <a:latin typeface="Bahnschrift Light Condensed" panose="020B0502040204020203" pitchFamily="34" charset="0"/>
-            </a:endParaRPr>
-          </a:p>
-        </p:txBody>
-      </p:sp>
-    </p:spTree>
-    <p:extLst>
-      <p:ext uri="{BB962C8B-B14F-4D97-AF65-F5344CB8AC3E}">
-        <p14:creationId xmlns:p14="http://schemas.microsoft.com/office/powerpoint/2010/main" val="815354087"/>
-      </p:ext>
-    </p:extLst>
-  </p:cSld>
-  <p:clrMapOvr>
-    <a:masterClrMapping/>
-  </p:clrMapOvr>
-  <p:transition spd="med">
-    <p:push dir="u"/>
-  </p:transition>
-  <p:timing>
-    <p:tnLst>
-      <p:par>
-        <p:cTn id="1" dur="indefinite" restart="never" nodeType="tmRoot"/>
-      </p:par>
-    </p:tnLst>
-  </p:timing>
 </p:sld>
 </file>
 
@@ -4743,7 +4862,7 @@
         </p:nvSpPr>
         <p:spPr>
           <a:xfrm>
-            <a:off x="849278" y="198495"/>
+            <a:off x="847048" y="191004"/>
             <a:ext cx="9692640" cy="1325562"/>
           </a:xfrm>
         </p:spPr>
@@ -4752,14 +4871,11 @@
           <a:lstStyle/>
           <a:p>
             <a:r>
-              <a:rPr lang="hu-HU" dirty="0" smtClean="0">
-                <a:latin typeface="Bahnschrift Light Condensed" panose="020B0502040204020203" pitchFamily="34" charset="0"/>
-              </a:rPr>
-              <a:t>Vízhűtés előnyei és hátrányai</a:t>
-            </a:r>
-            <a:endParaRPr lang="hu-HU" dirty="0">
-              <a:latin typeface="Bahnschrift Light Condensed" panose="020B0502040204020203" pitchFamily="34" charset="0"/>
-            </a:endParaRPr>
+              <a:rPr lang="hu-HU" dirty="0">
+                <a:latin typeface="Bahnschrift Light Condensed" panose="020B0502040204020203" pitchFamily="34" charset="0"/>
+              </a:rPr>
+              <a:t>Léghűtés előnyei és hátrányai</a:t>
+            </a:r>
           </a:p>
         </p:txBody>
       </p:sp>
@@ -4775,21 +4891,99 @@
         </p:nvSpPr>
         <p:spPr>
           <a:xfrm>
-            <a:off x="849279" y="1590963"/>
+            <a:off x="847048" y="1561170"/>
             <a:ext cx="8595360" cy="4351337"/>
           </a:xfrm>
         </p:spPr>
         <p:txBody>
           <a:bodyPr>
-            <a:normAutofit fontScale="92500" lnSpcReduction="10000"/>
+            <a:normAutofit/>
           </a:bodyPr>
           <a:lstStyle/>
           <a:p>
-            <a:r>
-              <a:rPr lang="hu-HU" sz="2400" dirty="0" smtClean="0">
+            <a:endParaRPr lang="hu-HU" sz="2200" b="1" dirty="0">
+              <a:latin typeface="Bahnschrift Light Condensed" panose="020B0502040204020203" pitchFamily="34" charset="0"/>
+            </a:endParaRPr>
+          </a:p>
+          <a:p>
+            <a:r>
+              <a:rPr lang="hu-HU" sz="2200" b="1" dirty="0">
                 <a:latin typeface="Bahnschrift Light Condensed" panose="020B0502040204020203" pitchFamily="34" charset="0"/>
               </a:rPr>
               <a:t>Előnyök:</a:t>
+            </a:r>
+          </a:p>
+          <a:p>
+            <a:pPr lvl="1">
+              <a:buFontTx/>
+              <a:buChar char="-"/>
+            </a:pPr>
+            <a:r>
+              <a:rPr lang="hu-HU" sz="2000" dirty="0">
+                <a:latin typeface="Bahnschrift Light Condensed" panose="020B0502040204020203" pitchFamily="34" charset="0"/>
+              </a:rPr>
+              <a:t>Olcsóbb</a:t>
+            </a:r>
+          </a:p>
+          <a:p>
+            <a:pPr lvl="1">
+              <a:buFontTx/>
+              <a:buChar char="-"/>
+            </a:pPr>
+            <a:r>
+              <a:rPr lang="hu-HU" sz="2000" dirty="0">
+                <a:latin typeface="Bahnschrift Light Condensed" panose="020B0502040204020203" pitchFamily="34" charset="0"/>
+              </a:rPr>
+              <a:t>Ritkább meghibásodás</a:t>
+            </a:r>
+          </a:p>
+          <a:p>
+            <a:pPr lvl="1">
+              <a:buFontTx/>
+              <a:buChar char="-"/>
+            </a:pPr>
+            <a:r>
+              <a:rPr lang="hu-HU" sz="2000" dirty="0">
+                <a:latin typeface="Bahnschrift Light Condensed" panose="020B0502040204020203" pitchFamily="34" charset="0"/>
+              </a:rPr>
+              <a:t>Könnyebb installáció</a:t>
+            </a:r>
+          </a:p>
+          <a:p>
+            <a:endParaRPr lang="hu-HU" sz="2200" dirty="0">
+              <a:latin typeface="Bahnschrift Light Condensed" panose="020B0502040204020203" pitchFamily="34" charset="0"/>
+            </a:endParaRPr>
+          </a:p>
+          <a:p>
+            <a:r>
+              <a:rPr lang="hu-HU" sz="2200" b="1" dirty="0">
+                <a:latin typeface="Bahnschrift Light Condensed" panose="020B0502040204020203" pitchFamily="34" charset="0"/>
+              </a:rPr>
+              <a:t>Hátrányok:</a:t>
+            </a:r>
+          </a:p>
+          <a:p>
+            <a:pPr lvl="1">
+              <a:buFontTx/>
+              <a:buChar char="-"/>
+            </a:pPr>
+            <a:r>
+              <a:rPr lang="hu-HU" sz="2000" dirty="0">
+                <a:latin typeface="Bahnschrift Light Condensed" panose="020B0502040204020203" pitchFamily="34" charset="0"/>
+              </a:rPr>
+              <a:t>Alacsonyabb hatásfok</a:t>
+            </a:r>
+          </a:p>
+          <a:p>
+            <a:pPr lvl="1">
+              <a:buFontTx/>
+              <a:buChar char="-"/>
+            </a:pPr>
+            <a:r>
+              <a:rPr lang="hu-HU" sz="2000" dirty="0">
+                <a:latin typeface="Bahnschrift Light Condensed" panose="020B0502040204020203" pitchFamily="34" charset="0"/>
+              </a:rPr>
+              <a:t>Hangosabb</a:t>
             </a:r>
           </a:p>
           <a:p>
@@ -4797,101 +4991,34 @@
               <a:buFontTx/>
               <a:buChar char="-"/>
             </a:pPr>
-            <a:r>
-              <a:rPr lang="hu-HU" sz="2400" dirty="0" smtClean="0">
-                <a:latin typeface="Bahnschrift Light Condensed" panose="020B0502040204020203" pitchFamily="34" charset="0"/>
-              </a:rPr>
-              <a:t>Magasabb hatásfok</a:t>
-            </a:r>
+            <a:endParaRPr lang="hu-HU" sz="2200" dirty="0">
+              <a:latin typeface="Bahnschrift Light Condensed" panose="020B0502040204020203" pitchFamily="34" charset="0"/>
+            </a:endParaRPr>
           </a:p>
           <a:p>
             <a:pPr>
               <a:buFontTx/>
               <a:buChar char="-"/>
             </a:pPr>
-            <a:r>
-              <a:rPr lang="hu-HU" sz="2400" dirty="0" smtClean="0">
-                <a:latin typeface="Bahnschrift Light Condensed" panose="020B0502040204020203" pitchFamily="34" charset="0"/>
-              </a:rPr>
-              <a:t>Kisebb méret</a:t>
-            </a:r>
+            <a:endParaRPr lang="hu-HU" sz="2200" dirty="0">
+              <a:latin typeface="Bahnschrift Light Condensed" panose="020B0502040204020203" pitchFamily="34" charset="0"/>
+            </a:endParaRPr>
           </a:p>
           <a:p>
             <a:pPr>
               <a:buFontTx/>
               <a:buChar char="-"/>
             </a:pPr>
-            <a:r>
-              <a:rPr lang="hu-HU" sz="2400" dirty="0" smtClean="0">
-                <a:latin typeface="Bahnschrift Light Condensed" panose="020B0502040204020203" pitchFamily="34" charset="0"/>
-              </a:rPr>
-              <a:t>Csöndesebb</a:t>
-            </a:r>
-          </a:p>
-          <a:p>
-            <a:endParaRPr lang="hu-HU" sz="2400" dirty="0" smtClean="0">
+            <a:endParaRPr lang="hu-HU" sz="2200" dirty="0">
               <a:latin typeface="Bahnschrift Light Condensed" panose="020B0502040204020203" pitchFamily="34" charset="0"/>
             </a:endParaRPr>
-          </a:p>
-          <a:p>
-            <a:r>
-              <a:rPr lang="hu-HU" sz="2400" dirty="0" smtClean="0">
-                <a:latin typeface="Bahnschrift Light Condensed" panose="020B0502040204020203" pitchFamily="34" charset="0"/>
-              </a:rPr>
-              <a:t>Hátrányok</a:t>
-            </a:r>
-            <a:r>
-              <a:rPr lang="hu-HU" sz="2400" dirty="0" smtClean="0">
-                <a:latin typeface="Bahnschrift Light Condensed" panose="020B0502040204020203" pitchFamily="34" charset="0"/>
-              </a:rPr>
-              <a:t>:</a:t>
-            </a:r>
-          </a:p>
-          <a:p>
-            <a:pPr>
-              <a:buFontTx/>
-              <a:buChar char="-"/>
-            </a:pPr>
-            <a:r>
-              <a:rPr lang="hu-HU" sz="2400" dirty="0" smtClean="0">
-                <a:latin typeface="Bahnschrift Light Condensed" panose="020B0502040204020203" pitchFamily="34" charset="0"/>
-              </a:rPr>
-              <a:t>Nehezebb installáció</a:t>
-            </a:r>
-            <a:endParaRPr lang="hu-HU" sz="2400" dirty="0" smtClean="0">
-              <a:latin typeface="Bahnschrift Light Condensed" panose="020B0502040204020203" pitchFamily="34" charset="0"/>
-            </a:endParaRPr>
-          </a:p>
-          <a:p>
-            <a:pPr>
-              <a:buFontTx/>
-              <a:buChar char="-"/>
-            </a:pPr>
-            <a:r>
-              <a:rPr lang="hu-HU" sz="2400" dirty="0" smtClean="0">
-                <a:latin typeface="Bahnschrift Light Condensed" panose="020B0502040204020203" pitchFamily="34" charset="0"/>
-              </a:rPr>
-              <a:t>Alacsonyabb megbízhatóság</a:t>
-            </a:r>
-          </a:p>
-          <a:p>
-            <a:pPr>
-              <a:buFontTx/>
-              <a:buChar char="-"/>
-            </a:pPr>
-            <a:r>
-              <a:rPr lang="hu-HU" sz="2400" dirty="0" smtClean="0">
-                <a:latin typeface="Bahnschrift Light Condensed" panose="020B0502040204020203" pitchFamily="34" charset="0"/>
-              </a:rPr>
-              <a:t>Drágább</a:t>
-            </a:r>
           </a:p>
         </p:txBody>
       </p:sp>
     </p:spTree>
     <p:extLst>
       <p:ext uri="{BB962C8B-B14F-4D97-AF65-F5344CB8AC3E}">
-        <p14:creationId xmlns:p14="http://schemas.microsoft.com/office/powerpoint/2010/main" val="3345886198"/>
+        <p14:creationId xmlns:p14="http://schemas.microsoft.com/office/powerpoint/2010/main" val="815354087"/>
       </p:ext>
     </p:extLst>
   </p:cSld>
@@ -4901,13 +5028,6 @@
   <p:transition spd="med">
     <p:push dir="u"/>
   </p:transition>
-  <p:timing>
-    <p:tnLst>
-      <p:par>
-        <p:cTn id="1" dur="indefinite" restart="never" nodeType="tmRoot"/>
-      </p:par>
-    </p:tnLst>
-  </p:timing>
 </p:sld>
 </file>
 
@@ -4940,7 +5060,7 @@
         </p:nvSpPr>
         <p:spPr>
           <a:xfrm>
-            <a:off x="860436" y="209643"/>
+            <a:off x="849278" y="198495"/>
             <a:ext cx="9692640" cy="1325562"/>
           </a:xfrm>
         </p:spPr>
@@ -4949,14 +5069,11 @@
           <a:lstStyle/>
           <a:p>
             <a:r>
-              <a:rPr lang="hu-HU" dirty="0" smtClean="0">
-                <a:latin typeface="Bahnschrift Light Condensed" panose="020B0502040204020203" pitchFamily="34" charset="0"/>
-              </a:rPr>
-              <a:t>Passzív hűtés előnyei és hátrányai</a:t>
-            </a:r>
-            <a:endParaRPr lang="hu-HU" dirty="0">
-              <a:latin typeface="Bahnschrift Light Condensed" panose="020B0502040204020203" pitchFamily="34" charset="0"/>
-            </a:endParaRPr>
+              <a:rPr lang="hu-HU" dirty="0">
+                <a:latin typeface="Bahnschrift Light Condensed" panose="020B0502040204020203" pitchFamily="34" charset="0"/>
+              </a:rPr>
+              <a:t>Vízhűtés előnyei és hátrányai</a:t>
+            </a:r>
           </a:p>
         </p:txBody>
       </p:sp>
@@ -4972,7 +5089,7 @@
         </p:nvSpPr>
         <p:spPr>
           <a:xfrm>
-            <a:off x="860436" y="1535205"/>
+            <a:off x="849279" y="1590963"/>
             <a:ext cx="8595360" cy="4351337"/>
           </a:xfrm>
         </p:spPr>
@@ -4982,82 +5099,101 @@
           </a:bodyPr>
           <a:lstStyle/>
           <a:p>
-            <a:r>
-              <a:rPr lang="hu-HU" sz="2200" dirty="0" smtClean="0">
+            <a:endParaRPr lang="hu-HU" sz="2400" b="1" dirty="0">
+              <a:latin typeface="Bahnschrift Light Condensed" panose="020B0502040204020203" pitchFamily="34" charset="0"/>
+            </a:endParaRPr>
+          </a:p>
+          <a:p>
+            <a:r>
+              <a:rPr lang="hu-HU" sz="2400" b="1" dirty="0">
                 <a:latin typeface="Bahnschrift Light Condensed" panose="020B0502040204020203" pitchFamily="34" charset="0"/>
               </a:rPr>
               <a:t>Előnyök:</a:t>
             </a:r>
           </a:p>
           <a:p>
-            <a:pPr>
+            <a:pPr lvl="1">
               <a:buFontTx/>
               <a:buChar char="-"/>
             </a:pPr>
             <a:r>
-              <a:rPr lang="hu-HU" sz="2200" dirty="0" smtClean="0">
-                <a:latin typeface="Bahnschrift Light Condensed" panose="020B0502040204020203" pitchFamily="34" charset="0"/>
-              </a:rPr>
-              <a:t>Legcsöndesebb</a:t>
-            </a:r>
-          </a:p>
-          <a:p>
-            <a:pPr>
+              <a:rPr lang="hu-HU" sz="2200" dirty="0">
+                <a:latin typeface="Bahnschrift Light Condensed" panose="020B0502040204020203" pitchFamily="34" charset="0"/>
+              </a:rPr>
+              <a:t>Magasabb hatásfok</a:t>
+            </a:r>
+          </a:p>
+          <a:p>
+            <a:pPr lvl="1">
               <a:buFontTx/>
               <a:buChar char="-"/>
             </a:pPr>
             <a:r>
-              <a:rPr lang="hu-HU" sz="2200" dirty="0" smtClean="0">
-                <a:latin typeface="Bahnschrift Light Condensed" panose="020B0502040204020203" pitchFamily="34" charset="0"/>
-              </a:rPr>
-              <a:t>Alacsony </a:t>
-            </a:r>
-            <a:r>
-              <a:rPr lang="hu-HU" sz="2200" dirty="0" smtClean="0">
-                <a:latin typeface="Bahnschrift Light Condensed" panose="020B0502040204020203" pitchFamily="34" charset="0"/>
-              </a:rPr>
-              <a:t>áramfogyasztás</a:t>
-            </a:r>
-          </a:p>
-          <a:p>
-            <a:pPr>
+              <a:rPr lang="hu-HU" sz="2200" dirty="0">
+                <a:latin typeface="Bahnschrift Light Condensed" panose="020B0502040204020203" pitchFamily="34" charset="0"/>
+              </a:rPr>
+              <a:t>Kisebb méret</a:t>
+            </a:r>
+          </a:p>
+          <a:p>
+            <a:pPr lvl="1">
               <a:buFontTx/>
               <a:buChar char="-"/>
             </a:pPr>
-            <a:endParaRPr lang="hu-HU" sz="2200" dirty="0" smtClean="0">
+            <a:r>
+              <a:rPr lang="hu-HU" sz="2200" dirty="0">
+                <a:latin typeface="Bahnschrift Light Condensed" panose="020B0502040204020203" pitchFamily="34" charset="0"/>
+              </a:rPr>
+              <a:t>Csöndesebb</a:t>
+            </a:r>
+          </a:p>
+          <a:p>
+            <a:endParaRPr lang="hu-HU" sz="2400" dirty="0">
               <a:latin typeface="Bahnschrift Light Condensed" panose="020B0502040204020203" pitchFamily="34" charset="0"/>
             </a:endParaRPr>
           </a:p>
           <a:p>
             <a:r>
-              <a:rPr lang="hu-HU" sz="2200" dirty="0" smtClean="0">
+              <a:rPr lang="hu-HU" sz="2400" b="1" dirty="0">
                 <a:latin typeface="Bahnschrift Light Condensed" panose="020B0502040204020203" pitchFamily="34" charset="0"/>
               </a:rPr>
               <a:t>Hátrányok:</a:t>
             </a:r>
           </a:p>
           <a:p>
-            <a:pPr>
+            <a:pPr lvl="1">
               <a:buFontTx/>
               <a:buChar char="-"/>
             </a:pPr>
             <a:r>
-              <a:rPr lang="hu-HU" sz="2200" dirty="0" smtClean="0">
-                <a:latin typeface="Bahnschrift Light Condensed" panose="020B0502040204020203" pitchFamily="34" charset="0"/>
-              </a:rPr>
-              <a:t>Legalacsonyabb hatásfok</a:t>
-            </a:r>
-          </a:p>
-          <a:p>
-            <a:pPr>
+              <a:rPr lang="hu-HU" sz="2200" dirty="0">
+                <a:latin typeface="Bahnschrift Light Condensed" panose="020B0502040204020203" pitchFamily="34" charset="0"/>
+              </a:rPr>
+              <a:t>Nehezebb installáció</a:t>
+            </a:r>
+          </a:p>
+          <a:p>
+            <a:pPr lvl="1">
               <a:buFontTx/>
               <a:buChar char="-"/>
             </a:pPr>
             <a:r>
-              <a:rPr lang="hu-HU" sz="2200" dirty="0" smtClean="0">
-                <a:latin typeface="Bahnschrift Light Condensed" panose="020B0502040204020203" pitchFamily="34" charset="0"/>
-              </a:rPr>
-              <a:t>Több tisztítást igényel</a:t>
+              <a:rPr lang="hu-HU" sz="2200" dirty="0">
+                <a:latin typeface="Bahnschrift Light Condensed" panose="020B0502040204020203" pitchFamily="34" charset="0"/>
+              </a:rPr>
+              <a:t>Alacsonyabb megbízhatóság</a:t>
+            </a:r>
+          </a:p>
+          <a:p>
+            <a:pPr lvl="1">
+              <a:buFontTx/>
+              <a:buChar char="-"/>
+            </a:pPr>
+            <a:r>
+              <a:rPr lang="hu-HU" sz="2200" dirty="0">
+                <a:latin typeface="Bahnschrift Light Condensed" panose="020B0502040204020203" pitchFamily="34" charset="0"/>
+              </a:rPr>
+              <a:t>Drágább</a:t>
             </a:r>
           </a:p>
         </p:txBody>
@@ -5065,7 +5201,7 @@
     </p:spTree>
     <p:extLst>
       <p:ext uri="{BB962C8B-B14F-4D97-AF65-F5344CB8AC3E}">
-        <p14:creationId xmlns:p14="http://schemas.microsoft.com/office/powerpoint/2010/main" val="2190678697"/>
+        <p14:creationId xmlns:p14="http://schemas.microsoft.com/office/powerpoint/2010/main" val="3345886198"/>
       </p:ext>
     </p:extLst>
   </p:cSld>
@@ -5075,13 +5211,6 @@
   <p:transition spd="med">
     <p:push dir="u"/>
   </p:transition>
-  <p:timing>
-    <p:tnLst>
-      <p:par>
-        <p:cTn id="1" dur="indefinite" restart="never" nodeType="tmRoot"/>
-      </p:par>
-    </p:tnLst>
-  </p:timing>
 </p:sld>
 </file>
 
@@ -5114,7 +5243,7 @@
         </p:nvSpPr>
         <p:spPr>
           <a:xfrm>
-            <a:off x="871587" y="198495"/>
+            <a:off x="860436" y="209643"/>
             <a:ext cx="9692640" cy="1325562"/>
           </a:xfrm>
         </p:spPr>
@@ -5123,14 +5252,11 @@
           <a:lstStyle/>
           <a:p>
             <a:r>
-              <a:rPr lang="hu-HU" dirty="0" err="1" smtClean="0">
-                <a:latin typeface="Bahnschrift Light Condensed" panose="020B0502040204020203" pitchFamily="34" charset="0"/>
-              </a:rPr>
-              <a:t>Soft-cooling</a:t>
-            </a:r>
-            <a:endParaRPr lang="hu-HU" dirty="0">
-              <a:latin typeface="Bahnschrift Light Condensed" panose="020B0502040204020203" pitchFamily="34" charset="0"/>
-            </a:endParaRPr>
+              <a:rPr lang="hu-HU" dirty="0">
+                <a:latin typeface="Bahnschrift Light Condensed" panose="020B0502040204020203" pitchFamily="34" charset="0"/>
+              </a:rPr>
+              <a:t>Passzív hűtés előnyei és hátrányai</a:t>
+            </a:r>
           </a:p>
         </p:txBody>
       </p:sp>
@@ -5146,48 +5272,50 @@
         </p:nvSpPr>
         <p:spPr>
           <a:xfrm>
-            <a:off x="860433" y="1572324"/>
+            <a:off x="860436" y="1535205"/>
             <a:ext cx="8595360" cy="4351337"/>
           </a:xfrm>
         </p:spPr>
         <p:txBody>
           <a:bodyPr>
-            <a:normAutofit fontScale="92500" lnSpcReduction="10000"/>
+            <a:normAutofit/>
           </a:bodyPr>
           <a:lstStyle/>
           <a:p>
-            <a:r>
-              <a:rPr lang="hu-HU" sz="2400" dirty="0" smtClean="0">
-                <a:latin typeface="Bahnschrift Light Condensed" panose="020B0502040204020203" pitchFamily="34" charset="0"/>
-              </a:rPr>
-              <a:t>A CPU automatikusan csökkenti a teljesítményét, ha egy beállított hőfokon túlmegy.</a:t>
-            </a:r>
-          </a:p>
-          <a:p>
-            <a:r>
-              <a:rPr lang="hu-HU" sz="2400" dirty="0" smtClean="0">
-                <a:latin typeface="Bahnschrift Light Condensed" panose="020B0502040204020203" pitchFamily="34" charset="0"/>
-              </a:rPr>
-              <a:t>Ez hosszabbítja a CPU élettartamát, és kevesebb áramot fogyaszt.</a:t>
-            </a:r>
-          </a:p>
-          <a:p>
-            <a:endParaRPr lang="hu-HU" sz="2400" dirty="0" smtClean="0">
+            <a:endParaRPr lang="hu-HU" sz="2200" b="1" dirty="0">
               <a:latin typeface="Bahnschrift Light Condensed" panose="020B0502040204020203" pitchFamily="34" charset="0"/>
             </a:endParaRPr>
           </a:p>
           <a:p>
             <a:r>
-              <a:rPr lang="hu-HU" sz="2400" dirty="0" smtClean="0">
-                <a:latin typeface="Bahnschrift Light Condensed" panose="020B0502040204020203" pitchFamily="34" charset="0"/>
-              </a:rPr>
-              <a:t>AMD </a:t>
-            </a:r>
-            <a:r>
-              <a:rPr lang="hu-HU" sz="2400" dirty="0" smtClean="0">
-                <a:latin typeface="Bahnschrift Light Condensed" panose="020B0502040204020203" pitchFamily="34" charset="0"/>
-              </a:rPr>
-              <a:t>technológiái:</a:t>
+              <a:rPr lang="hu-HU" sz="2200" b="1" dirty="0">
+                <a:latin typeface="Bahnschrift Light Condensed" panose="020B0502040204020203" pitchFamily="34" charset="0"/>
+              </a:rPr>
+              <a:t>Előnyök:</a:t>
+            </a:r>
+          </a:p>
+          <a:p>
+            <a:pPr lvl="1">
+              <a:buFontTx/>
+              <a:buChar char="-"/>
+            </a:pPr>
+            <a:r>
+              <a:rPr lang="hu-HU" sz="2000" dirty="0">
+                <a:latin typeface="Bahnschrift Light Condensed" panose="020B0502040204020203" pitchFamily="34" charset="0"/>
+              </a:rPr>
+              <a:t>Legcsöndesebb</a:t>
+            </a:r>
+          </a:p>
+          <a:p>
+            <a:pPr lvl="1">
+              <a:buFontTx/>
+              <a:buChar char="-"/>
+            </a:pPr>
+            <a:r>
+              <a:rPr lang="hu-HU" sz="2000" dirty="0">
+                <a:latin typeface="Bahnschrift Light Condensed" panose="020B0502040204020203" pitchFamily="34" charset="0"/>
+              </a:rPr>
+              <a:t>Alacsony áramfogyasztás</a:t>
             </a:r>
           </a:p>
           <a:p>
@@ -5195,83 +5323,48 @@
               <a:buFontTx/>
               <a:buChar char="-"/>
             </a:pPr>
-            <a:r>
-              <a:rPr lang="hu-HU" sz="2400" dirty="0" err="1" smtClean="0">
-                <a:latin typeface="Bahnschrift Light Condensed" panose="020B0502040204020203" pitchFamily="34" charset="0"/>
-              </a:rPr>
-              <a:t>Cool’n’Quiet</a:t>
-            </a:r>
-            <a:endParaRPr lang="hu-HU" sz="2400" dirty="0" smtClean="0">
+            <a:endParaRPr lang="hu-HU" sz="2200" dirty="0">
               <a:latin typeface="Bahnschrift Light Condensed" panose="020B0502040204020203" pitchFamily="34" charset="0"/>
             </a:endParaRPr>
           </a:p>
           <a:p>
-            <a:pPr>
+            <a:r>
+              <a:rPr lang="hu-HU" sz="2200" b="1" dirty="0">
+                <a:latin typeface="Bahnschrift Light Condensed" panose="020B0502040204020203" pitchFamily="34" charset="0"/>
+              </a:rPr>
+              <a:t>Hátrányok:</a:t>
+            </a:r>
+          </a:p>
+          <a:p>
+            <a:pPr lvl="1">
               <a:buFontTx/>
               <a:buChar char="-"/>
             </a:pPr>
             <a:r>
-              <a:rPr lang="hu-HU" sz="2400" dirty="0" err="1" smtClean="0">
-                <a:latin typeface="Bahnschrift Light Condensed" panose="020B0502040204020203" pitchFamily="34" charset="0"/>
-              </a:rPr>
-              <a:t>PowerNow</a:t>
-            </a:r>
-            <a:r>
-              <a:rPr lang="hu-HU" sz="2400" dirty="0" smtClean="0">
-                <a:latin typeface="Bahnschrift Light Condensed" panose="020B0502040204020203" pitchFamily="34" charset="0"/>
-              </a:rPr>
-              <a:t>!</a:t>
-            </a:r>
-          </a:p>
-          <a:p>
-            <a:endParaRPr lang="hu-HU" sz="2400" dirty="0" smtClean="0">
-              <a:latin typeface="Bahnschrift Light Condensed" panose="020B0502040204020203" pitchFamily="34" charset="0"/>
-            </a:endParaRPr>
-          </a:p>
-          <a:p>
-            <a:r>
-              <a:rPr lang="hu-HU" sz="2400" dirty="0" smtClean="0">
-                <a:latin typeface="Bahnschrift Light Condensed" panose="020B0502040204020203" pitchFamily="34" charset="0"/>
-              </a:rPr>
-              <a:t>Intel </a:t>
-            </a:r>
-            <a:r>
-              <a:rPr lang="hu-HU" sz="2400" dirty="0" smtClean="0">
-                <a:latin typeface="Bahnschrift Light Condensed" panose="020B0502040204020203" pitchFamily="34" charset="0"/>
-              </a:rPr>
-              <a:t>technológiája:</a:t>
-            </a:r>
-          </a:p>
-          <a:p>
-            <a:pPr>
+              <a:rPr lang="hu-HU" sz="2000" dirty="0">
+                <a:latin typeface="Bahnschrift Light Condensed" panose="020B0502040204020203" pitchFamily="34" charset="0"/>
+              </a:rPr>
+              <a:t>Legalacsonyabb hatásfok</a:t>
+            </a:r>
+          </a:p>
+          <a:p>
+            <a:pPr lvl="1">
               <a:buFontTx/>
               <a:buChar char="-"/>
             </a:pPr>
             <a:r>
-              <a:rPr lang="hu-HU" sz="2400" dirty="0" err="1" smtClean="0">
-                <a:latin typeface="Bahnschrift Light Condensed" panose="020B0502040204020203" pitchFamily="34" charset="0"/>
-              </a:rPr>
-              <a:t>SpeedStep</a:t>
-            </a:r>
-            <a:endParaRPr lang="hu-HU" sz="2400" dirty="0" smtClean="0">
-              <a:latin typeface="Bahnschrift Light Condensed" panose="020B0502040204020203" pitchFamily="34" charset="0"/>
-            </a:endParaRPr>
-          </a:p>
-          <a:p>
-            <a:pPr>
-              <a:buFontTx/>
-              <a:buChar char="-"/>
-            </a:pPr>
-            <a:endParaRPr lang="hu-HU" sz="2400" dirty="0">
-              <a:latin typeface="Bahnschrift Light Condensed" panose="020B0502040204020203" pitchFamily="34" charset="0"/>
-            </a:endParaRPr>
+              <a:rPr lang="hu-HU" sz="2000" dirty="0">
+                <a:latin typeface="Bahnschrift Light Condensed" panose="020B0502040204020203" pitchFamily="34" charset="0"/>
+              </a:rPr>
+              <a:t>Több tisztítást igényel</a:t>
+            </a:r>
           </a:p>
         </p:txBody>
       </p:sp>
     </p:spTree>
     <p:extLst>
       <p:ext uri="{BB962C8B-B14F-4D97-AF65-F5344CB8AC3E}">
-        <p14:creationId xmlns:p14="http://schemas.microsoft.com/office/powerpoint/2010/main" val="2013613086"/>
+        <p14:creationId xmlns:p14="http://schemas.microsoft.com/office/powerpoint/2010/main" val="2190678697"/>
       </p:ext>
     </p:extLst>
   </p:cSld>
@@ -5281,13 +5374,6 @@
   <p:transition spd="med">
     <p:push dir="u"/>
   </p:transition>
-  <p:timing>
-    <p:tnLst>
-      <p:par>
-        <p:cTn id="1" dur="indefinite" restart="never" nodeType="tmRoot"/>
-      </p:par>
-    </p:tnLst>
-  </p:timing>
 </p:sld>
 </file>
 
@@ -5310,7 +5396,13 @@
       </p:grpSpPr>
       <p:sp>
         <p:nvSpPr>
-          <p:cNvPr id="2" name="Cím 1"/>
+          <p:cNvPr id="2" name="Title 1">
+            <a:extLst>
+              <a:ext uri="{FF2B5EF4-FFF2-40B4-BE49-F238E27FC236}">
+                <a16:creationId xmlns:a16="http://schemas.microsoft.com/office/drawing/2014/main" id="{B6ECC873-C4B2-8277-90BA-144E41826CF3}"/>
+              </a:ext>
+            </a:extLst>
+          </p:cNvPr>
           <p:cNvSpPr>
             <a:spLocks noGrp="1"/>
           </p:cNvSpPr>
@@ -5320,7 +5412,7 @@
         </p:nvSpPr>
         <p:spPr>
           <a:xfrm>
-            <a:off x="882735" y="209645"/>
+            <a:off x="825644" y="2103438"/>
             <a:ext cx="9692640" cy="1325562"/>
           </a:xfrm>
         </p:spPr>
@@ -5328,117 +5420,26 @@
           <a:bodyPr/>
           <a:lstStyle/>
           <a:p>
-            <a:r>
-              <a:rPr lang="hu-HU" dirty="0" smtClean="0">
-                <a:latin typeface="Bahnschrift Light Condensed" panose="020B0502040204020203" pitchFamily="34" charset="0"/>
-              </a:rPr>
-              <a:t>AMD-nek miért van 2 féle technológiája?</a:t>
-            </a:r>
-            <a:endParaRPr lang="hu-HU" dirty="0">
-              <a:latin typeface="Bahnschrift Light Condensed" panose="020B0502040204020203" pitchFamily="34" charset="0"/>
-            </a:endParaRPr>
-          </a:p>
-        </p:txBody>
-      </p:sp>
-      <p:sp>
-        <p:nvSpPr>
-          <p:cNvPr id="3" name="Tartalom helye 2"/>
-          <p:cNvSpPr>
-            <a:spLocks noGrp="1"/>
-          </p:cNvSpPr>
-          <p:nvPr>
-            <p:ph idx="1"/>
-          </p:nvPr>
-        </p:nvSpPr>
-        <p:spPr>
-          <a:xfrm>
-            <a:off x="882735" y="1535207"/>
-            <a:ext cx="8595360" cy="4351337"/>
-          </a:xfrm>
-        </p:spPr>
-        <p:txBody>
-          <a:bodyPr>
-            <a:normAutofit/>
-          </a:bodyPr>
-          <a:lstStyle/>
-          <a:p>
-            <a:r>
-              <a:rPr lang="hu-HU" sz="2200" dirty="0" err="1" smtClean="0">
-                <a:latin typeface="Bahnschrift Light Condensed" panose="020B0502040204020203" pitchFamily="34" charset="0"/>
-              </a:rPr>
-              <a:t>Cool’n’Quiet</a:t>
-            </a:r>
-            <a:r>
-              <a:rPr lang="hu-HU" sz="2200" dirty="0" smtClean="0">
-                <a:latin typeface="Bahnschrift Light Condensed" panose="020B0502040204020203" pitchFamily="34" charset="0"/>
-              </a:rPr>
-              <a:t>-et asztali és szerver számítógépekben használják.</a:t>
-            </a:r>
-          </a:p>
-          <a:p>
-            <a:r>
-              <a:rPr lang="hu-HU" sz="2200" dirty="0" smtClean="0">
-                <a:latin typeface="Bahnschrift Light Condensed" panose="020B0502040204020203" pitchFamily="34" charset="0"/>
-              </a:rPr>
-              <a:t>A </a:t>
-            </a:r>
-            <a:r>
-              <a:rPr lang="hu-HU" sz="2200" dirty="0" err="1" smtClean="0">
-                <a:latin typeface="Bahnschrift Light Condensed" panose="020B0502040204020203" pitchFamily="34" charset="0"/>
-              </a:rPr>
-              <a:t>PowerNow</a:t>
-            </a:r>
-            <a:r>
-              <a:rPr lang="hu-HU" sz="2200" dirty="0" smtClean="0">
-                <a:latin typeface="Bahnschrift Light Condensed" panose="020B0502040204020203" pitchFamily="34" charset="0"/>
-              </a:rPr>
-              <a:t>!-</a:t>
-            </a:r>
-            <a:r>
-              <a:rPr lang="hu-HU" sz="2200" dirty="0" err="1" smtClean="0">
-                <a:latin typeface="Bahnschrift Light Condensed" panose="020B0502040204020203" pitchFamily="34" charset="0"/>
-              </a:rPr>
-              <a:t>ot</a:t>
-            </a:r>
-            <a:r>
-              <a:rPr lang="hu-HU" sz="2200" dirty="0" smtClean="0">
-                <a:latin typeface="Bahnschrift Light Condensed" panose="020B0502040204020203" pitchFamily="34" charset="0"/>
-              </a:rPr>
-              <a:t> laptopokban használták.</a:t>
-            </a:r>
-          </a:p>
-          <a:p>
-            <a:endParaRPr lang="hu-HU" sz="2200" dirty="0">
-              <a:latin typeface="Bahnschrift Light Condensed" panose="020B0502040204020203" pitchFamily="34" charset="0"/>
-            </a:endParaRPr>
-          </a:p>
-          <a:p>
-            <a:endParaRPr lang="hu-HU" sz="2200" dirty="0">
-              <a:latin typeface="Bahnschrift Light Condensed" panose="020B0502040204020203" pitchFamily="34" charset="0"/>
-            </a:endParaRPr>
+            <a:pPr algn="ctr"/>
+            <a:r>
+              <a:rPr lang="hu-HU" dirty="0">
+                <a:latin typeface="Bahnschrift Light Condensed" panose="020B0502040204020203" pitchFamily="34" charset="0"/>
+              </a:rPr>
+              <a:t>Egyéb hűtési technológiák</a:t>
+            </a:r>
           </a:p>
         </p:txBody>
       </p:sp>
     </p:spTree>
     <p:extLst>
       <p:ext uri="{BB962C8B-B14F-4D97-AF65-F5344CB8AC3E}">
-        <p14:creationId xmlns:p14="http://schemas.microsoft.com/office/powerpoint/2010/main" val="1232880937"/>
+        <p14:creationId xmlns:p14="http://schemas.microsoft.com/office/powerpoint/2010/main" val="1648511137"/>
       </p:ext>
     </p:extLst>
   </p:cSld>
   <p:clrMapOvr>
     <a:masterClrMapping/>
   </p:clrMapOvr>
-  <p:transition spd="med">
-    <p:push dir="u"/>
-  </p:transition>
-  <p:timing>
-    <p:tnLst>
-      <p:par>
-        <p:cTn id="1" dur="indefinite" restart="never" nodeType="tmRoot"/>
-      </p:par>
-    </p:tnLst>
-  </p:timing>
 </p:sld>
 </file>
 
@@ -5471,7 +5472,7 @@
         </p:nvSpPr>
         <p:spPr>
           <a:xfrm>
-            <a:off x="882738" y="220797"/>
+            <a:off x="871587" y="198495"/>
             <a:ext cx="9692640" cy="1325562"/>
           </a:xfrm>
         </p:spPr>
@@ -5480,16 +5481,10 @@
           <a:lstStyle/>
           <a:p>
             <a:r>
-              <a:rPr lang="hu-HU" dirty="0" smtClean="0">
-                <a:latin typeface="Bahnschrift Light Condensed" panose="020B0502040204020203" pitchFamily="34" charset="0"/>
-              </a:rPr>
-              <a:t>AMD </a:t>
-            </a:r>
-            <a:r>
-              <a:rPr lang="hu-HU" dirty="0" err="1" smtClean="0">
-                <a:latin typeface="Bahnschrift Light Condensed" panose="020B0502040204020203" pitchFamily="34" charset="0"/>
-              </a:rPr>
-              <a:t>Cool’n’Quiet</a:t>
+              <a:rPr lang="hu-HU" dirty="0" err="1">
+                <a:latin typeface="Bahnschrift Light Condensed" panose="020B0502040204020203" pitchFamily="34" charset="0"/>
+              </a:rPr>
+              <a:t>Soft-cooling</a:t>
             </a:r>
             <a:endParaRPr lang="hu-HU" dirty="0">
               <a:latin typeface="Bahnschrift Light Condensed" panose="020B0502040204020203" pitchFamily="34" charset="0"/>
@@ -5509,72 +5504,120 @@
         </p:nvSpPr>
         <p:spPr>
           <a:xfrm>
-            <a:off x="882738" y="1546359"/>
+            <a:off x="860433" y="1572324"/>
             <a:ext cx="8595360" cy="4351337"/>
           </a:xfrm>
         </p:spPr>
         <p:txBody>
           <a:bodyPr>
-            <a:normAutofit/>
+            <a:normAutofit lnSpcReduction="10000"/>
           </a:bodyPr>
           <a:lstStyle/>
           <a:p>
             <a:r>
-              <a:rPr lang="hu-HU" sz="2200" dirty="0" smtClean="0">
-                <a:latin typeface="Bahnschrift Light Condensed" panose="020B0502040204020203" pitchFamily="34" charset="0"/>
-              </a:rPr>
-              <a:t>2002-ben jelent meg.</a:t>
-            </a:r>
-          </a:p>
-          <a:p>
-            <a:r>
-              <a:rPr lang="hu-HU" sz="2200" dirty="0" smtClean="0">
-                <a:latin typeface="Bahnschrift Light Condensed" panose="020B0502040204020203" pitchFamily="34" charset="0"/>
-              </a:rPr>
-              <a:t>Érzékeli, amikor a processzor </a:t>
-            </a:r>
-            <a:r>
-              <a:rPr lang="hu-HU" sz="2200" dirty="0" smtClean="0">
-                <a:latin typeface="Bahnschrift Light Condensed" panose="020B0502040204020203" pitchFamily="34" charset="0"/>
-              </a:rPr>
-              <a:t>nem végez munkát, </a:t>
-            </a:r>
-            <a:r>
-              <a:rPr lang="hu-HU" sz="2200" dirty="0" smtClean="0">
-                <a:latin typeface="Bahnschrift Light Condensed" panose="020B0502040204020203" pitchFamily="34" charset="0"/>
-              </a:rPr>
-              <a:t>és csökkenti az órajelét.</a:t>
-            </a:r>
-          </a:p>
-          <a:p>
-            <a:r>
-              <a:rPr lang="hu-HU" sz="2200" dirty="0" smtClean="0">
-                <a:latin typeface="Bahnschrift Light Condensed" panose="020B0502040204020203" pitchFamily="34" charset="0"/>
-              </a:rPr>
-              <a:t>Mai </a:t>
-            </a:r>
-            <a:r>
-              <a:rPr lang="hu-HU" sz="2200" dirty="0" err="1" smtClean="0">
-                <a:latin typeface="Bahnschrift Light Condensed" panose="020B0502040204020203" pitchFamily="34" charset="0"/>
-              </a:rPr>
-              <a:t>Ryzen</a:t>
-            </a:r>
-            <a:r>
-              <a:rPr lang="hu-HU" sz="2200" dirty="0" smtClean="0">
-                <a:latin typeface="Bahnschrift Light Condensed" panose="020B0502040204020203" pitchFamily="34" charset="0"/>
-              </a:rPr>
-              <a:t> processzorokban is használják.</a:t>
+              <a:rPr lang="hu-HU" sz="2400" dirty="0">
+                <a:latin typeface="Bahnschrift Light Condensed" panose="020B0502040204020203" pitchFamily="34" charset="0"/>
+              </a:rPr>
+              <a:t>A CPU automatikusan csökkenti a teljesítményét, ha egy beállított hőfokon túlmegy.</a:t>
+            </a:r>
+          </a:p>
+          <a:p>
+            <a:r>
+              <a:rPr lang="hu-HU" sz="2400" dirty="0">
+                <a:latin typeface="Bahnschrift Light Condensed" panose="020B0502040204020203" pitchFamily="34" charset="0"/>
+              </a:rPr>
+              <a:t>Ez hosszabbítja a CPU élettartamát és kevesebb áramot fogyaszt.</a:t>
+            </a:r>
+          </a:p>
+          <a:p>
+            <a:endParaRPr lang="hu-HU" sz="2400" dirty="0">
+              <a:latin typeface="Bahnschrift Light Condensed" panose="020B0502040204020203" pitchFamily="34" charset="0"/>
+            </a:endParaRPr>
+          </a:p>
+          <a:p>
+            <a:r>
+              <a:rPr lang="hu-HU" sz="2400" b="1" dirty="0">
+                <a:latin typeface="Bahnschrift Light Condensed" panose="020B0502040204020203" pitchFamily="34" charset="0"/>
+              </a:rPr>
+              <a:t>AMD technológiái:</a:t>
+            </a:r>
+          </a:p>
+          <a:p>
+            <a:pPr lvl="1">
+              <a:buFontTx/>
+              <a:buChar char="-"/>
+            </a:pPr>
+            <a:r>
+              <a:rPr lang="hu-HU" sz="2200" dirty="0" err="1">
+                <a:latin typeface="Bahnschrift Light Condensed" panose="020B0502040204020203" pitchFamily="34" charset="0"/>
+              </a:rPr>
+              <a:t>Cool’n’Quiet</a:t>
             </a:r>
             <a:endParaRPr lang="hu-HU" sz="2200" dirty="0">
               <a:latin typeface="Bahnschrift Light Condensed" panose="020B0502040204020203" pitchFamily="34" charset="0"/>
             </a:endParaRPr>
           </a:p>
+          <a:p>
+            <a:pPr lvl="1">
+              <a:buFontTx/>
+              <a:buChar char="-"/>
+            </a:pPr>
+            <a:r>
+              <a:rPr lang="hu-HU" sz="2200" dirty="0" err="1">
+                <a:latin typeface="Bahnschrift Light Condensed" panose="020B0502040204020203" pitchFamily="34" charset="0"/>
+              </a:rPr>
+              <a:t>PowerNow</a:t>
+            </a:r>
+            <a:r>
+              <a:rPr lang="hu-HU" sz="2200" dirty="0">
+                <a:latin typeface="Bahnschrift Light Condensed" panose="020B0502040204020203" pitchFamily="34" charset="0"/>
+              </a:rPr>
+              <a:t>!</a:t>
+            </a:r>
+          </a:p>
+          <a:p>
+            <a:endParaRPr lang="hu-HU" sz="2400" dirty="0">
+              <a:latin typeface="Bahnschrift Light Condensed" panose="020B0502040204020203" pitchFamily="34" charset="0"/>
+            </a:endParaRPr>
+          </a:p>
+          <a:p>
+            <a:r>
+              <a:rPr lang="hu-HU" sz="2400" b="1" dirty="0">
+                <a:latin typeface="Bahnschrift Light Condensed" panose="020B0502040204020203" pitchFamily="34" charset="0"/>
+              </a:rPr>
+              <a:t>Intel technológiája:</a:t>
+            </a:r>
+          </a:p>
+          <a:p>
+            <a:pPr lvl="1">
+              <a:buFontTx/>
+              <a:buChar char="-"/>
+            </a:pPr>
+            <a:r>
+              <a:rPr lang="hu-HU" sz="2200" dirty="0" err="1">
+                <a:latin typeface="Bahnschrift Light Condensed" panose="020B0502040204020203" pitchFamily="34" charset="0"/>
+              </a:rPr>
+              <a:t>SpeedStep</a:t>
+            </a:r>
+            <a:endParaRPr lang="hu-HU" sz="2200" dirty="0">
+              <a:latin typeface="Bahnschrift Light Condensed" panose="020B0502040204020203" pitchFamily="34" charset="0"/>
+            </a:endParaRPr>
+          </a:p>
+          <a:p>
+            <a:pPr>
+              <a:buFontTx/>
+              <a:buChar char="-"/>
+            </a:pPr>
+            <a:endParaRPr lang="hu-HU" sz="2400" dirty="0">
+              <a:latin typeface="Bahnschrift Light Condensed" panose="020B0502040204020203" pitchFamily="34" charset="0"/>
+            </a:endParaRPr>
+          </a:p>
         </p:txBody>
       </p:sp>
     </p:spTree>
     <p:extLst>
       <p:ext uri="{BB962C8B-B14F-4D97-AF65-F5344CB8AC3E}">
-        <p14:creationId xmlns:p14="http://schemas.microsoft.com/office/powerpoint/2010/main" val="1249238243"/>
+        <p14:creationId xmlns:p14="http://schemas.microsoft.com/office/powerpoint/2010/main" val="2013613086"/>
       </p:ext>
     </p:extLst>
   </p:cSld>
@@ -5584,13 +5627,6 @@
   <p:transition spd="med">
     <p:push dir="u"/>
   </p:transition>
-  <p:timing>
-    <p:tnLst>
-      <p:par>
-        <p:cTn id="1" dur="indefinite" restart="never" nodeType="tmRoot"/>
-      </p:par>
-    </p:tnLst>
-  </p:timing>
 </p:sld>
 </file>
 
